--- a/doc/x-monitor.eBPF Observe & Profiling.pptx
+++ b/doc/x-monitor.eBPF Observe & Profiling.pptx
@@ -6,7 +6,10 @@
   </p:sldMasterIdLst>
   <p:sldIdLst>
     <p:sldId id="257" r:id="rId2"/>
-    <p:sldId id="256" r:id="rId3"/>
+    <p:sldId id="258" r:id="rId3"/>
+    <p:sldId id="259" r:id="rId4"/>
+    <p:sldId id="260" r:id="rId5"/>
+    <p:sldId id="261" r:id="rId6"/>
   </p:sldIdLst>
   <p:sldSz cx="12192000" cy="6858000"/>
   <p:notesSz cx="6858000" cy="9144000"/>
@@ -255,7 +258,7 @@
           <a:p>
             <a:fld id="{F7F88A0A-AF19-4274-B897-6F8B9E954E04}" type="datetimeFigureOut">
               <a:rPr lang="zh-CN" altLang="en-US" smtClean="0"/>
-              <a:t>2023/11/21</a:t>
+              <a:t>2023/12/8</a:t>
             </a:fld>
             <a:endParaRPr lang="zh-CN" altLang="en-US"/>
           </a:p>
@@ -425,7 +428,7 @@
           <a:p>
             <a:fld id="{F7F88A0A-AF19-4274-B897-6F8B9E954E04}" type="datetimeFigureOut">
               <a:rPr lang="zh-CN" altLang="en-US" smtClean="0"/>
-              <a:t>2023/11/21</a:t>
+              <a:t>2023/12/8</a:t>
             </a:fld>
             <a:endParaRPr lang="zh-CN" altLang="en-US"/>
           </a:p>
@@ -605,7 +608,7 @@
           <a:p>
             <a:fld id="{F7F88A0A-AF19-4274-B897-6F8B9E954E04}" type="datetimeFigureOut">
               <a:rPr lang="zh-CN" altLang="en-US" smtClean="0"/>
-              <a:t>2023/11/21</a:t>
+              <a:t>2023/12/8</a:t>
             </a:fld>
             <a:endParaRPr lang="zh-CN" altLang="en-US"/>
           </a:p>
@@ -775,7 +778,7 @@
           <a:p>
             <a:fld id="{F7F88A0A-AF19-4274-B897-6F8B9E954E04}" type="datetimeFigureOut">
               <a:rPr lang="zh-CN" altLang="en-US" smtClean="0"/>
-              <a:t>2023/11/21</a:t>
+              <a:t>2023/12/8</a:t>
             </a:fld>
             <a:endParaRPr lang="zh-CN" altLang="en-US"/>
           </a:p>
@@ -1021,7 +1024,7 @@
           <a:p>
             <a:fld id="{F7F88A0A-AF19-4274-B897-6F8B9E954E04}" type="datetimeFigureOut">
               <a:rPr lang="zh-CN" altLang="en-US" smtClean="0"/>
-              <a:t>2023/11/21</a:t>
+              <a:t>2023/12/8</a:t>
             </a:fld>
             <a:endParaRPr lang="zh-CN" altLang="en-US"/>
           </a:p>
@@ -1253,7 +1256,7 @@
           <a:p>
             <a:fld id="{F7F88A0A-AF19-4274-B897-6F8B9E954E04}" type="datetimeFigureOut">
               <a:rPr lang="zh-CN" altLang="en-US" smtClean="0"/>
-              <a:t>2023/11/21</a:t>
+              <a:t>2023/12/8</a:t>
             </a:fld>
             <a:endParaRPr lang="zh-CN" altLang="en-US"/>
           </a:p>
@@ -1620,7 +1623,7 @@
           <a:p>
             <a:fld id="{F7F88A0A-AF19-4274-B897-6F8B9E954E04}" type="datetimeFigureOut">
               <a:rPr lang="zh-CN" altLang="en-US" smtClean="0"/>
-              <a:t>2023/11/21</a:t>
+              <a:t>2023/12/8</a:t>
             </a:fld>
             <a:endParaRPr lang="zh-CN" altLang="en-US"/>
           </a:p>
@@ -1738,7 +1741,7 @@
           <a:p>
             <a:fld id="{F7F88A0A-AF19-4274-B897-6F8B9E954E04}" type="datetimeFigureOut">
               <a:rPr lang="zh-CN" altLang="en-US" smtClean="0"/>
-              <a:t>2023/11/21</a:t>
+              <a:t>2023/12/8</a:t>
             </a:fld>
             <a:endParaRPr lang="zh-CN" altLang="en-US"/>
           </a:p>
@@ -1833,7 +1836,7 @@
           <a:p>
             <a:fld id="{F7F88A0A-AF19-4274-B897-6F8B9E954E04}" type="datetimeFigureOut">
               <a:rPr lang="zh-CN" altLang="en-US" smtClean="0"/>
-              <a:t>2023/11/21</a:t>
+              <a:t>2023/12/8</a:t>
             </a:fld>
             <a:endParaRPr lang="zh-CN" altLang="en-US"/>
           </a:p>
@@ -2110,7 +2113,7 @@
           <a:p>
             <a:fld id="{F7F88A0A-AF19-4274-B897-6F8B9E954E04}" type="datetimeFigureOut">
               <a:rPr lang="zh-CN" altLang="en-US" smtClean="0"/>
-              <a:t>2023/11/21</a:t>
+              <a:t>2023/12/8</a:t>
             </a:fld>
             <a:endParaRPr lang="zh-CN" altLang="en-US"/>
           </a:p>
@@ -2367,7 +2370,7 @@
           <a:p>
             <a:fld id="{F7F88A0A-AF19-4274-B897-6F8B9E954E04}" type="datetimeFigureOut">
               <a:rPr lang="zh-CN" altLang="en-US" smtClean="0"/>
-              <a:t>2023/11/21</a:t>
+              <a:t>2023/12/8</a:t>
             </a:fld>
             <a:endParaRPr lang="zh-CN" altLang="en-US"/>
           </a:p>
@@ -2580,7 +2583,7 @@
           <a:p>
             <a:fld id="{F7F88A0A-AF19-4274-B897-6F8B9E954E04}" type="datetimeFigureOut">
               <a:rPr lang="zh-CN" altLang="en-US" smtClean="0"/>
-              <a:t>2023/11/21</a:t>
+              <a:t>2023/12/8</a:t>
             </a:fld>
             <a:endParaRPr lang="zh-CN" altLang="en-US"/>
           </a:p>
@@ -3014,27 +3017,309 @@
         </p:nvSpPr>
         <p:spPr>
           <a:xfrm>
-            <a:off x="778041" y="264695"/>
-            <a:ext cx="10515600" cy="4889584"/>
+            <a:off x="342900" y="264695"/>
+            <a:ext cx="11532268" cy="4889584"/>
           </a:xfrm>
+          <a:solidFill>
+            <a:schemeClr val="accent3">
+              <a:lumMod val="20000"/>
+              <a:lumOff val="80000"/>
+            </a:schemeClr>
+          </a:solidFill>
         </p:spPr>
         <p:txBody>
-          <a:bodyPr/>
+          <a:bodyPr>
+            <a:normAutofit/>
+          </a:bodyPr>
           <a:lstStyle/>
           <a:p>
-            <a:pPr marL="0" indent="0" algn="ctr">
+            <a:pPr marL="342900" indent="-342900">
               <a:lnSpc>
                 <a:spcPct val="150000"/>
               </a:lnSpc>
-              <a:buNone/>
+              <a:spcBef>
+                <a:spcPts val="600"/>
+              </a:spcBef>
+              <a:buFont typeface="+mj-lt"/>
+              <a:buAutoNum type="arabicPeriod"/>
             </a:pPr>
             <a:r>
-              <a:rPr lang="en-US" altLang="zh-CN" dirty="0">
-                <a:latin typeface="Microsoft Tai Le" panose="020B0502040204020203" pitchFamily="34" charset="0"/>
-                <a:ea typeface="微软雅黑" panose="020B0503020204020204" pitchFamily="34" charset="-122"/>
-              </a:rPr>
-              <a:t>x-monitor</a:t>
-            </a:r>
+              <a:rPr lang="en-US" altLang="zh-CN" sz="2000" b="1" dirty="0" err="1">
+                <a:latin typeface="Microsoft Tai Le" panose="020B0502040204020203" pitchFamily="34" charset="0"/>
+                <a:ea typeface="微软雅黑" panose="020B0503020204020204" pitchFamily="34" charset="-122"/>
+              </a:rPr>
+              <a:t>cpu_schedule_runq_latency</a:t>
+            </a:r>
+            <a:endParaRPr lang="en-US" altLang="zh-CN" sz="2000" dirty="0">
+              <a:latin typeface="Microsoft Tai Le" panose="020B0502040204020203" pitchFamily="34" charset="0"/>
+              <a:ea typeface="微软雅黑" panose="020B0503020204020204" pitchFamily="34" charset="-122"/>
+            </a:endParaRPr>
+          </a:p>
+          <a:p>
+            <a:pPr marL="0" indent="457200">
+              <a:lnSpc>
+                <a:spcPct val="150000"/>
+              </a:lnSpc>
+              <a:spcBef>
+                <a:spcPts val="600"/>
+              </a:spcBef>
+              <a:buNone/>
+            </a:pPr>
+            <a:r>
+              <a:rPr lang="zh-CN" altLang="en-US" sz="1600" dirty="0">
+                <a:latin typeface="Microsoft Tai Le" panose="020B0502040204020203" pitchFamily="34" charset="0"/>
+                <a:ea typeface="微软雅黑" panose="020B0503020204020204" pitchFamily="34" charset="-122"/>
+              </a:rPr>
+              <a:t>用来观察</a:t>
+            </a:r>
+            <a:r>
+              <a:rPr lang="en-US" altLang="zh-CN" sz="1600" dirty="0">
+                <a:latin typeface="Microsoft Tai Le" panose="020B0502040204020203" pitchFamily="34" charset="0"/>
+                <a:ea typeface="微软雅黑" panose="020B0503020204020204" pitchFamily="34" charset="-122"/>
+              </a:rPr>
+              <a:t>TS</a:t>
+            </a:r>
+            <a:r>
+              <a:rPr lang="zh-CN" altLang="en-US" sz="1600" dirty="0">
+                <a:latin typeface="Microsoft Tai Le" panose="020B0502040204020203" pitchFamily="34" charset="0"/>
+                <a:ea typeface="微软雅黑" panose="020B0503020204020204" pitchFamily="34" charset="-122"/>
+              </a:rPr>
+              <a:t>在运行队列中等待时间</a:t>
+            </a:r>
+            <a:r>
+              <a:rPr lang="en-US" altLang="zh-CN" sz="1600" dirty="0">
+                <a:latin typeface="Microsoft Tai Le" panose="020B0502040204020203" pitchFamily="34" charset="0"/>
+                <a:ea typeface="微软雅黑" panose="020B0503020204020204" pitchFamily="34" charset="-122"/>
+              </a:rPr>
+              <a:t>2</a:t>
+            </a:r>
+            <a:r>
+              <a:rPr lang="zh-CN" altLang="en-US" sz="1600" dirty="0">
+                <a:latin typeface="Microsoft Tai Le" panose="020B0502040204020203" pitchFamily="34" charset="0"/>
+                <a:ea typeface="微软雅黑" panose="020B0503020204020204" pitchFamily="34" charset="-122"/>
+              </a:rPr>
+              <a:t>的幂次分布，可用来观察</a:t>
+            </a:r>
+            <a:r>
+              <a:rPr lang="en-US" altLang="zh-CN" sz="1600" dirty="0">
+                <a:latin typeface="Microsoft Tai Le" panose="020B0502040204020203" pitchFamily="34" charset="0"/>
+                <a:ea typeface="微软雅黑" panose="020B0503020204020204" pitchFamily="34" charset="-122"/>
+              </a:rPr>
+              <a:t>CPU</a:t>
+            </a:r>
+            <a:r>
+              <a:rPr lang="zh-CN" altLang="en-US" sz="1600" dirty="0">
+                <a:latin typeface="Microsoft Tai Le" panose="020B0502040204020203" pitchFamily="34" charset="0"/>
+                <a:ea typeface="微软雅黑" panose="020B0503020204020204" pitchFamily="34" charset="-122"/>
+              </a:rPr>
+              <a:t>是否超载。</a:t>
+            </a:r>
+            <a:endParaRPr lang="en-US" altLang="zh-CN" sz="1600" dirty="0">
+              <a:latin typeface="Microsoft Tai Le" panose="020B0502040204020203" pitchFamily="34" charset="0"/>
+              <a:ea typeface="微软雅黑" panose="020B0503020204020204" pitchFamily="34" charset="-122"/>
+            </a:endParaRPr>
+          </a:p>
+          <a:p>
+            <a:pPr marL="0" indent="457200">
+              <a:lnSpc>
+                <a:spcPct val="150000"/>
+              </a:lnSpc>
+              <a:spcBef>
+                <a:spcPts val="600"/>
+              </a:spcBef>
+              <a:buNone/>
+            </a:pPr>
+            <a:r>
+              <a:rPr lang="zh-CN" altLang="en-US" sz="1600" dirty="0">
+                <a:latin typeface="Microsoft Tai Le" panose="020B0502040204020203" pitchFamily="34" charset="0"/>
+                <a:ea typeface="微软雅黑" panose="020B0503020204020204" pitchFamily="34" charset="-122"/>
+              </a:rPr>
+              <a:t>原理：利用</a:t>
+            </a:r>
+            <a:r>
+              <a:rPr lang="en-US" altLang="zh-CN" sz="1600" dirty="0">
+                <a:latin typeface="Microsoft Tai Le" panose="020B0502040204020203" pitchFamily="34" charset="0"/>
+                <a:ea typeface="微软雅黑" panose="020B0503020204020204" pitchFamily="34" charset="-122"/>
+              </a:rPr>
+              <a:t>CPU</a:t>
+            </a:r>
+            <a:r>
+              <a:rPr lang="zh-CN" altLang="en-US" sz="1600" dirty="0">
+                <a:latin typeface="Microsoft Tai Le" panose="020B0502040204020203" pitchFamily="34" charset="0"/>
+                <a:ea typeface="微软雅黑" panose="020B0503020204020204" pitchFamily="34" charset="-122"/>
+              </a:rPr>
+              <a:t>调度器的线程唤醒事件和线程上下文切换事件的跟踪来计</a:t>
+            </a:r>
+            <a:br>
+              <a:rPr lang="en-US" altLang="zh-CN" sz="1600" dirty="0">
+                <a:latin typeface="Microsoft Tai Le" panose="020B0502040204020203" pitchFamily="34" charset="0"/>
+                <a:ea typeface="微软雅黑" panose="020B0503020204020204" pitchFamily="34" charset="-122"/>
+              </a:rPr>
+            </a:br>
+            <a:r>
+              <a:rPr lang="zh-CN" altLang="en-US" sz="1600" dirty="0">
+                <a:latin typeface="Microsoft Tai Le" panose="020B0502040204020203" pitchFamily="34" charset="0"/>
+                <a:ea typeface="微软雅黑" panose="020B0503020204020204" pitchFamily="34" charset="-122"/>
+              </a:rPr>
+              <a:t>算线程从唤醒到</a:t>
+            </a:r>
+            <a:r>
+              <a:rPr lang="en-US" altLang="zh-CN" sz="1600" dirty="0">
+                <a:latin typeface="Microsoft Tai Le" panose="020B0502040204020203" pitchFamily="34" charset="0"/>
+                <a:ea typeface="微软雅黑" panose="020B0503020204020204" pitchFamily="34" charset="-122"/>
+              </a:rPr>
+              <a:t>on-</a:t>
+            </a:r>
+            <a:r>
+              <a:rPr lang="en-US" altLang="zh-CN" sz="1600" dirty="0" err="1">
+                <a:latin typeface="Microsoft Tai Le" panose="020B0502040204020203" pitchFamily="34" charset="0"/>
+                <a:ea typeface="微软雅黑" panose="020B0503020204020204" pitchFamily="34" charset="-122"/>
+              </a:rPr>
+              <a:t>cpu</a:t>
+            </a:r>
+            <a:r>
+              <a:rPr lang="zh-CN" altLang="en-US" sz="1600" dirty="0">
+                <a:latin typeface="Microsoft Tai Le" panose="020B0502040204020203" pitchFamily="34" charset="0"/>
+                <a:ea typeface="微软雅黑" panose="020B0503020204020204" pitchFamily="34" charset="-122"/>
+              </a:rPr>
+              <a:t>的时间间隔，基于</a:t>
+            </a:r>
+            <a:r>
+              <a:rPr lang="en-US" altLang="zh-CN" sz="1600" dirty="0" err="1">
+                <a:latin typeface="Microsoft Tai Le" panose="020B0502040204020203" pitchFamily="34" charset="0"/>
+                <a:ea typeface="微软雅黑" panose="020B0503020204020204" pitchFamily="34" charset="-122"/>
+              </a:rPr>
+              <a:t>BTFTracepoint</a:t>
+            </a:r>
+            <a:r>
+              <a:rPr lang="zh-CN" altLang="en-US" sz="1600" dirty="0">
+                <a:latin typeface="Microsoft Tai Le" panose="020B0502040204020203" pitchFamily="34" charset="0"/>
+                <a:ea typeface="微软雅黑" panose="020B0503020204020204" pitchFamily="34" charset="-122"/>
+              </a:rPr>
+              <a:t>。</a:t>
+            </a:r>
+            <a:endParaRPr lang="en-US" altLang="zh-CN" sz="1600" dirty="0">
+              <a:latin typeface="Microsoft Tai Le" panose="020B0502040204020203" pitchFamily="34" charset="0"/>
+              <a:ea typeface="微软雅黑" panose="020B0503020204020204" pitchFamily="34" charset="-122"/>
+            </a:endParaRPr>
+          </a:p>
+          <a:p>
+            <a:pPr marL="0" indent="457200">
+              <a:lnSpc>
+                <a:spcPct val="150000"/>
+              </a:lnSpc>
+              <a:spcBef>
+                <a:spcPts val="600"/>
+              </a:spcBef>
+              <a:buNone/>
+            </a:pPr>
+            <a:r>
+              <a:rPr lang="zh-CN" altLang="en-US" sz="1600" dirty="0">
+                <a:latin typeface="Microsoft Tai Le" panose="020B0502040204020203" pitchFamily="34" charset="0"/>
+                <a:ea typeface="微软雅黑" panose="020B0503020204020204" pitchFamily="34" charset="-122"/>
+              </a:rPr>
+              <a:t>指标说明：以</a:t>
+            </a:r>
+            <a:r>
+              <a:rPr lang="en-US" altLang="zh-CN" sz="1600" dirty="0">
+                <a:latin typeface="Microsoft Tai Le" panose="020B0502040204020203" pitchFamily="34" charset="0"/>
+                <a:ea typeface="微软雅黑" panose="020B0503020204020204" pitchFamily="34" charset="-122"/>
+              </a:rPr>
+              <a:t>Heatmap</a:t>
+            </a:r>
+            <a:r>
+              <a:rPr lang="zh-CN" altLang="en-US" sz="1600" dirty="0">
+                <a:latin typeface="Microsoft Tai Le" panose="020B0502040204020203" pitchFamily="34" charset="0"/>
+                <a:ea typeface="微软雅黑" panose="020B0503020204020204" pitchFamily="34" charset="-122"/>
+              </a:rPr>
+              <a:t>图来展示，横坐标是时间轴，纵坐标是延</a:t>
+            </a:r>
+            <a:br>
+              <a:rPr lang="en-US" altLang="zh-CN" sz="1600" dirty="0">
+                <a:latin typeface="Microsoft Tai Le" panose="020B0502040204020203" pitchFamily="34" charset="0"/>
+                <a:ea typeface="微软雅黑" panose="020B0503020204020204" pitchFamily="34" charset="-122"/>
+              </a:rPr>
+            </a:br>
+            <a:r>
+              <a:rPr lang="zh-CN" altLang="en-US" sz="1600" dirty="0">
+                <a:latin typeface="Microsoft Tai Le" panose="020B0502040204020203" pitchFamily="34" charset="0"/>
+                <a:ea typeface="微软雅黑" panose="020B0503020204020204" pitchFamily="34" charset="-122"/>
+              </a:rPr>
+              <a:t>迟间隔</a:t>
+            </a:r>
+            <a:r>
+              <a:rPr lang="en-US" altLang="zh-CN" sz="1600" dirty="0">
+                <a:latin typeface="Microsoft Tai Le" panose="020B0502040204020203" pitchFamily="34" charset="0"/>
+                <a:ea typeface="微软雅黑" panose="020B0503020204020204" pitchFamily="34" charset="-122"/>
+              </a:rPr>
+              <a:t>2</a:t>
+            </a:r>
+            <a:r>
+              <a:rPr lang="zh-CN" altLang="en-US" sz="1600" dirty="0">
+                <a:latin typeface="Microsoft Tai Le" panose="020B0502040204020203" pitchFamily="34" charset="0"/>
+                <a:ea typeface="微软雅黑" panose="020B0503020204020204" pitchFamily="34" charset="-122"/>
+              </a:rPr>
+              <a:t>的幂次放，中间方块通过颜色深浅标识线程数量。图例中</a:t>
+            </a:r>
+            <a:br>
+              <a:rPr lang="en-US" altLang="zh-CN" sz="1600" dirty="0">
+                <a:latin typeface="Microsoft Tai Le" panose="020B0502040204020203" pitchFamily="34" charset="0"/>
+                <a:ea typeface="微软雅黑" panose="020B0503020204020204" pitchFamily="34" charset="-122"/>
+              </a:rPr>
+            </a:br>
+            <a:r>
+              <a:rPr lang="zh-CN" altLang="en-US" sz="1600" dirty="0">
+                <a:latin typeface="Microsoft Tai Le" panose="020B0502040204020203" pitchFamily="34" charset="0"/>
+                <a:ea typeface="微软雅黑" panose="020B0503020204020204" pitchFamily="34" charset="-122"/>
+              </a:rPr>
+              <a:t>说明延迟</a:t>
+            </a:r>
+            <a:r>
+              <a:rPr lang="en-US" altLang="zh-CN" sz="1600" dirty="0">
+                <a:latin typeface="Microsoft Tai Le" panose="020B0502040204020203" pitchFamily="34" charset="0"/>
+                <a:ea typeface="微软雅黑" panose="020B0503020204020204" pitchFamily="34" charset="-122"/>
+              </a:rPr>
+              <a:t>4-7us</a:t>
+            </a:r>
+            <a:r>
+              <a:rPr lang="zh-CN" altLang="en-US" sz="1600" dirty="0">
+                <a:latin typeface="Microsoft Tai Le" panose="020B0502040204020203" pitchFamily="34" charset="0"/>
+                <a:ea typeface="微软雅黑" panose="020B0503020204020204" pitchFamily="34" charset="-122"/>
+              </a:rPr>
+              <a:t>范围内有</a:t>
+            </a:r>
+            <a:r>
+              <a:rPr lang="en-US" altLang="zh-CN" sz="1600" dirty="0">
+                <a:latin typeface="Microsoft Tai Le" panose="020B0502040204020203" pitchFamily="34" charset="0"/>
+                <a:ea typeface="微软雅黑" panose="020B0503020204020204" pitchFamily="34" charset="-122"/>
+              </a:rPr>
+              <a:t>436</a:t>
+            </a:r>
+            <a:r>
+              <a:rPr lang="zh-CN" altLang="en-US" sz="1600" dirty="0">
+                <a:latin typeface="Microsoft Tai Le" panose="020B0502040204020203" pitchFamily="34" charset="0"/>
+                <a:ea typeface="微软雅黑" panose="020B0503020204020204" pitchFamily="34" charset="-122"/>
+              </a:rPr>
+              <a:t>个</a:t>
+            </a:r>
+            <a:r>
+              <a:rPr lang="en-US" altLang="zh-CN" sz="1600" dirty="0">
+                <a:latin typeface="Microsoft Tai Le" panose="020B0502040204020203" pitchFamily="34" charset="0"/>
+                <a:ea typeface="微软雅黑" panose="020B0503020204020204" pitchFamily="34" charset="-122"/>
+              </a:rPr>
+              <a:t>thread</a:t>
+            </a:r>
+            <a:r>
+              <a:rPr lang="zh-CN" altLang="en-US" sz="1600" dirty="0">
+                <a:latin typeface="Microsoft Tai Le" panose="020B0502040204020203" pitchFamily="34" charset="0"/>
+                <a:ea typeface="微软雅黑" panose="020B0503020204020204" pitchFamily="34" charset="-122"/>
+              </a:rPr>
+              <a:t>。</a:t>
+            </a:r>
+            <a:endParaRPr lang="en-US" altLang="zh-CN" sz="1600" dirty="0">
+              <a:latin typeface="Microsoft Tai Le" panose="020B0502040204020203" pitchFamily="34" charset="0"/>
+              <a:ea typeface="微软雅黑" panose="020B0503020204020204" pitchFamily="34" charset="-122"/>
+            </a:endParaRPr>
           </a:p>
           <a:p>
             <a:pPr marL="0" indent="0">
@@ -3043,23 +3328,85 @@
               </a:lnSpc>
               <a:buNone/>
             </a:pPr>
-            <a:r>
-              <a:rPr lang="en-US" altLang="zh-CN" sz="2400" dirty="0">
-                <a:latin typeface="Microsoft Tai Le" panose="020B0502040204020203" pitchFamily="34" charset="0"/>
-                <a:ea typeface="微软雅黑" panose="020B0503020204020204" pitchFamily="34" charset="-122"/>
-              </a:rPr>
-              <a:t>x-monitor</a:t>
-            </a:r>
-            <a:r>
-              <a:rPr lang="zh-CN" altLang="en-US" sz="2400" dirty="0">
-                <a:latin typeface="Microsoft Tai Le" panose="020B0502040204020203" pitchFamily="34" charset="0"/>
-                <a:ea typeface="微软雅黑" panose="020B0503020204020204" pitchFamily="34" charset="-122"/>
-              </a:rPr>
-              <a:t>是一个操作系统的</a:t>
-            </a:r>
-          </a:p>
-        </p:txBody>
-      </p:sp>
+            <a:endParaRPr lang="en-US" altLang="zh-CN" sz="1800" dirty="0">
+              <a:latin typeface="Microsoft Tai Le" panose="020B0502040204020203" pitchFamily="34" charset="0"/>
+              <a:ea typeface="微软雅黑" panose="020B0503020204020204" pitchFamily="34" charset="-122"/>
+            </a:endParaRPr>
+          </a:p>
+          <a:p>
+            <a:pPr marL="0" indent="0">
+              <a:lnSpc>
+                <a:spcPct val="150000"/>
+              </a:lnSpc>
+              <a:buNone/>
+            </a:pPr>
+            <a:endParaRPr lang="en-US" altLang="zh-CN" sz="1800" dirty="0">
+              <a:latin typeface="Microsoft Tai Le" panose="020B0502040204020203" pitchFamily="34" charset="0"/>
+              <a:ea typeface="微软雅黑" panose="020B0503020204020204" pitchFamily="34" charset="-122"/>
+            </a:endParaRPr>
+          </a:p>
+        </p:txBody>
+      </p:sp>
+      <p:pic>
+        <p:nvPicPr>
+          <p:cNvPr id="6" name="图片 5">
+            <a:extLst>
+              <a:ext uri="{FF2B5EF4-FFF2-40B4-BE49-F238E27FC236}">
+                <a16:creationId xmlns:a16="http://schemas.microsoft.com/office/drawing/2014/main" id="{7AC49B6D-4754-79E9-70A3-D887CA06986A}"/>
+              </a:ext>
+            </a:extLst>
+          </p:cNvPr>
+          <p:cNvPicPr>
+            <a:picLocks noChangeAspect="1"/>
+          </p:cNvPicPr>
+          <p:nvPr/>
+        </p:nvPicPr>
+        <p:blipFill>
+          <a:blip r:embed="rId2"/>
+          <a:stretch>
+            <a:fillRect/>
+          </a:stretch>
+        </p:blipFill>
+        <p:spPr>
+          <a:xfrm>
+            <a:off x="500161" y="3537285"/>
+            <a:ext cx="11133785" cy="2980802"/>
+          </a:xfrm>
+          <a:prstGeom prst="rect">
+            <a:avLst/>
+          </a:prstGeom>
+        </p:spPr>
+      </p:pic>
+      <p:pic>
+        <p:nvPicPr>
+          <p:cNvPr id="8" name="图片 7">
+            <a:extLst>
+              <a:ext uri="{FF2B5EF4-FFF2-40B4-BE49-F238E27FC236}">
+                <a16:creationId xmlns:a16="http://schemas.microsoft.com/office/drawing/2014/main" id="{B5CD1F82-26C9-67A8-4F9B-058CA59B576A}"/>
+              </a:ext>
+            </a:extLst>
+          </p:cNvPr>
+          <p:cNvPicPr>
+            <a:picLocks noChangeAspect="1"/>
+          </p:cNvPicPr>
+          <p:nvPr/>
+        </p:nvPicPr>
+        <p:blipFill>
+          <a:blip r:embed="rId3"/>
+          <a:stretch>
+            <a:fillRect/>
+          </a:stretch>
+        </p:blipFill>
+        <p:spPr>
+          <a:xfrm>
+            <a:off x="7452452" y="1340926"/>
+            <a:ext cx="4181494" cy="1824502"/>
+          </a:xfrm>
+          <a:prstGeom prst="rect">
+            <a:avLst/>
+          </a:prstGeom>
+        </p:spPr>
+      </p:pic>
     </p:spTree>
     <p:extLst>
       <p:ext uri="{BB962C8B-B14F-4D97-AF65-F5344CB8AC3E}">
@@ -3079,7 +3426,7 @@
     <p:bg>
       <p:bgPr>
         <a:solidFill>
-          <a:schemeClr val="tx2">
+          <a:schemeClr val="accent3">
             <a:lumMod val="20000"/>
             <a:lumOff val="80000"/>
           </a:schemeClr>
@@ -3103,60 +3450,37 @@
       </p:grpSpPr>
       <p:sp>
         <p:nvSpPr>
-          <p:cNvPr id="5" name="文本框 4">
+          <p:cNvPr id="4" name="内容占位符 2">
             <a:extLst>
               <a:ext uri="{FF2B5EF4-FFF2-40B4-BE49-F238E27FC236}">
-                <a16:creationId xmlns:a16="http://schemas.microsoft.com/office/drawing/2014/main" id="{19D72490-AB99-C603-4125-0FDD47B90B1B}"/>
+                <a16:creationId xmlns:a16="http://schemas.microsoft.com/office/drawing/2014/main" id="{9E5E7E08-E3D6-CC27-D1F4-B1963F3F3AF1}"/>
               </a:ext>
             </a:extLst>
           </p:cNvPr>
-          <p:cNvSpPr txBox="1"/>
-          <p:nvPr/>
+          <p:cNvSpPr>
+            <a:spLocks noGrp="1"/>
+          </p:cNvSpPr>
+          <p:nvPr>
+            <p:ph idx="1"/>
+          </p:nvPr>
         </p:nvSpPr>
         <p:spPr>
           <a:xfrm>
-            <a:off x="869852" y="709281"/>
-            <a:ext cx="10452295" cy="5531771"/>
+            <a:off x="342900" y="264695"/>
+            <a:ext cx="11532268" cy="4889584"/>
           </a:xfrm>
-          <a:prstGeom prst="rect">
-            <a:avLst/>
-          </a:prstGeom>
           <a:solidFill>
-            <a:schemeClr val="tx2">
+            <a:schemeClr val="accent3">
               <a:lumMod val="20000"/>
               <a:lumOff val="80000"/>
             </a:schemeClr>
           </a:solidFill>
         </p:spPr>
         <p:txBody>
-          <a:bodyPr wrap="square" rtlCol="0">
-            <a:spAutoFit/>
+          <a:bodyPr>
+            <a:normAutofit/>
           </a:bodyPr>
           <a:lstStyle/>
-          <a:p>
-            <a:pPr algn="ctr">
-              <a:lnSpc>
-                <a:spcPct val="150000"/>
-              </a:lnSpc>
-              <a:spcBef>
-                <a:spcPts val="600"/>
-              </a:spcBef>
-              <a:spcAft>
-                <a:spcPts val="600"/>
-              </a:spcAft>
-            </a:pPr>
-            <a:r>
-              <a:rPr lang="zh-CN" altLang="en-US" sz="2800" dirty="0">
-                <a:latin typeface="Microsoft Tai Le" panose="020B0502040204020203" pitchFamily="34" charset="0"/>
-                <a:ea typeface="微软雅黑" panose="020B0503020204020204" pitchFamily="34" charset="-122"/>
-              </a:rPr>
-              <a:t>简介</a:t>
-            </a:r>
-            <a:endParaRPr lang="en-US" altLang="zh-CN" sz="2800" dirty="0">
-              <a:latin typeface="Microsoft Tai Le" panose="020B0502040204020203" pitchFamily="34" charset="0"/>
-              <a:ea typeface="微软雅黑" panose="020B0503020204020204" pitchFamily="34" charset="-122"/>
-            </a:endParaRPr>
-          </a:p>
           <a:p>
             <a:pPr marL="342900" indent="-342900">
               <a:lnSpc>
@@ -3165,129 +3489,17 @@
               <a:spcBef>
                 <a:spcPts val="600"/>
               </a:spcBef>
-              <a:spcAft>
-                <a:spcPts val="600"/>
-              </a:spcAft>
-              <a:buFont typeface="Wingdings" panose="05000000000000000000" pitchFamily="2" charset="2"/>
-              <a:buChar char="Ø"/>
+              <a:buFont typeface="+mj-lt"/>
+              <a:buAutoNum type="arabicPeriod"/>
             </a:pPr>
             <a:r>
-              <a:rPr lang="en-US" altLang="zh-CN" sz="2000" b="0" i="0" dirty="0" err="1">
-                <a:solidFill>
-                  <a:srgbClr val="1C1917"/>
-                </a:solidFill>
-                <a:effectLst/>
-                <a:latin typeface="Microsoft Tai Le" panose="020B0502040204020203" pitchFamily="34" charset="0"/>
-                <a:ea typeface="微软雅黑" panose="020B0503020204020204" pitchFamily="34" charset="-122"/>
-                <a:cs typeface="Microsoft Tai Le" panose="020B0502040204020203" pitchFamily="34" charset="0"/>
-              </a:rPr>
-              <a:t>eBPF</a:t>
-            </a:r>
-            <a:r>
-              <a:rPr lang="zh-CN" altLang="en-US" sz="2000" b="0" i="0" dirty="0">
-                <a:solidFill>
-                  <a:srgbClr val="1C1917"/>
-                </a:solidFill>
-                <a:effectLst/>
-                <a:latin typeface="Microsoft Tai Le" panose="020B0502040204020203" pitchFamily="34" charset="0"/>
-                <a:ea typeface="微软雅黑" panose="020B0503020204020204" pitchFamily="34" charset="-122"/>
-              </a:rPr>
-              <a:t>是</a:t>
-            </a:r>
-            <a:r>
-              <a:rPr lang="en-US" altLang="zh-CN" sz="2000" b="0" i="0" dirty="0">
-                <a:solidFill>
-                  <a:srgbClr val="1C1917"/>
-                </a:solidFill>
-                <a:effectLst/>
-                <a:latin typeface="Microsoft Tai Le" panose="020B0502040204020203" pitchFamily="34" charset="0"/>
-                <a:ea typeface="微软雅黑" panose="020B0503020204020204" pitchFamily="34" charset="-122"/>
-                <a:cs typeface="Microsoft Tai Le" panose="020B0502040204020203" pitchFamily="34" charset="0"/>
-              </a:rPr>
-              <a:t>extended Berkeley Packet Filter</a:t>
-            </a:r>
-            <a:r>
-              <a:rPr lang="zh-CN" altLang="en-US" sz="2000" b="0" i="0" dirty="0">
-                <a:solidFill>
-                  <a:srgbClr val="1C1917"/>
-                </a:solidFill>
-                <a:effectLst/>
-                <a:latin typeface="Microsoft Tai Le" panose="020B0502040204020203" pitchFamily="34" charset="0"/>
-                <a:ea typeface="微软雅黑" panose="020B0503020204020204" pitchFamily="34" charset="-122"/>
-              </a:rPr>
-              <a:t>的缩写</a:t>
-            </a:r>
-            <a:r>
-              <a:rPr lang="zh-CN" altLang="en-US" sz="2000" dirty="0">
-                <a:solidFill>
-                  <a:srgbClr val="1C1917"/>
-                </a:solidFill>
-                <a:latin typeface="Microsoft Tai Le" panose="020B0502040204020203" pitchFamily="34" charset="0"/>
-                <a:ea typeface="微软雅黑" panose="020B0503020204020204" pitchFamily="34" charset="-122"/>
-              </a:rPr>
-              <a:t>，</a:t>
-            </a:r>
-            <a:r>
-              <a:rPr lang="zh-CN" altLang="en-US" sz="2000" b="0" i="0" dirty="0">
-                <a:solidFill>
-                  <a:srgbClr val="1C1917"/>
-                </a:solidFill>
-                <a:effectLst/>
-                <a:latin typeface="Microsoft Tai Le" panose="020B0502040204020203" pitchFamily="34" charset="0"/>
-                <a:ea typeface="微软雅黑" panose="020B0503020204020204" pitchFamily="34" charset="-122"/>
-              </a:rPr>
-              <a:t>它是一种虚拟机技术</a:t>
-            </a:r>
-            <a:r>
-              <a:rPr lang="en-US" altLang="zh-CN" sz="2000" b="0" i="0" dirty="0">
-                <a:solidFill>
-                  <a:srgbClr val="1C1917"/>
-                </a:solidFill>
-                <a:effectLst/>
-                <a:latin typeface="Microsoft Tai Le" panose="020B0502040204020203" pitchFamily="34" charset="0"/>
-                <a:ea typeface="微软雅黑" panose="020B0503020204020204" pitchFamily="34" charset="-122"/>
-              </a:rPr>
-              <a:t>,</a:t>
-            </a:r>
-            <a:r>
-              <a:rPr lang="zh-CN" altLang="en-US" sz="2000" b="0" i="0" dirty="0">
-                <a:solidFill>
-                  <a:srgbClr val="1C1917"/>
-                </a:solidFill>
-                <a:effectLst/>
-                <a:latin typeface="Microsoft Tai Le" panose="020B0502040204020203" pitchFamily="34" charset="0"/>
-                <a:ea typeface="微软雅黑" panose="020B0503020204020204" pitchFamily="34" charset="-122"/>
-              </a:rPr>
-              <a:t>可以在</a:t>
-            </a:r>
-            <a:r>
-              <a:rPr lang="en-US" altLang="zh-CN" sz="2000" b="0" i="0" dirty="0">
-                <a:solidFill>
-                  <a:srgbClr val="1C1917"/>
-                </a:solidFill>
-                <a:effectLst/>
-                <a:latin typeface="Microsoft Tai Le" panose="020B0502040204020203" pitchFamily="34" charset="0"/>
-                <a:ea typeface="微软雅黑" panose="020B0503020204020204" pitchFamily="34" charset="-122"/>
-                <a:cs typeface="Microsoft Tai Le" panose="020B0502040204020203" pitchFamily="34" charset="0"/>
-              </a:rPr>
-              <a:t>Linux</a:t>
-            </a:r>
-            <a:r>
-              <a:rPr lang="zh-CN" altLang="en-US" sz="2000" b="0" i="0" dirty="0">
-                <a:solidFill>
-                  <a:srgbClr val="1C1917"/>
-                </a:solidFill>
-                <a:effectLst/>
-                <a:latin typeface="Microsoft Tai Le" panose="020B0502040204020203" pitchFamily="34" charset="0"/>
-                <a:ea typeface="微软雅黑" panose="020B0503020204020204" pitchFamily="34" charset="-122"/>
-              </a:rPr>
-              <a:t>内核运行沙盒化的程序。</a:t>
-            </a:r>
-            <a:endParaRPr lang="en-US" altLang="zh-CN" sz="2000" b="0" i="0" dirty="0">
-              <a:solidFill>
-                <a:srgbClr val="1C1917"/>
-              </a:solidFill>
-              <a:effectLst/>
+              <a:rPr lang="en-US" altLang="zh-CN" sz="2000" b="1" dirty="0" err="1">
+                <a:latin typeface="Microsoft Tai Le" panose="020B0502040204020203" pitchFamily="34" charset="0"/>
+                <a:ea typeface="微软雅黑" panose="020B0503020204020204" pitchFamily="34" charset="-122"/>
+              </a:rPr>
+              <a:t>cpu_schedule_runq_latency</a:t>
+            </a:r>
+            <a:endParaRPr lang="en-US" altLang="zh-CN" sz="2000" b="1" dirty="0">
               <a:latin typeface="Microsoft Tai Le" panose="020B0502040204020203" pitchFamily="34" charset="0"/>
               <a:ea typeface="微软雅黑" panose="020B0503020204020204" pitchFamily="34" charset="-122"/>
             </a:endParaRPr>
@@ -3300,148 +3512,255 @@
               <a:spcBef>
                 <a:spcPts val="600"/>
               </a:spcBef>
-              <a:spcAft>
+              <a:buFont typeface="+mj-lt"/>
+              <a:buAutoNum type="alphaLcParenR"/>
+            </a:pPr>
+            <a:r>
+              <a:rPr lang="en-US" altLang="zh-CN" sz="1600" dirty="0">
+                <a:latin typeface="Microsoft Tai Le" panose="020B0502040204020203" pitchFamily="34" charset="0"/>
+                <a:ea typeface="微软雅黑" panose="020B0503020204020204" pitchFamily="34" charset="-122"/>
+              </a:rPr>
+              <a:t>Test-1</a:t>
+            </a:r>
+            <a:r>
+              <a:rPr lang="zh-CN" altLang="en-US" sz="1600" dirty="0">
+                <a:latin typeface="Microsoft Tai Le" panose="020B0502040204020203" pitchFamily="34" charset="0"/>
+                <a:ea typeface="微软雅黑" panose="020B0503020204020204" pitchFamily="34" charset="-122"/>
+              </a:rPr>
+              <a:t>，</a:t>
+            </a:r>
+            <a:r>
+              <a:rPr lang="en-US" altLang="zh-CN" sz="1600" dirty="0" err="1">
+                <a:latin typeface="Microsoft Tai Le" panose="020B0502040204020203" pitchFamily="34" charset="0"/>
+                <a:ea typeface="微软雅黑" panose="020B0503020204020204" pitchFamily="34" charset="-122"/>
+              </a:rPr>
+              <a:t>fio</a:t>
+            </a:r>
+            <a:r>
+              <a:rPr lang="zh-CN" altLang="en-US" sz="1600" dirty="0">
+                <a:latin typeface="Microsoft Tai Le" panose="020B0502040204020203" pitchFamily="34" charset="0"/>
+                <a:ea typeface="微软雅黑" panose="020B0503020204020204" pitchFamily="34" charset="-122"/>
+              </a:rPr>
+              <a:t>，</a:t>
+            </a:r>
+            <a:r>
+              <a:rPr lang="en-US" altLang="zh-CN" sz="1600" dirty="0">
+                <a:latin typeface="Microsoft Tai Le" panose="020B0502040204020203" pitchFamily="34" charset="0"/>
+                <a:ea typeface="微软雅黑" panose="020B0503020204020204" pitchFamily="34" charset="-122"/>
+              </a:rPr>
+              <a:t>4</a:t>
+            </a:r>
+            <a:r>
+              <a:rPr lang="zh-CN" altLang="en-US" sz="1600" dirty="0">
+                <a:latin typeface="Microsoft Tai Le" panose="020B0502040204020203" pitchFamily="34" charset="0"/>
+                <a:ea typeface="微软雅黑" panose="020B0503020204020204" pitchFamily="34" charset="-122"/>
+              </a:rPr>
+              <a:t>个线程，</a:t>
+            </a:r>
+            <a:r>
+              <a:rPr lang="en-US" altLang="zh-CN" sz="1600" dirty="0">
+                <a:latin typeface="Microsoft Tai Le" panose="020B0502040204020203" pitchFamily="34" charset="0"/>
+                <a:ea typeface="微软雅黑" panose="020B0503020204020204" pitchFamily="34" charset="-122"/>
+              </a:rPr>
+              <a:t> </a:t>
+            </a:r>
+            <a:r>
+              <a:rPr lang="en-US" altLang="zh-CN" sz="1600" dirty="0" err="1">
+                <a:latin typeface="Microsoft Tai Le" panose="020B0502040204020203" pitchFamily="34" charset="0"/>
+                <a:ea typeface="微软雅黑" panose="020B0503020204020204" pitchFamily="34" charset="-122"/>
+              </a:rPr>
+              <a:t>read:write</a:t>
+            </a:r>
+            <a:r>
+              <a:rPr lang="en-US" altLang="zh-CN" sz="1600" dirty="0">
+                <a:latin typeface="Microsoft Tai Le" panose="020B0502040204020203" pitchFamily="34" charset="0"/>
+                <a:ea typeface="微软雅黑" panose="020B0503020204020204" pitchFamily="34" charset="-122"/>
+              </a:rPr>
+              <a:t>=70%:30%</a:t>
+            </a:r>
+            <a:br>
+              <a:rPr lang="en-US" altLang="zh-CN" sz="1600" dirty="0">
+                <a:latin typeface="Microsoft Tai Le" panose="020B0502040204020203" pitchFamily="34" charset="0"/>
+                <a:ea typeface="微软雅黑" panose="020B0503020204020204" pitchFamily="34" charset="-122"/>
+              </a:rPr>
+            </a:br>
+            <a:r>
+              <a:rPr lang="en-US" altLang="zh-CN" sz="1600" dirty="0" err="1">
+                <a:latin typeface="Microsoft Tai Le" panose="020B0502040204020203" pitchFamily="34" charset="0"/>
+                <a:ea typeface="微软雅黑" panose="020B0503020204020204" pitchFamily="34" charset="-122"/>
+              </a:rPr>
+              <a:t>fio</a:t>
+            </a:r>
+            <a:r>
+              <a:rPr lang="en-US" altLang="zh-CN" sz="1600" dirty="0">
+                <a:latin typeface="Microsoft Tai Le" panose="020B0502040204020203" pitchFamily="34" charset="0"/>
+                <a:ea typeface="微软雅黑" panose="020B0503020204020204" pitchFamily="34" charset="-122"/>
+              </a:rPr>
+              <a:t> -filename=</a:t>
+            </a:r>
+            <a:r>
+              <a:rPr lang="en-US" altLang="zh-CN" sz="1600" dirty="0" err="1">
+                <a:latin typeface="Microsoft Tai Le" panose="020B0502040204020203" pitchFamily="34" charset="0"/>
+                <a:ea typeface="微软雅黑" panose="020B0503020204020204" pitchFamily="34" charset="-122"/>
+              </a:rPr>
+              <a:t>fio_test</a:t>
+            </a:r>
+            <a:r>
+              <a:rPr lang="en-US" altLang="zh-CN" sz="1600" dirty="0">
+                <a:latin typeface="Microsoft Tai Le" panose="020B0502040204020203" pitchFamily="34" charset="0"/>
+                <a:ea typeface="微软雅黑" panose="020B0503020204020204" pitchFamily="34" charset="-122"/>
+              </a:rPr>
+              <a:t> -direct=1 -</a:t>
+            </a:r>
+            <a:r>
+              <a:rPr lang="en-US" altLang="zh-CN" sz="1600" dirty="0" err="1">
+                <a:latin typeface="Microsoft Tai Le" panose="020B0502040204020203" pitchFamily="34" charset="0"/>
+                <a:ea typeface="微软雅黑" panose="020B0503020204020204" pitchFamily="34" charset="-122"/>
+              </a:rPr>
+              <a:t>iodepth</a:t>
+            </a:r>
+            <a:r>
+              <a:rPr lang="en-US" altLang="zh-CN" sz="1600" dirty="0">
+                <a:latin typeface="Microsoft Tai Le" panose="020B0502040204020203" pitchFamily="34" charset="0"/>
+                <a:ea typeface="微软雅黑" panose="020B0503020204020204" pitchFamily="34" charset="-122"/>
+              </a:rPr>
+              <a:t> 1 -thread -</a:t>
+            </a:r>
+            <a:r>
+              <a:rPr lang="en-US" altLang="zh-CN" sz="1600" dirty="0" err="1">
+                <a:latin typeface="Microsoft Tai Le" panose="020B0502040204020203" pitchFamily="34" charset="0"/>
+                <a:ea typeface="微软雅黑" panose="020B0503020204020204" pitchFamily="34" charset="-122"/>
+              </a:rPr>
+              <a:t>rw</a:t>
+            </a:r>
+            <a:r>
+              <a:rPr lang="en-US" altLang="zh-CN" sz="1600" dirty="0">
+                <a:latin typeface="Microsoft Tai Le" panose="020B0502040204020203" pitchFamily="34" charset="0"/>
+                <a:ea typeface="微软雅黑" panose="020B0503020204020204" pitchFamily="34" charset="-122"/>
+              </a:rPr>
+              <a:t>=</a:t>
+            </a:r>
+            <a:r>
+              <a:rPr lang="en-US" altLang="zh-CN" sz="1600" dirty="0" err="1">
+                <a:latin typeface="Microsoft Tai Le" panose="020B0502040204020203" pitchFamily="34" charset="0"/>
+                <a:ea typeface="微软雅黑" panose="020B0503020204020204" pitchFamily="34" charset="-122"/>
+              </a:rPr>
+              <a:t>randrw</a:t>
+            </a:r>
+            <a:r>
+              <a:rPr lang="en-US" altLang="zh-CN" sz="1600" dirty="0">
+                <a:latin typeface="Microsoft Tai Le" panose="020B0502040204020203" pitchFamily="34" charset="0"/>
+                <a:ea typeface="微软雅黑" panose="020B0503020204020204" pitchFamily="34" charset="-122"/>
+              </a:rPr>
+              <a:t> -</a:t>
+            </a:r>
+            <a:r>
+              <a:rPr lang="en-US" altLang="zh-CN" sz="1600" dirty="0" err="1">
+                <a:latin typeface="Microsoft Tai Le" panose="020B0502040204020203" pitchFamily="34" charset="0"/>
+                <a:ea typeface="微软雅黑" panose="020B0503020204020204" pitchFamily="34" charset="-122"/>
+              </a:rPr>
+              <a:t>rwmixread</a:t>
+            </a:r>
+            <a:r>
+              <a:rPr lang="en-US" altLang="zh-CN" sz="1600" dirty="0">
+                <a:latin typeface="Microsoft Tai Le" panose="020B0502040204020203" pitchFamily="34" charset="0"/>
+                <a:ea typeface="微软雅黑" panose="020B0503020204020204" pitchFamily="34" charset="-122"/>
+              </a:rPr>
+              <a:t>=70 -</a:t>
+            </a:r>
+            <a:r>
+              <a:rPr lang="en-US" altLang="zh-CN" sz="1600" dirty="0" err="1">
+                <a:latin typeface="Microsoft Tai Le" panose="020B0502040204020203" pitchFamily="34" charset="0"/>
+                <a:ea typeface="微软雅黑" panose="020B0503020204020204" pitchFamily="34" charset="-122"/>
+              </a:rPr>
+              <a:t>ioengine</a:t>
+            </a:r>
+            <a:r>
+              <a:rPr lang="en-US" altLang="zh-CN" sz="1600" dirty="0">
+                <a:latin typeface="Microsoft Tai Le" panose="020B0502040204020203" pitchFamily="34" charset="0"/>
+                <a:ea typeface="微软雅黑" panose="020B0503020204020204" pitchFamily="34" charset="-122"/>
+              </a:rPr>
+              <a:t>=</a:t>
+            </a:r>
+            <a:r>
+              <a:rPr lang="en-US" altLang="zh-CN" sz="1600" dirty="0" err="1">
+                <a:latin typeface="Microsoft Tai Le" panose="020B0502040204020203" pitchFamily="34" charset="0"/>
+                <a:ea typeface="微软雅黑" panose="020B0503020204020204" pitchFamily="34" charset="-122"/>
+              </a:rPr>
+              <a:t>libaio</a:t>
+            </a:r>
+            <a:r>
+              <a:rPr lang="en-US" altLang="zh-CN" sz="1600" dirty="0">
+                <a:latin typeface="Microsoft Tai Le" panose="020B0502040204020203" pitchFamily="34" charset="0"/>
+                <a:ea typeface="微软雅黑" panose="020B0503020204020204" pitchFamily="34" charset="-122"/>
+              </a:rPr>
+              <a:t> -bs=16k -size=1G -</a:t>
+            </a:r>
+            <a:r>
+              <a:rPr lang="en-US" altLang="zh-CN" sz="1600" dirty="0" err="1">
+                <a:latin typeface="Microsoft Tai Le" panose="020B0502040204020203" pitchFamily="34" charset="0"/>
+                <a:ea typeface="微软雅黑" panose="020B0503020204020204" pitchFamily="34" charset="-122"/>
+              </a:rPr>
+              <a:t>numjobs</a:t>
+            </a:r>
+            <a:r>
+              <a:rPr lang="en-US" altLang="zh-CN" sz="1600" dirty="0">
+                <a:latin typeface="Microsoft Tai Le" panose="020B0502040204020203" pitchFamily="34" charset="0"/>
+                <a:ea typeface="微软雅黑" panose="020B0503020204020204" pitchFamily="34" charset="-122"/>
+              </a:rPr>
+              <a:t>=4 -runtime=300 -</a:t>
+            </a:r>
+            <a:r>
+              <a:rPr lang="en-US" altLang="zh-CN" sz="1600" dirty="0" err="1">
+                <a:latin typeface="Microsoft Tai Le" panose="020B0502040204020203" pitchFamily="34" charset="0"/>
+                <a:ea typeface="微软雅黑" panose="020B0503020204020204" pitchFamily="34" charset="-122"/>
+              </a:rPr>
+              <a:t>group_reporting</a:t>
+            </a:r>
+            <a:r>
+              <a:rPr lang="en-US" altLang="zh-CN" sz="1600" dirty="0">
+                <a:latin typeface="Microsoft Tai Le" panose="020B0502040204020203" pitchFamily="34" charset="0"/>
+                <a:ea typeface="微软雅黑" panose="020B0503020204020204" pitchFamily="34" charset="-122"/>
+              </a:rPr>
+              <a:t> -name=</a:t>
+            </a:r>
+            <a:r>
+              <a:rPr lang="en-US" altLang="zh-CN" sz="1600" dirty="0" err="1">
+                <a:latin typeface="Microsoft Tai Le" panose="020B0502040204020203" pitchFamily="34" charset="0"/>
+                <a:ea typeface="微软雅黑" panose="020B0503020204020204" pitchFamily="34" charset="-122"/>
+              </a:rPr>
+              <a:t>mytest</a:t>
+            </a:r>
+            <a:r>
+              <a:rPr lang="en-US" altLang="zh-CN" sz="1600" dirty="0">
+                <a:latin typeface="Microsoft Tai Le" panose="020B0502040204020203" pitchFamily="34" charset="0"/>
+                <a:ea typeface="微软雅黑" panose="020B0503020204020204" pitchFamily="34" charset="-122"/>
+              </a:rPr>
+              <a:t> -</a:t>
+            </a:r>
+            <a:r>
+              <a:rPr lang="en-US" altLang="zh-CN" sz="1600" dirty="0" err="1">
+                <a:latin typeface="Microsoft Tai Le" panose="020B0502040204020203" pitchFamily="34" charset="0"/>
+                <a:ea typeface="微软雅黑" panose="020B0503020204020204" pitchFamily="34" charset="-122"/>
+              </a:rPr>
+              <a:t>time_based</a:t>
+            </a:r>
+            <a:endParaRPr lang="en-US" altLang="zh-CN" sz="1600" dirty="0">
+              <a:latin typeface="Microsoft Tai Le" panose="020B0502040204020203" pitchFamily="34" charset="0"/>
+              <a:ea typeface="微软雅黑" panose="020B0503020204020204" pitchFamily="34" charset="-122"/>
+            </a:endParaRPr>
+          </a:p>
+          <a:p>
+            <a:pPr marL="0" indent="457200">
+              <a:lnSpc>
+                <a:spcPct val="150000"/>
+              </a:lnSpc>
+              <a:spcBef>
                 <a:spcPts val="600"/>
-              </a:spcAft>
-              <a:buFont typeface="Wingdings" panose="05000000000000000000" pitchFamily="2" charset="2"/>
-              <a:buChar char="Ø"/>
+              </a:spcBef>
+              <a:buNone/>
             </a:pPr>
-            <a:r>
-              <a:rPr lang="en-US" altLang="zh-CN" sz="2000" b="0" i="0" dirty="0" err="1">
-                <a:solidFill>
-                  <a:srgbClr val="1C1917"/>
-                </a:solidFill>
-                <a:effectLst/>
-                <a:latin typeface="Microsoft Tai Le" panose="020B0502040204020203" pitchFamily="34" charset="0"/>
-                <a:ea typeface="微软雅黑" panose="020B0503020204020204" pitchFamily="34" charset="-122"/>
-              </a:rPr>
-              <a:t>eBPF</a:t>
-            </a:r>
-            <a:r>
-              <a:rPr lang="zh-CN" altLang="en-US" sz="2000" b="0" i="0" dirty="0">
-                <a:solidFill>
-                  <a:srgbClr val="1C1917"/>
-                </a:solidFill>
-                <a:effectLst/>
-                <a:latin typeface="Microsoft Tai Le" panose="020B0502040204020203" pitchFamily="34" charset="0"/>
-                <a:ea typeface="微软雅黑" panose="020B0503020204020204" pitchFamily="34" charset="-122"/>
-              </a:rPr>
-              <a:t>程序以</a:t>
-            </a:r>
-            <a:r>
-              <a:rPr lang="en-US" altLang="zh-CN" sz="2000" b="0" i="0" dirty="0">
-                <a:solidFill>
-                  <a:srgbClr val="1C1917"/>
-                </a:solidFill>
-                <a:effectLst/>
-                <a:latin typeface="Microsoft Tai Le" panose="020B0502040204020203" pitchFamily="34" charset="0"/>
-                <a:ea typeface="微软雅黑" panose="020B0503020204020204" pitchFamily="34" charset="-122"/>
-              </a:rPr>
-              <a:t>Bytecode</a:t>
-            </a:r>
-            <a:r>
-              <a:rPr lang="zh-CN" altLang="en-US" sz="2000" b="0" i="0" dirty="0">
-                <a:solidFill>
-                  <a:srgbClr val="1C1917"/>
-                </a:solidFill>
-                <a:effectLst/>
-                <a:latin typeface="Microsoft Tai Le" panose="020B0502040204020203" pitchFamily="34" charset="0"/>
-                <a:ea typeface="微软雅黑" panose="020B0503020204020204" pitchFamily="34" charset="-122"/>
-              </a:rPr>
-              <a:t>的形式存在</a:t>
-            </a:r>
-            <a:r>
-              <a:rPr lang="zh-CN" altLang="en-US" sz="2000" dirty="0">
-                <a:solidFill>
-                  <a:srgbClr val="1C1917"/>
-                </a:solidFill>
-                <a:latin typeface="Microsoft Tai Le" panose="020B0502040204020203" pitchFamily="34" charset="0"/>
-                <a:ea typeface="微软雅黑" panose="020B0503020204020204" pitchFamily="34" charset="-122"/>
-              </a:rPr>
-              <a:t>，</a:t>
-            </a:r>
-            <a:r>
-              <a:rPr lang="zh-CN" altLang="en-US" sz="2000" b="0" i="0" dirty="0">
-                <a:solidFill>
-                  <a:srgbClr val="1C1917"/>
-                </a:solidFill>
-                <a:effectLst/>
-                <a:latin typeface="Microsoft Tai Le" panose="020B0502040204020203" pitchFamily="34" charset="0"/>
-                <a:ea typeface="微软雅黑" panose="020B0503020204020204" pitchFamily="34" charset="-122"/>
-              </a:rPr>
-              <a:t>需要通过</a:t>
-            </a:r>
-            <a:r>
-              <a:rPr lang="en-US" altLang="zh-CN" sz="2000" b="0" i="0" dirty="0">
-                <a:solidFill>
-                  <a:srgbClr val="1C1917"/>
-                </a:solidFill>
-                <a:effectLst/>
-                <a:latin typeface="Microsoft Tai Le" panose="020B0502040204020203" pitchFamily="34" charset="0"/>
-                <a:ea typeface="微软雅黑" panose="020B0503020204020204" pitchFamily="34" charset="-122"/>
-              </a:rPr>
-              <a:t>Verifier</a:t>
-            </a:r>
-            <a:r>
-              <a:rPr lang="zh-CN" altLang="en-US" sz="2000" b="0" i="0" dirty="0">
-                <a:solidFill>
-                  <a:srgbClr val="1C1917"/>
-                </a:solidFill>
-                <a:effectLst/>
-                <a:latin typeface="Microsoft Tai Le" panose="020B0502040204020203" pitchFamily="34" charset="0"/>
-                <a:ea typeface="微软雅黑" panose="020B0503020204020204" pitchFamily="34" charset="-122"/>
-              </a:rPr>
-              <a:t>进行校验后</a:t>
-            </a:r>
-            <a:r>
-              <a:rPr lang="en-US" altLang="zh-CN" sz="2000" b="0" i="0" dirty="0">
-                <a:solidFill>
-                  <a:srgbClr val="1C1917"/>
-                </a:solidFill>
-                <a:effectLst/>
-                <a:latin typeface="Microsoft Tai Le" panose="020B0502040204020203" pitchFamily="34" charset="0"/>
-                <a:ea typeface="微软雅黑" panose="020B0503020204020204" pitchFamily="34" charset="-122"/>
-              </a:rPr>
-              <a:t>,</a:t>
-            </a:r>
-            <a:r>
-              <a:rPr lang="zh-CN" altLang="en-US" sz="2000" b="0" i="0" dirty="0">
-                <a:solidFill>
-                  <a:srgbClr val="1C1917"/>
-                </a:solidFill>
-                <a:effectLst/>
-                <a:latin typeface="Microsoft Tai Le" panose="020B0502040204020203" pitchFamily="34" charset="0"/>
-                <a:ea typeface="微软雅黑" panose="020B0503020204020204" pitchFamily="34" charset="-122"/>
-              </a:rPr>
-              <a:t>才能加载到</a:t>
-            </a:r>
-            <a:r>
-              <a:rPr lang="en-US" altLang="zh-CN" sz="2000" b="0" i="0" dirty="0">
-                <a:solidFill>
-                  <a:srgbClr val="1C1917"/>
-                </a:solidFill>
-                <a:effectLst/>
-                <a:latin typeface="Microsoft Tai Le" panose="020B0502040204020203" pitchFamily="34" charset="0"/>
-                <a:ea typeface="微软雅黑" panose="020B0503020204020204" pitchFamily="34" charset="-122"/>
-              </a:rPr>
-              <a:t>Linux</a:t>
-            </a:r>
-            <a:r>
-              <a:rPr lang="zh-CN" altLang="en-US" sz="2000" b="0" i="0" dirty="0">
-                <a:solidFill>
-                  <a:srgbClr val="1C1917"/>
-                </a:solidFill>
-                <a:effectLst/>
-                <a:latin typeface="Microsoft Tai Le" panose="020B0502040204020203" pitchFamily="34" charset="0"/>
-                <a:ea typeface="微软雅黑" panose="020B0503020204020204" pitchFamily="34" charset="-122"/>
-              </a:rPr>
-              <a:t>内核中运行。</a:t>
-            </a:r>
-            <a:endParaRPr lang="en-US" altLang="zh-CN" sz="2000" b="0" i="0" dirty="0">
-              <a:solidFill>
-                <a:srgbClr val="1C1917"/>
-              </a:solidFill>
-              <a:effectLst/>
+            <a:endParaRPr lang="en-US" altLang="zh-CN" sz="1600" dirty="0">
               <a:latin typeface="Microsoft Tai Le" panose="020B0502040204020203" pitchFamily="34" charset="0"/>
               <a:ea typeface="微软雅黑" panose="020B0503020204020204" pitchFamily="34" charset="-122"/>
             </a:endParaRPr>
@@ -3454,120 +3773,13 @@
               <a:spcBef>
                 <a:spcPts val="600"/>
               </a:spcBef>
-              <a:spcAft>
-                <a:spcPts val="600"/>
-              </a:spcAft>
-              <a:buFont typeface="Wingdings" panose="05000000000000000000" pitchFamily="2" charset="2"/>
-              <a:buChar char="Ø"/>
+              <a:buFont typeface="+mj-lt"/>
+              <a:buAutoNum type="alphaLcParenR"/>
             </a:pPr>
-            <a:r>
-              <a:rPr lang="en-US" altLang="zh-CN" sz="2000" b="0" i="0" dirty="0" err="1">
-                <a:solidFill>
-                  <a:srgbClr val="1C1917"/>
-                </a:solidFill>
-                <a:effectLst/>
-                <a:latin typeface="Microsoft Tai Le" panose="020B0502040204020203" pitchFamily="34" charset="0"/>
-                <a:ea typeface="微软雅黑" panose="020B0503020204020204" pitchFamily="34" charset="-122"/>
-              </a:rPr>
-              <a:t>eBPF</a:t>
-            </a:r>
-            <a:r>
-              <a:rPr lang="zh-CN" altLang="en-US" sz="2000" b="0" i="0" dirty="0">
-                <a:solidFill>
-                  <a:srgbClr val="1C1917"/>
-                </a:solidFill>
-                <a:effectLst/>
-                <a:latin typeface="Microsoft Tai Le" panose="020B0502040204020203" pitchFamily="34" charset="0"/>
-                <a:ea typeface="微软雅黑" panose="020B0503020204020204" pitchFamily="34" charset="-122"/>
-              </a:rPr>
-              <a:t>提供了强大的</a:t>
-            </a:r>
-            <a:r>
-              <a:rPr lang="en-US" altLang="zh-CN" sz="2000" b="0" i="0" dirty="0">
-                <a:solidFill>
-                  <a:srgbClr val="1C1917"/>
-                </a:solidFill>
-                <a:effectLst/>
-                <a:latin typeface="Microsoft Tai Le" panose="020B0502040204020203" pitchFamily="34" charset="0"/>
-                <a:ea typeface="微软雅黑" panose="020B0503020204020204" pitchFamily="34" charset="-122"/>
-              </a:rPr>
-              <a:t>hook</a:t>
-            </a:r>
-            <a:r>
-              <a:rPr lang="zh-CN" altLang="en-US" sz="2000" b="0" i="0" dirty="0">
-                <a:solidFill>
-                  <a:srgbClr val="1C1917"/>
-                </a:solidFill>
-                <a:effectLst/>
-                <a:latin typeface="Microsoft Tai Le" panose="020B0502040204020203" pitchFamily="34" charset="0"/>
-                <a:ea typeface="微软雅黑" panose="020B0503020204020204" pitchFamily="34" charset="-122"/>
-              </a:rPr>
-              <a:t>机制</a:t>
-            </a:r>
-            <a:r>
-              <a:rPr lang="zh-CN" altLang="en-US" sz="2000" dirty="0">
-                <a:solidFill>
-                  <a:srgbClr val="1C1917"/>
-                </a:solidFill>
-                <a:latin typeface="Microsoft Tai Le" panose="020B0502040204020203" pitchFamily="34" charset="0"/>
-                <a:ea typeface="微软雅黑" panose="020B0503020204020204" pitchFamily="34" charset="-122"/>
-              </a:rPr>
-              <a:t>，</a:t>
-            </a:r>
-            <a:r>
-              <a:rPr lang="zh-CN" altLang="en-US" sz="2000" b="0" i="0" dirty="0">
-                <a:solidFill>
-                  <a:srgbClr val="1C1917"/>
-                </a:solidFill>
-                <a:effectLst/>
-                <a:latin typeface="Microsoft Tai Le" panose="020B0502040204020203" pitchFamily="34" charset="0"/>
-                <a:ea typeface="微软雅黑" panose="020B0503020204020204" pitchFamily="34" charset="-122"/>
-              </a:rPr>
-              <a:t>可以挂载到多个</a:t>
-            </a:r>
-            <a:r>
-              <a:rPr lang="en-US" altLang="zh-CN" sz="2000" b="0" i="0" dirty="0">
-                <a:solidFill>
-                  <a:srgbClr val="1C1917"/>
-                </a:solidFill>
-                <a:effectLst/>
-                <a:latin typeface="Microsoft Tai Le" panose="020B0502040204020203" pitchFamily="34" charset="0"/>
-                <a:ea typeface="微软雅黑" panose="020B0503020204020204" pitchFamily="34" charset="-122"/>
-              </a:rPr>
-              <a:t>Linux</a:t>
-            </a:r>
-            <a:r>
-              <a:rPr lang="zh-CN" altLang="en-US" sz="2000" b="0" i="0" dirty="0">
-                <a:solidFill>
-                  <a:srgbClr val="1C1917"/>
-                </a:solidFill>
-                <a:effectLst/>
-                <a:latin typeface="Microsoft Tai Le" panose="020B0502040204020203" pitchFamily="34" charset="0"/>
-                <a:ea typeface="微软雅黑" panose="020B0503020204020204" pitchFamily="34" charset="-122"/>
-              </a:rPr>
-              <a:t>子系统，如网络栈、文件系统等</a:t>
-            </a:r>
-            <a:r>
-              <a:rPr lang="zh-CN" altLang="en-US" sz="2000" dirty="0">
-                <a:solidFill>
-                  <a:srgbClr val="1C1917"/>
-                </a:solidFill>
-                <a:latin typeface="Microsoft Tai Le" panose="020B0502040204020203" pitchFamily="34" charset="0"/>
-                <a:ea typeface="微软雅黑" panose="020B0503020204020204" pitchFamily="34" charset="-122"/>
-              </a:rPr>
-              <a:t>，</a:t>
-            </a:r>
-            <a:r>
-              <a:rPr lang="zh-CN" altLang="en-US" sz="2000" b="0" i="0" dirty="0">
-                <a:solidFill>
-                  <a:srgbClr val="1C1917"/>
-                </a:solidFill>
-                <a:effectLst/>
-                <a:latin typeface="Microsoft Tai Le" panose="020B0502040204020203" pitchFamily="34" charset="0"/>
-                <a:ea typeface="微软雅黑" panose="020B0503020204020204" pitchFamily="34" charset="-122"/>
-              </a:rPr>
-              <a:t>实现自定义的监控、分析和增强。</a:t>
-            </a:r>
+            <a:endParaRPr lang="en-US" altLang="zh-CN" sz="1600" dirty="0">
+              <a:latin typeface="Microsoft Tai Le" panose="020B0502040204020203" pitchFamily="34" charset="0"/>
+              <a:ea typeface="微软雅黑" panose="020B0503020204020204" pitchFamily="34" charset="-122"/>
+            </a:endParaRPr>
           </a:p>
           <a:p>
             <a:pPr marL="342900" indent="-342900">
@@ -3577,209 +3789,10 @@
               <a:spcBef>
                 <a:spcPts val="600"/>
               </a:spcBef>
-              <a:spcAft>
-                <a:spcPts val="600"/>
-              </a:spcAft>
-              <a:buFont typeface="Wingdings" panose="05000000000000000000" pitchFamily="2" charset="2"/>
-              <a:buChar char="Ø"/>
+              <a:buFont typeface="+mj-lt"/>
+              <a:buAutoNum type="alphaLcParenR"/>
             </a:pPr>
-            <a:r>
-              <a:rPr lang="zh-CN" altLang="en-US" sz="2000" b="0" i="0" dirty="0">
-                <a:solidFill>
-                  <a:srgbClr val="1C1917"/>
-                </a:solidFill>
-                <a:effectLst/>
-                <a:latin typeface="Microsoft Tai Le" panose="020B0502040204020203" pitchFamily="34" charset="0"/>
-                <a:ea typeface="微软雅黑" panose="020B0503020204020204" pitchFamily="34" charset="-122"/>
-              </a:rPr>
-              <a:t>通过</a:t>
-            </a:r>
-            <a:r>
-              <a:rPr lang="en-US" altLang="zh-CN" sz="2000" b="0" i="0" dirty="0">
-                <a:solidFill>
-                  <a:srgbClr val="1C1917"/>
-                </a:solidFill>
-                <a:effectLst/>
-                <a:latin typeface="Microsoft Tai Le" panose="020B0502040204020203" pitchFamily="34" charset="0"/>
-                <a:ea typeface="微软雅黑" panose="020B0503020204020204" pitchFamily="34" charset="-122"/>
-              </a:rPr>
-              <a:t>BCC/</a:t>
-            </a:r>
-            <a:r>
-              <a:rPr lang="en-US" altLang="zh-CN" sz="2000" b="0" i="0" dirty="0" err="1">
-                <a:solidFill>
-                  <a:srgbClr val="1C1917"/>
-                </a:solidFill>
-                <a:effectLst/>
-                <a:latin typeface="Microsoft Tai Le" panose="020B0502040204020203" pitchFamily="34" charset="0"/>
-                <a:ea typeface="微软雅黑" panose="020B0503020204020204" pitchFamily="34" charset="-122"/>
-              </a:rPr>
-              <a:t>bpftrace</a:t>
-            </a:r>
-            <a:r>
-              <a:rPr lang="en-US" altLang="zh-CN" sz="2000" b="0" i="0" dirty="0">
-                <a:solidFill>
-                  <a:srgbClr val="1C1917"/>
-                </a:solidFill>
-                <a:effectLst/>
-                <a:latin typeface="Microsoft Tai Le" panose="020B0502040204020203" pitchFamily="34" charset="0"/>
-                <a:ea typeface="微软雅黑" panose="020B0503020204020204" pitchFamily="34" charset="-122"/>
-              </a:rPr>
-              <a:t>/</a:t>
-            </a:r>
-            <a:r>
-              <a:rPr lang="en-US" altLang="zh-CN" sz="2000" b="0" i="0" dirty="0" err="1">
-                <a:solidFill>
-                  <a:srgbClr val="1C1917"/>
-                </a:solidFill>
-                <a:effectLst/>
-                <a:latin typeface="Microsoft Tai Le" panose="020B0502040204020203" pitchFamily="34" charset="0"/>
-                <a:ea typeface="微软雅黑" panose="020B0503020204020204" pitchFamily="34" charset="-122"/>
-              </a:rPr>
-              <a:t>libbpf</a:t>
-            </a:r>
-            <a:r>
-              <a:rPr lang="en-US" altLang="zh-CN" sz="2000" b="0" i="0" dirty="0">
-                <a:solidFill>
-                  <a:srgbClr val="1C1917"/>
-                </a:solidFill>
-                <a:effectLst/>
-                <a:latin typeface="Microsoft Tai Le" panose="020B0502040204020203" pitchFamily="34" charset="0"/>
-                <a:ea typeface="微软雅黑" panose="020B0503020204020204" pitchFamily="34" charset="-122"/>
-              </a:rPr>
-              <a:t>/cilium </a:t>
-            </a:r>
-            <a:r>
-              <a:rPr lang="en-US" altLang="zh-CN" sz="2000" b="0" i="0" dirty="0" err="1">
-                <a:solidFill>
-                  <a:srgbClr val="1C1917"/>
-                </a:solidFill>
-                <a:effectLst/>
-                <a:latin typeface="Microsoft Tai Le" panose="020B0502040204020203" pitchFamily="34" charset="0"/>
-                <a:ea typeface="微软雅黑" panose="020B0503020204020204" pitchFamily="34" charset="-122"/>
-              </a:rPr>
-              <a:t>bpf</a:t>
-            </a:r>
-            <a:r>
-              <a:rPr lang="zh-CN" altLang="en-US" sz="2000" b="0" i="0" dirty="0">
-                <a:solidFill>
-                  <a:srgbClr val="1C1917"/>
-                </a:solidFill>
-                <a:effectLst/>
-                <a:latin typeface="Microsoft Tai Le" panose="020B0502040204020203" pitchFamily="34" charset="0"/>
-                <a:ea typeface="微软雅黑" panose="020B0503020204020204" pitchFamily="34" charset="-122"/>
-              </a:rPr>
-              <a:t>框架</a:t>
-            </a:r>
-            <a:r>
-              <a:rPr lang="zh-CN" altLang="en-US" sz="2000" dirty="0">
-                <a:solidFill>
-                  <a:srgbClr val="1C1917"/>
-                </a:solidFill>
-                <a:latin typeface="Microsoft Tai Le" panose="020B0502040204020203" pitchFamily="34" charset="0"/>
-                <a:ea typeface="微软雅黑" panose="020B0503020204020204" pitchFamily="34" charset="-122"/>
-              </a:rPr>
-              <a:t>，</a:t>
-            </a:r>
-            <a:r>
-              <a:rPr lang="zh-CN" altLang="en-US" sz="2000" b="0" i="0" dirty="0">
-                <a:solidFill>
-                  <a:srgbClr val="1C1917"/>
-                </a:solidFill>
-                <a:effectLst/>
-                <a:latin typeface="Microsoft Tai Le" panose="020B0502040204020203" pitchFamily="34" charset="0"/>
-                <a:ea typeface="微软雅黑" panose="020B0503020204020204" pitchFamily="34" charset="-122"/>
-              </a:rPr>
-              <a:t>开发人员可以使用</a:t>
-            </a:r>
-            <a:r>
-              <a:rPr lang="en-US" altLang="zh-CN" sz="2000" b="0" i="0" dirty="0">
-                <a:solidFill>
-                  <a:srgbClr val="1C1917"/>
-                </a:solidFill>
-                <a:effectLst/>
-                <a:latin typeface="Microsoft Tai Le" panose="020B0502040204020203" pitchFamily="34" charset="0"/>
-                <a:ea typeface="微软雅黑" panose="020B0503020204020204" pitchFamily="34" charset="-122"/>
-              </a:rPr>
-              <a:t>C/Python/go</a:t>
-            </a:r>
-            <a:r>
-              <a:rPr lang="zh-CN" altLang="en-US" sz="2000" b="0" i="0" dirty="0">
-                <a:solidFill>
-                  <a:srgbClr val="1C1917"/>
-                </a:solidFill>
-                <a:effectLst/>
-                <a:latin typeface="Microsoft Tai Le" panose="020B0502040204020203" pitchFamily="34" charset="0"/>
-                <a:ea typeface="微软雅黑" panose="020B0503020204020204" pitchFamily="34" charset="-122"/>
-              </a:rPr>
-              <a:t>等语言编写</a:t>
-            </a:r>
-            <a:r>
-              <a:rPr lang="en-US" altLang="zh-CN" sz="2000" b="0" i="0" dirty="0" err="1">
-                <a:solidFill>
-                  <a:srgbClr val="1C1917"/>
-                </a:solidFill>
-                <a:effectLst/>
-                <a:latin typeface="Microsoft Tai Le" panose="020B0502040204020203" pitchFamily="34" charset="0"/>
-                <a:ea typeface="微软雅黑" panose="020B0503020204020204" pitchFamily="34" charset="-122"/>
-              </a:rPr>
-              <a:t>eBPF</a:t>
-            </a:r>
-            <a:r>
-              <a:rPr lang="zh-CN" altLang="en-US" sz="2000" b="0" i="0" dirty="0">
-                <a:solidFill>
-                  <a:srgbClr val="1C1917"/>
-                </a:solidFill>
-                <a:effectLst/>
-                <a:latin typeface="Microsoft Tai Le" panose="020B0502040204020203" pitchFamily="34" charset="0"/>
-                <a:ea typeface="微软雅黑" panose="020B0503020204020204" pitchFamily="34" charset="-122"/>
-              </a:rPr>
-              <a:t>程序</a:t>
-            </a:r>
-            <a:r>
-              <a:rPr lang="zh-CN" altLang="en-US" sz="2000" dirty="0">
-                <a:solidFill>
-                  <a:srgbClr val="1C1917"/>
-                </a:solidFill>
-                <a:latin typeface="Microsoft Tai Le" panose="020B0502040204020203" pitchFamily="34" charset="0"/>
-                <a:ea typeface="微软雅黑" panose="020B0503020204020204" pitchFamily="34" charset="-122"/>
-              </a:rPr>
-              <a:t>，</a:t>
-            </a:r>
-            <a:r>
-              <a:rPr lang="zh-CN" altLang="en-US" sz="2000" b="0" i="0" dirty="0">
-                <a:solidFill>
-                  <a:srgbClr val="1C1917"/>
-                </a:solidFill>
-                <a:effectLst/>
-                <a:latin typeface="Microsoft Tai Le" panose="020B0502040204020203" pitchFamily="34" charset="0"/>
-                <a:ea typeface="微软雅黑" panose="020B0503020204020204" pitchFamily="34" charset="-122"/>
-              </a:rPr>
-              <a:t>无需掌握</a:t>
-            </a:r>
-            <a:r>
-              <a:rPr lang="en-US" altLang="zh-CN" sz="2000" b="0" i="0" dirty="0">
-                <a:solidFill>
-                  <a:srgbClr val="1C1917"/>
-                </a:solidFill>
-                <a:effectLst/>
-                <a:latin typeface="Microsoft Tai Le" panose="020B0502040204020203" pitchFamily="34" charset="0"/>
-                <a:ea typeface="微软雅黑" panose="020B0503020204020204" pitchFamily="34" charset="-122"/>
-              </a:rPr>
-              <a:t>Bytecode</a:t>
-            </a:r>
-            <a:r>
-              <a:rPr lang="zh-CN" altLang="en-US" sz="2000" b="0" i="0" dirty="0">
-                <a:solidFill>
-                  <a:srgbClr val="1C1917"/>
-                </a:solidFill>
-                <a:effectLst/>
-                <a:latin typeface="Microsoft Tai Le" panose="020B0502040204020203" pitchFamily="34" charset="0"/>
-                <a:ea typeface="微软雅黑" panose="020B0503020204020204" pitchFamily="34" charset="-122"/>
-              </a:rPr>
-              <a:t>细节。</a:t>
-            </a:r>
-            <a:endParaRPr lang="en-US" altLang="zh-CN" sz="2400" dirty="0">
+            <a:endParaRPr lang="en-US" altLang="zh-CN" sz="1600" dirty="0">
               <a:latin typeface="Microsoft Tai Le" panose="020B0502040204020203" pitchFamily="34" charset="0"/>
               <a:ea typeface="微软雅黑" panose="020B0503020204020204" pitchFamily="34" charset="-122"/>
             </a:endParaRPr>
@@ -3789,20 +3802,1734 @@
               <a:lnSpc>
                 <a:spcPct val="150000"/>
               </a:lnSpc>
-              <a:buFont typeface="Wingdings" panose="05000000000000000000" pitchFamily="2" charset="2"/>
-              <a:buChar char="Ø"/>
+              <a:spcBef>
+                <a:spcPts val="600"/>
+              </a:spcBef>
+              <a:buFont typeface="+mj-lt"/>
+              <a:buAutoNum type="alphaLcParenR" startAt="2"/>
             </a:pPr>
-            <a:endParaRPr lang="zh-CN" altLang="en-US" sz="2000" dirty="0">
+            <a:r>
+              <a:rPr lang="en-US" altLang="zh-CN" sz="1600" dirty="0">
+                <a:latin typeface="Microsoft Tai Le" panose="020B0502040204020203" pitchFamily="34" charset="0"/>
+                <a:ea typeface="微软雅黑" panose="020B0503020204020204" pitchFamily="34" charset="-122"/>
+              </a:rPr>
+              <a:t>Test-2</a:t>
+            </a:r>
+            <a:r>
+              <a:rPr lang="zh-CN" altLang="en-US" sz="1600" dirty="0">
+                <a:latin typeface="Microsoft Tai Le" panose="020B0502040204020203" pitchFamily="34" charset="0"/>
+                <a:ea typeface="微软雅黑" panose="020B0503020204020204" pitchFamily="34" charset="-122"/>
+              </a:rPr>
+              <a:t>，</a:t>
+            </a:r>
+            <a:r>
+              <a:rPr lang="en-US" altLang="zh-CN" sz="1600" dirty="0">
+                <a:latin typeface="Microsoft Tai Le" panose="020B0502040204020203" pitchFamily="34" charset="0"/>
+                <a:ea typeface="微软雅黑" panose="020B0503020204020204" pitchFamily="34" charset="-122"/>
+              </a:rPr>
+              <a:t>8</a:t>
+            </a:r>
+            <a:r>
+              <a:rPr lang="zh-CN" altLang="en-US" sz="1600" dirty="0">
+                <a:latin typeface="Microsoft Tai Le" panose="020B0502040204020203" pitchFamily="34" charset="0"/>
+                <a:ea typeface="微软雅黑" panose="020B0503020204020204" pitchFamily="34" charset="-122"/>
+              </a:rPr>
+              <a:t>个进程不断计算调用 </a:t>
+            </a:r>
+            <a:r>
+              <a:rPr lang="en-US" altLang="zh-CN" sz="1600" dirty="0">
+                <a:latin typeface="Microsoft Tai Le" panose="020B0502040204020203" pitchFamily="34" charset="0"/>
+                <a:ea typeface="微软雅黑" panose="020B0503020204020204" pitchFamily="34" charset="-122"/>
+              </a:rPr>
+              <a:t>sqrt </a:t>
+            </a:r>
+            <a:r>
+              <a:rPr lang="zh-CN" altLang="en-US" sz="1600" dirty="0">
+                <a:latin typeface="Microsoft Tai Le" panose="020B0502040204020203" pitchFamily="34" charset="0"/>
+                <a:ea typeface="微软雅黑" panose="020B0503020204020204" pitchFamily="34" charset="-122"/>
+              </a:rPr>
+              <a:t>函数计算由 </a:t>
+            </a:r>
+            <a:r>
+              <a:rPr lang="en-US" altLang="zh-CN" sz="1600" dirty="0">
+                <a:latin typeface="Microsoft Tai Le" panose="020B0502040204020203" pitchFamily="34" charset="0"/>
+                <a:ea typeface="微软雅黑" panose="020B0503020204020204" pitchFamily="34" charset="-122"/>
+              </a:rPr>
+              <a:t>rand </a:t>
+            </a:r>
+            <a:r>
+              <a:rPr lang="zh-CN" altLang="en-US" sz="1600" dirty="0">
+                <a:latin typeface="Microsoft Tai Le" panose="020B0502040204020203" pitchFamily="34" charset="0"/>
+                <a:ea typeface="微软雅黑" panose="020B0503020204020204" pitchFamily="34" charset="-122"/>
+              </a:rPr>
+              <a:t>函数产生的随机数的平方根</a:t>
+            </a:r>
+            <a:br>
+              <a:rPr lang="en-US" altLang="zh-CN" sz="1600" dirty="0">
+                <a:latin typeface="Microsoft Tai Le" panose="020B0502040204020203" pitchFamily="34" charset="0"/>
+                <a:ea typeface="微软雅黑" panose="020B0503020204020204" pitchFamily="34" charset="-122"/>
+              </a:rPr>
+            </a:br>
+            <a:r>
+              <a:rPr lang="en-US" altLang="zh-CN" sz="1600" dirty="0">
+                <a:latin typeface="Microsoft Tai Le" panose="020B0502040204020203" pitchFamily="34" charset="0"/>
+                <a:ea typeface="微软雅黑" panose="020B0503020204020204" pitchFamily="34" charset="-122"/>
+              </a:rPr>
+              <a:t>stress –c 8</a:t>
+            </a:r>
+          </a:p>
+          <a:p>
+            <a:pPr marL="0" indent="0">
+              <a:lnSpc>
+                <a:spcPct val="150000"/>
+              </a:lnSpc>
+              <a:spcBef>
+                <a:spcPts val="600"/>
+              </a:spcBef>
+              <a:buNone/>
+            </a:pPr>
+            <a:endParaRPr lang="en-US" altLang="zh-CN" sz="1600" dirty="0">
               <a:latin typeface="Microsoft Tai Le" panose="020B0502040204020203" pitchFamily="34" charset="0"/>
               <a:ea typeface="微软雅黑" panose="020B0503020204020204" pitchFamily="34" charset="-122"/>
             </a:endParaRPr>
           </a:p>
-        </p:txBody>
-      </p:sp>
+          <a:p>
+            <a:pPr marL="342900" indent="-342900">
+              <a:lnSpc>
+                <a:spcPct val="150000"/>
+              </a:lnSpc>
+              <a:spcBef>
+                <a:spcPts val="600"/>
+              </a:spcBef>
+              <a:buFont typeface="+mj-lt"/>
+              <a:buAutoNum type="alphaLcParenR" startAt="2"/>
+            </a:pPr>
+            <a:endParaRPr lang="en-US" altLang="zh-CN" sz="1800" dirty="0">
+              <a:latin typeface="Microsoft Tai Le" panose="020B0502040204020203" pitchFamily="34" charset="0"/>
+              <a:ea typeface="微软雅黑" panose="020B0503020204020204" pitchFamily="34" charset="-122"/>
+            </a:endParaRPr>
+          </a:p>
+          <a:p>
+            <a:pPr marL="0" indent="457200">
+              <a:lnSpc>
+                <a:spcPct val="150000"/>
+              </a:lnSpc>
+              <a:spcBef>
+                <a:spcPts val="600"/>
+              </a:spcBef>
+              <a:buNone/>
+            </a:pPr>
+            <a:endParaRPr lang="en-US" altLang="zh-CN" sz="1800" dirty="0">
+              <a:latin typeface="Microsoft Tai Le" panose="020B0502040204020203" pitchFamily="34" charset="0"/>
+              <a:ea typeface="微软雅黑" panose="020B0503020204020204" pitchFamily="34" charset="-122"/>
+            </a:endParaRPr>
+          </a:p>
+          <a:p>
+            <a:pPr marL="0" indent="0">
+              <a:lnSpc>
+                <a:spcPct val="150000"/>
+              </a:lnSpc>
+              <a:buNone/>
+            </a:pPr>
+            <a:endParaRPr lang="en-US" altLang="zh-CN" sz="1800" dirty="0">
+              <a:latin typeface="Microsoft Tai Le" panose="020B0502040204020203" pitchFamily="34" charset="0"/>
+              <a:ea typeface="微软雅黑" panose="020B0503020204020204" pitchFamily="34" charset="-122"/>
+            </a:endParaRPr>
+          </a:p>
+        </p:txBody>
+      </p:sp>
+      <p:pic>
+        <p:nvPicPr>
+          <p:cNvPr id="5" name="图片 4">
+            <a:extLst>
+              <a:ext uri="{FF2B5EF4-FFF2-40B4-BE49-F238E27FC236}">
+                <a16:creationId xmlns:a16="http://schemas.microsoft.com/office/drawing/2014/main" id="{C4622BCA-D1F9-B58E-EB6E-04C8B52DBC69}"/>
+              </a:ext>
+            </a:extLst>
+          </p:cNvPr>
+          <p:cNvPicPr>
+            <a:picLocks noChangeAspect="1"/>
+          </p:cNvPicPr>
+          <p:nvPr/>
+        </p:nvPicPr>
+        <p:blipFill>
+          <a:blip r:embed="rId2"/>
+          <a:stretch>
+            <a:fillRect/>
+          </a:stretch>
+        </p:blipFill>
+        <p:spPr>
+          <a:xfrm>
+            <a:off x="342900" y="1943582"/>
+            <a:ext cx="11618595" cy="1388263"/>
+          </a:xfrm>
+          <a:prstGeom prst="rect">
+            <a:avLst/>
+          </a:prstGeom>
+        </p:spPr>
+      </p:pic>
+      <p:pic>
+        <p:nvPicPr>
+          <p:cNvPr id="9" name="图片 8">
+            <a:extLst>
+              <a:ext uri="{FF2B5EF4-FFF2-40B4-BE49-F238E27FC236}">
+                <a16:creationId xmlns:a16="http://schemas.microsoft.com/office/drawing/2014/main" id="{1D35B0BB-0444-22AA-983F-42100F759409}"/>
+              </a:ext>
+            </a:extLst>
+          </p:cNvPr>
+          <p:cNvPicPr>
+            <a:picLocks noChangeAspect="1"/>
+          </p:cNvPicPr>
+          <p:nvPr/>
+        </p:nvPicPr>
+        <p:blipFill>
+          <a:blip r:embed="rId3"/>
+          <a:stretch>
+            <a:fillRect/>
+          </a:stretch>
+        </p:blipFill>
+        <p:spPr>
+          <a:xfrm>
+            <a:off x="7600638" y="4109859"/>
+            <a:ext cx="4354274" cy="2273796"/>
+          </a:xfrm>
+          <a:prstGeom prst="rect">
+            <a:avLst/>
+          </a:prstGeom>
+        </p:spPr>
+      </p:pic>
+      <p:pic>
+        <p:nvPicPr>
+          <p:cNvPr id="11" name="图片 10">
+            <a:extLst>
+              <a:ext uri="{FF2B5EF4-FFF2-40B4-BE49-F238E27FC236}">
+                <a16:creationId xmlns:a16="http://schemas.microsoft.com/office/drawing/2014/main" id="{688BB326-FF06-556B-EEE7-77BA5570BB51}"/>
+              </a:ext>
+            </a:extLst>
+          </p:cNvPr>
+          <p:cNvPicPr>
+            <a:picLocks noChangeAspect="1"/>
+          </p:cNvPicPr>
+          <p:nvPr/>
+        </p:nvPicPr>
+        <p:blipFill>
+          <a:blip r:embed="rId4"/>
+          <a:stretch>
+            <a:fillRect/>
+          </a:stretch>
+        </p:blipFill>
+        <p:spPr>
+          <a:xfrm>
+            <a:off x="153712" y="4109859"/>
+            <a:ext cx="7295498" cy="1628332"/>
+          </a:xfrm>
+          <a:prstGeom prst="rect">
+            <a:avLst/>
+          </a:prstGeom>
+        </p:spPr>
+      </p:pic>
     </p:spTree>
     <p:extLst>
       <p:ext uri="{BB962C8B-B14F-4D97-AF65-F5344CB8AC3E}">
-        <p14:creationId xmlns:p14="http://schemas.microsoft.com/office/powerpoint/2010/main" val="2813959066"/>
+        <p14:creationId xmlns:p14="http://schemas.microsoft.com/office/powerpoint/2010/main" val="1484711255"/>
+      </p:ext>
+    </p:extLst>
+  </p:cSld>
+  <p:clrMapOvr>
+    <a:masterClrMapping/>
+  </p:clrMapOvr>
+</p:sld>
+</file>
+
+<file path=ppt/slides/slide3.xml><?xml version="1.0" encoding="utf-8"?>
+<p:sld xmlns:a="http://schemas.openxmlformats.org/drawingml/2006/main" xmlns:r="http://schemas.openxmlformats.org/officeDocument/2006/relationships" xmlns:p="http://schemas.openxmlformats.org/presentationml/2006/main">
+  <p:cSld>
+    <p:bg>
+      <p:bgPr>
+        <a:solidFill>
+          <a:schemeClr val="accent3">
+            <a:lumMod val="20000"/>
+            <a:lumOff val="80000"/>
+          </a:schemeClr>
+        </a:solidFill>
+        <a:effectLst/>
+      </p:bgPr>
+    </p:bg>
+    <p:spTree>
+      <p:nvGrpSpPr>
+        <p:cNvPr id="1" name=""/>
+        <p:cNvGrpSpPr/>
+        <p:nvPr/>
+      </p:nvGrpSpPr>
+      <p:grpSpPr>
+        <a:xfrm>
+          <a:off x="0" y="0"/>
+          <a:ext cx="0" cy="0"/>
+          <a:chOff x="0" y="0"/>
+          <a:chExt cx="0" cy="0"/>
+        </a:xfrm>
+      </p:grpSpPr>
+      <p:sp>
+        <p:nvSpPr>
+          <p:cNvPr id="4" name="内容占位符 2">
+            <a:extLst>
+              <a:ext uri="{FF2B5EF4-FFF2-40B4-BE49-F238E27FC236}">
+                <a16:creationId xmlns:a16="http://schemas.microsoft.com/office/drawing/2014/main" id="{A55853D4-F2CF-61B3-CAFD-5DB6B20BE4F9}"/>
+              </a:ext>
+            </a:extLst>
+          </p:cNvPr>
+          <p:cNvSpPr>
+            <a:spLocks noGrp="1"/>
+          </p:cNvSpPr>
+          <p:nvPr>
+            <p:ph idx="1"/>
+          </p:nvPr>
+        </p:nvSpPr>
+        <p:spPr>
+          <a:xfrm>
+            <a:off x="342900" y="264695"/>
+            <a:ext cx="11532268" cy="4889584"/>
+          </a:xfrm>
+          <a:solidFill>
+            <a:schemeClr val="accent3">
+              <a:lumMod val="20000"/>
+              <a:lumOff val="80000"/>
+            </a:schemeClr>
+          </a:solidFill>
+        </p:spPr>
+        <p:txBody>
+          <a:bodyPr>
+            <a:normAutofit/>
+          </a:bodyPr>
+          <a:lstStyle/>
+          <a:p>
+            <a:pPr marL="457200" indent="-457200">
+              <a:lnSpc>
+                <a:spcPct val="150000"/>
+              </a:lnSpc>
+              <a:spcBef>
+                <a:spcPts val="600"/>
+              </a:spcBef>
+              <a:buFont typeface="+mj-lt"/>
+              <a:buAutoNum type="arabicPeriod" startAt="2"/>
+            </a:pPr>
+            <a:r>
+              <a:rPr lang="en-US" altLang="zh-CN" sz="2000" b="1" dirty="0" err="1">
+                <a:latin typeface="Microsoft Tai Le" panose="020B0502040204020203" pitchFamily="34" charset="0"/>
+                <a:ea typeface="微软雅黑" panose="020B0503020204020204" pitchFamily="34" charset="-122"/>
+              </a:rPr>
+              <a:t>cpu_schedule_offcpu</a:t>
+            </a:r>
+            <a:endParaRPr lang="en-US" altLang="zh-CN" sz="2000" b="1" dirty="0">
+              <a:latin typeface="Microsoft Tai Le" panose="020B0502040204020203" pitchFamily="34" charset="0"/>
+              <a:ea typeface="微软雅黑" panose="020B0503020204020204" pitchFamily="34" charset="-122"/>
+            </a:endParaRPr>
+          </a:p>
+          <a:p>
+            <a:pPr marL="0" indent="457200">
+              <a:lnSpc>
+                <a:spcPct val="150000"/>
+              </a:lnSpc>
+              <a:spcBef>
+                <a:spcPts val="600"/>
+              </a:spcBef>
+              <a:buNone/>
+            </a:pPr>
+            <a:r>
+              <a:rPr lang="zh-CN" altLang="en-US" sz="1600" dirty="0">
+                <a:latin typeface="Microsoft Tai Le" panose="020B0502040204020203" pitchFamily="34" charset="0"/>
+                <a:ea typeface="微软雅黑" panose="020B0503020204020204" pitchFamily="34" charset="-122"/>
+              </a:rPr>
+              <a:t>用来统计</a:t>
+            </a:r>
+            <a:r>
+              <a:rPr lang="en-US" altLang="zh-CN" sz="1600" dirty="0">
+                <a:latin typeface="Microsoft Tai Le" panose="020B0502040204020203" pitchFamily="34" charset="0"/>
+                <a:ea typeface="微软雅黑" panose="020B0503020204020204" pitchFamily="34" charset="-122"/>
+              </a:rPr>
+              <a:t>TS</a:t>
+            </a:r>
+            <a:r>
+              <a:rPr lang="zh-CN" altLang="en-US" sz="1600" dirty="0">
+                <a:latin typeface="Microsoft Tai Le" panose="020B0502040204020203" pitchFamily="34" charset="0"/>
+                <a:ea typeface="微软雅黑" panose="020B0503020204020204" pitchFamily="34" charset="-122"/>
+              </a:rPr>
+              <a:t>阻塞或脱离</a:t>
+            </a:r>
+            <a:r>
+              <a:rPr lang="en-US" altLang="zh-CN" sz="1600" dirty="0">
+                <a:latin typeface="Microsoft Tai Le" panose="020B0502040204020203" pitchFamily="34" charset="0"/>
+                <a:ea typeface="微软雅黑" panose="020B0503020204020204" pitchFamily="34" charset="-122"/>
+              </a:rPr>
+              <a:t>CPU</a:t>
+            </a:r>
+            <a:r>
+              <a:rPr lang="zh-CN" altLang="en-US" sz="1600" dirty="0">
+                <a:latin typeface="Microsoft Tai Le" panose="020B0502040204020203" pitchFamily="34" charset="0"/>
+                <a:ea typeface="微软雅黑" panose="020B0503020204020204" pitchFamily="34" charset="-122"/>
+              </a:rPr>
+              <a:t>运行的时间。被调度出去到插入到运行队列的时间差，单位秒。</a:t>
+            </a:r>
+            <a:endParaRPr lang="en-US" altLang="zh-CN" sz="1600" dirty="0">
+              <a:latin typeface="Microsoft Tai Le" panose="020B0502040204020203" pitchFamily="34" charset="0"/>
+              <a:ea typeface="微软雅黑" panose="020B0503020204020204" pitchFamily="34" charset="-122"/>
+            </a:endParaRPr>
+          </a:p>
+          <a:p>
+            <a:pPr marL="0" indent="457200">
+              <a:lnSpc>
+                <a:spcPct val="150000"/>
+              </a:lnSpc>
+              <a:spcBef>
+                <a:spcPts val="600"/>
+              </a:spcBef>
+              <a:buNone/>
+            </a:pPr>
+            <a:r>
+              <a:rPr lang="zh-CN" altLang="en-US" sz="1600" dirty="0">
+                <a:latin typeface="Microsoft Tai Le" panose="020B0502040204020203" pitchFamily="34" charset="0"/>
+                <a:ea typeface="微软雅黑" panose="020B0503020204020204" pitchFamily="34" charset="-122"/>
+              </a:rPr>
+              <a:t>原理：利用内核函数</a:t>
+            </a:r>
+            <a:r>
+              <a:rPr lang="en-US" altLang="zh-CN" sz="1600" dirty="0" err="1">
+                <a:latin typeface="Microsoft Tai Le" panose="020B0502040204020203" pitchFamily="34" charset="0"/>
+                <a:ea typeface="微软雅黑" panose="020B0503020204020204" pitchFamily="34" charset="-122"/>
+              </a:rPr>
+              <a:t>sched_switch</a:t>
+            </a:r>
+            <a:r>
+              <a:rPr lang="zh-CN" altLang="en-US" sz="1600" dirty="0">
+                <a:latin typeface="Microsoft Tai Le" panose="020B0502040204020203" pitchFamily="34" charset="0"/>
+                <a:ea typeface="微软雅黑" panose="020B0503020204020204" pitchFamily="34" charset="-122"/>
+              </a:rPr>
+              <a:t>的</a:t>
+            </a:r>
+            <a:r>
+              <a:rPr lang="en-US" altLang="zh-CN" sz="1600" dirty="0" err="1">
+                <a:latin typeface="Microsoft Tai Le" panose="020B0502040204020203" pitchFamily="34" charset="0"/>
+                <a:ea typeface="微软雅黑" panose="020B0503020204020204" pitchFamily="34" charset="-122"/>
+              </a:rPr>
+              <a:t>prev</a:t>
+            </a:r>
+            <a:r>
+              <a:rPr lang="zh-CN" altLang="en-US" sz="1600" dirty="0">
+                <a:latin typeface="Microsoft Tai Le" panose="020B0502040204020203" pitchFamily="34" charset="0"/>
+                <a:ea typeface="微软雅黑" panose="020B0503020204020204" pitchFamily="34" charset="-122"/>
+              </a:rPr>
+              <a:t>和</a:t>
+            </a:r>
+            <a:r>
+              <a:rPr lang="en-US" altLang="zh-CN" sz="1600" dirty="0" err="1">
+                <a:latin typeface="Microsoft Tai Le" panose="020B0502040204020203" pitchFamily="34" charset="0"/>
+                <a:ea typeface="微软雅黑" panose="020B0503020204020204" pitchFamily="34" charset="-122"/>
+              </a:rPr>
+              <a:t>sched_wakeup</a:t>
+            </a:r>
+            <a:r>
+              <a:rPr lang="zh-CN" altLang="en-US" sz="1600" dirty="0">
+                <a:latin typeface="Microsoft Tai Le" panose="020B0502040204020203" pitchFamily="34" charset="0"/>
+                <a:ea typeface="微软雅黑" panose="020B0503020204020204" pitchFamily="34" charset="-122"/>
+              </a:rPr>
+              <a:t>的</a:t>
+            </a:r>
+            <a:r>
+              <a:rPr lang="en-US" altLang="zh-CN" sz="1600" dirty="0" err="1">
+                <a:latin typeface="Microsoft Tai Le" panose="020B0502040204020203" pitchFamily="34" charset="0"/>
+                <a:ea typeface="微软雅黑" panose="020B0503020204020204" pitchFamily="34" charset="-122"/>
+              </a:rPr>
+              <a:t>ts</a:t>
+            </a:r>
+            <a:r>
+              <a:rPr lang="zh-CN" altLang="en-US" sz="1600" dirty="0">
+                <a:latin typeface="Microsoft Tai Le" panose="020B0502040204020203" pitchFamily="34" charset="0"/>
+                <a:ea typeface="微软雅黑" panose="020B0503020204020204" pitchFamily="34" charset="-122"/>
+              </a:rPr>
+              <a:t>对应关系，计算时间差。</a:t>
+            </a:r>
+            <a:endParaRPr lang="en-US" altLang="zh-CN" sz="1600" dirty="0">
+              <a:latin typeface="Microsoft Tai Le" panose="020B0502040204020203" pitchFamily="34" charset="0"/>
+              <a:ea typeface="微软雅黑" panose="020B0503020204020204" pitchFamily="34" charset="-122"/>
+            </a:endParaRPr>
+          </a:p>
+          <a:p>
+            <a:pPr marL="0" indent="457200">
+              <a:lnSpc>
+                <a:spcPct val="150000"/>
+              </a:lnSpc>
+              <a:spcBef>
+                <a:spcPts val="600"/>
+              </a:spcBef>
+              <a:buNone/>
+            </a:pPr>
+            <a:r>
+              <a:rPr lang="zh-CN" altLang="en-US" sz="1600" dirty="0">
+                <a:latin typeface="Microsoft Tai Le" panose="020B0502040204020203" pitchFamily="34" charset="0"/>
+                <a:ea typeface="微软雅黑" panose="020B0503020204020204" pitchFamily="34" charset="-122"/>
+              </a:rPr>
+              <a:t>指标说明：超过阈值的指标实时显示在表格中，包括进程名、</a:t>
+            </a:r>
+            <a:r>
+              <a:rPr lang="en-US" altLang="zh-CN" sz="1600" dirty="0">
+                <a:latin typeface="Microsoft Tai Le" panose="020B0502040204020203" pitchFamily="34" charset="0"/>
+                <a:ea typeface="微软雅黑" panose="020B0503020204020204" pitchFamily="34" charset="-122"/>
+              </a:rPr>
+              <a:t>PID</a:t>
+            </a:r>
+            <a:r>
+              <a:rPr lang="zh-CN" altLang="en-US" sz="1600" dirty="0">
+                <a:latin typeface="Microsoft Tai Le" panose="020B0502040204020203" pitchFamily="34" charset="0"/>
+                <a:ea typeface="微软雅黑" panose="020B0503020204020204" pitchFamily="34" charset="-122"/>
+              </a:rPr>
+              <a:t>、</a:t>
+            </a:r>
+            <a:r>
+              <a:rPr lang="en-US" altLang="zh-CN" sz="1600" dirty="0">
+                <a:latin typeface="Microsoft Tai Le" panose="020B0502040204020203" pitchFamily="34" charset="0"/>
+                <a:ea typeface="微软雅黑" panose="020B0503020204020204" pitchFamily="34" charset="-122"/>
+              </a:rPr>
+              <a:t>TID</a:t>
+            </a:r>
+            <a:r>
+              <a:rPr lang="zh-CN" altLang="en-US" sz="1600" dirty="0">
+                <a:latin typeface="Microsoft Tai Le" panose="020B0502040204020203" pitchFamily="34" charset="0"/>
+                <a:ea typeface="微软雅黑" panose="020B0503020204020204" pitchFamily="34" charset="-122"/>
+              </a:rPr>
+              <a:t>、</a:t>
+            </a:r>
+            <a:br>
+              <a:rPr lang="en-US" altLang="zh-CN" sz="1600" dirty="0">
+                <a:latin typeface="Microsoft Tai Le" panose="020B0502040204020203" pitchFamily="34" charset="0"/>
+                <a:ea typeface="微软雅黑" panose="020B0503020204020204" pitchFamily="34" charset="-122"/>
+              </a:rPr>
+            </a:br>
+            <a:r>
+              <a:rPr lang="en-US" altLang="zh-CN" sz="1600" dirty="0" err="1">
+                <a:latin typeface="Microsoft Tai Le" panose="020B0502040204020203" pitchFamily="34" charset="0"/>
+                <a:ea typeface="微软雅黑" panose="020B0503020204020204" pitchFamily="34" charset="-122"/>
+              </a:rPr>
+              <a:t>OffCPU</a:t>
+            </a:r>
+            <a:r>
+              <a:rPr lang="zh-CN" altLang="en-US" sz="1600" dirty="0">
+                <a:latin typeface="Microsoft Tai Le" panose="020B0502040204020203" pitchFamily="34" charset="0"/>
+                <a:ea typeface="微软雅黑" panose="020B0503020204020204" pitchFamily="34" charset="-122"/>
+              </a:rPr>
+              <a:t>时间、过滤范围（</a:t>
+            </a:r>
+            <a:r>
+              <a:rPr lang="en-US" altLang="zh-CN" sz="1600" dirty="0">
+                <a:latin typeface="Microsoft Tai Le" panose="020B0502040204020203" pitchFamily="34" charset="0"/>
+                <a:ea typeface="微软雅黑" panose="020B0503020204020204" pitchFamily="34" charset="-122"/>
+              </a:rPr>
+              <a:t>OS</a:t>
+            </a:r>
+            <a:r>
+              <a:rPr lang="zh-CN" altLang="en-US" sz="1600" dirty="0">
+                <a:latin typeface="Microsoft Tai Le" panose="020B0502040204020203" pitchFamily="34" charset="0"/>
+                <a:ea typeface="微软雅黑" panose="020B0503020204020204" pitchFamily="34" charset="-122"/>
+              </a:rPr>
+              <a:t>、</a:t>
+            </a:r>
+            <a:r>
+              <a:rPr lang="en-US" altLang="zh-CN" sz="1600" dirty="0">
+                <a:latin typeface="Microsoft Tai Le" panose="020B0502040204020203" pitchFamily="34" charset="0"/>
+                <a:ea typeface="微软雅黑" panose="020B0503020204020204" pitchFamily="34" charset="-122"/>
+              </a:rPr>
+              <a:t>Namespace</a:t>
+            </a:r>
+            <a:r>
+              <a:rPr lang="zh-CN" altLang="en-US" sz="1600" dirty="0">
+                <a:latin typeface="Microsoft Tai Le" panose="020B0502040204020203" pitchFamily="34" charset="0"/>
+                <a:ea typeface="微软雅黑" panose="020B0503020204020204" pitchFamily="34" charset="-122"/>
+              </a:rPr>
+              <a:t>、</a:t>
+            </a:r>
+            <a:r>
+              <a:rPr lang="en-US" altLang="zh-CN" sz="1600" dirty="0" err="1">
+                <a:latin typeface="Microsoft Tai Le" panose="020B0502040204020203" pitchFamily="34" charset="0"/>
+                <a:ea typeface="微软雅黑" panose="020B0503020204020204" pitchFamily="34" charset="-122"/>
+              </a:rPr>
+              <a:t>Pid</a:t>
+            </a:r>
+            <a:r>
+              <a:rPr lang="zh-CN" altLang="en-US" sz="1600" dirty="0">
+                <a:latin typeface="Microsoft Tai Le" panose="020B0502040204020203" pitchFamily="34" charset="0"/>
+                <a:ea typeface="微软雅黑" panose="020B0503020204020204" pitchFamily="34" charset="-122"/>
+              </a:rPr>
+              <a:t>、</a:t>
+            </a:r>
+            <a:r>
+              <a:rPr lang="en-US" altLang="zh-CN" sz="1600" dirty="0" err="1">
+                <a:latin typeface="Microsoft Tai Le" panose="020B0502040204020203" pitchFamily="34" charset="0"/>
+                <a:ea typeface="微软雅黑" panose="020B0503020204020204" pitchFamily="34" charset="-122"/>
+              </a:rPr>
+              <a:t>PGid</a:t>
+            </a:r>
+            <a:r>
+              <a:rPr lang="zh-CN" altLang="en-US" sz="1600" dirty="0">
+                <a:latin typeface="Microsoft Tai Le" panose="020B0502040204020203" pitchFamily="34" charset="0"/>
+                <a:ea typeface="微软雅黑" panose="020B0503020204020204" pitchFamily="34" charset="-122"/>
+              </a:rPr>
+              <a:t>）、过滤的值。通过该</a:t>
+            </a:r>
+            <a:br>
+              <a:rPr lang="en-US" altLang="zh-CN" sz="1600" dirty="0">
+                <a:latin typeface="Microsoft Tai Le" panose="020B0502040204020203" pitchFamily="34" charset="0"/>
+                <a:ea typeface="微软雅黑" panose="020B0503020204020204" pitchFamily="34" charset="-122"/>
+              </a:rPr>
+            </a:br>
+            <a:r>
+              <a:rPr lang="zh-CN" altLang="en-US" sz="1600" dirty="0">
+                <a:latin typeface="Microsoft Tai Le" panose="020B0502040204020203" pitchFamily="34" charset="0"/>
+                <a:ea typeface="微软雅黑" panose="020B0503020204020204" pitchFamily="34" charset="-122"/>
+              </a:rPr>
+              <a:t>信息结合</a:t>
+            </a:r>
+            <a:r>
+              <a:rPr lang="en-US" altLang="zh-CN" sz="1600" dirty="0">
+                <a:latin typeface="Microsoft Tai Le" panose="020B0502040204020203" pitchFamily="34" charset="0"/>
+                <a:ea typeface="微软雅黑" panose="020B0503020204020204" pitchFamily="34" charset="-122"/>
+              </a:rPr>
+              <a:t>Perf</a:t>
+            </a:r>
+            <a:r>
+              <a:rPr lang="zh-CN" altLang="en-US" sz="1600" dirty="0">
+                <a:latin typeface="Microsoft Tai Le" panose="020B0502040204020203" pitchFamily="34" charset="0"/>
+                <a:ea typeface="微软雅黑" panose="020B0503020204020204" pitchFamily="34" charset="-122"/>
+              </a:rPr>
+              <a:t>工具可进一步分析为什么程序没有</a:t>
+            </a:r>
+            <a:r>
+              <a:rPr lang="en-US" altLang="zh-CN" sz="1600" dirty="0">
+                <a:latin typeface="Microsoft Tai Le" panose="020B0502040204020203" pitchFamily="34" charset="0"/>
+                <a:ea typeface="微软雅黑" panose="020B0503020204020204" pitchFamily="34" charset="-122"/>
+              </a:rPr>
+              <a:t>CPU</a:t>
+            </a:r>
+            <a:r>
+              <a:rPr lang="zh-CN" altLang="en-US" sz="1600" dirty="0">
+                <a:latin typeface="Microsoft Tai Le" panose="020B0502040204020203" pitchFamily="34" charset="0"/>
+                <a:ea typeface="微软雅黑" panose="020B0503020204020204" pitchFamily="34" charset="-122"/>
+              </a:rPr>
+              <a:t>上运行，脱离的时间是消耗</a:t>
+            </a:r>
+            <a:br>
+              <a:rPr lang="en-US" altLang="zh-CN" sz="1600" dirty="0">
+                <a:latin typeface="Microsoft Tai Le" panose="020B0502040204020203" pitchFamily="34" charset="0"/>
+                <a:ea typeface="微软雅黑" panose="020B0503020204020204" pitchFamily="34" charset="-122"/>
+              </a:rPr>
+            </a:br>
+            <a:r>
+              <a:rPr lang="zh-CN" altLang="en-US" sz="1600" dirty="0">
+                <a:latin typeface="Microsoft Tai Le" panose="020B0502040204020203" pitchFamily="34" charset="0"/>
+                <a:ea typeface="微软雅黑" panose="020B0503020204020204" pitchFamily="34" charset="-122"/>
+              </a:rPr>
+              <a:t>在哪里。</a:t>
+            </a:r>
+            <a:endParaRPr lang="en-US" altLang="zh-CN" sz="1800" dirty="0">
+              <a:latin typeface="Microsoft Tai Le" panose="020B0502040204020203" pitchFamily="34" charset="0"/>
+              <a:ea typeface="微软雅黑" panose="020B0503020204020204" pitchFamily="34" charset="-122"/>
+            </a:endParaRPr>
+          </a:p>
+          <a:p>
+            <a:pPr marL="0" indent="0">
+              <a:lnSpc>
+                <a:spcPct val="150000"/>
+              </a:lnSpc>
+              <a:spcBef>
+                <a:spcPts val="600"/>
+              </a:spcBef>
+              <a:buNone/>
+            </a:pPr>
+            <a:endParaRPr lang="en-US" altLang="zh-CN" sz="1600" dirty="0">
+              <a:latin typeface="Microsoft Tai Le" panose="020B0502040204020203" pitchFamily="34" charset="0"/>
+              <a:ea typeface="微软雅黑" panose="020B0503020204020204" pitchFamily="34" charset="-122"/>
+            </a:endParaRPr>
+          </a:p>
+          <a:p>
+            <a:pPr marL="342900" indent="-342900">
+              <a:lnSpc>
+                <a:spcPct val="150000"/>
+              </a:lnSpc>
+              <a:spcBef>
+                <a:spcPts val="600"/>
+              </a:spcBef>
+              <a:buFont typeface="+mj-lt"/>
+              <a:buAutoNum type="alphaLcParenR" startAt="2"/>
+            </a:pPr>
+            <a:endParaRPr lang="en-US" altLang="zh-CN" sz="1800" dirty="0">
+              <a:latin typeface="Microsoft Tai Le" panose="020B0502040204020203" pitchFamily="34" charset="0"/>
+              <a:ea typeface="微软雅黑" panose="020B0503020204020204" pitchFamily="34" charset="-122"/>
+            </a:endParaRPr>
+          </a:p>
+          <a:p>
+            <a:pPr marL="0" indent="457200">
+              <a:lnSpc>
+                <a:spcPct val="150000"/>
+              </a:lnSpc>
+              <a:spcBef>
+                <a:spcPts val="600"/>
+              </a:spcBef>
+              <a:buNone/>
+            </a:pPr>
+            <a:endParaRPr lang="en-US" altLang="zh-CN" sz="1800" dirty="0">
+              <a:latin typeface="Microsoft Tai Le" panose="020B0502040204020203" pitchFamily="34" charset="0"/>
+              <a:ea typeface="微软雅黑" panose="020B0503020204020204" pitchFamily="34" charset="-122"/>
+            </a:endParaRPr>
+          </a:p>
+          <a:p>
+            <a:pPr marL="0" indent="0">
+              <a:lnSpc>
+                <a:spcPct val="150000"/>
+              </a:lnSpc>
+              <a:buNone/>
+            </a:pPr>
+            <a:endParaRPr lang="en-US" altLang="zh-CN" sz="1800" dirty="0">
+              <a:latin typeface="Microsoft Tai Le" panose="020B0502040204020203" pitchFamily="34" charset="0"/>
+              <a:ea typeface="微软雅黑" panose="020B0503020204020204" pitchFamily="34" charset="-122"/>
+            </a:endParaRPr>
+          </a:p>
+        </p:txBody>
+      </p:sp>
+      <p:pic>
+        <p:nvPicPr>
+          <p:cNvPr id="6" name="图片 5">
+            <a:extLst>
+              <a:ext uri="{FF2B5EF4-FFF2-40B4-BE49-F238E27FC236}">
+                <a16:creationId xmlns:a16="http://schemas.microsoft.com/office/drawing/2014/main" id="{6B978EFF-93C1-FF30-D40B-6FC26EFC52E5}"/>
+              </a:ext>
+            </a:extLst>
+          </p:cNvPr>
+          <p:cNvPicPr>
+            <a:picLocks noChangeAspect="1"/>
+          </p:cNvPicPr>
+          <p:nvPr/>
+        </p:nvPicPr>
+        <p:blipFill>
+          <a:blip r:embed="rId2"/>
+          <a:stretch>
+            <a:fillRect/>
+          </a:stretch>
+        </p:blipFill>
+        <p:spPr>
+          <a:xfrm>
+            <a:off x="7454824" y="1791548"/>
+            <a:ext cx="4472784" cy="1835877"/>
+          </a:xfrm>
+          <a:prstGeom prst="rect">
+            <a:avLst/>
+          </a:prstGeom>
+        </p:spPr>
+      </p:pic>
+      <p:pic>
+        <p:nvPicPr>
+          <p:cNvPr id="8" name="图片 7">
+            <a:extLst>
+              <a:ext uri="{FF2B5EF4-FFF2-40B4-BE49-F238E27FC236}">
+                <a16:creationId xmlns:a16="http://schemas.microsoft.com/office/drawing/2014/main" id="{7A63CDCC-4042-3C1D-35A5-ADAAA59192AB}"/>
+              </a:ext>
+            </a:extLst>
+          </p:cNvPr>
+          <p:cNvPicPr>
+            <a:picLocks noChangeAspect="1"/>
+          </p:cNvPicPr>
+          <p:nvPr/>
+        </p:nvPicPr>
+        <p:blipFill>
+          <a:blip r:embed="rId3"/>
+          <a:stretch>
+            <a:fillRect/>
+          </a:stretch>
+        </p:blipFill>
+        <p:spPr>
+          <a:xfrm>
+            <a:off x="342900" y="4021922"/>
+            <a:ext cx="11637147" cy="1913403"/>
+          </a:xfrm>
+          <a:prstGeom prst="rect">
+            <a:avLst/>
+          </a:prstGeom>
+        </p:spPr>
+      </p:pic>
+    </p:spTree>
+    <p:extLst>
+      <p:ext uri="{BB962C8B-B14F-4D97-AF65-F5344CB8AC3E}">
+        <p14:creationId xmlns:p14="http://schemas.microsoft.com/office/powerpoint/2010/main" val="2777518705"/>
+      </p:ext>
+    </p:extLst>
+  </p:cSld>
+  <p:clrMapOvr>
+    <a:masterClrMapping/>
+  </p:clrMapOvr>
+</p:sld>
+</file>
+
+<file path=ppt/slides/slide4.xml><?xml version="1.0" encoding="utf-8"?>
+<p:sld xmlns:a="http://schemas.openxmlformats.org/drawingml/2006/main" xmlns:r="http://schemas.openxmlformats.org/officeDocument/2006/relationships" xmlns:p="http://schemas.openxmlformats.org/presentationml/2006/main">
+  <p:cSld>
+    <p:bg>
+      <p:bgPr>
+        <a:solidFill>
+          <a:schemeClr val="accent3">
+            <a:lumMod val="20000"/>
+            <a:lumOff val="80000"/>
+          </a:schemeClr>
+        </a:solidFill>
+        <a:effectLst/>
+      </p:bgPr>
+    </p:bg>
+    <p:spTree>
+      <p:nvGrpSpPr>
+        <p:cNvPr id="1" name=""/>
+        <p:cNvGrpSpPr/>
+        <p:nvPr/>
+      </p:nvGrpSpPr>
+      <p:grpSpPr>
+        <a:xfrm>
+          <a:off x="0" y="0"/>
+          <a:ext cx="0" cy="0"/>
+          <a:chOff x="0" y="0"/>
+          <a:chExt cx="0" cy="0"/>
+        </a:xfrm>
+      </p:grpSpPr>
+      <p:sp>
+        <p:nvSpPr>
+          <p:cNvPr id="4" name="内容占位符 2">
+            <a:extLst>
+              <a:ext uri="{FF2B5EF4-FFF2-40B4-BE49-F238E27FC236}">
+                <a16:creationId xmlns:a16="http://schemas.microsoft.com/office/drawing/2014/main" id="{83BEBDAE-1DC0-00EA-B82D-D10D0E532094}"/>
+              </a:ext>
+            </a:extLst>
+          </p:cNvPr>
+          <p:cNvSpPr>
+            <a:spLocks noGrp="1"/>
+          </p:cNvSpPr>
+          <p:nvPr>
+            <p:ph idx="1"/>
+          </p:nvPr>
+        </p:nvSpPr>
+        <p:spPr>
+          <a:xfrm>
+            <a:off x="342900" y="264695"/>
+            <a:ext cx="11532268" cy="4889584"/>
+          </a:xfrm>
+          <a:solidFill>
+            <a:schemeClr val="accent3">
+              <a:lumMod val="20000"/>
+              <a:lumOff val="80000"/>
+            </a:schemeClr>
+          </a:solidFill>
+        </p:spPr>
+        <p:txBody>
+          <a:bodyPr>
+            <a:normAutofit/>
+          </a:bodyPr>
+          <a:lstStyle/>
+          <a:p>
+            <a:pPr marL="457200" indent="-457200">
+              <a:lnSpc>
+                <a:spcPct val="150000"/>
+              </a:lnSpc>
+              <a:spcBef>
+                <a:spcPts val="600"/>
+              </a:spcBef>
+              <a:buFont typeface="+mj-lt"/>
+              <a:buAutoNum type="arabicPeriod" startAt="2"/>
+            </a:pPr>
+            <a:r>
+              <a:rPr lang="en-US" altLang="zh-CN" sz="2000" b="1" dirty="0" err="1">
+                <a:latin typeface="Microsoft Tai Le" panose="020B0502040204020203" pitchFamily="34" charset="0"/>
+                <a:ea typeface="微软雅黑" panose="020B0503020204020204" pitchFamily="34" charset="-122"/>
+              </a:rPr>
+              <a:t>cpu_schedule_offcpu</a:t>
+            </a:r>
+            <a:endParaRPr lang="en-US" altLang="zh-CN" sz="2000" b="1" dirty="0">
+              <a:latin typeface="Microsoft Tai Le" panose="020B0502040204020203" pitchFamily="34" charset="0"/>
+              <a:ea typeface="微软雅黑" panose="020B0503020204020204" pitchFamily="34" charset="-122"/>
+            </a:endParaRPr>
+          </a:p>
+          <a:p>
+            <a:pPr marL="342900" indent="-342900">
+              <a:lnSpc>
+                <a:spcPct val="150000"/>
+              </a:lnSpc>
+              <a:spcBef>
+                <a:spcPts val="600"/>
+              </a:spcBef>
+              <a:buFont typeface="+mj-lt"/>
+              <a:buAutoNum type="alphaLcParenR"/>
+            </a:pPr>
+            <a:r>
+              <a:rPr lang="en-US" altLang="zh-CN" sz="1600" dirty="0">
+                <a:latin typeface="Microsoft Tai Le" panose="020B0502040204020203" pitchFamily="34" charset="0"/>
+                <a:ea typeface="微软雅黑" panose="020B0503020204020204" pitchFamily="34" charset="-122"/>
+              </a:rPr>
+              <a:t>Test-1</a:t>
+            </a:r>
+            <a:r>
+              <a:rPr lang="zh-CN" altLang="en-US" sz="1600" dirty="0">
+                <a:latin typeface="Microsoft Tai Le" panose="020B0502040204020203" pitchFamily="34" charset="0"/>
+                <a:ea typeface="微软雅黑" panose="020B0503020204020204" pitchFamily="34" charset="-122"/>
+              </a:rPr>
+              <a:t>，用</a:t>
+            </a:r>
+            <a:r>
+              <a:rPr lang="en-US" altLang="zh-CN" sz="1600" dirty="0">
+                <a:latin typeface="Microsoft Tai Le" panose="020B0502040204020203" pitchFamily="34" charset="0"/>
+                <a:ea typeface="微软雅黑" panose="020B0503020204020204" pitchFamily="34" charset="-122"/>
+              </a:rPr>
+              <a:t>python</a:t>
+            </a:r>
+            <a:r>
+              <a:rPr lang="zh-CN" altLang="en-US" sz="1600" dirty="0">
+                <a:latin typeface="Microsoft Tai Le" panose="020B0502040204020203" pitchFamily="34" charset="0"/>
+                <a:ea typeface="微软雅黑" panose="020B0503020204020204" pitchFamily="34" charset="-122"/>
+              </a:rPr>
+              <a:t>做了一个简单的</a:t>
+            </a:r>
+            <a:r>
+              <a:rPr lang="en-US" altLang="zh-CN" sz="1600" dirty="0">
+                <a:latin typeface="Microsoft Tai Le" panose="020B0502040204020203" pitchFamily="34" charset="0"/>
+                <a:ea typeface="微软雅黑" panose="020B0503020204020204" pitchFamily="34" charset="-122"/>
+              </a:rPr>
+              <a:t>http</a:t>
+            </a:r>
+            <a:r>
+              <a:rPr lang="zh-CN" altLang="en-US" sz="1600" dirty="0">
+                <a:latin typeface="Microsoft Tai Le" panose="020B0502040204020203" pitchFamily="34" charset="0"/>
+                <a:ea typeface="微软雅黑" panose="020B0503020204020204" pitchFamily="34" charset="-122"/>
+              </a:rPr>
+              <a:t>接口，</a:t>
+            </a:r>
+            <a:r>
+              <a:rPr lang="en-US" altLang="zh-CN" sz="1600" dirty="0">
+                <a:latin typeface="Microsoft Tai Le" panose="020B0502040204020203" pitchFamily="34" charset="0"/>
+                <a:ea typeface="微软雅黑" panose="020B0503020204020204" pitchFamily="34" charset="-122"/>
+              </a:rPr>
+              <a:t>6</a:t>
+            </a:r>
+            <a:r>
+              <a:rPr lang="zh-CN" altLang="en-US" sz="1600" dirty="0">
+                <a:latin typeface="Microsoft Tai Le" panose="020B0502040204020203" pitchFamily="34" charset="0"/>
+                <a:ea typeface="微软雅黑" panose="020B0503020204020204" pitchFamily="34" charset="-122"/>
+              </a:rPr>
+              <a:t>秒返回一个</a:t>
+            </a:r>
+            <a:r>
+              <a:rPr lang="en-US" altLang="zh-CN" sz="1600" dirty="0">
+                <a:latin typeface="Microsoft Tai Le" panose="020B0502040204020203" pitchFamily="34" charset="0"/>
+                <a:ea typeface="微软雅黑" panose="020B0503020204020204" pitchFamily="34" charset="-122"/>
+              </a:rPr>
+              <a:t>hello</a:t>
+            </a:r>
+            <a:r>
+              <a:rPr lang="zh-CN" altLang="en-US" sz="1600" dirty="0">
+                <a:latin typeface="Microsoft Tai Le" panose="020B0502040204020203" pitchFamily="34" charset="0"/>
+                <a:ea typeface="微软雅黑" panose="020B0503020204020204" pitchFamily="34" charset="-122"/>
+              </a:rPr>
+              <a:t>字符串循环使用</a:t>
+            </a:r>
+            <a:br>
+              <a:rPr lang="en-US" altLang="zh-CN" sz="1600" dirty="0">
+                <a:latin typeface="Microsoft Tai Le" panose="020B0502040204020203" pitchFamily="34" charset="0"/>
+                <a:ea typeface="微软雅黑" panose="020B0503020204020204" pitchFamily="34" charset="-122"/>
+              </a:rPr>
+            </a:br>
+            <a:r>
+              <a:rPr lang="en-US" altLang="zh-CN" sz="1600" dirty="0">
+                <a:latin typeface="Microsoft Tai Le" panose="020B0502040204020203" pitchFamily="34" charset="0"/>
+                <a:ea typeface="微软雅黑" panose="020B0503020204020204" pitchFamily="34" charset="-122"/>
+              </a:rPr>
+              <a:t>curl</a:t>
+            </a:r>
+            <a:r>
+              <a:rPr lang="zh-CN" altLang="en-US" sz="1600" dirty="0">
+                <a:latin typeface="Microsoft Tai Le" panose="020B0502040204020203" pitchFamily="34" charset="0"/>
+                <a:ea typeface="微软雅黑" panose="020B0503020204020204" pitchFamily="34" charset="-122"/>
+              </a:rPr>
+              <a:t>去访问。这时会实时看到</a:t>
+            </a:r>
+            <a:r>
+              <a:rPr lang="en-US" altLang="zh-CN" sz="1600" dirty="0">
+                <a:latin typeface="Microsoft Tai Le" panose="020B0502040204020203" pitchFamily="34" charset="0"/>
+                <a:ea typeface="微软雅黑" panose="020B0503020204020204" pitchFamily="34" charset="-122"/>
+              </a:rPr>
+              <a:t>python</a:t>
+            </a:r>
+            <a:r>
+              <a:rPr lang="zh-CN" altLang="en-US" sz="1600" dirty="0">
+                <a:latin typeface="Microsoft Tai Le" panose="020B0502040204020203" pitchFamily="34" charset="0"/>
+                <a:ea typeface="微软雅黑" panose="020B0503020204020204" pitchFamily="34" charset="-122"/>
+              </a:rPr>
+              <a:t>进程的</a:t>
+            </a:r>
+            <a:r>
+              <a:rPr lang="en-US" altLang="zh-CN" sz="1600" dirty="0" err="1">
+                <a:latin typeface="Microsoft Tai Le" panose="020B0502040204020203" pitchFamily="34" charset="0"/>
+                <a:ea typeface="微软雅黑" panose="020B0503020204020204" pitchFamily="34" charset="-122"/>
+              </a:rPr>
+              <a:t>offcpu</a:t>
+            </a:r>
+            <a:r>
+              <a:rPr lang="zh-CN" altLang="en-US" sz="1600" dirty="0">
+                <a:latin typeface="Microsoft Tai Le" panose="020B0502040204020203" pitchFamily="34" charset="0"/>
+                <a:ea typeface="微软雅黑" panose="020B0503020204020204" pitchFamily="34" charset="-122"/>
+              </a:rPr>
+              <a:t>时间。实际中结合</a:t>
+            </a:r>
+            <a:r>
+              <a:rPr lang="en-US" altLang="zh-CN" sz="1600" dirty="0">
+                <a:latin typeface="Microsoft Tai Le" panose="020B0502040204020203" pitchFamily="34" charset="0"/>
+                <a:ea typeface="微软雅黑" panose="020B0503020204020204" pitchFamily="34" charset="-122"/>
+              </a:rPr>
+              <a:t>perf </a:t>
+            </a:r>
+            <a:r>
+              <a:rPr lang="en-US" altLang="zh-CN" sz="1600" dirty="0" err="1">
+                <a:latin typeface="Microsoft Tai Le" panose="020B0502040204020203" pitchFamily="34" charset="0"/>
+                <a:ea typeface="微软雅黑" panose="020B0503020204020204" pitchFamily="34" charset="-122"/>
+              </a:rPr>
+              <a:t>strace</a:t>
+            </a:r>
+            <a:br>
+              <a:rPr lang="en-US" altLang="zh-CN" sz="1600" dirty="0">
+                <a:latin typeface="Microsoft Tai Le" panose="020B0502040204020203" pitchFamily="34" charset="0"/>
+                <a:ea typeface="微软雅黑" panose="020B0503020204020204" pitchFamily="34" charset="-122"/>
+              </a:rPr>
+            </a:br>
+            <a:r>
+              <a:rPr lang="zh-CN" altLang="en-US" sz="1600" dirty="0">
+                <a:latin typeface="Microsoft Tai Le" panose="020B0502040204020203" pitchFamily="34" charset="0"/>
+                <a:ea typeface="微软雅黑" panose="020B0503020204020204" pitchFamily="34" charset="-122"/>
+              </a:rPr>
+              <a:t>命令去分析堆栈。</a:t>
+            </a:r>
+            <a:br>
+              <a:rPr lang="en-US" altLang="zh-CN" sz="1600" dirty="0">
+                <a:latin typeface="Microsoft Tai Le" panose="020B0502040204020203" pitchFamily="34" charset="0"/>
+                <a:ea typeface="微软雅黑" panose="020B0503020204020204" pitchFamily="34" charset="-122"/>
+              </a:rPr>
+            </a:br>
+            <a:r>
+              <a:rPr lang="en-US" altLang="zh-CN" sz="1600" dirty="0">
+                <a:latin typeface="Microsoft Tai Le" panose="020B0502040204020203" pitchFamily="34" charset="0"/>
+                <a:ea typeface="微软雅黑" panose="020B0503020204020204" pitchFamily="34" charset="-122"/>
+              </a:rPr>
+              <a:t>[root@Redhat8-01 </a:t>
+            </a:r>
+            <a:r>
+              <a:rPr lang="en-US" altLang="zh-CN" sz="1600" dirty="0" err="1">
+                <a:latin typeface="Microsoft Tai Le" panose="020B0502040204020203" pitchFamily="34" charset="0"/>
+                <a:ea typeface="微软雅黑" panose="020B0503020204020204" pitchFamily="34" charset="-122"/>
+              </a:rPr>
+              <a:t>pingan</a:t>
+            </a:r>
+            <a:r>
+              <a:rPr lang="en-US" altLang="zh-CN" sz="1600" dirty="0">
+                <a:latin typeface="Microsoft Tai Le" panose="020B0502040204020203" pitchFamily="34" charset="0"/>
+                <a:ea typeface="微软雅黑" panose="020B0503020204020204" pitchFamily="34" charset="-122"/>
+              </a:rPr>
+              <a:t>]# perf trace --kernel-</a:t>
+            </a:r>
+            <a:r>
+              <a:rPr lang="en-US" altLang="zh-CN" sz="1600" dirty="0" err="1">
+                <a:latin typeface="Microsoft Tai Le" panose="020B0502040204020203" pitchFamily="34" charset="0"/>
+                <a:ea typeface="微软雅黑" panose="020B0503020204020204" pitchFamily="34" charset="-122"/>
+              </a:rPr>
+              <a:t>syscall</a:t>
+            </a:r>
+            <a:r>
+              <a:rPr lang="en-US" altLang="zh-CN" sz="1600" dirty="0">
+                <a:latin typeface="Microsoft Tai Le" panose="020B0502040204020203" pitchFamily="34" charset="0"/>
+                <a:ea typeface="微软雅黑" panose="020B0503020204020204" pitchFamily="34" charset="-122"/>
+              </a:rPr>
+              <a:t>-graph  --call-graph </a:t>
+            </a:r>
+          </a:p>
+          <a:p>
+            <a:pPr marL="0" indent="0">
+              <a:lnSpc>
+                <a:spcPct val="150000"/>
+              </a:lnSpc>
+              <a:spcBef>
+                <a:spcPts val="600"/>
+              </a:spcBef>
+              <a:buNone/>
+            </a:pPr>
+            <a:r>
+              <a:rPr lang="en-US" altLang="zh-CN" sz="1600" dirty="0">
+                <a:latin typeface="Microsoft Tai Le" panose="020B0502040204020203" pitchFamily="34" charset="0"/>
+                <a:ea typeface="微软雅黑" panose="020B0503020204020204" pitchFamily="34" charset="-122"/>
+              </a:rPr>
+              <a:t>dwarf -p 55542</a:t>
+            </a:r>
+            <a:r>
+              <a:rPr lang="zh-CN" altLang="en-US" sz="1600" dirty="0">
+                <a:latin typeface="Microsoft Tai Le" panose="020B0502040204020203" pitchFamily="34" charset="0"/>
+                <a:ea typeface="微软雅黑" panose="020B0503020204020204" pitchFamily="34" charset="-122"/>
+              </a:rPr>
+              <a:t>，或者直接使用</a:t>
+            </a:r>
+            <a:r>
+              <a:rPr lang="en-US" altLang="zh-CN" sz="1600" dirty="0">
+                <a:latin typeface="Microsoft Tai Le" panose="020B0502040204020203" pitchFamily="34" charset="0"/>
+                <a:ea typeface="微软雅黑" panose="020B0503020204020204" pitchFamily="34" charset="-122"/>
+              </a:rPr>
+              <a:t>bcc</a:t>
+            </a:r>
+            <a:r>
+              <a:rPr lang="zh-CN" altLang="en-US" sz="1600" dirty="0">
+                <a:latin typeface="Microsoft Tai Le" panose="020B0502040204020203" pitchFamily="34" charset="0"/>
+                <a:ea typeface="微软雅黑" panose="020B0503020204020204" pitchFamily="34" charset="-122"/>
+              </a:rPr>
+              <a:t>的</a:t>
+            </a:r>
+            <a:r>
+              <a:rPr lang="en-US" altLang="zh-CN" sz="1600" dirty="0" err="1">
+                <a:latin typeface="Microsoft Tai Le" panose="020B0502040204020203" pitchFamily="34" charset="0"/>
+                <a:ea typeface="微软雅黑" panose="020B0503020204020204" pitchFamily="34" charset="-122"/>
+              </a:rPr>
+              <a:t>offcputime</a:t>
+            </a:r>
+            <a:r>
+              <a:rPr lang="zh-CN" altLang="en-US" sz="1600" dirty="0">
+                <a:latin typeface="Microsoft Tai Le" panose="020B0502040204020203" pitchFamily="34" charset="0"/>
+                <a:ea typeface="微软雅黑" panose="020B0503020204020204" pitchFamily="34" charset="-122"/>
+              </a:rPr>
+              <a:t>工具。</a:t>
+            </a:r>
+            <a:endParaRPr lang="en-US" altLang="zh-CN" sz="1600" dirty="0">
+              <a:latin typeface="Microsoft Tai Le" panose="020B0502040204020203" pitchFamily="34" charset="0"/>
+              <a:ea typeface="微软雅黑" panose="020B0503020204020204" pitchFamily="34" charset="-122"/>
+            </a:endParaRPr>
+          </a:p>
+          <a:p>
+            <a:pPr marL="0" indent="0">
+              <a:lnSpc>
+                <a:spcPct val="150000"/>
+              </a:lnSpc>
+              <a:spcBef>
+                <a:spcPts val="600"/>
+              </a:spcBef>
+              <a:buNone/>
+            </a:pPr>
+            <a:endParaRPr lang="en-US" altLang="zh-CN" sz="1600" dirty="0">
+              <a:latin typeface="Microsoft Tai Le" panose="020B0502040204020203" pitchFamily="34" charset="0"/>
+              <a:ea typeface="微软雅黑" panose="020B0503020204020204" pitchFamily="34" charset="-122"/>
+            </a:endParaRPr>
+          </a:p>
+          <a:p>
+            <a:pPr marL="0" indent="0">
+              <a:lnSpc>
+                <a:spcPct val="150000"/>
+              </a:lnSpc>
+              <a:spcBef>
+                <a:spcPts val="600"/>
+              </a:spcBef>
+              <a:buNone/>
+            </a:pPr>
+            <a:endParaRPr lang="en-US" altLang="zh-CN" sz="1600" dirty="0">
+              <a:latin typeface="Microsoft Tai Le" panose="020B0502040204020203" pitchFamily="34" charset="0"/>
+              <a:ea typeface="微软雅黑" panose="020B0503020204020204" pitchFamily="34" charset="-122"/>
+            </a:endParaRPr>
+          </a:p>
+          <a:p>
+            <a:pPr marL="0" indent="0">
+              <a:lnSpc>
+                <a:spcPct val="150000"/>
+              </a:lnSpc>
+              <a:spcBef>
+                <a:spcPts val="600"/>
+              </a:spcBef>
+              <a:buNone/>
+            </a:pPr>
+            <a:endParaRPr lang="en-US" altLang="zh-CN" sz="1800" dirty="0">
+              <a:latin typeface="Microsoft Tai Le" panose="020B0502040204020203" pitchFamily="34" charset="0"/>
+              <a:ea typeface="微软雅黑" panose="020B0503020204020204" pitchFamily="34" charset="-122"/>
+            </a:endParaRPr>
+          </a:p>
+          <a:p>
+            <a:pPr marL="0" indent="0">
+              <a:lnSpc>
+                <a:spcPct val="150000"/>
+              </a:lnSpc>
+              <a:spcBef>
+                <a:spcPts val="600"/>
+              </a:spcBef>
+              <a:buNone/>
+            </a:pPr>
+            <a:endParaRPr lang="en-US" altLang="zh-CN" sz="1800" dirty="0">
+              <a:latin typeface="Microsoft Tai Le" panose="020B0502040204020203" pitchFamily="34" charset="0"/>
+              <a:ea typeface="微软雅黑" panose="020B0503020204020204" pitchFamily="34" charset="-122"/>
+            </a:endParaRPr>
+          </a:p>
+          <a:p>
+            <a:pPr marL="0" indent="457200">
+              <a:lnSpc>
+                <a:spcPct val="150000"/>
+              </a:lnSpc>
+              <a:spcBef>
+                <a:spcPts val="600"/>
+              </a:spcBef>
+              <a:buNone/>
+            </a:pPr>
+            <a:endParaRPr lang="en-US" altLang="zh-CN" sz="1800" dirty="0">
+              <a:latin typeface="Microsoft Tai Le" panose="020B0502040204020203" pitchFamily="34" charset="0"/>
+              <a:ea typeface="微软雅黑" panose="020B0503020204020204" pitchFamily="34" charset="-122"/>
+            </a:endParaRPr>
+          </a:p>
+          <a:p>
+            <a:pPr marL="0" indent="0">
+              <a:lnSpc>
+                <a:spcPct val="150000"/>
+              </a:lnSpc>
+              <a:buNone/>
+            </a:pPr>
+            <a:endParaRPr lang="en-US" altLang="zh-CN" sz="1800" dirty="0">
+              <a:latin typeface="Microsoft Tai Le" panose="020B0502040204020203" pitchFamily="34" charset="0"/>
+              <a:ea typeface="微软雅黑" panose="020B0503020204020204" pitchFamily="34" charset="-122"/>
+            </a:endParaRPr>
+          </a:p>
+        </p:txBody>
+      </p:sp>
+      <p:pic>
+        <p:nvPicPr>
+          <p:cNvPr id="6" name="图片 5">
+            <a:extLst>
+              <a:ext uri="{FF2B5EF4-FFF2-40B4-BE49-F238E27FC236}">
+                <a16:creationId xmlns:a16="http://schemas.microsoft.com/office/drawing/2014/main" id="{DC4529FB-5930-2512-640A-30B1A9090512}"/>
+              </a:ext>
+            </a:extLst>
+          </p:cNvPr>
+          <p:cNvPicPr>
+            <a:picLocks noChangeAspect="1"/>
+          </p:cNvPicPr>
+          <p:nvPr/>
+        </p:nvPicPr>
+        <p:blipFill>
+          <a:blip r:embed="rId2"/>
+          <a:stretch>
+            <a:fillRect/>
+          </a:stretch>
+        </p:blipFill>
+        <p:spPr>
+          <a:xfrm>
+            <a:off x="342900" y="4669115"/>
+            <a:ext cx="11703221" cy="1903534"/>
+          </a:xfrm>
+          <a:prstGeom prst="rect">
+            <a:avLst/>
+          </a:prstGeom>
+        </p:spPr>
+      </p:pic>
+      <p:pic>
+        <p:nvPicPr>
+          <p:cNvPr id="8" name="图片 7">
+            <a:extLst>
+              <a:ext uri="{FF2B5EF4-FFF2-40B4-BE49-F238E27FC236}">
+                <a16:creationId xmlns:a16="http://schemas.microsoft.com/office/drawing/2014/main" id="{438C2146-530F-F48F-3107-52DE7FA31852}"/>
+              </a:ext>
+            </a:extLst>
+          </p:cNvPr>
+          <p:cNvPicPr>
+            <a:picLocks noChangeAspect="1"/>
+          </p:cNvPicPr>
+          <p:nvPr/>
+        </p:nvPicPr>
+        <p:blipFill>
+          <a:blip r:embed="rId3"/>
+          <a:stretch>
+            <a:fillRect/>
+          </a:stretch>
+        </p:blipFill>
+        <p:spPr>
+          <a:xfrm>
+            <a:off x="7869640" y="932199"/>
+            <a:ext cx="4176481" cy="2082672"/>
+          </a:xfrm>
+          <a:prstGeom prst="rect">
+            <a:avLst/>
+          </a:prstGeom>
+        </p:spPr>
+      </p:pic>
+      <p:pic>
+        <p:nvPicPr>
+          <p:cNvPr id="10" name="图片 9">
+            <a:extLst>
+              <a:ext uri="{FF2B5EF4-FFF2-40B4-BE49-F238E27FC236}">
+                <a16:creationId xmlns:a16="http://schemas.microsoft.com/office/drawing/2014/main" id="{BB1E72ED-C318-38D1-4D30-3F08E98C88EA}"/>
+              </a:ext>
+            </a:extLst>
+          </p:cNvPr>
+          <p:cNvPicPr>
+            <a:picLocks noChangeAspect="1"/>
+          </p:cNvPicPr>
+          <p:nvPr/>
+        </p:nvPicPr>
+        <p:blipFill>
+          <a:blip r:embed="rId4"/>
+          <a:stretch>
+            <a:fillRect/>
+          </a:stretch>
+        </p:blipFill>
+        <p:spPr>
+          <a:xfrm>
+            <a:off x="342900" y="3173766"/>
+            <a:ext cx="10303180" cy="1338728"/>
+          </a:xfrm>
+          <a:prstGeom prst="rect">
+            <a:avLst/>
+          </a:prstGeom>
+        </p:spPr>
+      </p:pic>
+    </p:spTree>
+    <p:extLst>
+      <p:ext uri="{BB962C8B-B14F-4D97-AF65-F5344CB8AC3E}">
+        <p14:creationId xmlns:p14="http://schemas.microsoft.com/office/powerpoint/2010/main" val="1827568139"/>
+      </p:ext>
+    </p:extLst>
+  </p:cSld>
+  <p:clrMapOvr>
+    <a:masterClrMapping/>
+  </p:clrMapOvr>
+</p:sld>
+</file>
+
+<file path=ppt/slides/slide5.xml><?xml version="1.0" encoding="utf-8"?>
+<p:sld xmlns:a="http://schemas.openxmlformats.org/drawingml/2006/main" xmlns:r="http://schemas.openxmlformats.org/officeDocument/2006/relationships" xmlns:p="http://schemas.openxmlformats.org/presentationml/2006/main">
+  <p:cSld>
+    <p:bg>
+      <p:bgPr>
+        <a:solidFill>
+          <a:schemeClr val="accent3">
+            <a:lumMod val="20000"/>
+            <a:lumOff val="80000"/>
+          </a:schemeClr>
+        </a:solidFill>
+        <a:effectLst/>
+      </p:bgPr>
+    </p:bg>
+    <p:spTree>
+      <p:nvGrpSpPr>
+        <p:cNvPr id="1" name=""/>
+        <p:cNvGrpSpPr/>
+        <p:nvPr/>
+      </p:nvGrpSpPr>
+      <p:grpSpPr>
+        <a:xfrm>
+          <a:off x="0" y="0"/>
+          <a:ext cx="0" cy="0"/>
+          <a:chOff x="0" y="0"/>
+          <a:chExt cx="0" cy="0"/>
+        </a:xfrm>
+      </p:grpSpPr>
+      <p:sp>
+        <p:nvSpPr>
+          <p:cNvPr id="4" name="内容占位符 2">
+            <a:extLst>
+              <a:ext uri="{FF2B5EF4-FFF2-40B4-BE49-F238E27FC236}">
+                <a16:creationId xmlns:a16="http://schemas.microsoft.com/office/drawing/2014/main" id="{3CEDF79D-3CD3-7F44-A5DD-FDAA44BAE2BB}"/>
+              </a:ext>
+            </a:extLst>
+          </p:cNvPr>
+          <p:cNvSpPr>
+            <a:spLocks noGrp="1"/>
+          </p:cNvSpPr>
+          <p:nvPr>
+            <p:ph idx="1"/>
+          </p:nvPr>
+        </p:nvSpPr>
+        <p:spPr>
+          <a:xfrm>
+            <a:off x="342900" y="264695"/>
+            <a:ext cx="11532268" cy="5771670"/>
+          </a:xfrm>
+          <a:solidFill>
+            <a:schemeClr val="accent3">
+              <a:lumMod val="20000"/>
+              <a:lumOff val="80000"/>
+            </a:schemeClr>
+          </a:solidFill>
+        </p:spPr>
+        <p:txBody>
+          <a:bodyPr>
+            <a:normAutofit/>
+          </a:bodyPr>
+          <a:lstStyle/>
+          <a:p>
+            <a:pPr marL="457200" indent="-457200">
+              <a:lnSpc>
+                <a:spcPct val="150000"/>
+              </a:lnSpc>
+              <a:spcBef>
+                <a:spcPts val="600"/>
+              </a:spcBef>
+              <a:buFont typeface="+mj-lt"/>
+              <a:buAutoNum type="arabicPeriod" startAt="3"/>
+            </a:pPr>
+            <a:r>
+              <a:rPr lang="en-US" altLang="zh-CN" sz="2000" b="1" dirty="0" err="1">
+                <a:latin typeface="Microsoft Tai Le" panose="020B0502040204020203" pitchFamily="34" charset="0"/>
+                <a:ea typeface="微软雅黑" panose="020B0503020204020204" pitchFamily="34" charset="-122"/>
+              </a:rPr>
+              <a:t>PageCacheRatio</a:t>
+            </a:r>
+            <a:r>
+              <a:rPr lang="en-US" altLang="zh-CN" sz="2000" b="1" dirty="0">
+                <a:latin typeface="Microsoft Tai Le" panose="020B0502040204020203" pitchFamily="34" charset="0"/>
+                <a:ea typeface="微软雅黑" panose="020B0503020204020204" pitchFamily="34" charset="-122"/>
+              </a:rPr>
+              <a:t>/</a:t>
+            </a:r>
+            <a:r>
+              <a:rPr lang="en-US" altLang="zh-CN" sz="2000" b="1" dirty="0" err="1">
+                <a:latin typeface="Microsoft Tai Le" panose="020B0502040204020203" pitchFamily="34" charset="0"/>
+                <a:ea typeface="微软雅黑" panose="020B0503020204020204" pitchFamily="34" charset="-122"/>
+              </a:rPr>
+              <a:t>PageCacheOperateCount</a:t>
+            </a:r>
+            <a:endParaRPr lang="en-US" altLang="zh-CN" sz="2000" b="1" dirty="0">
+              <a:latin typeface="Microsoft Tai Le" panose="020B0502040204020203" pitchFamily="34" charset="0"/>
+              <a:ea typeface="微软雅黑" panose="020B0503020204020204" pitchFamily="34" charset="-122"/>
+            </a:endParaRPr>
+          </a:p>
+          <a:p>
+            <a:pPr marL="0" indent="457200">
+              <a:lnSpc>
+                <a:spcPct val="150000"/>
+              </a:lnSpc>
+              <a:spcBef>
+                <a:spcPts val="600"/>
+              </a:spcBef>
+              <a:buNone/>
+            </a:pPr>
+            <a:r>
+              <a:rPr lang="zh-CN" altLang="en-US" sz="1600" dirty="0">
+                <a:latin typeface="Microsoft Tai Le" panose="020B0502040204020203" pitchFamily="34" charset="0"/>
+                <a:ea typeface="微软雅黑" panose="020B0503020204020204" pitchFamily="34" charset="-122"/>
+              </a:rPr>
+              <a:t>用来展示页缓存的命中率，</a:t>
+            </a:r>
+            <a:r>
+              <a:rPr lang="en-US" altLang="zh-CN" sz="1600" dirty="0">
+                <a:latin typeface="Microsoft Tai Le" panose="020B0502040204020203" pitchFamily="34" charset="0"/>
+                <a:ea typeface="微软雅黑" panose="020B0503020204020204" pitchFamily="34" charset="-122"/>
+              </a:rPr>
+              <a:t>Cache</a:t>
+            </a:r>
+            <a:r>
+              <a:rPr lang="zh-CN" altLang="en-US" sz="1600" dirty="0">
+                <a:latin typeface="Microsoft Tai Le" panose="020B0502040204020203" pitchFamily="34" charset="0"/>
+                <a:ea typeface="微软雅黑" panose="020B0503020204020204" pitchFamily="34" charset="-122"/>
+              </a:rPr>
+              <a:t>命中</a:t>
+            </a:r>
+            <a:r>
+              <a:rPr lang="en-US" altLang="zh-CN" sz="1600" dirty="0">
+                <a:latin typeface="Microsoft Tai Le" panose="020B0502040204020203" pitchFamily="34" charset="0"/>
+                <a:ea typeface="微软雅黑" panose="020B0503020204020204" pitchFamily="34" charset="-122"/>
+              </a:rPr>
+              <a:t>/</a:t>
+            </a:r>
+            <a:r>
+              <a:rPr lang="zh-CN" altLang="en-US" sz="1600" dirty="0">
+                <a:latin typeface="Microsoft Tai Le" panose="020B0502040204020203" pitchFamily="34" charset="0"/>
+                <a:ea typeface="微软雅黑" panose="020B0503020204020204" pitchFamily="34" charset="-122"/>
+              </a:rPr>
+              <a:t>失误的次数。有效的检查页缓存的命中率和有效程度。</a:t>
+            </a:r>
+            <a:endParaRPr lang="en-US" altLang="zh-CN" sz="1600" dirty="0">
+              <a:latin typeface="Microsoft Tai Le" panose="020B0502040204020203" pitchFamily="34" charset="0"/>
+              <a:ea typeface="微软雅黑" panose="020B0503020204020204" pitchFamily="34" charset="-122"/>
+            </a:endParaRPr>
+          </a:p>
+          <a:p>
+            <a:pPr marL="0" indent="457200">
+              <a:lnSpc>
+                <a:spcPct val="150000"/>
+              </a:lnSpc>
+              <a:spcBef>
+                <a:spcPts val="600"/>
+              </a:spcBef>
+              <a:buNone/>
+            </a:pPr>
+            <a:r>
+              <a:rPr lang="zh-CN" altLang="en-US" sz="1600" dirty="0">
+                <a:latin typeface="Microsoft Tai Le" panose="020B0502040204020203" pitchFamily="34" charset="0"/>
+                <a:ea typeface="微软雅黑" panose="020B0503020204020204" pitchFamily="34" charset="-122"/>
+              </a:rPr>
+              <a:t>原理：使用</a:t>
+            </a:r>
+            <a:r>
+              <a:rPr lang="en-US" altLang="zh-CN" sz="1600" dirty="0" err="1">
+                <a:latin typeface="Microsoft Tai Le" panose="020B0502040204020203" pitchFamily="34" charset="0"/>
+                <a:ea typeface="微软雅黑" panose="020B0503020204020204" pitchFamily="34" charset="-122"/>
+              </a:rPr>
+              <a:t>kprobe</a:t>
+            </a:r>
+            <a:r>
+              <a:rPr lang="zh-CN" altLang="en-US" sz="1600" dirty="0">
+                <a:latin typeface="Microsoft Tai Le" panose="020B0502040204020203" pitchFamily="34" charset="0"/>
+                <a:ea typeface="微软雅黑" panose="020B0503020204020204" pitchFamily="34" charset="-122"/>
+              </a:rPr>
+              <a:t>去观察内核函数</a:t>
+            </a:r>
+            <a:r>
+              <a:rPr lang="en-US" altLang="zh-CN" sz="1600" dirty="0" err="1">
+                <a:latin typeface="Microsoft Tai Le" panose="020B0502040204020203" pitchFamily="34" charset="0"/>
+                <a:ea typeface="微软雅黑" panose="020B0503020204020204" pitchFamily="34" charset="-122"/>
+              </a:rPr>
+              <a:t>add_to_page_cache_lru</a:t>
+            </a:r>
+            <a:r>
+              <a:rPr lang="zh-CN" altLang="en-US" sz="1600" dirty="0">
+                <a:latin typeface="Microsoft Tai Le" panose="020B0502040204020203" pitchFamily="34" charset="0"/>
+                <a:ea typeface="微软雅黑" panose="020B0503020204020204" pitchFamily="34" charset="-122"/>
+              </a:rPr>
+              <a:t>、</a:t>
+            </a:r>
+            <a:br>
+              <a:rPr lang="en-US" altLang="zh-CN" sz="1600" dirty="0">
+                <a:latin typeface="Microsoft Tai Le" panose="020B0502040204020203" pitchFamily="34" charset="0"/>
+                <a:ea typeface="微软雅黑" panose="020B0503020204020204" pitchFamily="34" charset="-122"/>
+              </a:rPr>
+            </a:br>
+            <a:r>
+              <a:rPr lang="en-US" altLang="zh-CN" sz="1600" dirty="0" err="1">
+                <a:latin typeface="Microsoft Tai Le" panose="020B0502040204020203" pitchFamily="34" charset="0"/>
+                <a:ea typeface="微软雅黑" panose="020B0503020204020204" pitchFamily="34" charset="-122"/>
+              </a:rPr>
+              <a:t>mark_page_accessed</a:t>
+            </a:r>
+            <a:r>
+              <a:rPr lang="zh-CN" altLang="en-US" sz="1600" dirty="0">
+                <a:latin typeface="Microsoft Tai Le" panose="020B0502040204020203" pitchFamily="34" charset="0"/>
+                <a:ea typeface="微软雅黑" panose="020B0503020204020204" pitchFamily="34" charset="-122"/>
+              </a:rPr>
+              <a:t>、</a:t>
+            </a:r>
+            <a:r>
+              <a:rPr lang="en-US" altLang="zh-CN" sz="1600" dirty="0" err="1">
+                <a:latin typeface="Microsoft Tai Le" panose="020B0502040204020203" pitchFamily="34" charset="0"/>
+                <a:ea typeface="微软雅黑" panose="020B0503020204020204" pitchFamily="34" charset="-122"/>
+              </a:rPr>
+              <a:t>folio_account_dirtied</a:t>
+            </a:r>
+            <a:r>
+              <a:rPr lang="zh-CN" altLang="en-US" sz="1600" dirty="0">
+                <a:latin typeface="Microsoft Tai Le" panose="020B0502040204020203" pitchFamily="34" charset="0"/>
+                <a:ea typeface="微软雅黑" panose="020B0503020204020204" pitchFamily="34" charset="-122"/>
+              </a:rPr>
+              <a:t>、</a:t>
+            </a:r>
+            <a:r>
+              <a:rPr lang="en-US" altLang="zh-CN" sz="1600" dirty="0" err="1">
+                <a:latin typeface="Microsoft Tai Le" panose="020B0502040204020203" pitchFamily="34" charset="0"/>
+                <a:ea typeface="微软雅黑" panose="020B0503020204020204" pitchFamily="34" charset="-122"/>
+              </a:rPr>
+              <a:t>account_page_dirtied</a:t>
+            </a:r>
+            <a:r>
+              <a:rPr lang="zh-CN" altLang="en-US" sz="1600" dirty="0">
+                <a:latin typeface="Microsoft Tai Le" panose="020B0502040204020203" pitchFamily="34" charset="0"/>
+                <a:ea typeface="微软雅黑" panose="020B0503020204020204" pitchFamily="34" charset="-122"/>
+              </a:rPr>
+              <a:t>、</a:t>
+            </a:r>
+            <a:br>
+              <a:rPr lang="en-US" altLang="zh-CN" sz="1600" dirty="0">
+                <a:latin typeface="Microsoft Tai Le" panose="020B0502040204020203" pitchFamily="34" charset="0"/>
+                <a:ea typeface="微软雅黑" panose="020B0503020204020204" pitchFamily="34" charset="-122"/>
+              </a:rPr>
+            </a:br>
+            <a:r>
+              <a:rPr lang="en-US" altLang="zh-CN" sz="1600" dirty="0" err="1">
+                <a:latin typeface="Microsoft Tai Le" panose="020B0502040204020203" pitchFamily="34" charset="0"/>
+                <a:ea typeface="微软雅黑" panose="020B0503020204020204" pitchFamily="34" charset="-122"/>
+              </a:rPr>
+              <a:t>mark_buffer_dirty</a:t>
+            </a:r>
+            <a:r>
+              <a:rPr lang="zh-CN" altLang="en-US" sz="1600" dirty="0">
+                <a:latin typeface="Microsoft Tai Le" panose="020B0502040204020203" pitchFamily="34" charset="0"/>
+                <a:ea typeface="微软雅黑" panose="020B0503020204020204" pitchFamily="34" charset="-122"/>
+              </a:rPr>
+              <a:t>。使用</a:t>
+            </a:r>
+            <a:r>
+              <a:rPr lang="en-US" altLang="zh-CN" sz="1600" dirty="0" err="1">
+                <a:latin typeface="Microsoft Tai Le" panose="020B0502040204020203" pitchFamily="34" charset="0"/>
+                <a:ea typeface="微软雅黑" panose="020B0503020204020204" pitchFamily="34" charset="-122"/>
+              </a:rPr>
+              <a:t>Hashmap</a:t>
+            </a:r>
+            <a:r>
+              <a:rPr lang="zh-CN" altLang="en-US" sz="1600" dirty="0">
+                <a:latin typeface="Microsoft Tai Le" panose="020B0502040204020203" pitchFamily="34" charset="0"/>
+                <a:ea typeface="微软雅黑" panose="020B0503020204020204" pitchFamily="34" charset="-122"/>
+              </a:rPr>
+              <a:t>将统计的数据传递给用户应用程序。</a:t>
+            </a:r>
+            <a:endParaRPr lang="en-US" altLang="zh-CN" sz="1600" dirty="0">
+              <a:latin typeface="Microsoft Tai Le" panose="020B0502040204020203" pitchFamily="34" charset="0"/>
+              <a:ea typeface="微软雅黑" panose="020B0503020204020204" pitchFamily="34" charset="-122"/>
+            </a:endParaRPr>
+          </a:p>
+          <a:p>
+            <a:pPr marL="0" indent="0">
+              <a:lnSpc>
+                <a:spcPct val="150000"/>
+              </a:lnSpc>
+              <a:spcBef>
+                <a:spcPts val="600"/>
+              </a:spcBef>
+              <a:buNone/>
+            </a:pPr>
+            <a:endParaRPr lang="en-US" altLang="zh-CN" sz="1600" dirty="0">
+              <a:latin typeface="Microsoft Tai Le" panose="020B0502040204020203" pitchFamily="34" charset="0"/>
+              <a:ea typeface="微软雅黑" panose="020B0503020204020204" pitchFamily="34" charset="-122"/>
+            </a:endParaRPr>
+          </a:p>
+          <a:p>
+            <a:pPr marL="0" indent="0">
+              <a:lnSpc>
+                <a:spcPct val="150000"/>
+              </a:lnSpc>
+              <a:spcBef>
+                <a:spcPts val="600"/>
+              </a:spcBef>
+              <a:buNone/>
+            </a:pPr>
+            <a:endParaRPr lang="en-US" altLang="zh-CN" sz="1600" dirty="0">
+              <a:latin typeface="Microsoft Tai Le" panose="020B0502040204020203" pitchFamily="34" charset="0"/>
+              <a:ea typeface="微软雅黑" panose="020B0503020204020204" pitchFamily="34" charset="-122"/>
+            </a:endParaRPr>
+          </a:p>
+          <a:p>
+            <a:pPr marL="0" indent="0">
+              <a:lnSpc>
+                <a:spcPct val="150000"/>
+              </a:lnSpc>
+              <a:spcBef>
+                <a:spcPts val="600"/>
+              </a:spcBef>
+              <a:buNone/>
+            </a:pPr>
+            <a:endParaRPr lang="en-US" altLang="zh-CN" sz="1800" dirty="0">
+              <a:latin typeface="Microsoft Tai Le" panose="020B0502040204020203" pitchFamily="34" charset="0"/>
+              <a:ea typeface="微软雅黑" panose="020B0503020204020204" pitchFamily="34" charset="-122"/>
+            </a:endParaRPr>
+          </a:p>
+          <a:p>
+            <a:pPr marL="0" indent="0">
+              <a:lnSpc>
+                <a:spcPct val="150000"/>
+              </a:lnSpc>
+              <a:spcBef>
+                <a:spcPts val="600"/>
+              </a:spcBef>
+              <a:buNone/>
+            </a:pPr>
+            <a:endParaRPr lang="en-US" altLang="zh-CN" sz="1800" dirty="0">
+              <a:latin typeface="Microsoft Tai Le" panose="020B0502040204020203" pitchFamily="34" charset="0"/>
+              <a:ea typeface="微软雅黑" panose="020B0503020204020204" pitchFamily="34" charset="-122"/>
+            </a:endParaRPr>
+          </a:p>
+          <a:p>
+            <a:pPr marL="0" indent="457200">
+              <a:lnSpc>
+                <a:spcPct val="150000"/>
+              </a:lnSpc>
+              <a:spcBef>
+                <a:spcPts val="600"/>
+              </a:spcBef>
+              <a:buNone/>
+            </a:pPr>
+            <a:endParaRPr lang="en-US" altLang="zh-CN" sz="1800" dirty="0">
+              <a:latin typeface="Microsoft Tai Le" panose="020B0502040204020203" pitchFamily="34" charset="0"/>
+              <a:ea typeface="微软雅黑" panose="020B0503020204020204" pitchFamily="34" charset="-122"/>
+            </a:endParaRPr>
+          </a:p>
+          <a:p>
+            <a:pPr marL="0" indent="0">
+              <a:lnSpc>
+                <a:spcPct val="150000"/>
+              </a:lnSpc>
+              <a:buNone/>
+            </a:pPr>
+            <a:endParaRPr lang="en-US" altLang="zh-CN" sz="1800" dirty="0">
+              <a:latin typeface="Microsoft Tai Le" panose="020B0502040204020203" pitchFamily="34" charset="0"/>
+              <a:ea typeface="微软雅黑" panose="020B0503020204020204" pitchFamily="34" charset="-122"/>
+            </a:endParaRPr>
+          </a:p>
+        </p:txBody>
+      </p:sp>
+      <p:pic>
+        <p:nvPicPr>
+          <p:cNvPr id="6" name="图片 5">
+            <a:extLst>
+              <a:ext uri="{FF2B5EF4-FFF2-40B4-BE49-F238E27FC236}">
+                <a16:creationId xmlns:a16="http://schemas.microsoft.com/office/drawing/2014/main" id="{43F2A1B3-E167-E439-11CF-0A12F671CB1A}"/>
+              </a:ext>
+            </a:extLst>
+          </p:cNvPr>
+          <p:cNvPicPr>
+            <a:picLocks noChangeAspect="1"/>
+          </p:cNvPicPr>
+          <p:nvPr/>
+        </p:nvPicPr>
+        <p:blipFill>
+          <a:blip r:embed="rId2"/>
+          <a:stretch>
+            <a:fillRect/>
+          </a:stretch>
+        </p:blipFill>
+        <p:spPr>
+          <a:xfrm>
+            <a:off x="7422815" y="1272952"/>
+            <a:ext cx="4452353" cy="2156048"/>
+          </a:xfrm>
+          <a:prstGeom prst="rect">
+            <a:avLst/>
+          </a:prstGeom>
+        </p:spPr>
+      </p:pic>
+      <p:pic>
+        <p:nvPicPr>
+          <p:cNvPr id="8" name="图片 7">
+            <a:extLst>
+              <a:ext uri="{FF2B5EF4-FFF2-40B4-BE49-F238E27FC236}">
+                <a16:creationId xmlns:a16="http://schemas.microsoft.com/office/drawing/2014/main" id="{BE984365-D194-FB41-EBE2-96AA9EF194AE}"/>
+              </a:ext>
+            </a:extLst>
+          </p:cNvPr>
+          <p:cNvPicPr>
+            <a:picLocks noChangeAspect="1"/>
+          </p:cNvPicPr>
+          <p:nvPr/>
+        </p:nvPicPr>
+        <p:blipFill>
+          <a:blip r:embed="rId3"/>
+          <a:stretch>
+            <a:fillRect/>
+          </a:stretch>
+        </p:blipFill>
+        <p:spPr>
+          <a:xfrm>
+            <a:off x="342900" y="3560940"/>
+            <a:ext cx="11506200" cy="1852372"/>
+          </a:xfrm>
+          <a:prstGeom prst="rect">
+            <a:avLst/>
+          </a:prstGeom>
+        </p:spPr>
+      </p:pic>
+    </p:spTree>
+    <p:extLst>
+      <p:ext uri="{BB962C8B-B14F-4D97-AF65-F5344CB8AC3E}">
+        <p14:creationId xmlns:p14="http://schemas.microsoft.com/office/powerpoint/2010/main" val="4229052086"/>
       </p:ext>
     </p:extLst>
   </p:cSld>

--- a/doc/x-monitor.eBPF Observe & Profiling.pptx
+++ b/doc/x-monitor.eBPF Observe & Profiling.pptx
@@ -10,6 +10,8 @@
     <p:sldId id="259" r:id="rId4"/>
     <p:sldId id="260" r:id="rId5"/>
     <p:sldId id="261" r:id="rId6"/>
+    <p:sldId id="262" r:id="rId7"/>
+    <p:sldId id="263" r:id="rId8"/>
   </p:sldIdLst>
   <p:sldSz cx="12192000" cy="6858000"/>
   <p:notesSz cx="6858000" cy="9144000"/>
@@ -3399,8 +3401,8 @@
         </p:blipFill>
         <p:spPr>
           <a:xfrm>
-            <a:off x="7452452" y="1340926"/>
-            <a:ext cx="4181494" cy="1824502"/>
+            <a:off x="7385399" y="1340925"/>
+            <a:ext cx="4248547" cy="1853759"/>
           </a:xfrm>
           <a:prstGeom prst="rect">
             <a:avLst/>
@@ -4515,8 +4517,8 @@
         </p:blipFill>
         <p:spPr>
           <a:xfrm>
-            <a:off x="7454824" y="1791548"/>
-            <a:ext cx="4472784" cy="1835877"/>
+            <a:off x="7509510" y="1791548"/>
+            <a:ext cx="4418098" cy="1813431"/>
           </a:xfrm>
           <a:prstGeom prst="rect">
             <a:avLst/>
@@ -5530,6 +5532,274 @@
     <p:extLst>
       <p:ext uri="{BB962C8B-B14F-4D97-AF65-F5344CB8AC3E}">
         <p14:creationId xmlns:p14="http://schemas.microsoft.com/office/powerpoint/2010/main" val="4229052086"/>
+      </p:ext>
+    </p:extLst>
+  </p:cSld>
+  <p:clrMapOvr>
+    <a:masterClrMapping/>
+  </p:clrMapOvr>
+</p:sld>
+</file>
+
+<file path=ppt/slides/slide6.xml><?xml version="1.0" encoding="utf-8"?>
+<p:sld xmlns:a="http://schemas.openxmlformats.org/drawingml/2006/main" xmlns:r="http://schemas.openxmlformats.org/officeDocument/2006/relationships" xmlns:p="http://schemas.openxmlformats.org/presentationml/2006/main">
+  <p:cSld>
+    <p:bg>
+      <p:bgPr>
+        <a:solidFill>
+          <a:schemeClr val="accent3">
+            <a:lumMod val="20000"/>
+            <a:lumOff val="80000"/>
+          </a:schemeClr>
+        </a:solidFill>
+        <a:effectLst/>
+      </p:bgPr>
+    </p:bg>
+    <p:spTree>
+      <p:nvGrpSpPr>
+        <p:cNvPr id="1" name=""/>
+        <p:cNvGrpSpPr/>
+        <p:nvPr/>
+      </p:nvGrpSpPr>
+      <p:grpSpPr>
+        <a:xfrm>
+          <a:off x="0" y="0"/>
+          <a:ext cx="0" cy="0"/>
+          <a:chOff x="0" y="0"/>
+          <a:chExt cx="0" cy="0"/>
+        </a:xfrm>
+      </p:grpSpPr>
+    </p:spTree>
+    <p:extLst>
+      <p:ext uri="{BB962C8B-B14F-4D97-AF65-F5344CB8AC3E}">
+        <p14:creationId xmlns:p14="http://schemas.microsoft.com/office/powerpoint/2010/main" val="493474462"/>
+      </p:ext>
+    </p:extLst>
+  </p:cSld>
+  <p:clrMapOvr>
+    <a:masterClrMapping/>
+  </p:clrMapOvr>
+</p:sld>
+</file>
+
+<file path=ppt/slides/slide7.xml><?xml version="1.0" encoding="utf-8"?>
+<p:sld xmlns:a="http://schemas.openxmlformats.org/drawingml/2006/main" xmlns:r="http://schemas.openxmlformats.org/officeDocument/2006/relationships" xmlns:p="http://schemas.openxmlformats.org/presentationml/2006/main">
+  <p:cSld>
+    <p:bg>
+      <p:bgPr>
+        <a:solidFill>
+          <a:schemeClr val="accent3">
+            <a:lumMod val="20000"/>
+            <a:lumOff val="80000"/>
+          </a:schemeClr>
+        </a:solidFill>
+        <a:effectLst/>
+      </p:bgPr>
+    </p:bg>
+    <p:spTree>
+      <p:nvGrpSpPr>
+        <p:cNvPr id="1" name=""/>
+        <p:cNvGrpSpPr/>
+        <p:nvPr/>
+      </p:nvGrpSpPr>
+      <p:grpSpPr>
+        <a:xfrm>
+          <a:off x="0" y="0"/>
+          <a:ext cx="0" cy="0"/>
+          <a:chOff x="0" y="0"/>
+          <a:chExt cx="0" cy="0"/>
+        </a:xfrm>
+      </p:grpSpPr>
+      <p:sp>
+        <p:nvSpPr>
+          <p:cNvPr id="4" name="内容占位符 2">
+            <a:extLst>
+              <a:ext uri="{FF2B5EF4-FFF2-40B4-BE49-F238E27FC236}">
+                <a16:creationId xmlns:a16="http://schemas.microsoft.com/office/drawing/2014/main" id="{9CFF77A1-8A47-18FF-DB1F-032BDA8A0734}"/>
+              </a:ext>
+            </a:extLst>
+          </p:cNvPr>
+          <p:cNvSpPr>
+            <a:spLocks noGrp="1"/>
+          </p:cNvSpPr>
+          <p:nvPr>
+            <p:ph idx="1"/>
+          </p:nvPr>
+        </p:nvSpPr>
+        <p:spPr>
+          <a:xfrm>
+            <a:off x="342900" y="264695"/>
+            <a:ext cx="11532268" cy="5771670"/>
+          </a:xfrm>
+          <a:solidFill>
+            <a:schemeClr val="accent3">
+              <a:lumMod val="20000"/>
+              <a:lumOff val="80000"/>
+            </a:schemeClr>
+          </a:solidFill>
+        </p:spPr>
+        <p:txBody>
+          <a:bodyPr>
+            <a:normAutofit/>
+          </a:bodyPr>
+          <a:lstStyle/>
+          <a:p>
+            <a:pPr marL="457200" indent="-457200">
+              <a:lnSpc>
+                <a:spcPct val="150000"/>
+              </a:lnSpc>
+              <a:spcBef>
+                <a:spcPts val="600"/>
+              </a:spcBef>
+              <a:buFont typeface="+mj-lt"/>
+              <a:buAutoNum type="arabicPeriod" startAt="4"/>
+            </a:pPr>
+            <a:r>
+              <a:rPr lang="en-US" altLang="zh-CN" sz="2000" b="1" dirty="0" err="1">
+                <a:latin typeface="Microsoft Tai Le" panose="020B0502040204020203" pitchFamily="34" charset="0"/>
+                <a:ea typeface="微软雅黑" panose="020B0503020204020204" pitchFamily="34" charset="-122"/>
+              </a:rPr>
+              <a:t>cpu_schedule_hang_process</a:t>
+            </a:r>
+            <a:endParaRPr lang="en-US" altLang="zh-CN" sz="2000" b="1" dirty="0">
+              <a:latin typeface="Microsoft Tai Le" panose="020B0502040204020203" pitchFamily="34" charset="0"/>
+              <a:ea typeface="微软雅黑" panose="020B0503020204020204" pitchFamily="34" charset="-122"/>
+            </a:endParaRPr>
+          </a:p>
+          <a:p>
+            <a:pPr marL="457200" indent="-457200">
+              <a:lnSpc>
+                <a:spcPct val="150000"/>
+              </a:lnSpc>
+              <a:spcBef>
+                <a:spcPts val="600"/>
+              </a:spcBef>
+              <a:buFont typeface="+mj-lt"/>
+              <a:buAutoNum type="arabicPeriod" startAt="4"/>
+            </a:pPr>
+            <a:endParaRPr lang="en-US" altLang="zh-CN" sz="2000" b="1" dirty="0">
+              <a:latin typeface="Microsoft Tai Le" panose="020B0502040204020203" pitchFamily="34" charset="0"/>
+              <a:ea typeface="微软雅黑" panose="020B0503020204020204" pitchFamily="34" charset="-122"/>
+            </a:endParaRPr>
+          </a:p>
+          <a:p>
+            <a:pPr marL="457200" indent="-457200">
+              <a:lnSpc>
+                <a:spcPct val="150000"/>
+              </a:lnSpc>
+              <a:spcBef>
+                <a:spcPts val="600"/>
+              </a:spcBef>
+              <a:buFont typeface="+mj-lt"/>
+              <a:buAutoNum type="arabicPeriod" startAt="4"/>
+            </a:pPr>
+            <a:r>
+              <a:rPr lang="en-US" altLang="zh-CN" sz="1100" dirty="0">
+                <a:hlinkClick r:id="rId2"/>
+              </a:rPr>
+              <a:t>bash - How to simulate hung task in </a:t>
+            </a:r>
+            <a:r>
+              <a:rPr lang="en-US" altLang="zh-CN" sz="1100" dirty="0" err="1">
+                <a:hlinkClick r:id="rId2"/>
+              </a:rPr>
+              <a:t>linux</a:t>
+            </a:r>
+            <a:r>
+              <a:rPr lang="en-US" altLang="zh-CN" sz="1100" dirty="0">
+                <a:hlinkClick r:id="rId2"/>
+              </a:rPr>
+              <a:t>? </a:t>
+            </a:r>
+            <a:r>
+              <a:rPr lang="en-US" altLang="zh-CN" sz="1100">
+                <a:hlinkClick r:id="rId2"/>
+              </a:rPr>
+              <a:t>- Stack Overflow</a:t>
+            </a:r>
+            <a:endParaRPr lang="en-US" altLang="zh-CN" sz="1600" dirty="0">
+              <a:latin typeface="Microsoft Tai Le" panose="020B0502040204020203" pitchFamily="34" charset="0"/>
+              <a:ea typeface="微软雅黑" panose="020B0503020204020204" pitchFamily="34" charset="-122"/>
+            </a:endParaRPr>
+          </a:p>
+          <a:p>
+            <a:pPr marL="0" indent="0">
+              <a:lnSpc>
+                <a:spcPct val="150000"/>
+              </a:lnSpc>
+              <a:spcBef>
+                <a:spcPts val="600"/>
+              </a:spcBef>
+              <a:buNone/>
+            </a:pPr>
+            <a:endParaRPr lang="en-US" altLang="zh-CN" sz="1600" dirty="0">
+              <a:latin typeface="Microsoft Tai Le" panose="020B0502040204020203" pitchFamily="34" charset="0"/>
+              <a:ea typeface="微软雅黑" panose="020B0503020204020204" pitchFamily="34" charset="-122"/>
+            </a:endParaRPr>
+          </a:p>
+          <a:p>
+            <a:pPr marL="0" indent="0">
+              <a:lnSpc>
+                <a:spcPct val="150000"/>
+              </a:lnSpc>
+              <a:spcBef>
+                <a:spcPts val="600"/>
+              </a:spcBef>
+              <a:buNone/>
+            </a:pPr>
+            <a:endParaRPr lang="en-US" altLang="zh-CN" sz="1800" dirty="0">
+              <a:latin typeface="Microsoft Tai Le" panose="020B0502040204020203" pitchFamily="34" charset="0"/>
+              <a:ea typeface="微软雅黑" panose="020B0503020204020204" pitchFamily="34" charset="-122"/>
+            </a:endParaRPr>
+          </a:p>
+          <a:p>
+            <a:pPr marL="0" indent="0">
+              <a:lnSpc>
+                <a:spcPct val="150000"/>
+              </a:lnSpc>
+              <a:spcBef>
+                <a:spcPts val="600"/>
+              </a:spcBef>
+              <a:buNone/>
+            </a:pPr>
+            <a:endParaRPr lang="en-US" altLang="zh-CN" sz="1800" dirty="0">
+              <a:latin typeface="Microsoft Tai Le" panose="020B0502040204020203" pitchFamily="34" charset="0"/>
+              <a:ea typeface="微软雅黑" panose="020B0503020204020204" pitchFamily="34" charset="-122"/>
+            </a:endParaRPr>
+          </a:p>
+          <a:p>
+            <a:pPr marL="0" indent="457200">
+              <a:lnSpc>
+                <a:spcPct val="150000"/>
+              </a:lnSpc>
+              <a:spcBef>
+                <a:spcPts val="600"/>
+              </a:spcBef>
+              <a:buNone/>
+            </a:pPr>
+            <a:endParaRPr lang="en-US" altLang="zh-CN" sz="1800" dirty="0">
+              <a:latin typeface="Microsoft Tai Le" panose="020B0502040204020203" pitchFamily="34" charset="0"/>
+              <a:ea typeface="微软雅黑" panose="020B0503020204020204" pitchFamily="34" charset="-122"/>
+            </a:endParaRPr>
+          </a:p>
+          <a:p>
+            <a:pPr marL="0" indent="0">
+              <a:lnSpc>
+                <a:spcPct val="150000"/>
+              </a:lnSpc>
+              <a:buNone/>
+            </a:pPr>
+            <a:endParaRPr lang="en-US" altLang="zh-CN" sz="1800" dirty="0">
+              <a:latin typeface="Microsoft Tai Le" panose="020B0502040204020203" pitchFamily="34" charset="0"/>
+              <a:ea typeface="微软雅黑" panose="020B0503020204020204" pitchFamily="34" charset="-122"/>
+            </a:endParaRPr>
+          </a:p>
+        </p:txBody>
+      </p:sp>
+    </p:spTree>
+    <p:extLst>
+      <p:ext uri="{BB962C8B-B14F-4D97-AF65-F5344CB8AC3E}">
+        <p14:creationId xmlns:p14="http://schemas.microsoft.com/office/powerpoint/2010/main" val="1582134596"/>
       </p:ext>
     </p:extLst>
   </p:cSld>

--- a/doc/x-monitor.eBPF Observe & Profiling.pptx
+++ b/doc/x-monitor.eBPF Observe & Profiling.pptx
@@ -260,7 +260,7 @@
           <a:p>
             <a:fld id="{F7F88A0A-AF19-4274-B897-6F8B9E954E04}" type="datetimeFigureOut">
               <a:rPr lang="zh-CN" altLang="en-US" smtClean="0"/>
-              <a:t>2023/12/8</a:t>
+              <a:t>2023/12/13</a:t>
             </a:fld>
             <a:endParaRPr lang="zh-CN" altLang="en-US"/>
           </a:p>
@@ -430,7 +430,7 @@
           <a:p>
             <a:fld id="{F7F88A0A-AF19-4274-B897-6F8B9E954E04}" type="datetimeFigureOut">
               <a:rPr lang="zh-CN" altLang="en-US" smtClean="0"/>
-              <a:t>2023/12/8</a:t>
+              <a:t>2023/12/13</a:t>
             </a:fld>
             <a:endParaRPr lang="zh-CN" altLang="en-US"/>
           </a:p>
@@ -610,7 +610,7 @@
           <a:p>
             <a:fld id="{F7F88A0A-AF19-4274-B897-6F8B9E954E04}" type="datetimeFigureOut">
               <a:rPr lang="zh-CN" altLang="en-US" smtClean="0"/>
-              <a:t>2023/12/8</a:t>
+              <a:t>2023/12/13</a:t>
             </a:fld>
             <a:endParaRPr lang="zh-CN" altLang="en-US"/>
           </a:p>
@@ -780,7 +780,7 @@
           <a:p>
             <a:fld id="{F7F88A0A-AF19-4274-B897-6F8B9E954E04}" type="datetimeFigureOut">
               <a:rPr lang="zh-CN" altLang="en-US" smtClean="0"/>
-              <a:t>2023/12/8</a:t>
+              <a:t>2023/12/13</a:t>
             </a:fld>
             <a:endParaRPr lang="zh-CN" altLang="en-US"/>
           </a:p>
@@ -1026,7 +1026,7 @@
           <a:p>
             <a:fld id="{F7F88A0A-AF19-4274-B897-6F8B9E954E04}" type="datetimeFigureOut">
               <a:rPr lang="zh-CN" altLang="en-US" smtClean="0"/>
-              <a:t>2023/12/8</a:t>
+              <a:t>2023/12/13</a:t>
             </a:fld>
             <a:endParaRPr lang="zh-CN" altLang="en-US"/>
           </a:p>
@@ -1258,7 +1258,7 @@
           <a:p>
             <a:fld id="{F7F88A0A-AF19-4274-B897-6F8B9E954E04}" type="datetimeFigureOut">
               <a:rPr lang="zh-CN" altLang="en-US" smtClean="0"/>
-              <a:t>2023/12/8</a:t>
+              <a:t>2023/12/13</a:t>
             </a:fld>
             <a:endParaRPr lang="zh-CN" altLang="en-US"/>
           </a:p>
@@ -1625,7 +1625,7 @@
           <a:p>
             <a:fld id="{F7F88A0A-AF19-4274-B897-6F8B9E954E04}" type="datetimeFigureOut">
               <a:rPr lang="zh-CN" altLang="en-US" smtClean="0"/>
-              <a:t>2023/12/8</a:t>
+              <a:t>2023/12/13</a:t>
             </a:fld>
             <a:endParaRPr lang="zh-CN" altLang="en-US"/>
           </a:p>
@@ -1743,7 +1743,7 @@
           <a:p>
             <a:fld id="{F7F88A0A-AF19-4274-B897-6F8B9E954E04}" type="datetimeFigureOut">
               <a:rPr lang="zh-CN" altLang="en-US" smtClean="0"/>
-              <a:t>2023/12/8</a:t>
+              <a:t>2023/12/13</a:t>
             </a:fld>
             <a:endParaRPr lang="zh-CN" altLang="en-US"/>
           </a:p>
@@ -1838,7 +1838,7 @@
           <a:p>
             <a:fld id="{F7F88A0A-AF19-4274-B897-6F8B9E954E04}" type="datetimeFigureOut">
               <a:rPr lang="zh-CN" altLang="en-US" smtClean="0"/>
-              <a:t>2023/12/8</a:t>
+              <a:t>2023/12/13</a:t>
             </a:fld>
             <a:endParaRPr lang="zh-CN" altLang="en-US"/>
           </a:p>
@@ -2115,7 +2115,7 @@
           <a:p>
             <a:fld id="{F7F88A0A-AF19-4274-B897-6F8B9E954E04}" type="datetimeFigureOut">
               <a:rPr lang="zh-CN" altLang="en-US" smtClean="0"/>
-              <a:t>2023/12/8</a:t>
+              <a:t>2023/12/13</a:t>
             </a:fld>
             <a:endParaRPr lang="zh-CN" altLang="en-US"/>
           </a:p>
@@ -2372,7 +2372,7 @@
           <a:p>
             <a:fld id="{F7F88A0A-AF19-4274-B897-6F8B9E954E04}" type="datetimeFigureOut">
               <a:rPr lang="zh-CN" altLang="en-US" smtClean="0"/>
-              <a:t>2023/12/8</a:t>
+              <a:t>2023/12/13</a:t>
             </a:fld>
             <a:endParaRPr lang="zh-CN" altLang="en-US"/>
           </a:p>
@@ -2585,7 +2585,7 @@
           <a:p>
             <a:fld id="{F7F88A0A-AF19-4274-B897-6F8B9E954E04}" type="datetimeFigureOut">
               <a:rPr lang="zh-CN" altLang="en-US" smtClean="0"/>
-              <a:t>2023/12/8</a:t>
+              <a:t>2023/12/13</a:t>
             </a:fld>
             <a:endParaRPr lang="zh-CN" altLang="en-US"/>
           </a:p>
@@ -3518,11 +3518,18 @@
               <a:buAutoNum type="alphaLcParenR"/>
             </a:pPr>
             <a:r>
-              <a:rPr lang="en-US" altLang="zh-CN" sz="1600" dirty="0">
-                <a:latin typeface="Microsoft Tai Le" panose="020B0502040204020203" pitchFamily="34" charset="0"/>
-                <a:ea typeface="微软雅黑" panose="020B0503020204020204" pitchFamily="34" charset="-122"/>
-              </a:rPr>
-              <a:t>Test-1</a:t>
+              <a:rPr lang="zh-CN" altLang="en-US" sz="1600" dirty="0">
+                <a:latin typeface="Microsoft Tai Le" panose="020B0502040204020203" pitchFamily="34" charset="0"/>
+                <a:ea typeface="微软雅黑" panose="020B0503020204020204" pitchFamily="34" charset="-122"/>
+              </a:rPr>
+              <a:t>测试</a:t>
+            </a:r>
+            <a:r>
+              <a:rPr lang="en-US" altLang="zh-CN" sz="1600" dirty="0">
+                <a:latin typeface="Microsoft Tai Le" panose="020B0502040204020203" pitchFamily="34" charset="0"/>
+                <a:ea typeface="微软雅黑" panose="020B0503020204020204" pitchFamily="34" charset="-122"/>
+              </a:rPr>
+              <a:t>1</a:t>
             </a:r>
             <a:r>
               <a:rPr lang="zh-CN" altLang="en-US" sz="1600" dirty="0">
@@ -3811,11 +3818,18 @@
               <a:buAutoNum type="alphaLcParenR" startAt="2"/>
             </a:pPr>
             <a:r>
-              <a:rPr lang="en-US" altLang="zh-CN" sz="1600" dirty="0">
-                <a:latin typeface="Microsoft Tai Le" panose="020B0502040204020203" pitchFamily="34" charset="0"/>
-                <a:ea typeface="微软雅黑" panose="020B0503020204020204" pitchFamily="34" charset="-122"/>
-              </a:rPr>
-              <a:t>Test-2</a:t>
+              <a:rPr lang="zh-CN" altLang="en-US" sz="1600" dirty="0">
+                <a:latin typeface="Microsoft Tai Le" panose="020B0502040204020203" pitchFamily="34" charset="0"/>
+                <a:ea typeface="微软雅黑" panose="020B0503020204020204" pitchFamily="34" charset="-122"/>
+              </a:rPr>
+              <a:t>测试</a:t>
+            </a:r>
+            <a:r>
+              <a:rPr lang="en-US" altLang="zh-CN" sz="1600" dirty="0">
+                <a:latin typeface="Microsoft Tai Le" panose="020B0502040204020203" pitchFamily="34" charset="0"/>
+                <a:ea typeface="微软雅黑" panose="020B0503020204020204" pitchFamily="34" charset="-122"/>
+              </a:rPr>
+              <a:t>2</a:t>
             </a:r>
             <a:r>
               <a:rPr lang="zh-CN" altLang="en-US" sz="1600" dirty="0">
@@ -4664,11 +4678,18 @@
               <a:buAutoNum type="alphaLcParenR"/>
             </a:pPr>
             <a:r>
-              <a:rPr lang="en-US" altLang="zh-CN" sz="1600" dirty="0">
-                <a:latin typeface="Microsoft Tai Le" panose="020B0502040204020203" pitchFamily="34" charset="0"/>
-                <a:ea typeface="微软雅黑" panose="020B0503020204020204" pitchFamily="34" charset="-122"/>
-              </a:rPr>
-              <a:t>Test-1</a:t>
+              <a:rPr lang="zh-CN" altLang="en-US" sz="1600" dirty="0">
+                <a:latin typeface="Microsoft Tai Le" panose="020B0502040204020203" pitchFamily="34" charset="0"/>
+                <a:ea typeface="微软雅黑" panose="020B0503020204020204" pitchFamily="34" charset="-122"/>
+              </a:rPr>
+              <a:t>测试</a:t>
+            </a:r>
+            <a:r>
+              <a:rPr lang="en-US" altLang="zh-CN" sz="1600" dirty="0">
+                <a:latin typeface="Microsoft Tai Le" panose="020B0502040204020203" pitchFamily="34" charset="0"/>
+                <a:ea typeface="微软雅黑" panose="020B0503020204020204" pitchFamily="34" charset="-122"/>
+              </a:rPr>
+              <a:t>1</a:t>
             </a:r>
             <a:r>
               <a:rPr lang="zh-CN" altLang="en-US" sz="1600" dirty="0">
@@ -5276,7 +5297,21 @@
                 <a:latin typeface="Microsoft Tai Le" panose="020B0502040204020203" pitchFamily="34" charset="0"/>
                 <a:ea typeface="微软雅黑" panose="020B0503020204020204" pitchFamily="34" charset="-122"/>
               </a:rPr>
-              <a:t>去观察内核函数</a:t>
+              <a:t>去</a:t>
+            </a:r>
+            <a:r>
+              <a:rPr lang="en-US" altLang="zh-CN" sz="1600" dirty="0">
+                <a:latin typeface="Microsoft Tai Le" panose="020B0502040204020203" pitchFamily="34" charset="0"/>
+                <a:ea typeface="微软雅黑" panose="020B0503020204020204" pitchFamily="34" charset="-122"/>
+              </a:rPr>
+              <a:t>hook</a:t>
+            </a:r>
+            <a:r>
+              <a:rPr lang="zh-CN" altLang="en-US" sz="1600" dirty="0">
+                <a:latin typeface="Microsoft Tai Le" panose="020B0502040204020203" pitchFamily="34" charset="0"/>
+                <a:ea typeface="微软雅黑" panose="020B0503020204020204" pitchFamily="34" charset="-122"/>
+              </a:rPr>
+              <a:t>内核函数</a:t>
             </a:r>
             <a:r>
               <a:rPr lang="en-US" altLang="zh-CN" sz="1600" dirty="0" err="1">
@@ -5358,7 +5393,7 @@
                 <a:latin typeface="Microsoft Tai Le" panose="020B0502040204020203" pitchFamily="34" charset="0"/>
                 <a:ea typeface="微软雅黑" panose="020B0503020204020204" pitchFamily="34" charset="-122"/>
               </a:rPr>
-              <a:t>。使用</a:t>
+              <a:t>的调用，统计发生的次数。使用</a:t>
             </a:r>
             <a:r>
               <a:rPr lang="en-US" altLang="zh-CN" sz="1600" dirty="0" err="1">
@@ -5372,7 +5407,20 @@
                 <a:latin typeface="Microsoft Tai Le" panose="020B0502040204020203" pitchFamily="34" charset="0"/>
                 <a:ea typeface="微软雅黑" panose="020B0503020204020204" pitchFamily="34" charset="-122"/>
               </a:rPr>
-              <a:t>将统计的数据传递给用户应用程序。</a:t>
+              <a:t>将统计的数据传递</a:t>
+            </a:r>
+            <a:br>
+              <a:rPr lang="en-US" altLang="zh-CN" sz="1600" dirty="0">
+                <a:latin typeface="Microsoft Tai Le" panose="020B0502040204020203" pitchFamily="34" charset="0"/>
+                <a:ea typeface="微软雅黑" panose="020B0503020204020204" pitchFamily="34" charset="-122"/>
+              </a:rPr>
+            </a:br>
+            <a:r>
+              <a:rPr lang="zh-CN" altLang="en-US" sz="1600" dirty="0">
+                <a:latin typeface="Microsoft Tai Le" panose="020B0502040204020203" pitchFamily="34" charset="0"/>
+                <a:ea typeface="微软雅黑" panose="020B0503020204020204" pitchFamily="34" charset="-122"/>
+              </a:rPr>
+              <a:t>给用户应用程序。</a:t>
             </a:r>
             <a:endParaRPr lang="en-US" altLang="zh-CN" sz="1600" dirty="0">
               <a:latin typeface="Microsoft Tai Le" panose="020B0502040204020203" pitchFamily="34" charset="0"/>
@@ -5569,6 +5617,319 @@
           <a:chExt cx="0" cy="0"/>
         </a:xfrm>
       </p:grpSpPr>
+      <p:sp>
+        <p:nvSpPr>
+          <p:cNvPr id="2" name="内容占位符 2">
+            <a:extLst>
+              <a:ext uri="{FF2B5EF4-FFF2-40B4-BE49-F238E27FC236}">
+                <a16:creationId xmlns:a16="http://schemas.microsoft.com/office/drawing/2014/main" id="{2ECB249A-A531-7D7B-1F26-27B940521468}"/>
+              </a:ext>
+            </a:extLst>
+          </p:cNvPr>
+          <p:cNvSpPr>
+            <a:spLocks noGrp="1"/>
+          </p:cNvSpPr>
+          <p:nvPr>
+            <p:ph idx="1"/>
+          </p:nvPr>
+        </p:nvSpPr>
+        <p:spPr>
+          <a:xfrm>
+            <a:off x="342900" y="264695"/>
+            <a:ext cx="11532268" cy="5771670"/>
+          </a:xfrm>
+          <a:solidFill>
+            <a:schemeClr val="accent3">
+              <a:lumMod val="20000"/>
+              <a:lumOff val="80000"/>
+            </a:schemeClr>
+          </a:solidFill>
+        </p:spPr>
+        <p:txBody>
+          <a:bodyPr>
+            <a:normAutofit/>
+          </a:bodyPr>
+          <a:lstStyle/>
+          <a:p>
+            <a:pPr marL="457200" indent="-457200">
+              <a:lnSpc>
+                <a:spcPct val="150000"/>
+              </a:lnSpc>
+              <a:spcBef>
+                <a:spcPts val="600"/>
+              </a:spcBef>
+              <a:buFont typeface="+mj-lt"/>
+              <a:buAutoNum type="arabicPeriod" startAt="3"/>
+            </a:pPr>
+            <a:r>
+              <a:rPr lang="en-US" altLang="zh-CN" sz="2000" b="1" dirty="0" err="1">
+                <a:latin typeface="Microsoft Tai Le" panose="020B0502040204020203" pitchFamily="34" charset="0"/>
+                <a:ea typeface="微软雅黑" panose="020B0503020204020204" pitchFamily="34" charset="-122"/>
+              </a:rPr>
+              <a:t>PageCacheRatio</a:t>
+            </a:r>
+            <a:r>
+              <a:rPr lang="en-US" altLang="zh-CN" sz="2000" b="1" dirty="0">
+                <a:latin typeface="Microsoft Tai Le" panose="020B0502040204020203" pitchFamily="34" charset="0"/>
+                <a:ea typeface="微软雅黑" panose="020B0503020204020204" pitchFamily="34" charset="-122"/>
+              </a:rPr>
+              <a:t>/</a:t>
+            </a:r>
+            <a:r>
+              <a:rPr lang="en-US" altLang="zh-CN" sz="2000" b="1" dirty="0" err="1">
+                <a:latin typeface="Microsoft Tai Le" panose="020B0502040204020203" pitchFamily="34" charset="0"/>
+                <a:ea typeface="微软雅黑" panose="020B0503020204020204" pitchFamily="34" charset="-122"/>
+              </a:rPr>
+              <a:t>PageCacheOperateCount</a:t>
+            </a:r>
+            <a:endParaRPr lang="en-US" altLang="zh-CN" sz="2000" b="1" dirty="0">
+              <a:latin typeface="Microsoft Tai Le" panose="020B0502040204020203" pitchFamily="34" charset="0"/>
+              <a:ea typeface="微软雅黑" panose="020B0503020204020204" pitchFamily="34" charset="-122"/>
+            </a:endParaRPr>
+          </a:p>
+          <a:p>
+            <a:pPr marL="342900" indent="-342900">
+              <a:lnSpc>
+                <a:spcPct val="150000"/>
+              </a:lnSpc>
+              <a:spcBef>
+                <a:spcPts val="600"/>
+              </a:spcBef>
+              <a:buFont typeface="+mj-lt"/>
+              <a:buAutoNum type="alphaLcParenR"/>
+            </a:pPr>
+            <a:r>
+              <a:rPr lang="zh-CN" altLang="en-US" sz="1600" dirty="0">
+                <a:latin typeface="Microsoft Tai Le" panose="020B0502040204020203" pitchFamily="34" charset="0"/>
+                <a:ea typeface="微软雅黑" panose="020B0503020204020204" pitchFamily="34" charset="-122"/>
+              </a:rPr>
+              <a:t>测试</a:t>
+            </a:r>
+            <a:r>
+              <a:rPr lang="en-US" altLang="zh-CN" sz="1600" dirty="0">
+                <a:latin typeface="Microsoft Tai Le" panose="020B0502040204020203" pitchFamily="34" charset="0"/>
+                <a:ea typeface="微软雅黑" panose="020B0503020204020204" pitchFamily="34" charset="-122"/>
+              </a:rPr>
+              <a:t>-1</a:t>
+            </a:r>
+            <a:r>
+              <a:rPr lang="zh-CN" altLang="en-US" sz="1600" dirty="0">
+                <a:latin typeface="Microsoft Tai Le" panose="020B0502040204020203" pitchFamily="34" charset="0"/>
+                <a:ea typeface="微软雅黑" panose="020B0503020204020204" pitchFamily="34" charset="-122"/>
+              </a:rPr>
+              <a:t>，</a:t>
+            </a:r>
+            <a:r>
+              <a:rPr lang="pl-PL" altLang="zh-CN" sz="1600" dirty="0">
+                <a:latin typeface="Microsoft Tai Le" panose="020B0502040204020203" pitchFamily="34" charset="0"/>
+                <a:ea typeface="微软雅黑" panose="020B0503020204020204" pitchFamily="34" charset="-122"/>
+              </a:rPr>
+              <a:t>echo 3 &gt; /proc/sys/vm/drop_caches</a:t>
+            </a:r>
+            <a:r>
+              <a:rPr lang="zh-CN" altLang="en-US" sz="1600" dirty="0">
+                <a:latin typeface="Microsoft Tai Le" panose="020B0502040204020203" pitchFamily="34" charset="0"/>
+                <a:ea typeface="微软雅黑" panose="020B0503020204020204" pitchFamily="34" charset="-122"/>
+              </a:rPr>
+              <a:t>，清理掉页缓存、目录项缓存以及 </a:t>
+            </a:r>
+            <a:r>
+              <a:rPr lang="en-US" altLang="zh-CN" sz="1600" dirty="0" err="1">
+                <a:latin typeface="Microsoft Tai Le" panose="020B0502040204020203" pitchFamily="34" charset="0"/>
+                <a:ea typeface="微软雅黑" panose="020B0503020204020204" pitchFamily="34" charset="-122"/>
+              </a:rPr>
+              <a:t>inode</a:t>
+            </a:r>
+            <a:r>
+              <a:rPr lang="en-US" altLang="zh-CN" sz="1600" dirty="0">
+                <a:latin typeface="Microsoft Tai Le" panose="020B0502040204020203" pitchFamily="34" charset="0"/>
+                <a:ea typeface="微软雅黑" panose="020B0503020204020204" pitchFamily="34" charset="-122"/>
+              </a:rPr>
+              <a:t> </a:t>
+            </a:r>
+            <a:r>
+              <a:rPr lang="zh-CN" altLang="en-US" sz="1600" dirty="0">
+                <a:latin typeface="Microsoft Tai Le" panose="020B0502040204020203" pitchFamily="34" charset="0"/>
+                <a:ea typeface="微软雅黑" panose="020B0503020204020204" pitchFamily="34" charset="-122"/>
+              </a:rPr>
+              <a:t>缓存，然后观察指标变化</a:t>
+            </a:r>
+            <a:endParaRPr lang="en-US" altLang="zh-CN" sz="1600" dirty="0">
+              <a:latin typeface="Microsoft Tai Le" panose="020B0502040204020203" pitchFamily="34" charset="0"/>
+              <a:ea typeface="微软雅黑" panose="020B0503020204020204" pitchFamily="34" charset="-122"/>
+            </a:endParaRPr>
+          </a:p>
+          <a:p>
+            <a:pPr marL="0" indent="0">
+              <a:lnSpc>
+                <a:spcPct val="150000"/>
+              </a:lnSpc>
+              <a:spcBef>
+                <a:spcPts val="600"/>
+              </a:spcBef>
+              <a:buNone/>
+            </a:pPr>
+            <a:endParaRPr lang="en-US" altLang="zh-CN" sz="1600" dirty="0">
+              <a:latin typeface="Microsoft Tai Le" panose="020B0502040204020203" pitchFamily="34" charset="0"/>
+              <a:ea typeface="微软雅黑" panose="020B0503020204020204" pitchFamily="34" charset="-122"/>
+            </a:endParaRPr>
+          </a:p>
+          <a:p>
+            <a:pPr marL="0" indent="0">
+              <a:lnSpc>
+                <a:spcPct val="150000"/>
+              </a:lnSpc>
+              <a:spcBef>
+                <a:spcPts val="600"/>
+              </a:spcBef>
+              <a:buNone/>
+            </a:pPr>
+            <a:endParaRPr lang="en-US" altLang="zh-CN" sz="1600" dirty="0">
+              <a:latin typeface="Microsoft Tai Le" panose="020B0502040204020203" pitchFamily="34" charset="0"/>
+              <a:ea typeface="微软雅黑" panose="020B0503020204020204" pitchFamily="34" charset="-122"/>
+            </a:endParaRPr>
+          </a:p>
+          <a:p>
+            <a:pPr marL="0" indent="0">
+              <a:lnSpc>
+                <a:spcPct val="150000"/>
+              </a:lnSpc>
+              <a:spcBef>
+                <a:spcPts val="600"/>
+              </a:spcBef>
+              <a:buNone/>
+            </a:pPr>
+            <a:endParaRPr lang="en-US" altLang="zh-CN" sz="1800" dirty="0">
+              <a:latin typeface="Microsoft Tai Le" panose="020B0502040204020203" pitchFamily="34" charset="0"/>
+              <a:ea typeface="微软雅黑" panose="020B0503020204020204" pitchFamily="34" charset="-122"/>
+            </a:endParaRPr>
+          </a:p>
+          <a:p>
+            <a:pPr marL="0" indent="0">
+              <a:lnSpc>
+                <a:spcPct val="150000"/>
+              </a:lnSpc>
+              <a:spcBef>
+                <a:spcPts val="600"/>
+              </a:spcBef>
+              <a:buNone/>
+            </a:pPr>
+            <a:endParaRPr lang="en-US" altLang="zh-CN" sz="1800" dirty="0">
+              <a:latin typeface="Microsoft Tai Le" panose="020B0502040204020203" pitchFamily="34" charset="0"/>
+              <a:ea typeface="微软雅黑" panose="020B0503020204020204" pitchFamily="34" charset="-122"/>
+            </a:endParaRPr>
+          </a:p>
+          <a:p>
+            <a:pPr marL="0" indent="457200">
+              <a:lnSpc>
+                <a:spcPct val="150000"/>
+              </a:lnSpc>
+              <a:spcBef>
+                <a:spcPts val="600"/>
+              </a:spcBef>
+              <a:buNone/>
+            </a:pPr>
+            <a:endParaRPr lang="en-US" altLang="zh-CN" sz="1800" dirty="0">
+              <a:latin typeface="Microsoft Tai Le" panose="020B0502040204020203" pitchFamily="34" charset="0"/>
+              <a:ea typeface="微软雅黑" panose="020B0503020204020204" pitchFamily="34" charset="-122"/>
+            </a:endParaRPr>
+          </a:p>
+          <a:p>
+            <a:pPr marL="0" indent="0">
+              <a:lnSpc>
+                <a:spcPct val="150000"/>
+              </a:lnSpc>
+              <a:buNone/>
+            </a:pPr>
+            <a:endParaRPr lang="en-US" altLang="zh-CN" sz="1800" dirty="0">
+              <a:latin typeface="Microsoft Tai Le" panose="020B0502040204020203" pitchFamily="34" charset="0"/>
+              <a:ea typeface="微软雅黑" panose="020B0503020204020204" pitchFamily="34" charset="-122"/>
+            </a:endParaRPr>
+          </a:p>
+        </p:txBody>
+      </p:sp>
+      <p:pic>
+        <p:nvPicPr>
+          <p:cNvPr id="3" name="图片 2">
+            <a:extLst>
+              <a:ext uri="{FF2B5EF4-FFF2-40B4-BE49-F238E27FC236}">
+                <a16:creationId xmlns:a16="http://schemas.microsoft.com/office/drawing/2014/main" id="{CA55D924-A5FB-FBE9-13FA-0D6A510AE44B}"/>
+              </a:ext>
+            </a:extLst>
+          </p:cNvPr>
+          <p:cNvPicPr>
+            <a:picLocks noChangeAspect="1"/>
+          </p:cNvPicPr>
+          <p:nvPr/>
+        </p:nvPicPr>
+        <p:blipFill>
+          <a:blip r:embed="rId2">
+            <a:extLst>
+              <a:ext uri="{28A0092B-C50C-407E-A947-70E740481C1C}">
+                <a14:useLocalDpi xmlns:a14="http://schemas.microsoft.com/office/drawing/2010/main" val="0"/>
+              </a:ext>
+            </a:extLst>
+          </a:blip>
+          <a:srcRect/>
+          <a:stretch>
+            <a:fillRect/>
+          </a:stretch>
+        </p:blipFill>
+        <p:spPr bwMode="auto">
+          <a:xfrm>
+            <a:off x="412750" y="1358582"/>
+            <a:ext cx="5274310" cy="2357755"/>
+          </a:xfrm>
+          <a:prstGeom prst="rect">
+            <a:avLst/>
+          </a:prstGeom>
+          <a:noFill/>
+          <a:ln>
+            <a:noFill/>
+          </a:ln>
+        </p:spPr>
+      </p:pic>
+      <p:pic>
+        <p:nvPicPr>
+          <p:cNvPr id="5" name="图片 4">
+            <a:extLst>
+              <a:ext uri="{FF2B5EF4-FFF2-40B4-BE49-F238E27FC236}">
+                <a16:creationId xmlns:a16="http://schemas.microsoft.com/office/drawing/2014/main" id="{6A09455B-15C4-E4DB-5788-B1A245D4BB3D}"/>
+              </a:ext>
+            </a:extLst>
+          </p:cNvPr>
+          <p:cNvPicPr>
+            <a:picLocks noChangeAspect="1"/>
+          </p:cNvPicPr>
+          <p:nvPr/>
+        </p:nvPicPr>
+        <p:blipFill>
+          <a:blip r:embed="rId3">
+            <a:extLst>
+              <a:ext uri="{28A0092B-C50C-407E-A947-70E740481C1C}">
+                <a14:useLocalDpi xmlns:a14="http://schemas.microsoft.com/office/drawing/2010/main" val="0"/>
+              </a:ext>
+            </a:extLst>
+          </a:blip>
+          <a:srcRect/>
+          <a:stretch>
+            <a:fillRect/>
+          </a:stretch>
+        </p:blipFill>
+        <p:spPr bwMode="auto">
+          <a:xfrm>
+            <a:off x="6085842" y="1358582"/>
+            <a:ext cx="5274310" cy="4536440"/>
+          </a:xfrm>
+          <a:prstGeom prst="rect">
+            <a:avLst/>
+          </a:prstGeom>
+          <a:noFill/>
+          <a:ln>
+            <a:noFill/>
+          </a:ln>
+        </p:spPr>
+      </p:pic>
     </p:spTree>
     <p:extLst>
       <p:ext uri="{BB962C8B-B14F-4D97-AF65-F5344CB8AC3E}">

--- a/doc/x-monitor.eBPF Observe & Profiling.pptx
+++ b/doc/x-monitor.eBPF Observe & Profiling.pptx
@@ -12,6 +12,9 @@
     <p:sldId id="261" r:id="rId6"/>
     <p:sldId id="262" r:id="rId7"/>
     <p:sldId id="263" r:id="rId8"/>
+    <p:sldId id="264" r:id="rId9"/>
+    <p:sldId id="265" r:id="rId10"/>
+    <p:sldId id="266" r:id="rId11"/>
   </p:sldIdLst>
   <p:sldSz cx="12192000" cy="6858000"/>
   <p:notesSz cx="6858000" cy="9144000"/>
@@ -260,7 +263,7 @@
           <a:p>
             <a:fld id="{F7F88A0A-AF19-4274-B897-6F8B9E954E04}" type="datetimeFigureOut">
               <a:rPr lang="zh-CN" altLang="en-US" smtClean="0"/>
-              <a:t>2023/12/13</a:t>
+              <a:t>2023/12/18</a:t>
             </a:fld>
             <a:endParaRPr lang="zh-CN" altLang="en-US"/>
           </a:p>
@@ -430,7 +433,7 @@
           <a:p>
             <a:fld id="{F7F88A0A-AF19-4274-B897-6F8B9E954E04}" type="datetimeFigureOut">
               <a:rPr lang="zh-CN" altLang="en-US" smtClean="0"/>
-              <a:t>2023/12/13</a:t>
+              <a:t>2023/12/18</a:t>
             </a:fld>
             <a:endParaRPr lang="zh-CN" altLang="en-US"/>
           </a:p>
@@ -610,7 +613,7 @@
           <a:p>
             <a:fld id="{F7F88A0A-AF19-4274-B897-6F8B9E954E04}" type="datetimeFigureOut">
               <a:rPr lang="zh-CN" altLang="en-US" smtClean="0"/>
-              <a:t>2023/12/13</a:t>
+              <a:t>2023/12/18</a:t>
             </a:fld>
             <a:endParaRPr lang="zh-CN" altLang="en-US"/>
           </a:p>
@@ -780,7 +783,7 @@
           <a:p>
             <a:fld id="{F7F88A0A-AF19-4274-B897-6F8B9E954E04}" type="datetimeFigureOut">
               <a:rPr lang="zh-CN" altLang="en-US" smtClean="0"/>
-              <a:t>2023/12/13</a:t>
+              <a:t>2023/12/18</a:t>
             </a:fld>
             <a:endParaRPr lang="zh-CN" altLang="en-US"/>
           </a:p>
@@ -1026,7 +1029,7 @@
           <a:p>
             <a:fld id="{F7F88A0A-AF19-4274-B897-6F8B9E954E04}" type="datetimeFigureOut">
               <a:rPr lang="zh-CN" altLang="en-US" smtClean="0"/>
-              <a:t>2023/12/13</a:t>
+              <a:t>2023/12/18</a:t>
             </a:fld>
             <a:endParaRPr lang="zh-CN" altLang="en-US"/>
           </a:p>
@@ -1258,7 +1261,7 @@
           <a:p>
             <a:fld id="{F7F88A0A-AF19-4274-B897-6F8B9E954E04}" type="datetimeFigureOut">
               <a:rPr lang="zh-CN" altLang="en-US" smtClean="0"/>
-              <a:t>2023/12/13</a:t>
+              <a:t>2023/12/18</a:t>
             </a:fld>
             <a:endParaRPr lang="zh-CN" altLang="en-US"/>
           </a:p>
@@ -1625,7 +1628,7 @@
           <a:p>
             <a:fld id="{F7F88A0A-AF19-4274-B897-6F8B9E954E04}" type="datetimeFigureOut">
               <a:rPr lang="zh-CN" altLang="en-US" smtClean="0"/>
-              <a:t>2023/12/13</a:t>
+              <a:t>2023/12/18</a:t>
             </a:fld>
             <a:endParaRPr lang="zh-CN" altLang="en-US"/>
           </a:p>
@@ -1743,7 +1746,7 @@
           <a:p>
             <a:fld id="{F7F88A0A-AF19-4274-B897-6F8B9E954E04}" type="datetimeFigureOut">
               <a:rPr lang="zh-CN" altLang="en-US" smtClean="0"/>
-              <a:t>2023/12/13</a:t>
+              <a:t>2023/12/18</a:t>
             </a:fld>
             <a:endParaRPr lang="zh-CN" altLang="en-US"/>
           </a:p>
@@ -1838,7 +1841,7 @@
           <a:p>
             <a:fld id="{F7F88A0A-AF19-4274-B897-6F8B9E954E04}" type="datetimeFigureOut">
               <a:rPr lang="zh-CN" altLang="en-US" smtClean="0"/>
-              <a:t>2023/12/13</a:t>
+              <a:t>2023/12/18</a:t>
             </a:fld>
             <a:endParaRPr lang="zh-CN" altLang="en-US"/>
           </a:p>
@@ -2115,7 +2118,7 @@
           <a:p>
             <a:fld id="{F7F88A0A-AF19-4274-B897-6F8B9E954E04}" type="datetimeFigureOut">
               <a:rPr lang="zh-CN" altLang="en-US" smtClean="0"/>
-              <a:t>2023/12/13</a:t>
+              <a:t>2023/12/18</a:t>
             </a:fld>
             <a:endParaRPr lang="zh-CN" altLang="en-US"/>
           </a:p>
@@ -2372,7 +2375,7 @@
           <a:p>
             <a:fld id="{F7F88A0A-AF19-4274-B897-6F8B9E954E04}" type="datetimeFigureOut">
               <a:rPr lang="zh-CN" altLang="en-US" smtClean="0"/>
-              <a:t>2023/12/13</a:t>
+              <a:t>2023/12/18</a:t>
             </a:fld>
             <a:endParaRPr lang="zh-CN" altLang="en-US"/>
           </a:p>
@@ -2585,7 +2588,7 @@
           <a:p>
             <a:fld id="{F7F88A0A-AF19-4274-B897-6F8B9E954E04}" type="datetimeFigureOut">
               <a:rPr lang="zh-CN" altLang="en-US" smtClean="0"/>
-              <a:t>2023/12/13</a:t>
+              <a:t>2023/12/18</a:t>
             </a:fld>
             <a:endParaRPr lang="zh-CN" altLang="en-US"/>
           </a:p>
@@ -3072,21 +3075,7 @@
                 <a:latin typeface="Microsoft Tai Le" panose="020B0502040204020203" pitchFamily="34" charset="0"/>
                 <a:ea typeface="微软雅黑" panose="020B0503020204020204" pitchFamily="34" charset="-122"/>
               </a:rPr>
-              <a:t>用来观察</a:t>
-            </a:r>
-            <a:r>
-              <a:rPr lang="en-US" altLang="zh-CN" sz="1600" dirty="0">
-                <a:latin typeface="Microsoft Tai Le" panose="020B0502040204020203" pitchFamily="34" charset="0"/>
-                <a:ea typeface="微软雅黑" panose="020B0503020204020204" pitchFamily="34" charset="-122"/>
-              </a:rPr>
-              <a:t>TS</a:t>
-            </a:r>
-            <a:r>
-              <a:rPr lang="zh-CN" altLang="en-US" sz="1600" dirty="0">
-                <a:latin typeface="Microsoft Tai Le" panose="020B0502040204020203" pitchFamily="34" charset="0"/>
-                <a:ea typeface="微软雅黑" panose="020B0503020204020204" pitchFamily="34" charset="-122"/>
-              </a:rPr>
-              <a:t>在运行队列中等待时间</a:t>
+              <a:t>用来观察线程在运行队列中等待时间</a:t>
             </a:r>
             <a:r>
               <a:rPr lang="en-US" altLang="zh-CN" sz="1600" dirty="0">
@@ -3413,6 +3402,506 @@
     <p:extLst>
       <p:ext uri="{BB962C8B-B14F-4D97-AF65-F5344CB8AC3E}">
         <p14:creationId xmlns:p14="http://schemas.microsoft.com/office/powerpoint/2010/main" val="4248615713"/>
+      </p:ext>
+    </p:extLst>
+  </p:cSld>
+  <p:clrMapOvr>
+    <a:masterClrMapping/>
+  </p:clrMapOvr>
+</p:sld>
+</file>
+
+<file path=ppt/slides/slide10.xml><?xml version="1.0" encoding="utf-8"?>
+<p:sld xmlns:a="http://schemas.openxmlformats.org/drawingml/2006/main" xmlns:r="http://schemas.openxmlformats.org/officeDocument/2006/relationships" xmlns:p="http://schemas.openxmlformats.org/presentationml/2006/main">
+  <p:cSld>
+    <p:bg>
+      <p:bgPr>
+        <a:solidFill>
+          <a:schemeClr val="accent3">
+            <a:lumMod val="20000"/>
+            <a:lumOff val="80000"/>
+          </a:schemeClr>
+        </a:solidFill>
+        <a:effectLst/>
+      </p:bgPr>
+    </p:bg>
+    <p:spTree>
+      <p:nvGrpSpPr>
+        <p:cNvPr id="1" name=""/>
+        <p:cNvGrpSpPr/>
+        <p:nvPr/>
+      </p:nvGrpSpPr>
+      <p:grpSpPr>
+        <a:xfrm>
+          <a:off x="0" y="0"/>
+          <a:ext cx="0" cy="0"/>
+          <a:chOff x="0" y="0"/>
+          <a:chExt cx="0" cy="0"/>
+        </a:xfrm>
+      </p:grpSpPr>
+      <p:sp>
+        <p:nvSpPr>
+          <p:cNvPr id="4" name="内容占位符 2">
+            <a:extLst>
+              <a:ext uri="{FF2B5EF4-FFF2-40B4-BE49-F238E27FC236}">
+                <a16:creationId xmlns:a16="http://schemas.microsoft.com/office/drawing/2014/main" id="{97ECC983-6878-261F-BC35-FA92369BE9A7}"/>
+              </a:ext>
+            </a:extLst>
+          </p:cNvPr>
+          <p:cNvSpPr>
+            <a:spLocks noGrp="1"/>
+          </p:cNvSpPr>
+          <p:nvPr>
+            <p:ph idx="1"/>
+          </p:nvPr>
+        </p:nvSpPr>
+        <p:spPr>
+          <a:xfrm>
+            <a:off x="342900" y="264695"/>
+            <a:ext cx="11532268" cy="5771670"/>
+          </a:xfrm>
+          <a:solidFill>
+            <a:schemeClr val="accent3">
+              <a:lumMod val="20000"/>
+              <a:lumOff val="80000"/>
+            </a:schemeClr>
+          </a:solidFill>
+        </p:spPr>
+        <p:txBody>
+          <a:bodyPr>
+            <a:normAutofit/>
+          </a:bodyPr>
+          <a:lstStyle/>
+          <a:p>
+            <a:pPr marL="457200" indent="-457200">
+              <a:lnSpc>
+                <a:spcPct val="150000"/>
+              </a:lnSpc>
+              <a:spcBef>
+                <a:spcPts val="600"/>
+              </a:spcBef>
+              <a:buFont typeface="+mj-lt"/>
+              <a:buAutoNum type="arabicPeriod" startAt="5"/>
+            </a:pPr>
+            <a:r>
+              <a:rPr lang="en-US" altLang="zh-CN" sz="2000" b="1" dirty="0" err="1">
+                <a:latin typeface="Microsoft Tai Le" panose="020B0502040204020203" pitchFamily="34" charset="0"/>
+                <a:ea typeface="微软雅黑" panose="020B0503020204020204" pitchFamily="34" charset="-122"/>
+              </a:rPr>
+              <a:t>bio_request_ratio</a:t>
+            </a:r>
+            <a:r>
+              <a:rPr lang="en-US" altLang="zh-CN" sz="2000" b="1" dirty="0">
+                <a:latin typeface="Microsoft Tai Le" panose="020B0502040204020203" pitchFamily="34" charset="0"/>
+                <a:ea typeface="微软雅黑" panose="020B0503020204020204" pitchFamily="34" charset="-122"/>
+              </a:rPr>
+              <a:t>  read/write</a:t>
+            </a:r>
+          </a:p>
+          <a:p>
+            <a:pPr marL="342900" indent="-342900">
+              <a:lnSpc>
+                <a:spcPct val="150000"/>
+              </a:lnSpc>
+              <a:spcBef>
+                <a:spcPts val="600"/>
+              </a:spcBef>
+              <a:buFont typeface="+mj-lt"/>
+              <a:buAutoNum type="alphaLcParenR"/>
+            </a:pPr>
+            <a:r>
+              <a:rPr lang="zh-CN" altLang="en-US" sz="1600" dirty="0">
+                <a:latin typeface="Microsoft Tai Le" panose="020B0502040204020203" pitchFamily="34" charset="0"/>
+                <a:ea typeface="微软雅黑" panose="020B0503020204020204" pitchFamily="34" charset="-122"/>
+              </a:rPr>
+              <a:t>顺序写，</a:t>
+            </a:r>
+            <a:r>
+              <a:rPr lang="en-US" altLang="zh-CN" sz="1600" dirty="0" err="1">
+                <a:latin typeface="Microsoft Tai Le" panose="020B0502040204020203" pitchFamily="34" charset="0"/>
+                <a:ea typeface="微软雅黑" panose="020B0503020204020204" pitchFamily="34" charset="-122"/>
+              </a:rPr>
+              <a:t>fio</a:t>
+            </a:r>
+            <a:r>
+              <a:rPr lang="en-US" altLang="zh-CN" sz="1600" dirty="0">
+                <a:latin typeface="Microsoft Tai Le" panose="020B0502040204020203" pitchFamily="34" charset="0"/>
+                <a:ea typeface="微软雅黑" panose="020B0503020204020204" pitchFamily="34" charset="-122"/>
+              </a:rPr>
+              <a:t> -filename=</a:t>
+            </a:r>
+            <a:r>
+              <a:rPr lang="en-US" altLang="zh-CN" sz="1600" dirty="0" err="1">
+                <a:latin typeface="Microsoft Tai Le" panose="020B0502040204020203" pitchFamily="34" charset="0"/>
+                <a:ea typeface="微软雅黑" panose="020B0503020204020204" pitchFamily="34" charset="-122"/>
+              </a:rPr>
+              <a:t>fio_test</a:t>
+            </a:r>
+            <a:r>
+              <a:rPr lang="en-US" altLang="zh-CN" sz="1600" dirty="0">
+                <a:latin typeface="Microsoft Tai Le" panose="020B0502040204020203" pitchFamily="34" charset="0"/>
+                <a:ea typeface="微软雅黑" panose="020B0503020204020204" pitchFamily="34" charset="-122"/>
+              </a:rPr>
+              <a:t> -direct=1 -</a:t>
+            </a:r>
+            <a:r>
+              <a:rPr lang="en-US" altLang="zh-CN" sz="1600" dirty="0" err="1">
+                <a:latin typeface="Microsoft Tai Le" panose="020B0502040204020203" pitchFamily="34" charset="0"/>
+                <a:ea typeface="微软雅黑" panose="020B0503020204020204" pitchFamily="34" charset="-122"/>
+              </a:rPr>
+              <a:t>iodepth</a:t>
+            </a:r>
+            <a:r>
+              <a:rPr lang="en-US" altLang="zh-CN" sz="1600" dirty="0">
+                <a:latin typeface="Microsoft Tai Le" panose="020B0502040204020203" pitchFamily="34" charset="0"/>
+                <a:ea typeface="微软雅黑" panose="020B0503020204020204" pitchFamily="34" charset="-122"/>
+              </a:rPr>
+              <a:t> 1 -thread -</a:t>
+            </a:r>
+            <a:r>
+              <a:rPr lang="en-US" altLang="zh-CN" sz="1600" dirty="0" err="1">
+                <a:latin typeface="Microsoft Tai Le" panose="020B0502040204020203" pitchFamily="34" charset="0"/>
+                <a:ea typeface="微软雅黑" panose="020B0503020204020204" pitchFamily="34" charset="-122"/>
+              </a:rPr>
+              <a:t>rw</a:t>
+            </a:r>
+            <a:r>
+              <a:rPr lang="en-US" altLang="zh-CN" sz="1600" dirty="0">
+                <a:latin typeface="Microsoft Tai Le" panose="020B0502040204020203" pitchFamily="34" charset="0"/>
+                <a:ea typeface="微软雅黑" panose="020B0503020204020204" pitchFamily="34" charset="-122"/>
+              </a:rPr>
+              <a:t>=write -</a:t>
+            </a:r>
+            <a:r>
+              <a:rPr lang="en-US" altLang="zh-CN" sz="1600" dirty="0" err="1">
+                <a:latin typeface="Microsoft Tai Le" panose="020B0502040204020203" pitchFamily="34" charset="0"/>
+                <a:ea typeface="微软雅黑" panose="020B0503020204020204" pitchFamily="34" charset="-122"/>
+              </a:rPr>
+              <a:t>ioengine</a:t>
+            </a:r>
+            <a:r>
+              <a:rPr lang="en-US" altLang="zh-CN" sz="1600" dirty="0">
+                <a:latin typeface="Microsoft Tai Le" panose="020B0502040204020203" pitchFamily="34" charset="0"/>
+                <a:ea typeface="微软雅黑" panose="020B0503020204020204" pitchFamily="34" charset="-122"/>
+              </a:rPr>
+              <a:t>=</a:t>
+            </a:r>
+            <a:r>
+              <a:rPr lang="en-US" altLang="zh-CN" sz="1600" dirty="0" err="1">
+                <a:latin typeface="Microsoft Tai Le" panose="020B0502040204020203" pitchFamily="34" charset="0"/>
+                <a:ea typeface="微软雅黑" panose="020B0503020204020204" pitchFamily="34" charset="-122"/>
+              </a:rPr>
+              <a:t>libaio</a:t>
+            </a:r>
+            <a:r>
+              <a:rPr lang="en-US" altLang="zh-CN" sz="1600" dirty="0">
+                <a:latin typeface="Microsoft Tai Le" panose="020B0502040204020203" pitchFamily="34" charset="0"/>
+                <a:ea typeface="微软雅黑" panose="020B0503020204020204" pitchFamily="34" charset="-122"/>
+              </a:rPr>
+              <a:t> -bs=16k -size=1G -</a:t>
+            </a:r>
+            <a:r>
+              <a:rPr lang="en-US" altLang="zh-CN" sz="1600" dirty="0" err="1">
+                <a:latin typeface="Microsoft Tai Le" panose="020B0502040204020203" pitchFamily="34" charset="0"/>
+                <a:ea typeface="微软雅黑" panose="020B0503020204020204" pitchFamily="34" charset="-122"/>
+              </a:rPr>
+              <a:t>numjobs</a:t>
+            </a:r>
+            <a:r>
+              <a:rPr lang="en-US" altLang="zh-CN" sz="1600" dirty="0">
+                <a:latin typeface="Microsoft Tai Le" panose="020B0502040204020203" pitchFamily="34" charset="0"/>
+                <a:ea typeface="微软雅黑" panose="020B0503020204020204" pitchFamily="34" charset="-122"/>
+              </a:rPr>
+              <a:t>=1 -runtime=300 -</a:t>
+            </a:r>
+            <a:r>
+              <a:rPr lang="en-US" altLang="zh-CN" sz="1600" dirty="0" err="1">
+                <a:latin typeface="Microsoft Tai Le" panose="020B0502040204020203" pitchFamily="34" charset="0"/>
+                <a:ea typeface="微软雅黑" panose="020B0503020204020204" pitchFamily="34" charset="-122"/>
+              </a:rPr>
+              <a:t>group_reporting</a:t>
+            </a:r>
+            <a:r>
+              <a:rPr lang="en-US" altLang="zh-CN" sz="1600" dirty="0">
+                <a:latin typeface="Microsoft Tai Le" panose="020B0502040204020203" pitchFamily="34" charset="0"/>
+                <a:ea typeface="微软雅黑" panose="020B0503020204020204" pitchFamily="34" charset="-122"/>
+              </a:rPr>
+              <a:t> -name=</a:t>
+            </a:r>
+            <a:r>
+              <a:rPr lang="en-US" altLang="zh-CN" sz="1600" dirty="0" err="1">
+                <a:latin typeface="Microsoft Tai Le" panose="020B0502040204020203" pitchFamily="34" charset="0"/>
+                <a:ea typeface="微软雅黑" panose="020B0503020204020204" pitchFamily="34" charset="-122"/>
+              </a:rPr>
+              <a:t>mytest</a:t>
+            </a:r>
+            <a:r>
+              <a:rPr lang="en-US" altLang="zh-CN" sz="1600" dirty="0">
+                <a:latin typeface="Microsoft Tai Le" panose="020B0502040204020203" pitchFamily="34" charset="0"/>
+                <a:ea typeface="微软雅黑" panose="020B0503020204020204" pitchFamily="34" charset="-122"/>
+              </a:rPr>
+              <a:t> -</a:t>
+            </a:r>
+            <a:r>
+              <a:rPr lang="en-US" altLang="zh-CN" sz="1600" dirty="0" err="1">
+                <a:latin typeface="Microsoft Tai Le" panose="020B0502040204020203" pitchFamily="34" charset="0"/>
+                <a:ea typeface="微软雅黑" panose="020B0503020204020204" pitchFamily="34" charset="-122"/>
+              </a:rPr>
+              <a:t>time_based</a:t>
+            </a:r>
+            <a:endParaRPr lang="en-US" altLang="zh-CN" sz="1600" dirty="0">
+              <a:latin typeface="Microsoft Tai Le" panose="020B0502040204020203" pitchFamily="34" charset="0"/>
+              <a:ea typeface="微软雅黑" panose="020B0503020204020204" pitchFamily="34" charset="-122"/>
+            </a:endParaRPr>
+          </a:p>
+          <a:p>
+            <a:pPr marL="342900" indent="-342900">
+              <a:lnSpc>
+                <a:spcPct val="150000"/>
+              </a:lnSpc>
+              <a:spcBef>
+                <a:spcPts val="600"/>
+              </a:spcBef>
+              <a:buFont typeface="+mj-lt"/>
+              <a:buAutoNum type="alphaLcParenR"/>
+            </a:pPr>
+            <a:r>
+              <a:rPr lang="zh-CN" altLang="en-US" sz="1600" dirty="0">
+                <a:latin typeface="Microsoft Tai Le" panose="020B0502040204020203" pitchFamily="34" charset="0"/>
+                <a:ea typeface="微软雅黑" panose="020B0503020204020204" pitchFamily="34" charset="-122"/>
+              </a:rPr>
+              <a:t>随机读，</a:t>
+            </a:r>
+            <a:r>
+              <a:rPr lang="en-US" altLang="zh-CN" sz="1600" dirty="0" err="1">
+                <a:latin typeface="Microsoft Tai Le" panose="020B0502040204020203" pitchFamily="34" charset="0"/>
+                <a:ea typeface="微软雅黑" panose="020B0503020204020204" pitchFamily="34" charset="-122"/>
+              </a:rPr>
+              <a:t>fio</a:t>
+            </a:r>
+            <a:r>
+              <a:rPr lang="en-US" altLang="zh-CN" sz="1600" dirty="0">
+                <a:latin typeface="Microsoft Tai Le" panose="020B0502040204020203" pitchFamily="34" charset="0"/>
+                <a:ea typeface="微软雅黑" panose="020B0503020204020204" pitchFamily="34" charset="-122"/>
+              </a:rPr>
+              <a:t> -filename=</a:t>
+            </a:r>
+            <a:r>
+              <a:rPr lang="en-US" altLang="zh-CN" sz="1600" dirty="0" err="1">
+                <a:latin typeface="Microsoft Tai Le" panose="020B0502040204020203" pitchFamily="34" charset="0"/>
+                <a:ea typeface="微软雅黑" panose="020B0503020204020204" pitchFamily="34" charset="-122"/>
+              </a:rPr>
+              <a:t>fio_test</a:t>
+            </a:r>
+            <a:r>
+              <a:rPr lang="en-US" altLang="zh-CN" sz="1600" dirty="0">
+                <a:latin typeface="Microsoft Tai Le" panose="020B0502040204020203" pitchFamily="34" charset="0"/>
+                <a:ea typeface="微软雅黑" panose="020B0503020204020204" pitchFamily="34" charset="-122"/>
+              </a:rPr>
+              <a:t> -direct=1 -</a:t>
+            </a:r>
+            <a:r>
+              <a:rPr lang="en-US" altLang="zh-CN" sz="1600" dirty="0" err="1">
+                <a:latin typeface="Microsoft Tai Le" panose="020B0502040204020203" pitchFamily="34" charset="0"/>
+                <a:ea typeface="微软雅黑" panose="020B0503020204020204" pitchFamily="34" charset="-122"/>
+              </a:rPr>
+              <a:t>iodepth</a:t>
+            </a:r>
+            <a:r>
+              <a:rPr lang="en-US" altLang="zh-CN" sz="1600" dirty="0">
+                <a:latin typeface="Microsoft Tai Le" panose="020B0502040204020203" pitchFamily="34" charset="0"/>
+                <a:ea typeface="微软雅黑" panose="020B0503020204020204" pitchFamily="34" charset="-122"/>
+              </a:rPr>
+              <a:t> 1 -thread -</a:t>
+            </a:r>
+            <a:r>
+              <a:rPr lang="en-US" altLang="zh-CN" sz="1600" dirty="0" err="1">
+                <a:latin typeface="Microsoft Tai Le" panose="020B0502040204020203" pitchFamily="34" charset="0"/>
+                <a:ea typeface="微软雅黑" panose="020B0503020204020204" pitchFamily="34" charset="-122"/>
+              </a:rPr>
+              <a:t>rw</a:t>
+            </a:r>
+            <a:r>
+              <a:rPr lang="en-US" altLang="zh-CN" sz="1600" dirty="0">
+                <a:latin typeface="Microsoft Tai Le" panose="020B0502040204020203" pitchFamily="34" charset="0"/>
+                <a:ea typeface="微软雅黑" panose="020B0503020204020204" pitchFamily="34" charset="-122"/>
+              </a:rPr>
+              <a:t>=</a:t>
+            </a:r>
+            <a:r>
+              <a:rPr lang="en-US" altLang="zh-CN" sz="1600" dirty="0" err="1">
+                <a:latin typeface="Microsoft Tai Le" panose="020B0502040204020203" pitchFamily="34" charset="0"/>
+                <a:ea typeface="微软雅黑" panose="020B0503020204020204" pitchFamily="34" charset="-122"/>
+              </a:rPr>
+              <a:t>randread</a:t>
+            </a:r>
+            <a:r>
+              <a:rPr lang="en-US" altLang="zh-CN" sz="1600" dirty="0">
+                <a:latin typeface="Microsoft Tai Le" panose="020B0502040204020203" pitchFamily="34" charset="0"/>
+                <a:ea typeface="微软雅黑" panose="020B0503020204020204" pitchFamily="34" charset="-122"/>
+              </a:rPr>
+              <a:t> -</a:t>
+            </a:r>
+            <a:r>
+              <a:rPr lang="en-US" altLang="zh-CN" sz="1600" dirty="0" err="1">
+                <a:latin typeface="Microsoft Tai Le" panose="020B0502040204020203" pitchFamily="34" charset="0"/>
+                <a:ea typeface="微软雅黑" panose="020B0503020204020204" pitchFamily="34" charset="-122"/>
+              </a:rPr>
+              <a:t>ioengine</a:t>
+            </a:r>
+            <a:r>
+              <a:rPr lang="en-US" altLang="zh-CN" sz="1600" dirty="0">
+                <a:latin typeface="Microsoft Tai Le" panose="020B0502040204020203" pitchFamily="34" charset="0"/>
+                <a:ea typeface="微软雅黑" panose="020B0503020204020204" pitchFamily="34" charset="-122"/>
+              </a:rPr>
+              <a:t>=</a:t>
+            </a:r>
+            <a:r>
+              <a:rPr lang="en-US" altLang="zh-CN" sz="1600" dirty="0" err="1">
+                <a:latin typeface="Microsoft Tai Le" panose="020B0502040204020203" pitchFamily="34" charset="0"/>
+                <a:ea typeface="微软雅黑" panose="020B0503020204020204" pitchFamily="34" charset="-122"/>
+              </a:rPr>
+              <a:t>libaio</a:t>
+            </a:r>
+            <a:r>
+              <a:rPr lang="en-US" altLang="zh-CN" sz="1600" dirty="0">
+                <a:latin typeface="Microsoft Tai Le" panose="020B0502040204020203" pitchFamily="34" charset="0"/>
+                <a:ea typeface="微软雅黑" panose="020B0503020204020204" pitchFamily="34" charset="-122"/>
+              </a:rPr>
+              <a:t> -bs=16k -size=1G -</a:t>
+            </a:r>
+            <a:r>
+              <a:rPr lang="en-US" altLang="zh-CN" sz="1600" dirty="0" err="1">
+                <a:latin typeface="Microsoft Tai Le" panose="020B0502040204020203" pitchFamily="34" charset="0"/>
+                <a:ea typeface="微软雅黑" panose="020B0503020204020204" pitchFamily="34" charset="-122"/>
+              </a:rPr>
+              <a:t>numjobs</a:t>
+            </a:r>
+            <a:r>
+              <a:rPr lang="en-US" altLang="zh-CN" sz="1600" dirty="0">
+                <a:latin typeface="Microsoft Tai Le" panose="020B0502040204020203" pitchFamily="34" charset="0"/>
+                <a:ea typeface="微软雅黑" panose="020B0503020204020204" pitchFamily="34" charset="-122"/>
+              </a:rPr>
+              <a:t>=1 -runtime=300 -</a:t>
+            </a:r>
+            <a:r>
+              <a:rPr lang="en-US" altLang="zh-CN" sz="1600" dirty="0" err="1">
+                <a:latin typeface="Microsoft Tai Le" panose="020B0502040204020203" pitchFamily="34" charset="0"/>
+                <a:ea typeface="微软雅黑" panose="020B0503020204020204" pitchFamily="34" charset="-122"/>
+              </a:rPr>
+              <a:t>group_reporting</a:t>
+            </a:r>
+            <a:r>
+              <a:rPr lang="en-US" altLang="zh-CN" sz="1600" dirty="0">
+                <a:latin typeface="Microsoft Tai Le" panose="020B0502040204020203" pitchFamily="34" charset="0"/>
+                <a:ea typeface="微软雅黑" panose="020B0503020204020204" pitchFamily="34" charset="-122"/>
+              </a:rPr>
+              <a:t> -name=</a:t>
+            </a:r>
+            <a:r>
+              <a:rPr lang="en-US" altLang="zh-CN" sz="1600" dirty="0" err="1">
+                <a:latin typeface="Microsoft Tai Le" panose="020B0502040204020203" pitchFamily="34" charset="0"/>
+                <a:ea typeface="微软雅黑" panose="020B0503020204020204" pitchFamily="34" charset="-122"/>
+              </a:rPr>
+              <a:t>mytest</a:t>
+            </a:r>
+            <a:r>
+              <a:rPr lang="en-US" altLang="zh-CN" sz="1600" dirty="0">
+                <a:latin typeface="Microsoft Tai Le" panose="020B0502040204020203" pitchFamily="34" charset="0"/>
+                <a:ea typeface="微软雅黑" panose="020B0503020204020204" pitchFamily="34" charset="-122"/>
+              </a:rPr>
+              <a:t> -</a:t>
+            </a:r>
+            <a:r>
+              <a:rPr lang="en-US" altLang="zh-CN" sz="1600" dirty="0" err="1">
+                <a:latin typeface="Microsoft Tai Le" panose="020B0502040204020203" pitchFamily="34" charset="0"/>
+                <a:ea typeface="微软雅黑" panose="020B0503020204020204" pitchFamily="34" charset="-122"/>
+              </a:rPr>
+              <a:t>time_based</a:t>
+            </a:r>
+            <a:endParaRPr lang="en-US" altLang="zh-CN" sz="1600" dirty="0">
+              <a:latin typeface="Microsoft Tai Le" panose="020B0502040204020203" pitchFamily="34" charset="0"/>
+              <a:ea typeface="微软雅黑" panose="020B0503020204020204" pitchFamily="34" charset="-122"/>
+            </a:endParaRPr>
+          </a:p>
+          <a:p>
+            <a:pPr marL="0" indent="0">
+              <a:lnSpc>
+                <a:spcPct val="150000"/>
+              </a:lnSpc>
+              <a:spcBef>
+                <a:spcPts val="600"/>
+              </a:spcBef>
+              <a:buNone/>
+            </a:pPr>
+            <a:endParaRPr lang="en-US" altLang="zh-CN" sz="1800" dirty="0">
+              <a:latin typeface="Microsoft Tai Le" panose="020B0502040204020203" pitchFamily="34" charset="0"/>
+              <a:ea typeface="微软雅黑" panose="020B0503020204020204" pitchFamily="34" charset="-122"/>
+            </a:endParaRPr>
+          </a:p>
+          <a:p>
+            <a:pPr marL="0" indent="457200">
+              <a:lnSpc>
+                <a:spcPct val="150000"/>
+              </a:lnSpc>
+              <a:spcBef>
+                <a:spcPts val="600"/>
+              </a:spcBef>
+              <a:buNone/>
+            </a:pPr>
+            <a:endParaRPr lang="en-US" altLang="zh-CN" sz="1800" dirty="0">
+              <a:latin typeface="Microsoft Tai Le" panose="020B0502040204020203" pitchFamily="34" charset="0"/>
+              <a:ea typeface="微软雅黑" panose="020B0503020204020204" pitchFamily="34" charset="-122"/>
+            </a:endParaRPr>
+          </a:p>
+          <a:p>
+            <a:pPr marL="0" indent="0">
+              <a:lnSpc>
+                <a:spcPct val="150000"/>
+              </a:lnSpc>
+              <a:buNone/>
+            </a:pPr>
+            <a:endParaRPr lang="en-US" altLang="zh-CN" sz="1800" dirty="0">
+              <a:latin typeface="Microsoft Tai Le" panose="020B0502040204020203" pitchFamily="34" charset="0"/>
+              <a:ea typeface="微软雅黑" panose="020B0503020204020204" pitchFamily="34" charset="-122"/>
+            </a:endParaRPr>
+          </a:p>
+        </p:txBody>
+      </p:sp>
+      <p:pic>
+        <p:nvPicPr>
+          <p:cNvPr id="10" name="图片 9">
+            <a:extLst>
+              <a:ext uri="{FF2B5EF4-FFF2-40B4-BE49-F238E27FC236}">
+                <a16:creationId xmlns:a16="http://schemas.microsoft.com/office/drawing/2014/main" id="{D60CC483-C43B-BCD9-3DDF-894FA63A225A}"/>
+              </a:ext>
+            </a:extLst>
+          </p:cNvPr>
+          <p:cNvPicPr>
+            <a:picLocks noChangeAspect="1"/>
+          </p:cNvPicPr>
+          <p:nvPr/>
+        </p:nvPicPr>
+        <p:blipFill>
+          <a:blip r:embed="rId2"/>
+          <a:stretch>
+            <a:fillRect/>
+          </a:stretch>
+        </p:blipFill>
+        <p:spPr>
+          <a:xfrm>
+            <a:off x="342900" y="2445926"/>
+            <a:ext cx="7026249" cy="2171888"/>
+          </a:xfrm>
+          <a:prstGeom prst="rect">
+            <a:avLst/>
+          </a:prstGeom>
+        </p:spPr>
+      </p:pic>
+    </p:spTree>
+    <p:extLst>
+      <p:ext uri="{BB962C8B-B14F-4D97-AF65-F5344CB8AC3E}">
+        <p14:creationId xmlns:p14="http://schemas.microsoft.com/office/powerpoint/2010/main" val="312314734"/>
       </p:ext>
     </p:extLst>
   </p:cSld>
@@ -4156,21 +4645,7 @@
                 <a:latin typeface="Microsoft Tai Le" panose="020B0502040204020203" pitchFamily="34" charset="0"/>
                 <a:ea typeface="微软雅黑" panose="020B0503020204020204" pitchFamily="34" charset="-122"/>
               </a:rPr>
-              <a:t>用来统计</a:t>
-            </a:r>
-            <a:r>
-              <a:rPr lang="en-US" altLang="zh-CN" sz="1600" dirty="0">
-                <a:latin typeface="Microsoft Tai Le" panose="020B0502040204020203" pitchFamily="34" charset="0"/>
-                <a:ea typeface="微软雅黑" panose="020B0503020204020204" pitchFamily="34" charset="-122"/>
-              </a:rPr>
-              <a:t>TS</a:t>
-            </a:r>
-            <a:r>
-              <a:rPr lang="zh-CN" altLang="en-US" sz="1600" dirty="0">
-                <a:latin typeface="Microsoft Tai Le" panose="020B0502040204020203" pitchFamily="34" charset="0"/>
-                <a:ea typeface="微软雅黑" panose="020B0503020204020204" pitchFamily="34" charset="-122"/>
-              </a:rPr>
-              <a:t>阻塞或脱离</a:t>
+              <a:t>用来统计线程阻塞或脱离</a:t>
             </a:r>
             <a:r>
               <a:rPr lang="en-US" altLang="zh-CN" sz="1600" dirty="0">
@@ -4184,7 +4659,21 @@
                 <a:latin typeface="Microsoft Tai Le" panose="020B0502040204020203" pitchFamily="34" charset="0"/>
                 <a:ea typeface="微软雅黑" panose="020B0503020204020204" pitchFamily="34" charset="-122"/>
               </a:rPr>
-              <a:t>运行的时间。被调度出去到插入到运行队列的时间差，单位秒。</a:t>
+              <a:t>运行的时间。被</a:t>
+            </a:r>
+            <a:r>
+              <a:rPr lang="en-US" altLang="zh-CN" sz="1600" dirty="0" err="1">
+                <a:latin typeface="Microsoft Tai Le" panose="020B0502040204020203" pitchFamily="34" charset="0"/>
+                <a:ea typeface="微软雅黑" panose="020B0503020204020204" pitchFamily="34" charset="-122"/>
+              </a:rPr>
+              <a:t>cpu</a:t>
+            </a:r>
+            <a:r>
+              <a:rPr lang="zh-CN" altLang="en-US" sz="1600" dirty="0">
+                <a:latin typeface="Microsoft Tai Le" panose="020B0502040204020203" pitchFamily="34" charset="0"/>
+                <a:ea typeface="微软雅黑" panose="020B0503020204020204" pitchFamily="34" charset="-122"/>
+              </a:rPr>
+              <a:t>调度出去到插入到运行队列的时间间隔，单位秒。</a:t>
             </a:r>
             <a:endParaRPr lang="en-US" altLang="zh-CN" sz="1600" dirty="0">
               <a:latin typeface="Microsoft Tai Le" panose="020B0502040204020203" pitchFamily="34" charset="0"/>
@@ -5393,21 +5882,29 @@
                 <a:latin typeface="Microsoft Tai Le" panose="020B0502040204020203" pitchFamily="34" charset="0"/>
                 <a:ea typeface="微软雅黑" panose="020B0503020204020204" pitchFamily="34" charset="-122"/>
               </a:rPr>
-              <a:t>的调用，统计发生的次数。使用</a:t>
-            </a:r>
-            <a:r>
-              <a:rPr lang="en-US" altLang="zh-CN" sz="1600" dirty="0" err="1">
-                <a:latin typeface="Microsoft Tai Le" panose="020B0502040204020203" pitchFamily="34" charset="0"/>
-                <a:ea typeface="微软雅黑" panose="020B0503020204020204" pitchFamily="34" charset="-122"/>
-              </a:rPr>
-              <a:t>Hashmap</a:t>
-            </a:r>
-            <a:r>
-              <a:rPr lang="zh-CN" altLang="en-US" sz="1600" dirty="0">
-                <a:latin typeface="Microsoft Tai Le" panose="020B0502040204020203" pitchFamily="34" charset="0"/>
-                <a:ea typeface="微软雅黑" panose="020B0503020204020204" pitchFamily="34" charset="-122"/>
-              </a:rPr>
-              <a:t>将统计的数据传递</a:t>
+              <a:t>的调用，统计发生的次数，计算命中率。</a:t>
+            </a:r>
+            <a:endParaRPr lang="en-US" altLang="zh-CN" sz="1600" dirty="0">
+              <a:latin typeface="Microsoft Tai Le" panose="020B0502040204020203" pitchFamily="34" charset="0"/>
+              <a:ea typeface="微软雅黑" panose="020B0503020204020204" pitchFamily="34" charset="-122"/>
+            </a:endParaRPr>
+          </a:p>
+          <a:p>
+            <a:pPr marL="0" indent="457200">
+              <a:lnSpc>
+                <a:spcPct val="150000"/>
+              </a:lnSpc>
+              <a:spcBef>
+                <a:spcPts val="600"/>
+              </a:spcBef>
+              <a:buNone/>
+            </a:pPr>
+            <a:r>
+              <a:rPr lang="zh-CN" altLang="en-US" sz="1600" dirty="0">
+                <a:latin typeface="Microsoft Tai Le" panose="020B0502040204020203" pitchFamily="34" charset="0"/>
+                <a:ea typeface="微软雅黑" panose="020B0503020204020204" pitchFamily="34" charset="-122"/>
+              </a:rPr>
+              <a:t>指标说明：对于很多数据库一般都会大量的使用页缓存，以确保一般情况</a:t>
             </a:r>
             <a:br>
               <a:rPr lang="en-US" altLang="zh-CN" sz="1600" dirty="0">
@@ -5420,7 +5917,47 @@
                 <a:latin typeface="Microsoft Tai Le" panose="020B0502040204020203" pitchFamily="34" charset="0"/>
                 <a:ea typeface="微软雅黑" panose="020B0503020204020204" pitchFamily="34" charset="-122"/>
               </a:rPr>
-              <a:t>给用户应用程序。</a:t>
+              <a:t>经常访问的数据永远都在内存中。这意味着规划这种数据存储时，最重要的问</a:t>
+            </a:r>
+            <a:br>
+              <a:rPr lang="en-US" altLang="zh-CN" sz="1600" dirty="0">
+                <a:latin typeface="Microsoft Tai Le" panose="020B0502040204020203" pitchFamily="34" charset="0"/>
+                <a:ea typeface="微软雅黑" panose="020B0503020204020204" pitchFamily="34" charset="-122"/>
+              </a:rPr>
+            </a:br>
+            <a:r>
+              <a:rPr lang="zh-CN" altLang="en-US" sz="1600" dirty="0">
+                <a:latin typeface="Microsoft Tai Le" panose="020B0502040204020203" pitchFamily="34" charset="0"/>
+                <a:ea typeface="微软雅黑" panose="020B0503020204020204" pitchFamily="34" charset="-122"/>
+              </a:rPr>
+              <a:t>题往往是最活跃的数据集是否能够完全存入预期的内存容量中。下图是在一个</a:t>
+            </a:r>
+            <a:br>
+              <a:rPr lang="en-US" altLang="zh-CN" sz="1600" dirty="0">
+                <a:latin typeface="Microsoft Tai Le" panose="020B0502040204020203" pitchFamily="34" charset="0"/>
+                <a:ea typeface="微软雅黑" panose="020B0503020204020204" pitchFamily="34" charset="-122"/>
+              </a:rPr>
+            </a:br>
+            <a:r>
+              <a:rPr lang="zh-CN" altLang="en-US" sz="1600" dirty="0">
+                <a:latin typeface="Microsoft Tai Le" panose="020B0502040204020203" pitchFamily="34" charset="0"/>
+                <a:ea typeface="微软雅黑" panose="020B0503020204020204" pitchFamily="34" charset="-122"/>
+              </a:rPr>
+              <a:t>编译</a:t>
+            </a:r>
+            <a:r>
+              <a:rPr lang="en-US" altLang="zh-CN" sz="1600" dirty="0">
+                <a:latin typeface="Microsoft Tai Le" panose="020B0502040204020203" pitchFamily="34" charset="0"/>
+                <a:ea typeface="微软雅黑" panose="020B0503020204020204" pitchFamily="34" charset="-122"/>
+              </a:rPr>
+              <a:t>kernel</a:t>
+            </a:r>
+            <a:r>
+              <a:rPr lang="zh-CN" altLang="en-US" sz="1600" dirty="0">
+                <a:latin typeface="Microsoft Tai Le" panose="020B0502040204020203" pitchFamily="34" charset="0"/>
+                <a:ea typeface="微软雅黑" panose="020B0503020204020204" pitchFamily="34" charset="-122"/>
+              </a:rPr>
+              <a:t>机器上观察的情况。</a:t>
             </a:r>
             <a:endParaRPr lang="en-US" altLang="zh-CN" sz="1600" dirty="0">
               <a:latin typeface="Microsoft Tai Le" panose="020B0502040204020203" pitchFamily="34" charset="0"/>
@@ -5428,7 +5965,7 @@
             </a:endParaRPr>
           </a:p>
           <a:p>
-            <a:pPr marL="0" indent="0">
+            <a:pPr marL="0" indent="457200">
               <a:lnSpc>
                 <a:spcPct val="150000"/>
               </a:lnSpc>
@@ -5548,10 +6085,10 @@
       </p:pic>
       <p:pic>
         <p:nvPicPr>
-          <p:cNvPr id="8" name="图片 7">
+          <p:cNvPr id="3" name="图片 2">
             <a:extLst>
               <a:ext uri="{FF2B5EF4-FFF2-40B4-BE49-F238E27FC236}">
-                <a16:creationId xmlns:a16="http://schemas.microsoft.com/office/drawing/2014/main" id="{BE984365-D194-FB41-EBE2-96AA9EF194AE}"/>
+                <a16:creationId xmlns:a16="http://schemas.microsoft.com/office/drawing/2014/main" id="{6B5CCB61-DFD2-F501-B355-83A54441CB84}"/>
               </a:ext>
             </a:extLst>
           </p:cNvPr>
@@ -5568,8 +6105,8 @@
         </p:blipFill>
         <p:spPr>
           <a:xfrm>
-            <a:off x="342900" y="3560940"/>
-            <a:ext cx="11506200" cy="1852372"/>
+            <a:off x="342900" y="4118343"/>
+            <a:ext cx="11630949" cy="1878013"/>
           </a:xfrm>
           <a:prstGeom prst="rect">
             <a:avLst/>
@@ -6020,9 +6557,339 @@
                 <a:latin typeface="Microsoft Tai Le" panose="020B0502040204020203" pitchFamily="34" charset="0"/>
                 <a:ea typeface="微软雅黑" panose="020B0503020204020204" pitchFamily="34" charset="-122"/>
               </a:rPr>
-              <a:t>cpu_schedule_hang_process</a:t>
-            </a:r>
-            <a:endParaRPr lang="en-US" altLang="zh-CN" sz="2000" b="1" dirty="0">
+              <a:t>bio_request_latency</a:t>
+            </a:r>
+            <a:r>
+              <a:rPr lang="en-US" altLang="zh-CN" sz="2000" b="1" dirty="0">
+                <a:latin typeface="Microsoft Tai Le" panose="020B0502040204020203" pitchFamily="34" charset="0"/>
+                <a:ea typeface="微软雅黑" panose="020B0503020204020204" pitchFamily="34" charset="-122"/>
+              </a:rPr>
+              <a:t> read/write</a:t>
+            </a:r>
+          </a:p>
+          <a:p>
+            <a:pPr marL="0" indent="457200">
+              <a:lnSpc>
+                <a:spcPct val="150000"/>
+              </a:lnSpc>
+              <a:spcBef>
+                <a:spcPts val="600"/>
+              </a:spcBef>
+              <a:buNone/>
+            </a:pPr>
+            <a:r>
+              <a:rPr lang="zh-CN" altLang="en-US" sz="1600" dirty="0">
+                <a:latin typeface="Microsoft Tai Le" panose="020B0502040204020203" pitchFamily="34" charset="0"/>
+                <a:ea typeface="微软雅黑" panose="020B0503020204020204" pitchFamily="34" charset="-122"/>
+              </a:rPr>
+              <a:t>块</a:t>
+            </a:r>
+            <a:r>
+              <a:rPr lang="en-US" altLang="zh-CN" sz="1600" dirty="0">
+                <a:latin typeface="Microsoft Tai Le" panose="020B0502040204020203" pitchFamily="34" charset="0"/>
+                <a:ea typeface="微软雅黑" panose="020B0503020204020204" pitchFamily="34" charset="-122"/>
+              </a:rPr>
+              <a:t>I/O</a:t>
+            </a:r>
+            <a:r>
+              <a:rPr lang="zh-CN" altLang="en-US" sz="1600" dirty="0">
+                <a:latin typeface="Microsoft Tai Le" panose="020B0502040204020203" pitchFamily="34" charset="0"/>
+                <a:ea typeface="微软雅黑" panose="020B0503020204020204" pitchFamily="34" charset="-122"/>
+              </a:rPr>
+              <a:t>设备的延迟统计以延迟时间</a:t>
+            </a:r>
+            <a:r>
+              <a:rPr lang="en-US" altLang="zh-CN" sz="1600" dirty="0">
+                <a:latin typeface="Microsoft Tai Le" panose="020B0502040204020203" pitchFamily="34" charset="0"/>
+                <a:ea typeface="微软雅黑" panose="020B0503020204020204" pitchFamily="34" charset="-122"/>
+              </a:rPr>
+              <a:t>2</a:t>
+            </a:r>
+            <a:r>
+              <a:rPr lang="zh-CN" altLang="en-US" sz="1600" dirty="0">
+                <a:latin typeface="Microsoft Tai Le" panose="020B0502040204020203" pitchFamily="34" charset="0"/>
+                <a:ea typeface="微软雅黑" panose="020B0503020204020204" pitchFamily="34" charset="-122"/>
+              </a:rPr>
+              <a:t>的幂次分布展示。</a:t>
+            </a:r>
+            <a:endParaRPr lang="en-US" altLang="zh-CN" sz="1600" dirty="0">
+              <a:latin typeface="Microsoft Tai Le" panose="020B0502040204020203" pitchFamily="34" charset="0"/>
+              <a:ea typeface="微软雅黑" panose="020B0503020204020204" pitchFamily="34" charset="-122"/>
+            </a:endParaRPr>
+          </a:p>
+          <a:p>
+            <a:pPr marL="0" indent="457200">
+              <a:lnSpc>
+                <a:spcPct val="150000"/>
+              </a:lnSpc>
+              <a:spcBef>
+                <a:spcPts val="600"/>
+              </a:spcBef>
+              <a:buNone/>
+            </a:pPr>
+            <a:r>
+              <a:rPr lang="zh-CN" altLang="en-US" sz="1600" dirty="0">
+                <a:latin typeface="Microsoft Tai Le" panose="020B0502040204020203" pitchFamily="34" charset="0"/>
+                <a:ea typeface="微软雅黑" panose="020B0503020204020204" pitchFamily="34" charset="-122"/>
+              </a:rPr>
+              <a:t>原理：</a:t>
+            </a:r>
+            <a:r>
+              <a:rPr lang="en-US" altLang="zh-CN" sz="1600" dirty="0" err="1">
+                <a:latin typeface="Microsoft Tai Le" panose="020B0502040204020203" pitchFamily="34" charset="0"/>
+                <a:ea typeface="微软雅黑" panose="020B0503020204020204" pitchFamily="34" charset="-122"/>
+              </a:rPr>
+              <a:t>block_rq_insert</a:t>
+            </a:r>
+            <a:r>
+              <a:rPr lang="zh-CN" altLang="en-US" sz="1600" dirty="0">
+                <a:latin typeface="Microsoft Tai Le" panose="020B0502040204020203" pitchFamily="34" charset="0"/>
+                <a:ea typeface="微软雅黑" panose="020B0503020204020204" pitchFamily="34" charset="-122"/>
+              </a:rPr>
+              <a:t>：用于将块 </a:t>
+            </a:r>
+            <a:r>
+              <a:rPr lang="en-US" altLang="zh-CN" sz="1600" dirty="0">
+                <a:latin typeface="Microsoft Tai Le" panose="020B0502040204020203" pitchFamily="34" charset="0"/>
+                <a:ea typeface="微软雅黑" panose="020B0503020204020204" pitchFamily="34" charset="-122"/>
+              </a:rPr>
+              <a:t>I/O </a:t>
+            </a:r>
+            <a:r>
+              <a:rPr lang="zh-CN" altLang="en-US" sz="1600" dirty="0">
+                <a:latin typeface="Microsoft Tai Le" panose="020B0502040204020203" pitchFamily="34" charset="0"/>
+                <a:ea typeface="微软雅黑" panose="020B0503020204020204" pitchFamily="34" charset="-122"/>
+              </a:rPr>
+              <a:t>操作请求（通常是对块设备的读取或写入请求）插入到块 </a:t>
+            </a:r>
+            <a:r>
+              <a:rPr lang="en-US" altLang="zh-CN" sz="1600" dirty="0">
+                <a:latin typeface="Microsoft Tai Le" panose="020B0502040204020203" pitchFamily="34" charset="0"/>
+                <a:ea typeface="微软雅黑" panose="020B0503020204020204" pitchFamily="34" charset="-122"/>
+              </a:rPr>
+              <a:t>I/O </a:t>
+            </a:r>
+            <a:r>
+              <a:rPr lang="zh-CN" altLang="en-US" sz="1600" dirty="0">
+                <a:latin typeface="Microsoft Tai Le" panose="020B0502040204020203" pitchFamily="34" charset="0"/>
+                <a:ea typeface="微软雅黑" panose="020B0503020204020204" pitchFamily="34" charset="-122"/>
+              </a:rPr>
+              <a:t>请求队列中。</a:t>
+            </a:r>
+            <a:endParaRPr lang="en-US" altLang="zh-CN" sz="1600" dirty="0">
+              <a:latin typeface="Microsoft Tai Le" panose="020B0502040204020203" pitchFamily="34" charset="0"/>
+              <a:ea typeface="微软雅黑" panose="020B0503020204020204" pitchFamily="34" charset="-122"/>
+            </a:endParaRPr>
+          </a:p>
+          <a:p>
+            <a:pPr marL="0" indent="0">
+              <a:lnSpc>
+                <a:spcPct val="150000"/>
+              </a:lnSpc>
+              <a:spcBef>
+                <a:spcPts val="600"/>
+              </a:spcBef>
+              <a:buNone/>
+            </a:pPr>
+            <a:r>
+              <a:rPr lang="en-US" altLang="zh-CN" sz="1600" dirty="0" err="1">
+                <a:latin typeface="Microsoft Tai Le" panose="020B0502040204020203" pitchFamily="34" charset="0"/>
+                <a:ea typeface="微软雅黑" panose="020B0503020204020204" pitchFamily="34" charset="-122"/>
+              </a:rPr>
+              <a:t>block_rq_issue</a:t>
+            </a:r>
+            <a:r>
+              <a:rPr lang="zh-CN" altLang="en-US" sz="1600" dirty="0">
+                <a:latin typeface="Microsoft Tai Le" panose="020B0502040204020203" pitchFamily="34" charset="0"/>
+                <a:ea typeface="微软雅黑" panose="020B0503020204020204" pitchFamily="34" charset="-122"/>
+              </a:rPr>
+              <a:t>：从</a:t>
+            </a:r>
+            <a:r>
+              <a:rPr lang="en-US" altLang="zh-CN" sz="1600" dirty="0">
+                <a:latin typeface="Microsoft Tai Le" panose="020B0502040204020203" pitchFamily="34" charset="0"/>
+                <a:ea typeface="微软雅黑" panose="020B0503020204020204" pitchFamily="34" charset="-122"/>
+              </a:rPr>
+              <a:t>IO</a:t>
+            </a:r>
+            <a:r>
+              <a:rPr lang="zh-CN" altLang="en-US" sz="1600" dirty="0">
+                <a:latin typeface="Microsoft Tai Le" panose="020B0502040204020203" pitchFamily="34" charset="0"/>
+                <a:ea typeface="微软雅黑" panose="020B0503020204020204" pitchFamily="34" charset="-122"/>
+              </a:rPr>
+              <a:t>调度器队列中获取</a:t>
+            </a:r>
+            <a:r>
+              <a:rPr lang="en-US" altLang="zh-CN" sz="1600" dirty="0">
+                <a:latin typeface="Microsoft Tai Le" panose="020B0502040204020203" pitchFamily="34" charset="0"/>
+                <a:ea typeface="微软雅黑" panose="020B0503020204020204" pitchFamily="34" charset="-122"/>
+              </a:rPr>
+              <a:t>request</a:t>
+            </a:r>
+            <a:r>
+              <a:rPr lang="zh-CN" altLang="en-US" sz="1600" dirty="0">
+                <a:latin typeface="Microsoft Tai Le" panose="020B0502040204020203" pitchFamily="34" charset="0"/>
+                <a:ea typeface="微软雅黑" panose="020B0503020204020204" pitchFamily="34" charset="-122"/>
+              </a:rPr>
+              <a:t>后执行，将块</a:t>
+            </a:r>
+            <a:r>
+              <a:rPr lang="en-US" altLang="zh-CN" sz="1600" dirty="0">
+                <a:latin typeface="Microsoft Tai Le" panose="020B0502040204020203" pitchFamily="34" charset="0"/>
+                <a:ea typeface="微软雅黑" panose="020B0503020204020204" pitchFamily="34" charset="-122"/>
+              </a:rPr>
+              <a:t>I/O</a:t>
+            </a:r>
+            <a:r>
+              <a:rPr lang="zh-CN" altLang="en-US" sz="1600" dirty="0">
+                <a:latin typeface="Microsoft Tai Le" panose="020B0502040204020203" pitchFamily="34" charset="0"/>
+                <a:ea typeface="微软雅黑" panose="020B0503020204020204" pitchFamily="34" charset="-122"/>
+              </a:rPr>
+              <a:t>发向设备时触发。</a:t>
+            </a:r>
+            <a:r>
+              <a:rPr lang="en-US" altLang="zh-CN" sz="1600" dirty="0" err="1">
+                <a:latin typeface="Microsoft Tai Le" panose="020B0502040204020203" pitchFamily="34" charset="0"/>
+                <a:ea typeface="微软雅黑" panose="020B0503020204020204" pitchFamily="34" charset="-122"/>
+              </a:rPr>
+              <a:t>block_rq_complete</a:t>
+            </a:r>
+            <a:r>
+              <a:rPr lang="zh-CN" altLang="en-US" sz="1600" dirty="0">
+                <a:latin typeface="Microsoft Tai Le" panose="020B0502040204020203" pitchFamily="34" charset="0"/>
+                <a:ea typeface="微软雅黑" panose="020B0503020204020204" pitchFamily="34" charset="-122"/>
+              </a:rPr>
+              <a:t>：</a:t>
+            </a:r>
+            <a:r>
+              <a:rPr lang="en-US" altLang="zh-CN" sz="1600" dirty="0">
+                <a:latin typeface="Microsoft Tai Le" panose="020B0502040204020203" pitchFamily="34" charset="0"/>
+                <a:ea typeface="微软雅黑" panose="020B0503020204020204" pitchFamily="34" charset="-122"/>
+              </a:rPr>
+              <a:t>I/O</a:t>
+            </a:r>
+            <a:r>
+              <a:rPr lang="zh-CN" altLang="en-US" sz="1600" dirty="0">
+                <a:latin typeface="Microsoft Tai Le" panose="020B0502040204020203" pitchFamily="34" charset="0"/>
+                <a:ea typeface="微软雅黑" panose="020B0503020204020204" pitchFamily="34" charset="-122"/>
+              </a:rPr>
+              <a:t>请求已经被驱动程序完成了。</a:t>
+            </a:r>
+            <a:endParaRPr lang="en-US" altLang="zh-CN" sz="1600" dirty="0">
+              <a:latin typeface="Microsoft Tai Le" panose="020B0502040204020203" pitchFamily="34" charset="0"/>
+              <a:ea typeface="微软雅黑" panose="020B0503020204020204" pitchFamily="34" charset="-122"/>
+            </a:endParaRPr>
+          </a:p>
+          <a:p>
+            <a:pPr marL="0" indent="457200">
+              <a:lnSpc>
+                <a:spcPct val="150000"/>
+              </a:lnSpc>
+              <a:spcBef>
+                <a:spcPts val="600"/>
+              </a:spcBef>
+              <a:buNone/>
+            </a:pPr>
+            <a:r>
+              <a:rPr lang="zh-CN" altLang="en-US" sz="1600" dirty="0">
+                <a:latin typeface="Microsoft Tai Le" panose="020B0502040204020203" pitchFamily="34" charset="0"/>
+                <a:ea typeface="微软雅黑" panose="020B0503020204020204" pitchFamily="34" charset="-122"/>
+              </a:rPr>
+              <a:t>指标说明：请求延迟等于等待时长 </a:t>
+            </a:r>
+            <a:r>
+              <a:rPr lang="en-US" altLang="zh-CN" sz="1600" dirty="0">
+                <a:latin typeface="Microsoft Tai Le" panose="020B0502040204020203" pitchFamily="34" charset="0"/>
+                <a:ea typeface="微软雅黑" panose="020B0503020204020204" pitchFamily="34" charset="-122"/>
+              </a:rPr>
+              <a:t>+ </a:t>
+            </a:r>
+            <a:r>
+              <a:rPr lang="zh-CN" altLang="en-US" sz="1600" dirty="0">
+                <a:latin typeface="Microsoft Tai Le" panose="020B0502040204020203" pitchFamily="34" charset="0"/>
+                <a:ea typeface="微软雅黑" panose="020B0503020204020204" pitchFamily="34" charset="-122"/>
+              </a:rPr>
+              <a:t>服务时长，等待时长：是在块层调度器队列和设备分发队列中等待的时间。服务时长：是块设备完成</a:t>
+            </a:r>
+            <a:r>
+              <a:rPr lang="en-US" altLang="zh-CN" sz="1600" dirty="0">
+                <a:latin typeface="Microsoft Tai Le" panose="020B0502040204020203" pitchFamily="34" charset="0"/>
+                <a:ea typeface="微软雅黑" panose="020B0503020204020204" pitchFamily="34" charset="-122"/>
+              </a:rPr>
+              <a:t>I/O</a:t>
+            </a:r>
+            <a:r>
+              <a:rPr lang="zh-CN" altLang="en-US" sz="1600" dirty="0">
+                <a:latin typeface="Microsoft Tai Le" panose="020B0502040204020203" pitchFamily="34" charset="0"/>
+                <a:ea typeface="微软雅黑" panose="020B0503020204020204" pitchFamily="34" charset="-122"/>
+              </a:rPr>
+              <a:t>的时间。下图截取一台正在编译</a:t>
+            </a:r>
+            <a:r>
+              <a:rPr lang="en-US" altLang="zh-CN" sz="1600" dirty="0">
+                <a:latin typeface="Microsoft Tai Le" panose="020B0502040204020203" pitchFamily="34" charset="0"/>
+                <a:ea typeface="微软雅黑" panose="020B0503020204020204" pitchFamily="34" charset="-122"/>
+              </a:rPr>
+              <a:t>kernel</a:t>
+            </a:r>
+            <a:r>
+              <a:rPr lang="zh-CN" altLang="en-US" sz="1600" dirty="0">
+                <a:latin typeface="Microsoft Tai Le" panose="020B0502040204020203" pitchFamily="34" charset="0"/>
+                <a:ea typeface="微软雅黑" panose="020B0503020204020204" pitchFamily="34" charset="-122"/>
+              </a:rPr>
+              <a:t>的机器。</a:t>
+            </a:r>
+            <a:endParaRPr lang="en-US" altLang="zh-CN" sz="1600" dirty="0">
+              <a:latin typeface="Microsoft Tai Le" panose="020B0502040204020203" pitchFamily="34" charset="0"/>
+              <a:ea typeface="微软雅黑" panose="020B0503020204020204" pitchFamily="34" charset="-122"/>
+            </a:endParaRPr>
+          </a:p>
+          <a:p>
+            <a:pPr marL="0" indent="457200">
+              <a:lnSpc>
+                <a:spcPct val="150000"/>
+              </a:lnSpc>
+              <a:spcBef>
+                <a:spcPts val="600"/>
+              </a:spcBef>
+              <a:buNone/>
+            </a:pPr>
+            <a:r>
+              <a:rPr lang="zh-CN" altLang="en-US" sz="1600" dirty="0">
+                <a:latin typeface="Microsoft Tai Le" panose="020B0502040204020203" pitchFamily="34" charset="0"/>
+                <a:ea typeface="微软雅黑" panose="020B0503020204020204" pitchFamily="34" charset="-122"/>
+              </a:rPr>
+              <a:t>可见在编译到最后在链接生成</a:t>
+            </a:r>
+            <a:r>
+              <a:rPr lang="en-US" altLang="zh-CN" sz="1600" dirty="0" err="1">
+                <a:latin typeface="Microsoft Tai Le" panose="020B0502040204020203" pitchFamily="34" charset="0"/>
+                <a:ea typeface="微软雅黑" panose="020B0503020204020204" pitchFamily="34" charset="-122"/>
+              </a:rPr>
+              <a:t>vmlinux</a:t>
+            </a:r>
+            <a:r>
+              <a:rPr lang="zh-CN" altLang="en-US" sz="1600" dirty="0">
+                <a:latin typeface="Microsoft Tai Le" panose="020B0502040204020203" pitchFamily="34" charset="0"/>
+                <a:ea typeface="微软雅黑" panose="020B0503020204020204" pitchFamily="34" charset="-122"/>
+              </a:rPr>
+              <a:t>时，写请求在块设备</a:t>
+            </a:r>
+            <a:r>
+              <a:rPr lang="en-US" altLang="zh-CN" sz="1600" dirty="0" err="1">
+                <a:latin typeface="Microsoft Tai Le" panose="020B0502040204020203" pitchFamily="34" charset="0"/>
+                <a:ea typeface="微软雅黑" panose="020B0503020204020204" pitchFamily="34" charset="-122"/>
+              </a:rPr>
+              <a:t>sdc</a:t>
+            </a:r>
+            <a:r>
+              <a:rPr lang="zh-CN" altLang="en-US" sz="1600" dirty="0">
+                <a:latin typeface="Microsoft Tai Le" panose="020B0502040204020203" pitchFamily="34" charset="0"/>
+                <a:ea typeface="微软雅黑" panose="020B0503020204020204" pitchFamily="34" charset="-122"/>
+              </a:rPr>
+              <a:t>延迟是大大提升。</a:t>
+            </a:r>
+            <a:endParaRPr lang="en-US" altLang="zh-CN" sz="1600" dirty="0">
               <a:latin typeface="Microsoft Tai Le" panose="020B0502040204020203" pitchFamily="34" charset="0"/>
               <a:ea typeface="微软雅黑" panose="020B0503020204020204" pitchFamily="34" charset="-122"/>
             </a:endParaRPr>
@@ -6044,6 +6911,199 @@
             </a:endParaRPr>
           </a:p>
           <a:p>
+            <a:pPr marL="0" indent="0">
+              <a:lnSpc>
+                <a:spcPct val="150000"/>
+              </a:lnSpc>
+              <a:spcBef>
+                <a:spcPts val="600"/>
+              </a:spcBef>
+              <a:buNone/>
+            </a:pPr>
+            <a:endParaRPr lang="en-US" altLang="zh-CN" sz="1600" dirty="0">
+              <a:latin typeface="Microsoft Tai Le" panose="020B0502040204020203" pitchFamily="34" charset="0"/>
+              <a:ea typeface="微软雅黑" panose="020B0503020204020204" pitchFamily="34" charset="-122"/>
+            </a:endParaRPr>
+          </a:p>
+          <a:p>
+            <a:pPr marL="0" indent="0">
+              <a:lnSpc>
+                <a:spcPct val="150000"/>
+              </a:lnSpc>
+              <a:spcBef>
+                <a:spcPts val="600"/>
+              </a:spcBef>
+              <a:buNone/>
+            </a:pPr>
+            <a:endParaRPr lang="en-US" altLang="zh-CN" sz="1600" dirty="0">
+              <a:latin typeface="Microsoft Tai Le" panose="020B0502040204020203" pitchFamily="34" charset="0"/>
+              <a:ea typeface="微软雅黑" panose="020B0503020204020204" pitchFamily="34" charset="-122"/>
+            </a:endParaRPr>
+          </a:p>
+          <a:p>
+            <a:pPr marL="0" indent="0">
+              <a:lnSpc>
+                <a:spcPct val="150000"/>
+              </a:lnSpc>
+              <a:spcBef>
+                <a:spcPts val="600"/>
+              </a:spcBef>
+              <a:buNone/>
+            </a:pPr>
+            <a:endParaRPr lang="en-US" altLang="zh-CN" sz="1800" dirty="0">
+              <a:latin typeface="Microsoft Tai Le" panose="020B0502040204020203" pitchFamily="34" charset="0"/>
+              <a:ea typeface="微软雅黑" panose="020B0503020204020204" pitchFamily="34" charset="-122"/>
+            </a:endParaRPr>
+          </a:p>
+          <a:p>
+            <a:pPr marL="0" indent="0">
+              <a:lnSpc>
+                <a:spcPct val="150000"/>
+              </a:lnSpc>
+              <a:spcBef>
+                <a:spcPts val="600"/>
+              </a:spcBef>
+              <a:buNone/>
+            </a:pPr>
+            <a:endParaRPr lang="en-US" altLang="zh-CN" sz="1800" dirty="0">
+              <a:latin typeface="Microsoft Tai Le" panose="020B0502040204020203" pitchFamily="34" charset="0"/>
+              <a:ea typeface="微软雅黑" panose="020B0503020204020204" pitchFamily="34" charset="-122"/>
+            </a:endParaRPr>
+          </a:p>
+          <a:p>
+            <a:pPr marL="0" indent="457200">
+              <a:lnSpc>
+                <a:spcPct val="150000"/>
+              </a:lnSpc>
+              <a:spcBef>
+                <a:spcPts val="600"/>
+              </a:spcBef>
+              <a:buNone/>
+            </a:pPr>
+            <a:endParaRPr lang="en-US" altLang="zh-CN" sz="1800" dirty="0">
+              <a:latin typeface="Microsoft Tai Le" panose="020B0502040204020203" pitchFamily="34" charset="0"/>
+              <a:ea typeface="微软雅黑" panose="020B0503020204020204" pitchFamily="34" charset="-122"/>
+            </a:endParaRPr>
+          </a:p>
+          <a:p>
+            <a:pPr marL="0" indent="0">
+              <a:lnSpc>
+                <a:spcPct val="150000"/>
+              </a:lnSpc>
+              <a:buNone/>
+            </a:pPr>
+            <a:endParaRPr lang="en-US" altLang="zh-CN" sz="1800" dirty="0">
+              <a:latin typeface="Microsoft Tai Le" panose="020B0502040204020203" pitchFamily="34" charset="0"/>
+              <a:ea typeface="微软雅黑" panose="020B0503020204020204" pitchFamily="34" charset="-122"/>
+            </a:endParaRPr>
+          </a:p>
+        </p:txBody>
+      </p:sp>
+      <p:pic>
+        <p:nvPicPr>
+          <p:cNvPr id="3" name="图片 2">
+            <a:extLst>
+              <a:ext uri="{FF2B5EF4-FFF2-40B4-BE49-F238E27FC236}">
+                <a16:creationId xmlns:a16="http://schemas.microsoft.com/office/drawing/2014/main" id="{09F189CC-CA02-482F-E591-06960B407CE4}"/>
+              </a:ext>
+            </a:extLst>
+          </p:cNvPr>
+          <p:cNvPicPr>
+            <a:picLocks noChangeAspect="1"/>
+          </p:cNvPicPr>
+          <p:nvPr/>
+        </p:nvPicPr>
+        <p:blipFill>
+          <a:blip r:embed="rId2"/>
+          <a:stretch>
+            <a:fillRect/>
+          </a:stretch>
+        </p:blipFill>
+        <p:spPr>
+          <a:xfrm>
+            <a:off x="342900" y="4060557"/>
+            <a:ext cx="11532268" cy="1860860"/>
+          </a:xfrm>
+          <a:prstGeom prst="rect">
+            <a:avLst/>
+          </a:prstGeom>
+        </p:spPr>
+      </p:pic>
+    </p:spTree>
+    <p:extLst>
+      <p:ext uri="{BB962C8B-B14F-4D97-AF65-F5344CB8AC3E}">
+        <p14:creationId xmlns:p14="http://schemas.microsoft.com/office/powerpoint/2010/main" val="1582134596"/>
+      </p:ext>
+    </p:extLst>
+  </p:cSld>
+  <p:clrMapOvr>
+    <a:masterClrMapping/>
+  </p:clrMapOvr>
+</p:sld>
+</file>
+
+<file path=ppt/slides/slide8.xml><?xml version="1.0" encoding="utf-8"?>
+<p:sld xmlns:a="http://schemas.openxmlformats.org/drawingml/2006/main" xmlns:r="http://schemas.openxmlformats.org/officeDocument/2006/relationships" xmlns:p="http://schemas.openxmlformats.org/presentationml/2006/main">
+  <p:cSld>
+    <p:bg>
+      <p:bgPr>
+        <a:solidFill>
+          <a:schemeClr val="accent3">
+            <a:lumMod val="20000"/>
+            <a:lumOff val="80000"/>
+          </a:schemeClr>
+        </a:solidFill>
+        <a:effectLst/>
+      </p:bgPr>
+    </p:bg>
+    <p:spTree>
+      <p:nvGrpSpPr>
+        <p:cNvPr id="1" name=""/>
+        <p:cNvGrpSpPr/>
+        <p:nvPr/>
+      </p:nvGrpSpPr>
+      <p:grpSpPr>
+        <a:xfrm>
+          <a:off x="0" y="0"/>
+          <a:ext cx="0" cy="0"/>
+          <a:chOff x="0" y="0"/>
+          <a:chExt cx="0" cy="0"/>
+        </a:xfrm>
+      </p:grpSpPr>
+      <p:sp>
+        <p:nvSpPr>
+          <p:cNvPr id="4" name="内容占位符 2">
+            <a:extLst>
+              <a:ext uri="{FF2B5EF4-FFF2-40B4-BE49-F238E27FC236}">
+                <a16:creationId xmlns:a16="http://schemas.microsoft.com/office/drawing/2014/main" id="{422D94A4-7A48-F910-E7FE-34B11EFFF801}"/>
+              </a:ext>
+            </a:extLst>
+          </p:cNvPr>
+          <p:cNvSpPr>
+            <a:spLocks noGrp="1"/>
+          </p:cNvSpPr>
+          <p:nvPr>
+            <p:ph idx="1"/>
+          </p:nvPr>
+        </p:nvSpPr>
+        <p:spPr>
+          <a:xfrm>
+            <a:off x="342900" y="264695"/>
+            <a:ext cx="11532268" cy="5771670"/>
+          </a:xfrm>
+          <a:solidFill>
+            <a:schemeClr val="accent3">
+              <a:lumMod val="20000"/>
+              <a:lumOff val="80000"/>
+            </a:schemeClr>
+          </a:solidFill>
+        </p:spPr>
+        <p:txBody>
+          <a:bodyPr>
+            <a:normAutofit/>
+          </a:bodyPr>
+          <a:lstStyle/>
+          <a:p>
             <a:pPr marL="457200" indent="-457200">
               <a:lnSpc>
                 <a:spcPct val="150000"/>
@@ -6055,36 +7115,22 @@
               <a:buAutoNum type="arabicPeriod" startAt="4"/>
             </a:pPr>
             <a:r>
-              <a:rPr lang="en-US" altLang="zh-CN" sz="1100" dirty="0">
-                <a:hlinkClick r:id="rId2"/>
-              </a:rPr>
-              <a:t>bash - How to simulate hung task in </a:t>
-            </a:r>
-            <a:r>
-              <a:rPr lang="en-US" altLang="zh-CN" sz="1100" dirty="0" err="1">
-                <a:hlinkClick r:id="rId2"/>
-              </a:rPr>
-              <a:t>linux</a:t>
-            </a:r>
-            <a:r>
-              <a:rPr lang="en-US" altLang="zh-CN" sz="1100" dirty="0">
-                <a:hlinkClick r:id="rId2"/>
-              </a:rPr>
-              <a:t>? </a:t>
-            </a:r>
-            <a:r>
-              <a:rPr lang="en-US" altLang="zh-CN" sz="1100">
-                <a:hlinkClick r:id="rId2"/>
-              </a:rPr>
-              <a:t>- Stack Overflow</a:t>
-            </a:r>
-            <a:endParaRPr lang="en-US" altLang="zh-CN" sz="1600" dirty="0">
-              <a:latin typeface="Microsoft Tai Le" panose="020B0502040204020203" pitchFamily="34" charset="0"/>
-              <a:ea typeface="微软雅黑" panose="020B0503020204020204" pitchFamily="34" charset="-122"/>
-            </a:endParaRPr>
-          </a:p>
-          <a:p>
-            <a:pPr marL="0" indent="0">
+              <a:rPr lang="en-US" altLang="zh-CN" sz="2000" b="1" dirty="0" err="1">
+                <a:latin typeface="Microsoft Tai Le" panose="020B0502040204020203" pitchFamily="34" charset="0"/>
+                <a:ea typeface="微软雅黑" panose="020B0503020204020204" pitchFamily="34" charset="-122"/>
+              </a:rPr>
+              <a:t>bio_request_in_queue_latency</a:t>
+            </a:r>
+            <a:r>
+              <a:rPr lang="en-US" altLang="zh-CN" sz="2000" b="1" dirty="0">
+                <a:latin typeface="Microsoft Tai Le" panose="020B0502040204020203" pitchFamily="34" charset="0"/>
+                <a:ea typeface="微软雅黑" panose="020B0503020204020204" pitchFamily="34" charset="-122"/>
+              </a:rPr>
+              <a:t> read/write</a:t>
+            </a:r>
+          </a:p>
+          <a:p>
+            <a:pPr marL="0" indent="457200">
               <a:lnSpc>
                 <a:spcPct val="150000"/>
               </a:lnSpc>
@@ -6093,13 +7139,34 @@
               </a:spcBef>
               <a:buNone/>
             </a:pPr>
+            <a:r>
+              <a:rPr lang="zh-CN" altLang="en-US" sz="1600" dirty="0">
+                <a:latin typeface="Microsoft Tai Le" panose="020B0502040204020203" pitchFamily="34" charset="0"/>
+                <a:ea typeface="微软雅黑" panose="020B0503020204020204" pitchFamily="34" charset="-122"/>
+              </a:rPr>
+              <a:t>块</a:t>
+            </a:r>
+            <a:r>
+              <a:rPr lang="en-US" altLang="zh-CN" sz="1600" dirty="0">
+                <a:latin typeface="Microsoft Tai Le" panose="020B0502040204020203" pitchFamily="34" charset="0"/>
+                <a:ea typeface="微软雅黑" panose="020B0503020204020204" pitchFamily="34" charset="-122"/>
+              </a:rPr>
+              <a:t>I/O</a:t>
+            </a:r>
+            <a:r>
+              <a:rPr lang="zh-CN" altLang="en-US" sz="1600" dirty="0">
+                <a:latin typeface="Microsoft Tai Le" panose="020B0502040204020203" pitchFamily="34" charset="0"/>
+                <a:ea typeface="微软雅黑" panose="020B0503020204020204" pitchFamily="34" charset="-122"/>
+              </a:rPr>
+              <a:t>请求在队列中的延迟，等待时长。</a:t>
+            </a:r>
             <a:endParaRPr lang="en-US" altLang="zh-CN" sz="1600" dirty="0">
               <a:latin typeface="Microsoft Tai Le" panose="020B0502040204020203" pitchFamily="34" charset="0"/>
               <a:ea typeface="微软雅黑" panose="020B0503020204020204" pitchFamily="34" charset="-122"/>
             </a:endParaRPr>
           </a:p>
           <a:p>
-            <a:pPr marL="0" indent="0">
+            <a:pPr marL="0" indent="457200">
               <a:lnSpc>
                 <a:spcPct val="150000"/>
               </a:lnSpc>
@@ -6108,13 +7175,34 @@
               </a:spcBef>
               <a:buNone/>
             </a:pPr>
-            <a:endParaRPr lang="en-US" altLang="zh-CN" sz="1800" dirty="0">
-              <a:latin typeface="Microsoft Tai Le" panose="020B0502040204020203" pitchFamily="34" charset="0"/>
-              <a:ea typeface="微软雅黑" panose="020B0503020204020204" pitchFamily="34" charset="-122"/>
-            </a:endParaRPr>
-          </a:p>
-          <a:p>
-            <a:pPr marL="0" indent="0">
+            <a:r>
+              <a:rPr lang="zh-CN" altLang="en-US" sz="1600" dirty="0">
+                <a:latin typeface="Microsoft Tai Le" panose="020B0502040204020203" pitchFamily="34" charset="0"/>
+                <a:ea typeface="微软雅黑" panose="020B0503020204020204" pitchFamily="34" charset="-122"/>
+              </a:rPr>
+              <a:t>平时空闲的机器，这个延迟分布是非常低的，基本都是几微秒。同样在链接生成</a:t>
+            </a:r>
+            <a:r>
+              <a:rPr lang="en-US" altLang="zh-CN" sz="1600" dirty="0" err="1">
+                <a:latin typeface="Microsoft Tai Le" panose="020B0502040204020203" pitchFamily="34" charset="0"/>
+                <a:ea typeface="微软雅黑" panose="020B0503020204020204" pitchFamily="34" charset="-122"/>
+              </a:rPr>
+              <a:t>vmlinux</a:t>
+            </a:r>
+            <a:r>
+              <a:rPr lang="zh-CN" altLang="en-US" sz="1600" dirty="0">
+                <a:latin typeface="Microsoft Tai Le" panose="020B0502040204020203" pitchFamily="34" charset="0"/>
+                <a:ea typeface="微软雅黑" panose="020B0503020204020204" pitchFamily="34" charset="-122"/>
+              </a:rPr>
+              <a:t>时，队列的延迟也有了一个较大的增长。</a:t>
+            </a:r>
+            <a:endParaRPr lang="en-US" altLang="zh-CN" sz="1600" dirty="0">
+              <a:latin typeface="Microsoft Tai Le" panose="020B0502040204020203" pitchFamily="34" charset="0"/>
+              <a:ea typeface="微软雅黑" panose="020B0503020204020204" pitchFamily="34" charset="-122"/>
+            </a:endParaRPr>
+          </a:p>
+          <a:p>
+            <a:pPr marL="0" indent="457200">
               <a:lnSpc>
                 <a:spcPct val="150000"/>
               </a:lnSpc>
@@ -6123,19 +7211,145 @@
               </a:spcBef>
               <a:buNone/>
             </a:pPr>
-            <a:endParaRPr lang="en-US" altLang="zh-CN" sz="1800" dirty="0">
-              <a:latin typeface="Microsoft Tai Le" panose="020B0502040204020203" pitchFamily="34" charset="0"/>
-              <a:ea typeface="微软雅黑" panose="020B0503020204020204" pitchFamily="34" charset="-122"/>
-            </a:endParaRPr>
-          </a:p>
-          <a:p>
-            <a:pPr marL="0" indent="457200">
+            <a:endParaRPr lang="en-US" altLang="zh-CN" sz="1600" dirty="0">
+              <a:latin typeface="Microsoft Tai Le" panose="020B0502040204020203" pitchFamily="34" charset="0"/>
+              <a:ea typeface="微软雅黑" panose="020B0503020204020204" pitchFamily="34" charset="-122"/>
+            </a:endParaRPr>
+          </a:p>
+          <a:p>
+            <a:pPr marL="457200" indent="-457200">
               <a:lnSpc>
                 <a:spcPct val="150000"/>
               </a:lnSpc>
               <a:spcBef>
                 <a:spcPts val="600"/>
               </a:spcBef>
+              <a:buFont typeface="+mj-lt"/>
+              <a:buAutoNum type="arabicPeriod" startAt="4"/>
+            </a:pPr>
+            <a:endParaRPr lang="en-US" altLang="zh-CN" sz="2000" b="1" dirty="0">
+              <a:latin typeface="Microsoft Tai Le" panose="020B0502040204020203" pitchFamily="34" charset="0"/>
+              <a:ea typeface="微软雅黑" panose="020B0503020204020204" pitchFamily="34" charset="-122"/>
+            </a:endParaRPr>
+          </a:p>
+          <a:p>
+            <a:pPr marL="0" indent="0">
+              <a:lnSpc>
+                <a:spcPct val="150000"/>
+              </a:lnSpc>
+              <a:spcBef>
+                <a:spcPts val="600"/>
+              </a:spcBef>
+              <a:buNone/>
+            </a:pPr>
+            <a:endParaRPr lang="en-US" altLang="zh-CN" sz="1600" dirty="0">
+              <a:latin typeface="Microsoft Tai Le" panose="020B0502040204020203" pitchFamily="34" charset="0"/>
+              <a:ea typeface="微软雅黑" panose="020B0503020204020204" pitchFamily="34" charset="-122"/>
+            </a:endParaRPr>
+          </a:p>
+          <a:p>
+            <a:pPr marL="0" indent="0">
+              <a:lnSpc>
+                <a:spcPct val="150000"/>
+              </a:lnSpc>
+              <a:spcBef>
+                <a:spcPts val="600"/>
+              </a:spcBef>
+              <a:buNone/>
+            </a:pPr>
+            <a:endParaRPr lang="en-US" altLang="zh-CN" sz="1600" dirty="0">
+              <a:latin typeface="Microsoft Tai Le" panose="020B0502040204020203" pitchFamily="34" charset="0"/>
+              <a:ea typeface="微软雅黑" panose="020B0503020204020204" pitchFamily="34" charset="-122"/>
+            </a:endParaRPr>
+          </a:p>
+          <a:p>
+            <a:pPr marL="0" indent="457200">
+              <a:lnSpc>
+                <a:spcPct val="150000"/>
+              </a:lnSpc>
+              <a:spcBef>
+                <a:spcPts val="600"/>
+              </a:spcBef>
+              <a:buNone/>
+            </a:pPr>
+            <a:endParaRPr lang="en-US" altLang="zh-CN" sz="1800" dirty="0">
+              <a:latin typeface="Microsoft Tai Le" panose="020B0502040204020203" pitchFamily="34" charset="0"/>
+              <a:ea typeface="微软雅黑" panose="020B0503020204020204" pitchFamily="34" charset="-122"/>
+            </a:endParaRPr>
+          </a:p>
+          <a:p>
+            <a:pPr marL="0" indent="457200">
+              <a:lnSpc>
+                <a:spcPct val="150000"/>
+              </a:lnSpc>
+              <a:spcBef>
+                <a:spcPts val="600"/>
+              </a:spcBef>
+              <a:buNone/>
+            </a:pPr>
+            <a:r>
+              <a:rPr lang="zh-CN" altLang="en-US" sz="1800" dirty="0">
+                <a:latin typeface="Microsoft Tai Le" panose="020B0502040204020203" pitchFamily="34" charset="0"/>
+                <a:ea typeface="微软雅黑" panose="020B0503020204020204" pitchFamily="34" charset="-122"/>
+              </a:rPr>
+              <a:t>这</a:t>
+            </a:r>
+            <a:r>
+              <a:rPr lang="en-US" altLang="zh-CN" sz="1800" dirty="0">
+                <a:latin typeface="Microsoft Tai Le" panose="020B0502040204020203" pitchFamily="34" charset="0"/>
+                <a:ea typeface="微软雅黑" panose="020B0503020204020204" pitchFamily="34" charset="-122"/>
+              </a:rPr>
+              <a:t>4</a:t>
+            </a:r>
+            <a:r>
+              <a:rPr lang="zh-CN" altLang="en-US" sz="1800" dirty="0">
+                <a:latin typeface="Microsoft Tai Le" panose="020B0502040204020203" pitchFamily="34" charset="0"/>
+                <a:ea typeface="微软雅黑" panose="020B0503020204020204" pitchFamily="34" charset="-122"/>
+              </a:rPr>
+              <a:t>个指标常用来分析存储设备的延迟问题：</a:t>
+            </a:r>
+            <a:r>
+              <a:rPr lang="en-US" altLang="zh-CN" sz="1800" dirty="0">
+                <a:latin typeface="Microsoft Tai Le" panose="020B0502040204020203" pitchFamily="34" charset="0"/>
+                <a:ea typeface="微软雅黑" panose="020B0503020204020204" pitchFamily="34" charset="-122"/>
+              </a:rPr>
+              <a:t>Request</a:t>
+            </a:r>
+            <a:r>
+              <a:rPr lang="zh-CN" altLang="en-US" sz="1800" dirty="0">
+                <a:latin typeface="Microsoft Tai Le" panose="020B0502040204020203" pitchFamily="34" charset="0"/>
+                <a:ea typeface="微软雅黑" panose="020B0503020204020204" pitchFamily="34" charset="-122"/>
+              </a:rPr>
+              <a:t>的延迟分布，排队时间，驱动执行时间。</a:t>
+            </a:r>
+            <a:endParaRPr lang="en-US" altLang="zh-CN" sz="1800" dirty="0">
+              <a:latin typeface="Microsoft Tai Le" panose="020B0502040204020203" pitchFamily="34" charset="0"/>
+              <a:ea typeface="微软雅黑" panose="020B0503020204020204" pitchFamily="34" charset="-122"/>
+            </a:endParaRPr>
+          </a:p>
+          <a:p>
+            <a:pPr marL="0" indent="0">
+              <a:lnSpc>
+                <a:spcPct val="150000"/>
+              </a:lnSpc>
+              <a:spcBef>
+                <a:spcPts val="600"/>
+              </a:spcBef>
+              <a:buNone/>
+            </a:pPr>
+            <a:endParaRPr lang="en-US" altLang="zh-CN" sz="1800" dirty="0">
+              <a:latin typeface="Microsoft Tai Le" panose="020B0502040204020203" pitchFamily="34" charset="0"/>
+              <a:ea typeface="微软雅黑" panose="020B0503020204020204" pitchFamily="34" charset="-122"/>
+            </a:endParaRPr>
+          </a:p>
+          <a:p>
+            <a:pPr marL="0" indent="457200">
+              <a:lnSpc>
+                <a:spcPct val="150000"/>
+              </a:lnSpc>
+              <a:spcBef>
+                <a:spcPts val="600"/>
+              </a:spcBef>
               <a:buNone/>
             </a:pPr>
             <a:endParaRPr lang="en-US" altLang="zh-CN" sz="1800" dirty="0">
@@ -6157,10 +7371,352 @@
           </a:p>
         </p:txBody>
       </p:sp>
+      <p:pic>
+        <p:nvPicPr>
+          <p:cNvPr id="6" name="图片 5">
+            <a:extLst>
+              <a:ext uri="{FF2B5EF4-FFF2-40B4-BE49-F238E27FC236}">
+                <a16:creationId xmlns:a16="http://schemas.microsoft.com/office/drawing/2014/main" id="{DC06F3B2-7B67-8BA6-A8BC-EC815DB97564}"/>
+              </a:ext>
+            </a:extLst>
+          </p:cNvPr>
+          <p:cNvPicPr>
+            <a:picLocks noChangeAspect="1"/>
+          </p:cNvPicPr>
+          <p:nvPr/>
+        </p:nvPicPr>
+        <p:blipFill>
+          <a:blip r:embed="rId2"/>
+          <a:stretch>
+            <a:fillRect/>
+          </a:stretch>
+        </p:blipFill>
+        <p:spPr>
+          <a:xfrm>
+            <a:off x="466725" y="2197400"/>
+            <a:ext cx="11258550" cy="2083135"/>
+          </a:xfrm>
+          <a:prstGeom prst="rect">
+            <a:avLst/>
+          </a:prstGeom>
+        </p:spPr>
+      </p:pic>
     </p:spTree>
     <p:extLst>
       <p:ext uri="{BB962C8B-B14F-4D97-AF65-F5344CB8AC3E}">
-        <p14:creationId xmlns:p14="http://schemas.microsoft.com/office/powerpoint/2010/main" val="1582134596"/>
+        <p14:creationId xmlns:p14="http://schemas.microsoft.com/office/powerpoint/2010/main" val="3801696149"/>
+      </p:ext>
+    </p:extLst>
+  </p:cSld>
+  <p:clrMapOvr>
+    <a:masterClrMapping/>
+  </p:clrMapOvr>
+</p:sld>
+</file>
+
+<file path=ppt/slides/slide9.xml><?xml version="1.0" encoding="utf-8"?>
+<p:sld xmlns:a="http://schemas.openxmlformats.org/drawingml/2006/main" xmlns:r="http://schemas.openxmlformats.org/officeDocument/2006/relationships" xmlns:p="http://schemas.openxmlformats.org/presentationml/2006/main">
+  <p:cSld>
+    <p:bg>
+      <p:bgPr>
+        <a:solidFill>
+          <a:schemeClr val="accent3">
+            <a:lumMod val="20000"/>
+            <a:lumOff val="80000"/>
+          </a:schemeClr>
+        </a:solidFill>
+        <a:effectLst/>
+      </p:bgPr>
+    </p:bg>
+    <p:spTree>
+      <p:nvGrpSpPr>
+        <p:cNvPr id="1" name=""/>
+        <p:cNvGrpSpPr/>
+        <p:nvPr/>
+      </p:nvGrpSpPr>
+      <p:grpSpPr>
+        <a:xfrm>
+          <a:off x="0" y="0"/>
+          <a:ext cx="0" cy="0"/>
+          <a:chOff x="0" y="0"/>
+          <a:chExt cx="0" cy="0"/>
+        </a:xfrm>
+      </p:grpSpPr>
+      <p:sp>
+        <p:nvSpPr>
+          <p:cNvPr id="4" name="内容占位符 2">
+            <a:extLst>
+              <a:ext uri="{FF2B5EF4-FFF2-40B4-BE49-F238E27FC236}">
+                <a16:creationId xmlns:a16="http://schemas.microsoft.com/office/drawing/2014/main" id="{FB64A0D4-4F18-9F41-E0FE-BB8560F17578}"/>
+              </a:ext>
+            </a:extLst>
+          </p:cNvPr>
+          <p:cNvSpPr>
+            <a:spLocks noGrp="1"/>
+          </p:cNvSpPr>
+          <p:nvPr>
+            <p:ph idx="1"/>
+          </p:nvPr>
+        </p:nvSpPr>
+        <p:spPr>
+          <a:xfrm>
+            <a:off x="342900" y="264695"/>
+            <a:ext cx="11532268" cy="5771670"/>
+          </a:xfrm>
+          <a:solidFill>
+            <a:schemeClr val="accent3">
+              <a:lumMod val="20000"/>
+              <a:lumOff val="80000"/>
+            </a:schemeClr>
+          </a:solidFill>
+        </p:spPr>
+        <p:txBody>
+          <a:bodyPr>
+            <a:normAutofit/>
+          </a:bodyPr>
+          <a:lstStyle/>
+          <a:p>
+            <a:pPr marL="457200" indent="-457200">
+              <a:lnSpc>
+                <a:spcPct val="150000"/>
+              </a:lnSpc>
+              <a:spcBef>
+                <a:spcPts val="600"/>
+              </a:spcBef>
+              <a:buFont typeface="+mj-lt"/>
+              <a:buAutoNum type="arabicPeriod" startAt="5"/>
+            </a:pPr>
+            <a:r>
+              <a:rPr lang="en-US" altLang="zh-CN" sz="2000" b="1" dirty="0" err="1">
+                <a:latin typeface="Microsoft Tai Le" panose="020B0502040204020203" pitchFamily="34" charset="0"/>
+                <a:ea typeface="微软雅黑" panose="020B0503020204020204" pitchFamily="34" charset="-122"/>
+              </a:rPr>
+              <a:t>bio_request_ratio</a:t>
+            </a:r>
+            <a:r>
+              <a:rPr lang="en-US" altLang="zh-CN" sz="2000" b="1" dirty="0">
+                <a:latin typeface="Microsoft Tai Le" panose="020B0502040204020203" pitchFamily="34" charset="0"/>
+                <a:ea typeface="微软雅黑" panose="020B0503020204020204" pitchFamily="34" charset="-122"/>
+              </a:rPr>
+              <a:t>  read/write</a:t>
+            </a:r>
+          </a:p>
+          <a:p>
+            <a:pPr marL="0" indent="457200">
+              <a:lnSpc>
+                <a:spcPct val="150000"/>
+              </a:lnSpc>
+              <a:spcBef>
+                <a:spcPts val="600"/>
+              </a:spcBef>
+              <a:buNone/>
+            </a:pPr>
+            <a:r>
+              <a:rPr lang="zh-CN" altLang="en-US" sz="1600" dirty="0">
+                <a:latin typeface="Microsoft Tai Le" panose="020B0502040204020203" pitchFamily="34" charset="0"/>
+                <a:ea typeface="微软雅黑" panose="020B0503020204020204" pitchFamily="34" charset="-122"/>
+              </a:rPr>
+              <a:t>块设备上随机读，顺序读的比率；随机写，顺序写的比率。</a:t>
+            </a:r>
+            <a:endParaRPr lang="en-US" altLang="zh-CN" sz="1600" dirty="0">
+              <a:latin typeface="Microsoft Tai Le" panose="020B0502040204020203" pitchFamily="34" charset="0"/>
+              <a:ea typeface="微软雅黑" panose="020B0503020204020204" pitchFamily="34" charset="-122"/>
+            </a:endParaRPr>
+          </a:p>
+          <a:p>
+            <a:pPr marL="0" indent="457200">
+              <a:lnSpc>
+                <a:spcPct val="150000"/>
+              </a:lnSpc>
+              <a:spcBef>
+                <a:spcPts val="600"/>
+              </a:spcBef>
+              <a:buNone/>
+            </a:pPr>
+            <a:r>
+              <a:rPr lang="zh-CN" altLang="en-US" sz="1600" dirty="0">
+                <a:latin typeface="Microsoft Tai Le" panose="020B0502040204020203" pitchFamily="34" charset="0"/>
+                <a:ea typeface="微软雅黑" panose="020B0503020204020204" pitchFamily="34" charset="-122"/>
+              </a:rPr>
+              <a:t>原理：记录每个</a:t>
+            </a:r>
+            <a:r>
+              <a:rPr lang="en-US" altLang="zh-CN" sz="1600" dirty="0">
+                <a:latin typeface="Microsoft Tai Le" panose="020B0502040204020203" pitchFamily="34" charset="0"/>
+                <a:ea typeface="微软雅黑" panose="020B0503020204020204" pitchFamily="34" charset="-122"/>
+              </a:rPr>
+              <a:t>request</a:t>
+            </a:r>
+            <a:r>
+              <a:rPr lang="zh-CN" altLang="en-US" sz="1600" dirty="0">
+                <a:latin typeface="Microsoft Tai Le" panose="020B0502040204020203" pitchFamily="34" charset="0"/>
+                <a:ea typeface="微软雅黑" panose="020B0503020204020204" pitchFamily="34" charset="-122"/>
+              </a:rPr>
+              <a:t>的操作属性（</a:t>
+            </a:r>
+            <a:r>
+              <a:rPr lang="en-US" altLang="zh-CN" sz="1600" dirty="0">
+                <a:latin typeface="Microsoft Tai Le" panose="020B0502040204020203" pitchFamily="34" charset="0"/>
+                <a:ea typeface="微软雅黑" panose="020B0503020204020204" pitchFamily="34" charset="-122"/>
+              </a:rPr>
+              <a:t>RW</a:t>
+            </a:r>
+            <a:r>
+              <a:rPr lang="zh-CN" altLang="en-US" sz="1600" dirty="0">
+                <a:latin typeface="Microsoft Tai Le" panose="020B0502040204020203" pitchFamily="34" charset="0"/>
+                <a:ea typeface="微软雅黑" panose="020B0503020204020204" pitchFamily="34" charset="-122"/>
+              </a:rPr>
+              <a:t>），记录每次操作的扇区号，判断其连续性。</a:t>
+            </a:r>
+            <a:endParaRPr lang="en-US" altLang="zh-CN" sz="1600" dirty="0">
+              <a:latin typeface="Microsoft Tai Le" panose="020B0502040204020203" pitchFamily="34" charset="0"/>
+              <a:ea typeface="微软雅黑" panose="020B0503020204020204" pitchFamily="34" charset="-122"/>
+            </a:endParaRPr>
+          </a:p>
+          <a:p>
+            <a:pPr marL="0" indent="457200">
+              <a:lnSpc>
+                <a:spcPct val="150000"/>
+              </a:lnSpc>
+              <a:spcBef>
+                <a:spcPts val="600"/>
+              </a:spcBef>
+              <a:buNone/>
+            </a:pPr>
+            <a:r>
+              <a:rPr lang="zh-CN" altLang="en-US" sz="1600" dirty="0">
+                <a:latin typeface="Microsoft Tai Le" panose="020B0502040204020203" pitchFamily="34" charset="0"/>
+                <a:ea typeface="微软雅黑" panose="020B0503020204020204" pitchFamily="34" charset="-122"/>
+              </a:rPr>
+              <a:t>指标说明：这是一个读很空闲的块设备，仅有的读也都是随机读。写操作很频繁，而且基本都是随机写。针对不同的应用负载，例如</a:t>
+            </a:r>
+            <a:r>
+              <a:rPr lang="en-US" altLang="zh-CN" sz="1600" dirty="0" err="1">
+                <a:latin typeface="Microsoft Tai Le" panose="020B0502040204020203" pitchFamily="34" charset="0"/>
+                <a:ea typeface="微软雅黑" panose="020B0503020204020204" pitchFamily="34" charset="-122"/>
+              </a:rPr>
+              <a:t>kafka</a:t>
+            </a:r>
+            <a:r>
+              <a:rPr lang="zh-CN" altLang="en-US" sz="1600" dirty="0">
+                <a:latin typeface="Microsoft Tai Le" panose="020B0502040204020203" pitchFamily="34" charset="0"/>
+                <a:ea typeface="微软雅黑" panose="020B0503020204020204" pitchFamily="34" charset="-122"/>
+              </a:rPr>
+              <a:t>将数据追加到文件末尾，提高写入磁盘的速度，该指标可以反映出是否符合设计预期。</a:t>
+            </a:r>
+            <a:endParaRPr lang="en-US" altLang="zh-CN" sz="1600" dirty="0">
+              <a:latin typeface="Microsoft Tai Le" panose="020B0502040204020203" pitchFamily="34" charset="0"/>
+              <a:ea typeface="微软雅黑" panose="020B0503020204020204" pitchFamily="34" charset="-122"/>
+            </a:endParaRPr>
+          </a:p>
+          <a:p>
+            <a:pPr marL="0" indent="457200">
+              <a:lnSpc>
+                <a:spcPct val="150000"/>
+              </a:lnSpc>
+              <a:spcBef>
+                <a:spcPts val="600"/>
+              </a:spcBef>
+              <a:buNone/>
+            </a:pPr>
+            <a:endParaRPr lang="en-US" altLang="zh-CN" sz="1600" dirty="0">
+              <a:latin typeface="Microsoft Tai Le" panose="020B0502040204020203" pitchFamily="34" charset="0"/>
+              <a:ea typeface="微软雅黑" panose="020B0503020204020204" pitchFamily="34" charset="-122"/>
+            </a:endParaRPr>
+          </a:p>
+          <a:p>
+            <a:pPr marL="0" indent="457200">
+              <a:lnSpc>
+                <a:spcPct val="150000"/>
+              </a:lnSpc>
+              <a:spcBef>
+                <a:spcPts val="600"/>
+              </a:spcBef>
+              <a:buNone/>
+            </a:pPr>
+            <a:endParaRPr lang="en-US" altLang="zh-CN" sz="1800" dirty="0">
+              <a:latin typeface="Microsoft Tai Le" panose="020B0502040204020203" pitchFamily="34" charset="0"/>
+              <a:ea typeface="微软雅黑" panose="020B0503020204020204" pitchFamily="34" charset="-122"/>
+            </a:endParaRPr>
+          </a:p>
+          <a:p>
+            <a:pPr marL="0" indent="0">
+              <a:lnSpc>
+                <a:spcPct val="150000"/>
+              </a:lnSpc>
+              <a:spcBef>
+                <a:spcPts val="600"/>
+              </a:spcBef>
+              <a:buNone/>
+            </a:pPr>
+            <a:endParaRPr lang="en-US" altLang="zh-CN" sz="1800" dirty="0">
+              <a:latin typeface="Microsoft Tai Le" panose="020B0502040204020203" pitchFamily="34" charset="0"/>
+              <a:ea typeface="微软雅黑" panose="020B0503020204020204" pitchFamily="34" charset="-122"/>
+            </a:endParaRPr>
+          </a:p>
+          <a:p>
+            <a:pPr marL="0" indent="457200">
+              <a:lnSpc>
+                <a:spcPct val="150000"/>
+              </a:lnSpc>
+              <a:spcBef>
+                <a:spcPts val="600"/>
+              </a:spcBef>
+              <a:buNone/>
+            </a:pPr>
+            <a:endParaRPr lang="en-US" altLang="zh-CN" sz="1800" dirty="0">
+              <a:latin typeface="Microsoft Tai Le" panose="020B0502040204020203" pitchFamily="34" charset="0"/>
+              <a:ea typeface="微软雅黑" panose="020B0503020204020204" pitchFamily="34" charset="-122"/>
+            </a:endParaRPr>
+          </a:p>
+          <a:p>
+            <a:pPr marL="0" indent="0">
+              <a:lnSpc>
+                <a:spcPct val="150000"/>
+              </a:lnSpc>
+              <a:buNone/>
+            </a:pPr>
+            <a:endParaRPr lang="en-US" altLang="zh-CN" sz="1800" dirty="0">
+              <a:latin typeface="Microsoft Tai Le" panose="020B0502040204020203" pitchFamily="34" charset="0"/>
+              <a:ea typeface="微软雅黑" panose="020B0503020204020204" pitchFamily="34" charset="-122"/>
+            </a:endParaRPr>
+          </a:p>
+        </p:txBody>
+      </p:sp>
+      <p:pic>
+        <p:nvPicPr>
+          <p:cNvPr id="8" name="图片 7">
+            <a:extLst>
+              <a:ext uri="{FF2B5EF4-FFF2-40B4-BE49-F238E27FC236}">
+                <a16:creationId xmlns:a16="http://schemas.microsoft.com/office/drawing/2014/main" id="{9689439E-7912-4ED7-64A0-2679C3A61B20}"/>
+              </a:ext>
+            </a:extLst>
+          </p:cNvPr>
+          <p:cNvPicPr>
+            <a:picLocks noChangeAspect="1"/>
+          </p:cNvPicPr>
+          <p:nvPr/>
+        </p:nvPicPr>
+        <p:blipFill>
+          <a:blip r:embed="rId2"/>
+          <a:stretch>
+            <a:fillRect/>
+          </a:stretch>
+        </p:blipFill>
+        <p:spPr>
+          <a:xfrm>
+            <a:off x="342900" y="2633040"/>
+            <a:ext cx="11558336" cy="2053259"/>
+          </a:xfrm>
+          <a:prstGeom prst="rect">
+            <a:avLst/>
+          </a:prstGeom>
+        </p:spPr>
+      </p:pic>
+    </p:spTree>
+    <p:extLst>
+      <p:ext uri="{BB962C8B-B14F-4D97-AF65-F5344CB8AC3E}">
+        <p14:creationId xmlns:p14="http://schemas.microsoft.com/office/powerpoint/2010/main" val="2947795186"/>
       </p:ext>
     </p:extLst>
   </p:cSld>

--- a/doc/x-monitor.eBPF Observe & Profiling.pptx
+++ b/doc/x-monitor.eBPF Observe & Profiling.pptx
@@ -4,6 +4,9 @@
   <p:sldMasterIdLst>
     <p:sldMasterId id="2147483672" r:id="rId1"/>
   </p:sldMasterIdLst>
+  <p:notesMasterIdLst>
+    <p:notesMasterId r:id="rId14"/>
+  </p:notesMasterIdLst>
   <p:sldIdLst>
     <p:sldId id="257" r:id="rId2"/>
     <p:sldId id="258" r:id="rId3"/>
@@ -14,7 +17,9 @@
     <p:sldId id="263" r:id="rId8"/>
     <p:sldId id="264" r:id="rId9"/>
     <p:sldId id="265" r:id="rId10"/>
-    <p:sldId id="266" r:id="rId11"/>
+    <p:sldId id="267" r:id="rId11"/>
+    <p:sldId id="268" r:id="rId12"/>
+    <p:sldId id="266" r:id="rId13"/>
   </p:sldIdLst>
   <p:sldSz cx="12192000" cy="6858000"/>
   <p:notesSz cx="6858000" cy="9144000"/>
@@ -132,6 +137,783 @@
 </p:presentation>
 </file>
 
+<file path=ppt/notesMasters/notesMaster1.xml><?xml version="1.0" encoding="utf-8"?>
+<p:notesMaster xmlns:a="http://schemas.openxmlformats.org/drawingml/2006/main" xmlns:r="http://schemas.openxmlformats.org/officeDocument/2006/relationships" xmlns:p="http://schemas.openxmlformats.org/presentationml/2006/main">
+  <p:cSld>
+    <p:bg>
+      <p:bgRef idx="1001">
+        <a:schemeClr val="bg1"/>
+      </p:bgRef>
+    </p:bg>
+    <p:spTree>
+      <p:nvGrpSpPr>
+        <p:cNvPr id="1" name=""/>
+        <p:cNvGrpSpPr/>
+        <p:nvPr/>
+      </p:nvGrpSpPr>
+      <p:grpSpPr>
+        <a:xfrm>
+          <a:off x="0" y="0"/>
+          <a:ext cx="0" cy="0"/>
+          <a:chOff x="0" y="0"/>
+          <a:chExt cx="0" cy="0"/>
+        </a:xfrm>
+      </p:grpSpPr>
+      <p:sp>
+        <p:nvSpPr>
+          <p:cNvPr id="2" name="页眉占位符 1"/>
+          <p:cNvSpPr>
+            <a:spLocks noGrp="1"/>
+          </p:cNvSpPr>
+          <p:nvPr>
+            <p:ph type="hdr" sz="quarter"/>
+          </p:nvPr>
+        </p:nvSpPr>
+        <p:spPr>
+          <a:xfrm>
+            <a:off x="0" y="0"/>
+            <a:ext cx="2971800" cy="458788"/>
+          </a:xfrm>
+          <a:prstGeom prst="rect">
+            <a:avLst/>
+          </a:prstGeom>
+        </p:spPr>
+        <p:txBody>
+          <a:bodyPr vert="horz" lIns="91440" tIns="45720" rIns="91440" bIns="45720" rtlCol="0"/>
+          <a:lstStyle>
+            <a:lvl1pPr algn="l">
+              <a:defRPr sz="1200"/>
+            </a:lvl1pPr>
+          </a:lstStyle>
+          <a:p>
+            <a:endParaRPr lang="zh-CN" altLang="en-US"/>
+          </a:p>
+        </p:txBody>
+      </p:sp>
+      <p:sp>
+        <p:nvSpPr>
+          <p:cNvPr id="3" name="日期占位符 2"/>
+          <p:cNvSpPr>
+            <a:spLocks noGrp="1"/>
+          </p:cNvSpPr>
+          <p:nvPr>
+            <p:ph type="dt" idx="1"/>
+          </p:nvPr>
+        </p:nvSpPr>
+        <p:spPr>
+          <a:xfrm>
+            <a:off x="3884613" y="0"/>
+            <a:ext cx="2971800" cy="458788"/>
+          </a:xfrm>
+          <a:prstGeom prst="rect">
+            <a:avLst/>
+          </a:prstGeom>
+        </p:spPr>
+        <p:txBody>
+          <a:bodyPr vert="horz" lIns="91440" tIns="45720" rIns="91440" bIns="45720" rtlCol="0"/>
+          <a:lstStyle>
+            <a:lvl1pPr algn="r">
+              <a:defRPr sz="1200"/>
+            </a:lvl1pPr>
+          </a:lstStyle>
+          <a:p>
+            <a:fld id="{043EA02A-4CF0-4341-8E9E-85022852F32A}" type="datetimeFigureOut">
+              <a:rPr lang="zh-CN" altLang="en-US" smtClean="0"/>
+              <a:t>2023/12/25</a:t>
+            </a:fld>
+            <a:endParaRPr lang="zh-CN" altLang="en-US"/>
+          </a:p>
+        </p:txBody>
+      </p:sp>
+      <p:sp>
+        <p:nvSpPr>
+          <p:cNvPr id="4" name="幻灯片图像占位符 3"/>
+          <p:cNvSpPr>
+            <a:spLocks noGrp="1" noRot="1" noChangeAspect="1"/>
+          </p:cNvSpPr>
+          <p:nvPr>
+            <p:ph type="sldImg" idx="2"/>
+          </p:nvPr>
+        </p:nvSpPr>
+        <p:spPr>
+          <a:xfrm>
+            <a:off x="685800" y="1143000"/>
+            <a:ext cx="5486400" cy="3086100"/>
+          </a:xfrm>
+          <a:prstGeom prst="rect">
+            <a:avLst/>
+          </a:prstGeom>
+          <a:noFill/>
+          <a:ln w="12700">
+            <a:solidFill>
+              <a:prstClr val="black"/>
+            </a:solidFill>
+          </a:ln>
+        </p:spPr>
+        <p:txBody>
+          <a:bodyPr vert="horz" lIns="91440" tIns="45720" rIns="91440" bIns="45720" rtlCol="0" anchor="ctr"/>
+          <a:lstStyle/>
+          <a:p>
+            <a:endParaRPr lang="zh-CN" altLang="en-US"/>
+          </a:p>
+        </p:txBody>
+      </p:sp>
+      <p:sp>
+        <p:nvSpPr>
+          <p:cNvPr id="5" name="备注占位符 4"/>
+          <p:cNvSpPr>
+            <a:spLocks noGrp="1"/>
+          </p:cNvSpPr>
+          <p:nvPr>
+            <p:ph type="body" sz="quarter" idx="3"/>
+          </p:nvPr>
+        </p:nvSpPr>
+        <p:spPr>
+          <a:xfrm>
+            <a:off x="685800" y="4400550"/>
+            <a:ext cx="5486400" cy="3600450"/>
+          </a:xfrm>
+          <a:prstGeom prst="rect">
+            <a:avLst/>
+          </a:prstGeom>
+        </p:spPr>
+        <p:txBody>
+          <a:bodyPr vert="horz" lIns="91440" tIns="45720" rIns="91440" bIns="45720" rtlCol="0"/>
+          <a:lstStyle/>
+          <a:p>
+            <a:pPr lvl="0"/>
+            <a:r>
+              <a:rPr lang="zh-CN" altLang="en-US"/>
+              <a:t>单击此处编辑母版文本样式</a:t>
+            </a:r>
+          </a:p>
+          <a:p>
+            <a:pPr lvl="1"/>
+            <a:r>
+              <a:rPr lang="zh-CN" altLang="en-US"/>
+              <a:t>二级</a:t>
+            </a:r>
+          </a:p>
+          <a:p>
+            <a:pPr lvl="2"/>
+            <a:r>
+              <a:rPr lang="zh-CN" altLang="en-US"/>
+              <a:t>三级</a:t>
+            </a:r>
+          </a:p>
+          <a:p>
+            <a:pPr lvl="3"/>
+            <a:r>
+              <a:rPr lang="zh-CN" altLang="en-US"/>
+              <a:t>四级</a:t>
+            </a:r>
+          </a:p>
+          <a:p>
+            <a:pPr lvl="4"/>
+            <a:r>
+              <a:rPr lang="zh-CN" altLang="en-US"/>
+              <a:t>五级</a:t>
+            </a:r>
+          </a:p>
+        </p:txBody>
+      </p:sp>
+      <p:sp>
+        <p:nvSpPr>
+          <p:cNvPr id="6" name="页脚占位符 5"/>
+          <p:cNvSpPr>
+            <a:spLocks noGrp="1"/>
+          </p:cNvSpPr>
+          <p:nvPr>
+            <p:ph type="ftr" sz="quarter" idx="4"/>
+          </p:nvPr>
+        </p:nvSpPr>
+        <p:spPr>
+          <a:xfrm>
+            <a:off x="0" y="8685213"/>
+            <a:ext cx="2971800" cy="458787"/>
+          </a:xfrm>
+          <a:prstGeom prst="rect">
+            <a:avLst/>
+          </a:prstGeom>
+        </p:spPr>
+        <p:txBody>
+          <a:bodyPr vert="horz" lIns="91440" tIns="45720" rIns="91440" bIns="45720" rtlCol="0" anchor="b"/>
+          <a:lstStyle>
+            <a:lvl1pPr algn="l">
+              <a:defRPr sz="1200"/>
+            </a:lvl1pPr>
+          </a:lstStyle>
+          <a:p>
+            <a:endParaRPr lang="zh-CN" altLang="en-US"/>
+          </a:p>
+        </p:txBody>
+      </p:sp>
+      <p:sp>
+        <p:nvSpPr>
+          <p:cNvPr id="7" name="灯片编号占位符 6"/>
+          <p:cNvSpPr>
+            <a:spLocks noGrp="1"/>
+          </p:cNvSpPr>
+          <p:nvPr>
+            <p:ph type="sldNum" sz="quarter" idx="5"/>
+          </p:nvPr>
+        </p:nvSpPr>
+        <p:spPr>
+          <a:xfrm>
+            <a:off x="3884613" y="8685213"/>
+            <a:ext cx="2971800" cy="458787"/>
+          </a:xfrm>
+          <a:prstGeom prst="rect">
+            <a:avLst/>
+          </a:prstGeom>
+        </p:spPr>
+        <p:txBody>
+          <a:bodyPr vert="horz" lIns="91440" tIns="45720" rIns="91440" bIns="45720" rtlCol="0" anchor="b"/>
+          <a:lstStyle>
+            <a:lvl1pPr algn="r">
+              <a:defRPr sz="1200"/>
+            </a:lvl1pPr>
+          </a:lstStyle>
+          <a:p>
+            <a:fld id="{46AE908A-A0DF-4C6C-8198-15DE66DBDEEC}" type="slidenum">
+              <a:rPr lang="zh-CN" altLang="en-US" smtClean="0"/>
+              <a:t>‹#›</a:t>
+            </a:fld>
+            <a:endParaRPr lang="zh-CN" altLang="en-US"/>
+          </a:p>
+        </p:txBody>
+      </p:sp>
+    </p:spTree>
+    <p:extLst>
+      <p:ext uri="{BB962C8B-B14F-4D97-AF65-F5344CB8AC3E}">
+        <p14:creationId xmlns:p14="http://schemas.microsoft.com/office/powerpoint/2010/main" val="3825052768"/>
+      </p:ext>
+    </p:extLst>
+  </p:cSld>
+  <p:clrMap bg1="lt1" tx1="dk1" bg2="lt2" tx2="dk2" accent1="accent1" accent2="accent2" accent3="accent3" accent4="accent4" accent5="accent5" accent6="accent6" hlink="hlink" folHlink="folHlink"/>
+  <p:notesStyle>
+    <a:lvl1pPr marL="0" algn="l" defTabSz="914400" rtl="0" eaLnBrk="1" latinLnBrk="0" hangingPunct="1">
+      <a:defRPr sz="1200" kern="1200">
+        <a:solidFill>
+          <a:schemeClr val="tx1"/>
+        </a:solidFill>
+        <a:latin typeface="+mn-lt"/>
+        <a:ea typeface="+mn-ea"/>
+        <a:cs typeface="+mn-cs"/>
+      </a:defRPr>
+    </a:lvl1pPr>
+    <a:lvl2pPr marL="457200" algn="l" defTabSz="914400" rtl="0" eaLnBrk="1" latinLnBrk="0" hangingPunct="1">
+      <a:defRPr sz="1200" kern="1200">
+        <a:solidFill>
+          <a:schemeClr val="tx1"/>
+        </a:solidFill>
+        <a:latin typeface="+mn-lt"/>
+        <a:ea typeface="+mn-ea"/>
+        <a:cs typeface="+mn-cs"/>
+      </a:defRPr>
+    </a:lvl2pPr>
+    <a:lvl3pPr marL="914400" algn="l" defTabSz="914400" rtl="0" eaLnBrk="1" latinLnBrk="0" hangingPunct="1">
+      <a:defRPr sz="1200" kern="1200">
+        <a:solidFill>
+          <a:schemeClr val="tx1"/>
+        </a:solidFill>
+        <a:latin typeface="+mn-lt"/>
+        <a:ea typeface="+mn-ea"/>
+        <a:cs typeface="+mn-cs"/>
+      </a:defRPr>
+    </a:lvl3pPr>
+    <a:lvl4pPr marL="1371600" algn="l" defTabSz="914400" rtl="0" eaLnBrk="1" latinLnBrk="0" hangingPunct="1">
+      <a:defRPr sz="1200" kern="1200">
+        <a:solidFill>
+          <a:schemeClr val="tx1"/>
+        </a:solidFill>
+        <a:latin typeface="+mn-lt"/>
+        <a:ea typeface="+mn-ea"/>
+        <a:cs typeface="+mn-cs"/>
+      </a:defRPr>
+    </a:lvl4pPr>
+    <a:lvl5pPr marL="1828800" algn="l" defTabSz="914400" rtl="0" eaLnBrk="1" latinLnBrk="0" hangingPunct="1">
+      <a:defRPr sz="1200" kern="1200">
+        <a:solidFill>
+          <a:schemeClr val="tx1"/>
+        </a:solidFill>
+        <a:latin typeface="+mn-lt"/>
+        <a:ea typeface="+mn-ea"/>
+        <a:cs typeface="+mn-cs"/>
+      </a:defRPr>
+    </a:lvl5pPr>
+    <a:lvl6pPr marL="2286000" algn="l" defTabSz="914400" rtl="0" eaLnBrk="1" latinLnBrk="0" hangingPunct="1">
+      <a:defRPr sz="1200" kern="1200">
+        <a:solidFill>
+          <a:schemeClr val="tx1"/>
+        </a:solidFill>
+        <a:latin typeface="+mn-lt"/>
+        <a:ea typeface="+mn-ea"/>
+        <a:cs typeface="+mn-cs"/>
+      </a:defRPr>
+    </a:lvl6pPr>
+    <a:lvl7pPr marL="2743200" algn="l" defTabSz="914400" rtl="0" eaLnBrk="1" latinLnBrk="0" hangingPunct="1">
+      <a:defRPr sz="1200" kern="1200">
+        <a:solidFill>
+          <a:schemeClr val="tx1"/>
+        </a:solidFill>
+        <a:latin typeface="+mn-lt"/>
+        <a:ea typeface="+mn-ea"/>
+        <a:cs typeface="+mn-cs"/>
+      </a:defRPr>
+    </a:lvl7pPr>
+    <a:lvl8pPr marL="3200400" algn="l" defTabSz="914400" rtl="0" eaLnBrk="1" latinLnBrk="0" hangingPunct="1">
+      <a:defRPr sz="1200" kern="1200">
+        <a:solidFill>
+          <a:schemeClr val="tx1"/>
+        </a:solidFill>
+        <a:latin typeface="+mn-lt"/>
+        <a:ea typeface="+mn-ea"/>
+        <a:cs typeface="+mn-cs"/>
+      </a:defRPr>
+    </a:lvl8pPr>
+    <a:lvl9pPr marL="3657600" algn="l" defTabSz="914400" rtl="0" eaLnBrk="1" latinLnBrk="0" hangingPunct="1">
+      <a:defRPr sz="1200" kern="1200">
+        <a:solidFill>
+          <a:schemeClr val="tx1"/>
+        </a:solidFill>
+        <a:latin typeface="+mn-lt"/>
+        <a:ea typeface="+mn-ea"/>
+        <a:cs typeface="+mn-cs"/>
+      </a:defRPr>
+    </a:lvl9pPr>
+  </p:notesStyle>
+</p:notesMaster>
+</file>
+
+<file path=ppt/notesSlides/notesSlide1.xml><?xml version="1.0" encoding="utf-8"?>
+<p:notes xmlns:a="http://schemas.openxmlformats.org/drawingml/2006/main" xmlns:r="http://schemas.openxmlformats.org/officeDocument/2006/relationships" xmlns:p="http://schemas.openxmlformats.org/presentationml/2006/main">
+  <p:cSld>
+    <p:spTree>
+      <p:nvGrpSpPr>
+        <p:cNvPr id="1" name=""/>
+        <p:cNvGrpSpPr/>
+        <p:nvPr/>
+      </p:nvGrpSpPr>
+      <p:grpSpPr>
+        <a:xfrm>
+          <a:off x="0" y="0"/>
+          <a:ext cx="0" cy="0"/>
+          <a:chOff x="0" y="0"/>
+          <a:chExt cx="0" cy="0"/>
+        </a:xfrm>
+      </p:grpSpPr>
+      <p:sp>
+        <p:nvSpPr>
+          <p:cNvPr id="2" name="幻灯片图像占位符 1"/>
+          <p:cNvSpPr>
+            <a:spLocks noGrp="1" noRot="1" noChangeAspect="1"/>
+          </p:cNvSpPr>
+          <p:nvPr>
+            <p:ph type="sldImg"/>
+          </p:nvPr>
+        </p:nvSpPr>
+        <p:spPr/>
+      </p:sp>
+      <p:sp>
+        <p:nvSpPr>
+          <p:cNvPr id="3" name="备注占位符 2"/>
+          <p:cNvSpPr>
+            <a:spLocks noGrp="1"/>
+          </p:cNvSpPr>
+          <p:nvPr>
+            <p:ph type="body" idx="1"/>
+          </p:nvPr>
+        </p:nvSpPr>
+        <p:spPr/>
+        <p:txBody>
+          <a:bodyPr/>
+          <a:lstStyle/>
+          <a:p>
+            <a:pPr algn="l">
+              <a:buFont typeface="+mj-lt"/>
+              <a:buAutoNum type="arabicPeriod"/>
+            </a:pPr>
+            <a:r>
+              <a:rPr lang="zh-CN" altLang="en-US" b="1" i="0" dirty="0">
+                <a:solidFill>
+                  <a:srgbClr val="111111"/>
+                </a:solidFill>
+                <a:effectLst/>
+                <a:latin typeface="-apple-system"/>
+              </a:rPr>
+              <a:t>优化磁盘性能</a:t>
+            </a:r>
+            <a:r>
+              <a:rPr lang="zh-CN" altLang="en-US" b="0" i="0" dirty="0">
+                <a:solidFill>
+                  <a:srgbClr val="111111"/>
+                </a:solidFill>
+                <a:effectLst/>
+                <a:latin typeface="-apple-system"/>
+              </a:rPr>
+              <a:t>：磁盘性能是影响</a:t>
+            </a:r>
+            <a:r>
+              <a:rPr lang="en-US" altLang="zh-CN" b="0" i="0" dirty="0">
+                <a:solidFill>
+                  <a:srgbClr val="111111"/>
+                </a:solidFill>
+                <a:effectLst/>
+                <a:latin typeface="-apple-system"/>
+              </a:rPr>
+              <a:t>I/O request</a:t>
+            </a:r>
+            <a:r>
+              <a:rPr lang="zh-CN" altLang="en-US" b="0" i="0" dirty="0">
+                <a:solidFill>
+                  <a:srgbClr val="111111"/>
+                </a:solidFill>
+                <a:effectLst/>
+                <a:latin typeface="-apple-system"/>
+              </a:rPr>
+              <a:t>处理时间的一个重要因素。可以通过使用更快的磁盘、</a:t>
+            </a:r>
+            <a:r>
+              <a:rPr lang="en-US" altLang="zh-CN" b="0" i="0" dirty="0">
+                <a:solidFill>
+                  <a:srgbClr val="111111"/>
+                </a:solidFill>
+                <a:effectLst/>
+                <a:latin typeface="-apple-system"/>
+              </a:rPr>
+              <a:t>RAID</a:t>
+            </a:r>
+            <a:r>
+              <a:rPr lang="zh-CN" altLang="en-US" b="0" i="0" dirty="0">
+                <a:solidFill>
+                  <a:srgbClr val="111111"/>
+                </a:solidFill>
+                <a:effectLst/>
+                <a:latin typeface="-apple-system"/>
+              </a:rPr>
+              <a:t>等技术来提高磁盘性能。</a:t>
+            </a:r>
+          </a:p>
+          <a:p>
+            <a:pPr algn="l">
+              <a:buFont typeface="+mj-lt"/>
+              <a:buAutoNum type="arabicPeriod"/>
+            </a:pPr>
+            <a:r>
+              <a:rPr lang="zh-CN" altLang="en-US" b="1" i="0" dirty="0">
+                <a:solidFill>
+                  <a:srgbClr val="111111"/>
+                </a:solidFill>
+                <a:effectLst/>
+                <a:latin typeface="-apple-system"/>
+              </a:rPr>
+              <a:t>优化</a:t>
+            </a:r>
+            <a:r>
+              <a:rPr lang="en-US" altLang="zh-CN" b="1" i="0" dirty="0">
+                <a:solidFill>
+                  <a:srgbClr val="111111"/>
+                </a:solidFill>
+                <a:effectLst/>
+                <a:latin typeface="-apple-system"/>
+              </a:rPr>
+              <a:t>I/O</a:t>
+            </a:r>
+            <a:r>
+              <a:rPr lang="zh-CN" altLang="en-US" b="1" i="0" dirty="0">
+                <a:solidFill>
+                  <a:srgbClr val="111111"/>
+                </a:solidFill>
+                <a:effectLst/>
+                <a:latin typeface="-apple-system"/>
+              </a:rPr>
+              <a:t>调度器</a:t>
+            </a:r>
+            <a:r>
+              <a:rPr lang="zh-CN" altLang="en-US" b="0" i="0" dirty="0">
+                <a:solidFill>
+                  <a:srgbClr val="111111"/>
+                </a:solidFill>
+                <a:effectLst/>
+                <a:latin typeface="-apple-system"/>
+              </a:rPr>
+              <a:t>：</a:t>
+            </a:r>
+            <a:r>
+              <a:rPr lang="en-US" altLang="zh-CN" b="0" i="0" dirty="0">
+                <a:solidFill>
+                  <a:srgbClr val="111111"/>
+                </a:solidFill>
+                <a:effectLst/>
+                <a:latin typeface="-apple-system"/>
+              </a:rPr>
+              <a:t>I/O</a:t>
+            </a:r>
+            <a:r>
+              <a:rPr lang="zh-CN" altLang="en-US" b="0" i="0" dirty="0">
+                <a:solidFill>
+                  <a:srgbClr val="111111"/>
+                </a:solidFill>
+                <a:effectLst/>
+                <a:latin typeface="-apple-system"/>
+              </a:rPr>
+              <a:t>调度器的性能也会影响</a:t>
+            </a:r>
+            <a:r>
+              <a:rPr lang="en-US" altLang="zh-CN" b="0" i="0" dirty="0">
+                <a:solidFill>
+                  <a:srgbClr val="111111"/>
+                </a:solidFill>
+                <a:effectLst/>
+                <a:latin typeface="-apple-system"/>
+              </a:rPr>
+              <a:t>I/O request</a:t>
+            </a:r>
+            <a:r>
+              <a:rPr lang="zh-CN" altLang="en-US" b="0" i="0" dirty="0">
+                <a:solidFill>
+                  <a:srgbClr val="111111"/>
+                </a:solidFill>
+                <a:effectLst/>
+                <a:latin typeface="-apple-system"/>
+              </a:rPr>
+              <a:t>的处理时间。可以通过使用更高效的</a:t>
+            </a:r>
+            <a:r>
+              <a:rPr lang="en-US" altLang="zh-CN" b="0" i="0" dirty="0">
+                <a:solidFill>
+                  <a:srgbClr val="111111"/>
+                </a:solidFill>
+                <a:effectLst/>
+                <a:latin typeface="-apple-system"/>
+              </a:rPr>
+              <a:t>I/O</a:t>
+            </a:r>
+            <a:r>
+              <a:rPr lang="zh-CN" altLang="en-US" b="0" i="0" dirty="0">
+                <a:solidFill>
+                  <a:srgbClr val="111111"/>
+                </a:solidFill>
+                <a:effectLst/>
+                <a:latin typeface="-apple-system"/>
+              </a:rPr>
+              <a:t>调度算法、调整</a:t>
+            </a:r>
+            <a:r>
+              <a:rPr lang="en-US" altLang="zh-CN" b="0" i="0" dirty="0">
+                <a:solidFill>
+                  <a:srgbClr val="111111"/>
+                </a:solidFill>
+                <a:effectLst/>
+                <a:latin typeface="-apple-system"/>
+              </a:rPr>
+              <a:t>I/O</a:t>
+            </a:r>
+            <a:r>
+              <a:rPr lang="zh-CN" altLang="en-US" b="0" i="0" dirty="0">
+                <a:solidFill>
+                  <a:srgbClr val="111111"/>
+                </a:solidFill>
+                <a:effectLst/>
+                <a:latin typeface="-apple-system"/>
+              </a:rPr>
+              <a:t>调度器的参数等方式来优化</a:t>
+            </a:r>
+            <a:r>
+              <a:rPr lang="en-US" altLang="zh-CN" b="0" i="0" dirty="0">
+                <a:solidFill>
+                  <a:srgbClr val="111111"/>
+                </a:solidFill>
+                <a:effectLst/>
+                <a:latin typeface="-apple-system"/>
+              </a:rPr>
+              <a:t>I/O</a:t>
+            </a:r>
+            <a:r>
+              <a:rPr lang="zh-CN" altLang="en-US" b="0" i="0" dirty="0">
+                <a:solidFill>
+                  <a:srgbClr val="111111"/>
+                </a:solidFill>
+                <a:effectLst/>
+                <a:latin typeface="-apple-system"/>
+              </a:rPr>
+              <a:t>调度器的性能。</a:t>
+            </a:r>
+          </a:p>
+          <a:p>
+            <a:pPr algn="l">
+              <a:buFont typeface="+mj-lt"/>
+              <a:buAutoNum type="arabicPeriod"/>
+            </a:pPr>
+            <a:r>
+              <a:rPr lang="zh-CN" altLang="en-US" b="1" i="0" dirty="0">
+                <a:solidFill>
+                  <a:srgbClr val="111111"/>
+                </a:solidFill>
+                <a:effectLst/>
+                <a:latin typeface="-apple-system"/>
+              </a:rPr>
+              <a:t>优化应用程序</a:t>
+            </a:r>
+            <a:r>
+              <a:rPr lang="zh-CN" altLang="en-US" b="0" i="0" dirty="0">
+                <a:solidFill>
+                  <a:srgbClr val="111111"/>
+                </a:solidFill>
+                <a:effectLst/>
+                <a:latin typeface="-apple-system"/>
+              </a:rPr>
+              <a:t>：应用程序的性能也会影响</a:t>
+            </a:r>
+            <a:r>
+              <a:rPr lang="en-US" altLang="zh-CN" b="0" i="0" dirty="0">
+                <a:solidFill>
+                  <a:srgbClr val="111111"/>
+                </a:solidFill>
+                <a:effectLst/>
+                <a:latin typeface="-apple-system"/>
+              </a:rPr>
+              <a:t>I/O request</a:t>
+            </a:r>
+            <a:r>
+              <a:rPr lang="zh-CN" altLang="en-US" b="0" i="0" dirty="0">
+                <a:solidFill>
+                  <a:srgbClr val="111111"/>
+                </a:solidFill>
+                <a:effectLst/>
+                <a:latin typeface="-apple-system"/>
+              </a:rPr>
+              <a:t>的处理时间。可以通过优化应用程序的代码、减少</a:t>
+            </a:r>
+            <a:r>
+              <a:rPr lang="en-US" altLang="zh-CN" b="0" i="0" dirty="0">
+                <a:solidFill>
+                  <a:srgbClr val="111111"/>
+                </a:solidFill>
+                <a:effectLst/>
+                <a:latin typeface="-apple-system"/>
+              </a:rPr>
+              <a:t>I/O request</a:t>
+            </a:r>
+            <a:r>
+              <a:rPr lang="zh-CN" altLang="en-US" b="0" i="0" dirty="0">
+                <a:solidFill>
+                  <a:srgbClr val="111111"/>
+                </a:solidFill>
+                <a:effectLst/>
+                <a:latin typeface="-apple-system"/>
+              </a:rPr>
+              <a:t>的数量等方式来提高应用程序的性能。</a:t>
+            </a:r>
+          </a:p>
+          <a:p>
+            <a:pPr algn="l">
+              <a:buFont typeface="+mj-lt"/>
+              <a:buAutoNum type="arabicPeriod"/>
+            </a:pPr>
+            <a:r>
+              <a:rPr lang="zh-CN" altLang="en-US" b="1" i="0" dirty="0">
+                <a:solidFill>
+                  <a:srgbClr val="111111"/>
+                </a:solidFill>
+                <a:effectLst/>
+                <a:latin typeface="-apple-system"/>
+              </a:rPr>
+              <a:t>使用缓存</a:t>
+            </a:r>
+            <a:r>
+              <a:rPr lang="zh-CN" altLang="en-US" b="0" i="0" dirty="0">
+                <a:solidFill>
+                  <a:srgbClr val="111111"/>
+                </a:solidFill>
+                <a:effectLst/>
+                <a:latin typeface="-apple-system"/>
+              </a:rPr>
+              <a:t>：使用缓存可以减少</a:t>
+            </a:r>
+            <a:r>
+              <a:rPr lang="en-US" altLang="zh-CN" b="0" i="0" dirty="0">
+                <a:solidFill>
+                  <a:srgbClr val="111111"/>
+                </a:solidFill>
+                <a:effectLst/>
+                <a:latin typeface="-apple-system"/>
+              </a:rPr>
+              <a:t>I/O request</a:t>
+            </a:r>
+            <a:r>
+              <a:rPr lang="zh-CN" altLang="en-US" b="0" i="0" dirty="0">
+                <a:solidFill>
+                  <a:srgbClr val="111111"/>
+                </a:solidFill>
+                <a:effectLst/>
+                <a:latin typeface="-apple-system"/>
+              </a:rPr>
+              <a:t>的数量，从而提高</a:t>
+            </a:r>
+            <a:r>
+              <a:rPr lang="en-US" altLang="zh-CN" b="0" i="0" dirty="0">
+                <a:solidFill>
+                  <a:srgbClr val="111111"/>
+                </a:solidFill>
+                <a:effectLst/>
+                <a:latin typeface="-apple-system"/>
+              </a:rPr>
+              <a:t>I/O request</a:t>
+            </a:r>
+            <a:r>
+              <a:rPr lang="zh-CN" altLang="en-US" b="0" i="0" dirty="0">
+                <a:solidFill>
+                  <a:srgbClr val="111111"/>
+                </a:solidFill>
+                <a:effectLst/>
+                <a:latin typeface="-apple-system"/>
+              </a:rPr>
+              <a:t>的处理时间。可以使用操作系统提供的文件缓存、数据库缓存等方式来实现缓存。</a:t>
+            </a:r>
+          </a:p>
+          <a:p>
+            <a:endParaRPr lang="zh-CN" altLang="en-US" dirty="0"/>
+          </a:p>
+        </p:txBody>
+      </p:sp>
+      <p:sp>
+        <p:nvSpPr>
+          <p:cNvPr id="4" name="灯片编号占位符 3"/>
+          <p:cNvSpPr>
+            <a:spLocks noGrp="1"/>
+          </p:cNvSpPr>
+          <p:nvPr>
+            <p:ph type="sldNum" sz="quarter" idx="5"/>
+          </p:nvPr>
+        </p:nvSpPr>
+        <p:spPr/>
+        <p:txBody>
+          <a:bodyPr/>
+          <a:lstStyle/>
+          <a:p>
+            <a:fld id="{46AE908A-A0DF-4C6C-8198-15DE66DBDEEC}" type="slidenum">
+              <a:rPr lang="zh-CN" altLang="en-US" smtClean="0"/>
+              <a:t>8</a:t>
+            </a:fld>
+            <a:endParaRPr lang="zh-CN" altLang="en-US"/>
+          </a:p>
+        </p:txBody>
+      </p:sp>
+    </p:spTree>
+    <p:extLst>
+      <p:ext uri="{BB962C8B-B14F-4D97-AF65-F5344CB8AC3E}">
+        <p14:creationId xmlns:p14="http://schemas.microsoft.com/office/powerpoint/2010/main" val="2301617836"/>
+      </p:ext>
+    </p:extLst>
+  </p:cSld>
+  <p:clrMapOvr>
+    <a:masterClrMapping/>
+  </p:clrMapOvr>
+</p:notes>
+</file>
+
 <file path=ppt/slideLayouts/slideLayout1.xml><?xml version="1.0" encoding="utf-8"?>
 <p:sldLayout xmlns:a="http://schemas.openxmlformats.org/drawingml/2006/main" xmlns:r="http://schemas.openxmlformats.org/officeDocument/2006/relationships" xmlns:p="http://schemas.openxmlformats.org/presentationml/2006/main" type="title" preserve="1">
   <p:cSld name="标题幻灯片">
@@ -263,7 +1045,7 @@
           <a:p>
             <a:fld id="{F7F88A0A-AF19-4274-B897-6F8B9E954E04}" type="datetimeFigureOut">
               <a:rPr lang="zh-CN" altLang="en-US" smtClean="0"/>
-              <a:t>2023/12/18</a:t>
+              <a:t>2023/12/25</a:t>
             </a:fld>
             <a:endParaRPr lang="zh-CN" altLang="en-US"/>
           </a:p>
@@ -433,7 +1215,7 @@
           <a:p>
             <a:fld id="{F7F88A0A-AF19-4274-B897-6F8B9E954E04}" type="datetimeFigureOut">
               <a:rPr lang="zh-CN" altLang="en-US" smtClean="0"/>
-              <a:t>2023/12/18</a:t>
+              <a:t>2023/12/25</a:t>
             </a:fld>
             <a:endParaRPr lang="zh-CN" altLang="en-US"/>
           </a:p>
@@ -613,7 +1395,7 @@
           <a:p>
             <a:fld id="{F7F88A0A-AF19-4274-B897-6F8B9E954E04}" type="datetimeFigureOut">
               <a:rPr lang="zh-CN" altLang="en-US" smtClean="0"/>
-              <a:t>2023/12/18</a:t>
+              <a:t>2023/12/25</a:t>
             </a:fld>
             <a:endParaRPr lang="zh-CN" altLang="en-US"/>
           </a:p>
@@ -783,7 +1565,7 @@
           <a:p>
             <a:fld id="{F7F88A0A-AF19-4274-B897-6F8B9E954E04}" type="datetimeFigureOut">
               <a:rPr lang="zh-CN" altLang="en-US" smtClean="0"/>
-              <a:t>2023/12/18</a:t>
+              <a:t>2023/12/25</a:t>
             </a:fld>
             <a:endParaRPr lang="zh-CN" altLang="en-US"/>
           </a:p>
@@ -1029,7 +1811,7 @@
           <a:p>
             <a:fld id="{F7F88A0A-AF19-4274-B897-6F8B9E954E04}" type="datetimeFigureOut">
               <a:rPr lang="zh-CN" altLang="en-US" smtClean="0"/>
-              <a:t>2023/12/18</a:t>
+              <a:t>2023/12/25</a:t>
             </a:fld>
             <a:endParaRPr lang="zh-CN" altLang="en-US"/>
           </a:p>
@@ -1261,7 +2043,7 @@
           <a:p>
             <a:fld id="{F7F88A0A-AF19-4274-B897-6F8B9E954E04}" type="datetimeFigureOut">
               <a:rPr lang="zh-CN" altLang="en-US" smtClean="0"/>
-              <a:t>2023/12/18</a:t>
+              <a:t>2023/12/25</a:t>
             </a:fld>
             <a:endParaRPr lang="zh-CN" altLang="en-US"/>
           </a:p>
@@ -1628,7 +2410,7 @@
           <a:p>
             <a:fld id="{F7F88A0A-AF19-4274-B897-6F8B9E954E04}" type="datetimeFigureOut">
               <a:rPr lang="zh-CN" altLang="en-US" smtClean="0"/>
-              <a:t>2023/12/18</a:t>
+              <a:t>2023/12/25</a:t>
             </a:fld>
             <a:endParaRPr lang="zh-CN" altLang="en-US"/>
           </a:p>
@@ -1746,7 +2528,7 @@
           <a:p>
             <a:fld id="{F7F88A0A-AF19-4274-B897-6F8B9E954E04}" type="datetimeFigureOut">
               <a:rPr lang="zh-CN" altLang="en-US" smtClean="0"/>
-              <a:t>2023/12/18</a:t>
+              <a:t>2023/12/25</a:t>
             </a:fld>
             <a:endParaRPr lang="zh-CN" altLang="en-US"/>
           </a:p>
@@ -1841,7 +2623,7 @@
           <a:p>
             <a:fld id="{F7F88A0A-AF19-4274-B897-6F8B9E954E04}" type="datetimeFigureOut">
               <a:rPr lang="zh-CN" altLang="en-US" smtClean="0"/>
-              <a:t>2023/12/18</a:t>
+              <a:t>2023/12/25</a:t>
             </a:fld>
             <a:endParaRPr lang="zh-CN" altLang="en-US"/>
           </a:p>
@@ -2118,7 +2900,7 @@
           <a:p>
             <a:fld id="{F7F88A0A-AF19-4274-B897-6F8B9E954E04}" type="datetimeFigureOut">
               <a:rPr lang="zh-CN" altLang="en-US" smtClean="0"/>
-              <a:t>2023/12/18</a:t>
+              <a:t>2023/12/25</a:t>
             </a:fld>
             <a:endParaRPr lang="zh-CN" altLang="en-US"/>
           </a:p>
@@ -2375,7 +3157,7 @@
           <a:p>
             <a:fld id="{F7F88A0A-AF19-4274-B897-6F8B9E954E04}" type="datetimeFigureOut">
               <a:rPr lang="zh-CN" altLang="en-US" smtClean="0"/>
-              <a:t>2023/12/18</a:t>
+              <a:t>2023/12/25</a:t>
             </a:fld>
             <a:endParaRPr lang="zh-CN" altLang="en-US"/>
           </a:p>
@@ -2588,7 +3370,7 @@
           <a:p>
             <a:fld id="{F7F88A0A-AF19-4274-B897-6F8B9E954E04}" type="datetimeFigureOut">
               <a:rPr lang="zh-CN" altLang="en-US" smtClean="0"/>
-              <a:t>2023/12/18</a:t>
+              <a:t>2023/12/25</a:t>
             </a:fld>
             <a:endParaRPr lang="zh-CN" altLang="en-US"/>
           </a:p>
@@ -3444,6 +4226,801 @@
           <p:cNvPr id="4" name="内容占位符 2">
             <a:extLst>
               <a:ext uri="{FF2B5EF4-FFF2-40B4-BE49-F238E27FC236}">
+                <a16:creationId xmlns:a16="http://schemas.microsoft.com/office/drawing/2014/main" id="{29213804-B6FE-A132-54A5-704C5ABE16C1}"/>
+              </a:ext>
+            </a:extLst>
+          </p:cNvPr>
+          <p:cNvSpPr>
+            <a:spLocks noGrp="1"/>
+          </p:cNvSpPr>
+          <p:nvPr>
+            <p:ph idx="1"/>
+          </p:nvPr>
+        </p:nvSpPr>
+        <p:spPr>
+          <a:xfrm>
+            <a:off x="342900" y="264694"/>
+            <a:ext cx="11532268" cy="6250405"/>
+          </a:xfrm>
+          <a:solidFill>
+            <a:schemeClr val="accent3">
+              <a:lumMod val="20000"/>
+              <a:lumOff val="80000"/>
+            </a:schemeClr>
+          </a:solidFill>
+        </p:spPr>
+        <p:txBody>
+          <a:bodyPr>
+            <a:normAutofit/>
+          </a:bodyPr>
+          <a:lstStyle/>
+          <a:p>
+            <a:pPr marL="457200" indent="-457200">
+              <a:lnSpc>
+                <a:spcPct val="150000"/>
+              </a:lnSpc>
+              <a:spcBef>
+                <a:spcPts val="600"/>
+              </a:spcBef>
+              <a:buFont typeface="+mj-lt"/>
+              <a:buAutoNum type="arabicPeriod" startAt="7"/>
+            </a:pPr>
+            <a:r>
+              <a:rPr lang="en-US" altLang="zh-CN" sz="2000" b="1" dirty="0" err="1">
+                <a:latin typeface="Microsoft Tai Le" panose="020B0502040204020203" pitchFamily="34" charset="0"/>
+                <a:ea typeface="微软雅黑" panose="020B0503020204020204" pitchFamily="34" charset="-122"/>
+              </a:rPr>
+              <a:t>bio_request_total</a:t>
+            </a:r>
+            <a:r>
+              <a:rPr lang="en-US" altLang="zh-CN" sz="2000" b="1" dirty="0">
+                <a:latin typeface="Microsoft Tai Le" panose="020B0502040204020203" pitchFamily="34" charset="0"/>
+                <a:ea typeface="微软雅黑" panose="020B0503020204020204" pitchFamily="34" charset="-122"/>
+              </a:rPr>
+              <a:t> read/write</a:t>
+            </a:r>
+          </a:p>
+          <a:p>
+            <a:pPr marL="0" indent="457200">
+              <a:lnSpc>
+                <a:spcPct val="130000"/>
+              </a:lnSpc>
+              <a:spcBef>
+                <a:spcPts val="600"/>
+              </a:spcBef>
+              <a:buNone/>
+            </a:pPr>
+            <a:r>
+              <a:rPr lang="en-US" altLang="zh-CN" sz="1500" dirty="0">
+                <a:latin typeface="Microsoft Tai Le" panose="020B0502040204020203" pitchFamily="34" charset="0"/>
+                <a:ea typeface="微软雅黑" panose="020B0503020204020204" pitchFamily="34" charset="-122"/>
+              </a:rPr>
+              <a:t> </a:t>
+            </a:r>
+            <a:r>
+              <a:rPr lang="zh-CN" altLang="en-US" sz="1500" dirty="0">
+                <a:latin typeface="Microsoft Tai Le" panose="020B0502040204020203" pitchFamily="34" charset="0"/>
+                <a:ea typeface="微软雅黑" panose="020B0503020204020204" pitchFamily="34" charset="-122"/>
+              </a:rPr>
+              <a:t>块设备统计间隔时间内的读写请求吞吐率，单位</a:t>
+            </a:r>
+            <a:r>
+              <a:rPr lang="en-US" altLang="zh-CN" sz="1500" dirty="0" err="1">
+                <a:latin typeface="Microsoft Tai Le" panose="020B0502040204020203" pitchFamily="34" charset="0"/>
+                <a:ea typeface="微软雅黑" panose="020B0503020204020204" pitchFamily="34" charset="-122"/>
+              </a:rPr>
+              <a:t>kbytes</a:t>
+            </a:r>
+            <a:r>
+              <a:rPr lang="zh-CN" altLang="en-US" sz="1500" dirty="0">
+                <a:latin typeface="Microsoft Tai Le" panose="020B0502040204020203" pitchFamily="34" charset="0"/>
+                <a:ea typeface="微软雅黑" panose="020B0503020204020204" pitchFamily="34" charset="-122"/>
+              </a:rPr>
+              <a:t>。</a:t>
+            </a:r>
+            <a:endParaRPr lang="en-US" altLang="zh-CN" sz="1500" dirty="0">
+              <a:latin typeface="Microsoft Tai Le" panose="020B0502040204020203" pitchFamily="34" charset="0"/>
+              <a:ea typeface="微软雅黑" panose="020B0503020204020204" pitchFamily="34" charset="-122"/>
+            </a:endParaRPr>
+          </a:p>
+          <a:p>
+            <a:pPr marL="0" indent="457200">
+              <a:lnSpc>
+                <a:spcPct val="130000"/>
+              </a:lnSpc>
+              <a:spcBef>
+                <a:spcPts val="600"/>
+              </a:spcBef>
+              <a:buNone/>
+            </a:pPr>
+            <a:r>
+              <a:rPr lang="zh-CN" altLang="en-US" sz="1500" dirty="0">
+                <a:latin typeface="Microsoft Tai Le" panose="020B0502040204020203" pitchFamily="34" charset="0"/>
+                <a:ea typeface="微软雅黑" panose="020B0503020204020204" pitchFamily="34" charset="-122"/>
+              </a:rPr>
+              <a:t>原理：通过内核函数</a:t>
+            </a:r>
+            <a:r>
+              <a:rPr lang="en-US" altLang="zh-CN" sz="1500" dirty="0" err="1">
+                <a:latin typeface="Microsoft Tai Le" panose="020B0502040204020203" pitchFamily="34" charset="0"/>
+                <a:ea typeface="微软雅黑" panose="020B0503020204020204" pitchFamily="34" charset="-122"/>
+              </a:rPr>
+              <a:t>block_rq_complete</a:t>
+            </a:r>
+            <a:r>
+              <a:rPr lang="zh-CN" altLang="en-US" sz="1500" dirty="0">
+                <a:latin typeface="Microsoft Tai Le" panose="020B0502040204020203" pitchFamily="34" charset="0"/>
+                <a:ea typeface="微软雅黑" panose="020B0503020204020204" pitchFamily="34" charset="-122"/>
+              </a:rPr>
+              <a:t>统计</a:t>
+            </a:r>
+            <a:r>
+              <a:rPr lang="en-US" altLang="zh-CN" sz="1500" dirty="0">
+                <a:latin typeface="Microsoft Tai Le" panose="020B0502040204020203" pitchFamily="34" charset="0"/>
+                <a:ea typeface="微软雅黑" panose="020B0503020204020204" pitchFamily="34" charset="-122"/>
+              </a:rPr>
+              <a:t>I/O Request</a:t>
+            </a:r>
+            <a:r>
+              <a:rPr lang="zh-CN" altLang="en-US" sz="1500" dirty="0">
+                <a:latin typeface="Microsoft Tai Le" panose="020B0502040204020203" pitchFamily="34" charset="0"/>
+                <a:ea typeface="微软雅黑" panose="020B0503020204020204" pitchFamily="34" charset="-122"/>
+              </a:rPr>
+              <a:t>不同操作完成的字节数。该指标可对应</a:t>
+            </a:r>
+            <a:r>
+              <a:rPr lang="en-US" altLang="zh-CN" sz="1500" dirty="0" err="1">
+                <a:latin typeface="Microsoft Tai Le" panose="020B0502040204020203" pitchFamily="34" charset="0"/>
+                <a:ea typeface="微软雅黑" panose="020B0503020204020204" pitchFamily="34" charset="-122"/>
+              </a:rPr>
+              <a:t>iostat</a:t>
+            </a:r>
+            <a:r>
+              <a:rPr lang="zh-CN" altLang="en-US" sz="1500" dirty="0">
+                <a:latin typeface="Microsoft Tai Le" panose="020B0502040204020203" pitchFamily="34" charset="0"/>
+                <a:ea typeface="微软雅黑" panose="020B0503020204020204" pitchFamily="34" charset="-122"/>
+              </a:rPr>
+              <a:t>的</a:t>
+            </a:r>
+            <a:r>
+              <a:rPr lang="en-US" altLang="zh-CN" sz="1500" dirty="0" err="1">
+                <a:latin typeface="Microsoft Tai Le" panose="020B0502040204020203" pitchFamily="34" charset="0"/>
+                <a:ea typeface="微软雅黑" panose="020B0503020204020204" pitchFamily="34" charset="-122"/>
+              </a:rPr>
+              <a:t>rkB</a:t>
+            </a:r>
+            <a:r>
+              <a:rPr lang="en-US" altLang="zh-CN" sz="1500" dirty="0">
+                <a:latin typeface="Microsoft Tai Le" panose="020B0502040204020203" pitchFamily="34" charset="0"/>
+                <a:ea typeface="微软雅黑" panose="020B0503020204020204" pitchFamily="34" charset="-122"/>
+              </a:rPr>
+              <a:t>/s</a:t>
+            </a:r>
+            <a:r>
+              <a:rPr lang="zh-CN" altLang="en-US" sz="1500" dirty="0">
+                <a:latin typeface="Microsoft Tai Le" panose="020B0502040204020203" pitchFamily="34" charset="0"/>
+                <a:ea typeface="微软雅黑" panose="020B0503020204020204" pitchFamily="34" charset="-122"/>
+              </a:rPr>
+              <a:t>，</a:t>
+            </a:r>
+            <a:r>
+              <a:rPr lang="en-US" altLang="zh-CN" sz="1500" dirty="0" err="1">
+                <a:latin typeface="Microsoft Tai Le" panose="020B0502040204020203" pitchFamily="34" charset="0"/>
+                <a:ea typeface="微软雅黑" panose="020B0503020204020204" pitchFamily="34" charset="-122"/>
+              </a:rPr>
+              <a:t>wkB</a:t>
+            </a:r>
+            <a:r>
+              <a:rPr lang="en-US" altLang="zh-CN" sz="1500" dirty="0">
+                <a:latin typeface="Microsoft Tai Le" panose="020B0502040204020203" pitchFamily="34" charset="0"/>
+                <a:ea typeface="微软雅黑" panose="020B0503020204020204" pitchFamily="34" charset="-122"/>
+              </a:rPr>
+              <a:t>/s</a:t>
+            </a:r>
+            <a:r>
+              <a:rPr lang="zh-CN" altLang="en-US" sz="1500" dirty="0">
+                <a:latin typeface="Microsoft Tai Le" panose="020B0502040204020203" pitchFamily="34" charset="0"/>
+                <a:ea typeface="微软雅黑" panose="020B0503020204020204" pitchFamily="34" charset="-122"/>
+              </a:rPr>
+              <a:t>。</a:t>
+            </a:r>
+            <a:endParaRPr lang="en-US" altLang="zh-CN" sz="1500" dirty="0">
+              <a:latin typeface="Microsoft Tai Le" panose="020B0502040204020203" pitchFamily="34" charset="0"/>
+              <a:ea typeface="微软雅黑" panose="020B0503020204020204" pitchFamily="34" charset="-122"/>
+            </a:endParaRPr>
+          </a:p>
+          <a:p>
+            <a:pPr marL="457200" indent="-457200">
+              <a:lnSpc>
+                <a:spcPct val="150000"/>
+              </a:lnSpc>
+              <a:spcBef>
+                <a:spcPts val="600"/>
+              </a:spcBef>
+              <a:buFont typeface="+mj-lt"/>
+              <a:buAutoNum type="arabicPeriod" startAt="8"/>
+            </a:pPr>
+            <a:r>
+              <a:rPr lang="en-US" altLang="zh-CN" sz="2000" b="1" dirty="0" err="1">
+                <a:latin typeface="Microsoft Tai Le" panose="020B0502040204020203" pitchFamily="34" charset="0"/>
+                <a:ea typeface="微软雅黑" panose="020B0503020204020204" pitchFamily="34" charset="-122"/>
+              </a:rPr>
+              <a:t>bio_request_completed_count</a:t>
+            </a:r>
+            <a:r>
+              <a:rPr lang="en-US" altLang="zh-CN" sz="2000" b="1" dirty="0">
+                <a:latin typeface="Microsoft Tai Le" panose="020B0502040204020203" pitchFamily="34" charset="0"/>
+                <a:ea typeface="微软雅黑" panose="020B0503020204020204" pitchFamily="34" charset="-122"/>
+              </a:rPr>
+              <a:t> read/</a:t>
+            </a:r>
+            <a:r>
+              <a:rPr lang="en-US" altLang="zh-CN" sz="2000" b="1" dirty="0" err="1">
+                <a:latin typeface="Microsoft Tai Le" panose="020B0502040204020203" pitchFamily="34" charset="0"/>
+                <a:ea typeface="微软雅黑" panose="020B0503020204020204" pitchFamily="34" charset="-122"/>
+              </a:rPr>
+              <a:t>wirte</a:t>
+            </a:r>
+            <a:endParaRPr lang="en-US" altLang="zh-CN" sz="2000" b="1" dirty="0">
+              <a:latin typeface="Microsoft Tai Le" panose="020B0502040204020203" pitchFamily="34" charset="0"/>
+              <a:ea typeface="微软雅黑" panose="020B0503020204020204" pitchFamily="34" charset="-122"/>
+            </a:endParaRPr>
+          </a:p>
+          <a:p>
+            <a:pPr marL="0" indent="457200">
+              <a:lnSpc>
+                <a:spcPct val="130000"/>
+              </a:lnSpc>
+              <a:spcBef>
+                <a:spcPts val="600"/>
+              </a:spcBef>
+              <a:buNone/>
+            </a:pPr>
+            <a:r>
+              <a:rPr lang="zh-CN" altLang="en-US" sz="1500" dirty="0">
+                <a:latin typeface="Microsoft Tai Le" panose="020B0502040204020203" pitchFamily="34" charset="0"/>
+                <a:ea typeface="微软雅黑" panose="020B0503020204020204" pitchFamily="34" charset="-122"/>
+              </a:rPr>
+              <a:t>块设备统计间隔时间内的读写请求完成的次数</a:t>
+            </a:r>
+            <a:endParaRPr lang="en-US" altLang="zh-CN" sz="1500" dirty="0">
+              <a:latin typeface="Microsoft Tai Le" panose="020B0502040204020203" pitchFamily="34" charset="0"/>
+              <a:ea typeface="微软雅黑" panose="020B0503020204020204" pitchFamily="34" charset="-122"/>
+            </a:endParaRPr>
+          </a:p>
+          <a:p>
+            <a:pPr marL="0" indent="457200">
+              <a:lnSpc>
+                <a:spcPct val="130000"/>
+              </a:lnSpc>
+              <a:spcBef>
+                <a:spcPts val="600"/>
+              </a:spcBef>
+              <a:buNone/>
+            </a:pPr>
+            <a:r>
+              <a:rPr lang="zh-CN" altLang="en-US" sz="1500" dirty="0">
+                <a:latin typeface="Microsoft Tai Le" panose="020B0502040204020203" pitchFamily="34" charset="0"/>
+                <a:ea typeface="微软雅黑" panose="020B0503020204020204" pitchFamily="34" charset="-122"/>
+              </a:rPr>
+              <a:t>原理：通过内核函数</a:t>
+            </a:r>
+            <a:r>
+              <a:rPr lang="en-US" altLang="zh-CN" sz="1500" dirty="0" err="1">
+                <a:latin typeface="Microsoft Tai Le" panose="020B0502040204020203" pitchFamily="34" charset="0"/>
+                <a:ea typeface="微软雅黑" panose="020B0503020204020204" pitchFamily="34" charset="-122"/>
+              </a:rPr>
+              <a:t>block_rq_complete</a:t>
+            </a:r>
+            <a:r>
+              <a:rPr lang="zh-CN" altLang="en-US" sz="1500" dirty="0">
+                <a:latin typeface="Microsoft Tai Le" panose="020B0502040204020203" pitchFamily="34" charset="0"/>
+                <a:ea typeface="微软雅黑" panose="020B0503020204020204" pitchFamily="34" charset="-122"/>
+              </a:rPr>
+              <a:t>统计</a:t>
+            </a:r>
+            <a:r>
+              <a:rPr lang="en-US" altLang="zh-CN" sz="1500" dirty="0">
+                <a:latin typeface="Microsoft Tai Le" panose="020B0502040204020203" pitchFamily="34" charset="0"/>
+                <a:ea typeface="微软雅黑" panose="020B0503020204020204" pitchFamily="34" charset="-122"/>
+              </a:rPr>
+              <a:t>I/O Request</a:t>
+            </a:r>
+            <a:r>
+              <a:rPr lang="zh-CN" altLang="en-US" sz="1500" dirty="0">
+                <a:latin typeface="Microsoft Tai Le" panose="020B0502040204020203" pitchFamily="34" charset="0"/>
+                <a:ea typeface="微软雅黑" panose="020B0503020204020204" pitchFamily="34" charset="-122"/>
+              </a:rPr>
+              <a:t>不同操作完成的次数。该指标可对应</a:t>
+            </a:r>
+            <a:r>
+              <a:rPr lang="en-US" altLang="zh-CN" sz="1500" dirty="0" err="1">
+                <a:latin typeface="Microsoft Tai Le" panose="020B0502040204020203" pitchFamily="34" charset="0"/>
+                <a:ea typeface="微软雅黑" panose="020B0503020204020204" pitchFamily="34" charset="-122"/>
+              </a:rPr>
+              <a:t>iostat</a:t>
+            </a:r>
+            <a:r>
+              <a:rPr lang="zh-CN" altLang="en-US" sz="1500" dirty="0">
+                <a:latin typeface="Microsoft Tai Le" panose="020B0502040204020203" pitchFamily="34" charset="0"/>
+                <a:ea typeface="微软雅黑" panose="020B0503020204020204" pitchFamily="34" charset="-122"/>
+              </a:rPr>
+              <a:t>的</a:t>
+            </a:r>
+            <a:r>
+              <a:rPr lang="en-US" altLang="zh-CN" sz="1500" dirty="0">
+                <a:latin typeface="Microsoft Tai Le" panose="020B0502040204020203" pitchFamily="34" charset="0"/>
+                <a:ea typeface="微软雅黑" panose="020B0503020204020204" pitchFamily="34" charset="-122"/>
+              </a:rPr>
+              <a:t>r/s</a:t>
+            </a:r>
+            <a:r>
+              <a:rPr lang="zh-CN" altLang="en-US" sz="1500" dirty="0">
+                <a:latin typeface="Microsoft Tai Le" panose="020B0502040204020203" pitchFamily="34" charset="0"/>
+                <a:ea typeface="微软雅黑" panose="020B0503020204020204" pitchFamily="34" charset="-122"/>
+              </a:rPr>
+              <a:t>，</a:t>
+            </a:r>
+            <a:r>
+              <a:rPr lang="en-US" altLang="zh-CN" sz="1500" dirty="0">
+                <a:latin typeface="Microsoft Tai Le" panose="020B0502040204020203" pitchFamily="34" charset="0"/>
+                <a:ea typeface="微软雅黑" panose="020B0503020204020204" pitchFamily="34" charset="-122"/>
+              </a:rPr>
+              <a:t>w/s</a:t>
+            </a:r>
+            <a:r>
+              <a:rPr lang="zh-CN" altLang="en-US" sz="1500" dirty="0">
+                <a:latin typeface="Microsoft Tai Le" panose="020B0502040204020203" pitchFamily="34" charset="0"/>
+                <a:ea typeface="微软雅黑" panose="020B0503020204020204" pitchFamily="34" charset="-122"/>
+              </a:rPr>
+              <a:t>。</a:t>
+            </a:r>
+            <a:endParaRPr lang="en-US" altLang="zh-CN" sz="1500" dirty="0">
+              <a:latin typeface="Microsoft Tai Le" panose="020B0502040204020203" pitchFamily="34" charset="0"/>
+              <a:ea typeface="微软雅黑" panose="020B0503020204020204" pitchFamily="34" charset="-122"/>
+            </a:endParaRPr>
+          </a:p>
+          <a:p>
+            <a:pPr marL="0" indent="457200">
+              <a:lnSpc>
+                <a:spcPct val="130000"/>
+              </a:lnSpc>
+              <a:spcBef>
+                <a:spcPts val="600"/>
+              </a:spcBef>
+              <a:buNone/>
+            </a:pPr>
+            <a:r>
+              <a:rPr lang="zh-CN" altLang="en-US" sz="1500" dirty="0">
+                <a:latin typeface="Microsoft Tai Le" panose="020B0502040204020203" pitchFamily="34" charset="0"/>
+                <a:ea typeface="微软雅黑" panose="020B0503020204020204" pitchFamily="34" charset="-122"/>
+              </a:rPr>
+              <a:t>以下是</a:t>
+            </a:r>
+            <a:r>
+              <a:rPr lang="en-US" altLang="zh-CN" sz="1500" dirty="0" err="1">
+                <a:latin typeface="Microsoft Tai Le" panose="020B0502040204020203" pitchFamily="34" charset="0"/>
+                <a:ea typeface="微软雅黑" panose="020B0503020204020204" pitchFamily="34" charset="-122"/>
+              </a:rPr>
+              <a:t>fio</a:t>
+            </a:r>
+            <a:r>
+              <a:rPr lang="zh-CN" altLang="en-US" sz="1500" dirty="0">
+                <a:latin typeface="Microsoft Tai Le" panose="020B0502040204020203" pitchFamily="34" charset="0"/>
+                <a:ea typeface="微软雅黑" panose="020B0503020204020204" pitchFamily="34" charset="-122"/>
+              </a:rPr>
+              <a:t>在做压测采集数据。</a:t>
+            </a:r>
+            <a:endParaRPr lang="en-US" altLang="zh-CN" sz="1500" dirty="0">
+              <a:latin typeface="Microsoft Tai Le" panose="020B0502040204020203" pitchFamily="34" charset="0"/>
+              <a:ea typeface="微软雅黑" panose="020B0503020204020204" pitchFamily="34" charset="-122"/>
+            </a:endParaRPr>
+          </a:p>
+          <a:p>
+            <a:pPr marL="0" indent="457200">
+              <a:lnSpc>
+                <a:spcPct val="130000"/>
+              </a:lnSpc>
+              <a:spcBef>
+                <a:spcPts val="600"/>
+              </a:spcBef>
+              <a:buNone/>
+            </a:pPr>
+            <a:endParaRPr lang="en-US" altLang="zh-CN" sz="1500" dirty="0">
+              <a:latin typeface="Microsoft Tai Le" panose="020B0502040204020203" pitchFamily="34" charset="0"/>
+              <a:ea typeface="微软雅黑" panose="020B0503020204020204" pitchFamily="34" charset="-122"/>
+            </a:endParaRPr>
+          </a:p>
+          <a:p>
+            <a:pPr marL="0" indent="0">
+              <a:lnSpc>
+                <a:spcPct val="150000"/>
+              </a:lnSpc>
+              <a:spcBef>
+                <a:spcPts val="600"/>
+              </a:spcBef>
+              <a:buNone/>
+            </a:pPr>
+            <a:endParaRPr lang="en-US" altLang="zh-CN" sz="2000" b="1" dirty="0">
+              <a:latin typeface="Microsoft Tai Le" panose="020B0502040204020203" pitchFamily="34" charset="0"/>
+              <a:ea typeface="微软雅黑" panose="020B0503020204020204" pitchFamily="34" charset="-122"/>
+            </a:endParaRPr>
+          </a:p>
+        </p:txBody>
+      </p:sp>
+      <p:pic>
+        <p:nvPicPr>
+          <p:cNvPr id="6" name="图片 5">
+            <a:extLst>
+              <a:ext uri="{FF2B5EF4-FFF2-40B4-BE49-F238E27FC236}">
+                <a16:creationId xmlns:a16="http://schemas.microsoft.com/office/drawing/2014/main" id="{D91779ED-D8DA-211E-3BFC-4193A86821D4}"/>
+              </a:ext>
+            </a:extLst>
+          </p:cNvPr>
+          <p:cNvPicPr>
+            <a:picLocks noChangeAspect="1"/>
+          </p:cNvPicPr>
+          <p:nvPr/>
+        </p:nvPicPr>
+        <p:blipFill>
+          <a:blip r:embed="rId2"/>
+          <a:stretch>
+            <a:fillRect/>
+          </a:stretch>
+        </p:blipFill>
+        <p:spPr>
+          <a:xfrm>
+            <a:off x="507921" y="3297518"/>
+            <a:ext cx="11367247" cy="1805205"/>
+          </a:xfrm>
+          <a:prstGeom prst="rect">
+            <a:avLst/>
+          </a:prstGeom>
+        </p:spPr>
+      </p:pic>
+      <p:pic>
+        <p:nvPicPr>
+          <p:cNvPr id="8" name="图片 7">
+            <a:extLst>
+              <a:ext uri="{FF2B5EF4-FFF2-40B4-BE49-F238E27FC236}">
+                <a16:creationId xmlns:a16="http://schemas.microsoft.com/office/drawing/2014/main" id="{2934E1CD-2F27-1A13-8991-A1ED39015566}"/>
+              </a:ext>
+            </a:extLst>
+          </p:cNvPr>
+          <p:cNvPicPr>
+            <a:picLocks noChangeAspect="1"/>
+          </p:cNvPicPr>
+          <p:nvPr/>
+        </p:nvPicPr>
+        <p:blipFill>
+          <a:blip r:embed="rId3"/>
+          <a:stretch>
+            <a:fillRect/>
+          </a:stretch>
+        </p:blipFill>
+        <p:spPr>
+          <a:xfrm>
+            <a:off x="1041023" y="5244982"/>
+            <a:ext cx="10432684" cy="1127858"/>
+          </a:xfrm>
+          <a:prstGeom prst="rect">
+            <a:avLst/>
+          </a:prstGeom>
+        </p:spPr>
+      </p:pic>
+    </p:spTree>
+    <p:extLst>
+      <p:ext uri="{BB962C8B-B14F-4D97-AF65-F5344CB8AC3E}">
+        <p14:creationId xmlns:p14="http://schemas.microsoft.com/office/powerpoint/2010/main" val="3085592874"/>
+      </p:ext>
+    </p:extLst>
+  </p:cSld>
+  <p:clrMapOvr>
+    <a:masterClrMapping/>
+  </p:clrMapOvr>
+</p:sld>
+</file>
+
+<file path=ppt/slides/slide11.xml><?xml version="1.0" encoding="utf-8"?>
+<p:sld xmlns:a="http://schemas.openxmlformats.org/drawingml/2006/main" xmlns:r="http://schemas.openxmlformats.org/officeDocument/2006/relationships" xmlns:p="http://schemas.openxmlformats.org/presentationml/2006/main">
+  <p:cSld>
+    <p:bg>
+      <p:bgPr>
+        <a:solidFill>
+          <a:schemeClr val="accent3">
+            <a:lumMod val="20000"/>
+            <a:lumOff val="80000"/>
+          </a:schemeClr>
+        </a:solidFill>
+        <a:effectLst/>
+      </p:bgPr>
+    </p:bg>
+    <p:spTree>
+      <p:nvGrpSpPr>
+        <p:cNvPr id="1" name=""/>
+        <p:cNvGrpSpPr/>
+        <p:nvPr/>
+      </p:nvGrpSpPr>
+      <p:grpSpPr>
+        <a:xfrm>
+          <a:off x="0" y="0"/>
+          <a:ext cx="0" cy="0"/>
+          <a:chOff x="0" y="0"/>
+          <a:chExt cx="0" cy="0"/>
+        </a:xfrm>
+      </p:grpSpPr>
+      <p:sp>
+        <p:nvSpPr>
+          <p:cNvPr id="4" name="内容占位符 2">
+            <a:extLst>
+              <a:ext uri="{FF2B5EF4-FFF2-40B4-BE49-F238E27FC236}">
+                <a16:creationId xmlns:a16="http://schemas.microsoft.com/office/drawing/2014/main" id="{A7F92B6D-8EBB-2A13-1EC3-4F88C2CDBA0D}"/>
+              </a:ext>
+            </a:extLst>
+          </p:cNvPr>
+          <p:cNvSpPr>
+            <a:spLocks noGrp="1"/>
+          </p:cNvSpPr>
+          <p:nvPr>
+            <p:ph idx="1"/>
+          </p:nvPr>
+        </p:nvSpPr>
+        <p:spPr>
+          <a:xfrm>
+            <a:off x="342900" y="264694"/>
+            <a:ext cx="11532268" cy="6250405"/>
+          </a:xfrm>
+          <a:solidFill>
+            <a:schemeClr val="accent3">
+              <a:lumMod val="20000"/>
+              <a:lumOff val="80000"/>
+            </a:schemeClr>
+          </a:solidFill>
+        </p:spPr>
+        <p:txBody>
+          <a:bodyPr>
+            <a:normAutofit/>
+          </a:bodyPr>
+          <a:lstStyle/>
+          <a:p>
+            <a:pPr marL="457200" indent="-457200">
+              <a:lnSpc>
+                <a:spcPct val="150000"/>
+              </a:lnSpc>
+              <a:spcBef>
+                <a:spcPts val="600"/>
+              </a:spcBef>
+              <a:buFont typeface="+mj-lt"/>
+              <a:buAutoNum type="arabicPeriod" startAt="9"/>
+            </a:pPr>
+            <a:r>
+              <a:rPr lang="en-US" altLang="zh-CN" sz="2000" b="1" dirty="0" err="1">
+                <a:latin typeface="Microsoft Tai Le" panose="020B0502040204020203" pitchFamily="34" charset="0"/>
+                <a:ea typeface="微软雅黑" panose="020B0503020204020204" pitchFamily="34" charset="-122"/>
+              </a:rPr>
+              <a:t>bio_request_latency_over_threshold</a:t>
+            </a:r>
+            <a:endParaRPr lang="en-US" altLang="zh-CN" sz="2000" b="1" dirty="0">
+              <a:latin typeface="Microsoft Tai Le" panose="020B0502040204020203" pitchFamily="34" charset="0"/>
+              <a:ea typeface="微软雅黑" panose="020B0503020204020204" pitchFamily="34" charset="-122"/>
+            </a:endParaRPr>
+          </a:p>
+          <a:p>
+            <a:pPr marL="0" indent="457200">
+              <a:lnSpc>
+                <a:spcPct val="130000"/>
+              </a:lnSpc>
+              <a:spcBef>
+                <a:spcPts val="600"/>
+              </a:spcBef>
+              <a:buNone/>
+            </a:pPr>
+            <a:r>
+              <a:rPr lang="zh-CN" altLang="en-US" sz="1500" dirty="0">
+                <a:latin typeface="Microsoft Tai Le" panose="020B0502040204020203" pitchFamily="34" charset="0"/>
+                <a:ea typeface="微软雅黑" panose="020B0503020204020204" pitchFamily="34" charset="-122"/>
+              </a:rPr>
+              <a:t>指标说明：设置</a:t>
+            </a:r>
+            <a:r>
+              <a:rPr lang="en-US" altLang="zh-CN" sz="1500" dirty="0">
+                <a:latin typeface="Microsoft Tai Le" panose="020B0502040204020203" pitchFamily="34" charset="0"/>
+                <a:ea typeface="微软雅黑" panose="020B0503020204020204" pitchFamily="34" charset="-122"/>
+              </a:rPr>
+              <a:t>I/O Request</a:t>
+            </a:r>
+            <a:r>
+              <a:rPr lang="zh-CN" altLang="en-US" sz="1500" dirty="0">
+                <a:latin typeface="Microsoft Tai Le" panose="020B0502040204020203" pitchFamily="34" charset="0"/>
+                <a:ea typeface="微软雅黑" panose="020B0503020204020204" pitchFamily="34" charset="-122"/>
+              </a:rPr>
+              <a:t>完成的阈值，超过该阈值的请求会输出请求相关信息。包括：进程名、进程</a:t>
+            </a:r>
+            <a:r>
+              <a:rPr lang="en-US" altLang="zh-CN" sz="1500" dirty="0">
+                <a:latin typeface="Microsoft Tai Le" panose="020B0502040204020203" pitchFamily="34" charset="0"/>
+                <a:ea typeface="微软雅黑" panose="020B0503020204020204" pitchFamily="34" charset="-122"/>
+              </a:rPr>
+              <a:t>ID</a:t>
+            </a:r>
+            <a:r>
+              <a:rPr lang="zh-CN" altLang="en-US" sz="1500" dirty="0">
+                <a:latin typeface="Microsoft Tai Le" panose="020B0502040204020203" pitchFamily="34" charset="0"/>
+                <a:ea typeface="微软雅黑" panose="020B0503020204020204" pitchFamily="34" charset="-122"/>
+              </a:rPr>
+              <a:t>、线程</a:t>
+            </a:r>
+            <a:r>
+              <a:rPr lang="en-US" altLang="zh-CN" sz="1500" dirty="0">
+                <a:latin typeface="Microsoft Tai Le" panose="020B0502040204020203" pitchFamily="34" charset="0"/>
+                <a:ea typeface="微软雅黑" panose="020B0503020204020204" pitchFamily="34" charset="-122"/>
+              </a:rPr>
+              <a:t>ID</a:t>
+            </a:r>
+            <a:r>
+              <a:rPr lang="zh-CN" altLang="en-US" sz="1500" dirty="0">
+                <a:latin typeface="Microsoft Tai Le" panose="020B0502040204020203" pitchFamily="34" charset="0"/>
+                <a:ea typeface="微软雅黑" panose="020B0503020204020204" pitchFamily="34" charset="-122"/>
+              </a:rPr>
+              <a:t>、块设备、操作类型、</a:t>
+            </a:r>
+            <a:r>
+              <a:rPr lang="en-US" altLang="zh-CN" sz="1500" dirty="0">
+                <a:latin typeface="Microsoft Tai Le" panose="020B0502040204020203" pitchFamily="34" charset="0"/>
+                <a:ea typeface="微软雅黑" panose="020B0503020204020204" pitchFamily="34" charset="-122"/>
+              </a:rPr>
+              <a:t>I/O</a:t>
+            </a:r>
+            <a:r>
+              <a:rPr lang="zh-CN" altLang="en-US" sz="1500" dirty="0">
+                <a:latin typeface="Microsoft Tai Le" panose="020B0502040204020203" pitchFamily="34" charset="0"/>
+                <a:ea typeface="微软雅黑" panose="020B0503020204020204" pitchFamily="34" charset="-122"/>
+              </a:rPr>
+              <a:t>尺寸，延迟时间。</a:t>
+            </a:r>
+            <a:endParaRPr lang="en-US" altLang="zh-CN" sz="1500" dirty="0">
+              <a:latin typeface="Microsoft Tai Le" panose="020B0502040204020203" pitchFamily="34" charset="0"/>
+              <a:ea typeface="微软雅黑" panose="020B0503020204020204" pitchFamily="34" charset="-122"/>
+            </a:endParaRPr>
+          </a:p>
+          <a:p>
+            <a:pPr marL="0" indent="457200">
+              <a:lnSpc>
+                <a:spcPct val="130000"/>
+              </a:lnSpc>
+              <a:spcBef>
+                <a:spcPts val="600"/>
+              </a:spcBef>
+              <a:buNone/>
+            </a:pPr>
+            <a:endParaRPr lang="en-US" altLang="zh-CN" sz="1500" dirty="0">
+              <a:latin typeface="Microsoft Tai Le" panose="020B0502040204020203" pitchFamily="34" charset="0"/>
+              <a:ea typeface="微软雅黑" panose="020B0503020204020204" pitchFamily="34" charset="-122"/>
+            </a:endParaRPr>
+          </a:p>
+          <a:p>
+            <a:pPr marL="0" indent="0">
+              <a:lnSpc>
+                <a:spcPct val="150000"/>
+              </a:lnSpc>
+              <a:spcBef>
+                <a:spcPts val="600"/>
+              </a:spcBef>
+              <a:buNone/>
+            </a:pPr>
+            <a:endParaRPr lang="en-US" altLang="zh-CN" sz="2000" b="1" dirty="0">
+              <a:latin typeface="Microsoft Tai Le" panose="020B0502040204020203" pitchFamily="34" charset="0"/>
+              <a:ea typeface="微软雅黑" panose="020B0503020204020204" pitchFamily="34" charset="-122"/>
+            </a:endParaRPr>
+          </a:p>
+        </p:txBody>
+      </p:sp>
+      <p:pic>
+        <p:nvPicPr>
+          <p:cNvPr id="6" name="图片 5">
+            <a:extLst>
+              <a:ext uri="{FF2B5EF4-FFF2-40B4-BE49-F238E27FC236}">
+                <a16:creationId xmlns:a16="http://schemas.microsoft.com/office/drawing/2014/main" id="{4B3640E6-1BFC-815D-4848-81F4E43701BB}"/>
+              </a:ext>
+            </a:extLst>
+          </p:cNvPr>
+          <p:cNvPicPr>
+            <a:picLocks noChangeAspect="1"/>
+          </p:cNvPicPr>
+          <p:nvPr/>
+        </p:nvPicPr>
+        <p:blipFill>
+          <a:blip r:embed="rId2"/>
+          <a:stretch>
+            <a:fillRect/>
+          </a:stretch>
+        </p:blipFill>
+        <p:spPr>
+          <a:xfrm>
+            <a:off x="342900" y="1650478"/>
+            <a:ext cx="11566703" cy="1778522"/>
+          </a:xfrm>
+          <a:prstGeom prst="rect">
+            <a:avLst/>
+          </a:prstGeom>
+        </p:spPr>
+      </p:pic>
+      <p:pic>
+        <p:nvPicPr>
+          <p:cNvPr id="8" name="图片 7">
+            <a:extLst>
+              <a:ext uri="{FF2B5EF4-FFF2-40B4-BE49-F238E27FC236}">
+                <a16:creationId xmlns:a16="http://schemas.microsoft.com/office/drawing/2014/main" id="{27DBBB74-6991-4B0A-3BCD-B4D1D9169449}"/>
+              </a:ext>
+            </a:extLst>
+          </p:cNvPr>
+          <p:cNvPicPr>
+            <a:picLocks noChangeAspect="1"/>
+          </p:cNvPicPr>
+          <p:nvPr/>
+        </p:nvPicPr>
+        <p:blipFill>
+          <a:blip r:embed="rId3"/>
+          <a:stretch>
+            <a:fillRect/>
+          </a:stretch>
+        </p:blipFill>
+        <p:spPr>
+          <a:xfrm>
+            <a:off x="342900" y="3637666"/>
+            <a:ext cx="11566703" cy="1569856"/>
+          </a:xfrm>
+          <a:prstGeom prst="rect">
+            <a:avLst/>
+          </a:prstGeom>
+        </p:spPr>
+      </p:pic>
+    </p:spTree>
+    <p:extLst>
+      <p:ext uri="{BB962C8B-B14F-4D97-AF65-F5344CB8AC3E}">
+        <p14:creationId xmlns:p14="http://schemas.microsoft.com/office/powerpoint/2010/main" val="1964477230"/>
+      </p:ext>
+    </p:extLst>
+  </p:cSld>
+  <p:clrMapOvr>
+    <a:masterClrMapping/>
+  </p:clrMapOvr>
+</p:sld>
+</file>
+
+<file path=ppt/slides/slide12.xml><?xml version="1.0" encoding="utf-8"?>
+<p:sld xmlns:a="http://schemas.openxmlformats.org/drawingml/2006/main" xmlns:r="http://schemas.openxmlformats.org/officeDocument/2006/relationships" xmlns:p="http://schemas.openxmlformats.org/presentationml/2006/main">
+  <p:cSld>
+    <p:bg>
+      <p:bgPr>
+        <a:solidFill>
+          <a:schemeClr val="accent3">
+            <a:lumMod val="20000"/>
+            <a:lumOff val="80000"/>
+          </a:schemeClr>
+        </a:solidFill>
+        <a:effectLst/>
+      </p:bgPr>
+    </p:bg>
+    <p:spTree>
+      <p:nvGrpSpPr>
+        <p:cNvPr id="1" name=""/>
+        <p:cNvGrpSpPr/>
+        <p:nvPr/>
+      </p:nvGrpSpPr>
+      <p:grpSpPr>
+        <a:xfrm>
+          <a:off x="0" y="0"/>
+          <a:ext cx="0" cy="0"/>
+          <a:chOff x="0" y="0"/>
+          <a:chExt cx="0" cy="0"/>
+        </a:xfrm>
+      </p:grpSpPr>
+      <p:sp>
+        <p:nvSpPr>
+          <p:cNvPr id="4" name="内容占位符 2">
+            <a:extLst>
+              <a:ext uri="{FF2B5EF4-FFF2-40B4-BE49-F238E27FC236}">
                 <a16:creationId xmlns:a16="http://schemas.microsoft.com/office/drawing/2014/main" id="{97ECC983-6878-261F-BC35-FA92369BE9A7}"/>
               </a:ext>
             </a:extLst>
@@ -3481,22 +5058,26 @@
                 <a:spcPts val="600"/>
               </a:spcBef>
               <a:buFont typeface="+mj-lt"/>
-              <a:buAutoNum type="arabicPeriod" startAt="5"/>
-            </a:pPr>
-            <a:r>
-              <a:rPr lang="en-US" altLang="zh-CN" sz="2000" b="1" dirty="0" err="1">
-                <a:latin typeface="Microsoft Tai Le" panose="020B0502040204020203" pitchFamily="34" charset="0"/>
-                <a:ea typeface="微软雅黑" panose="020B0503020204020204" pitchFamily="34" charset="-122"/>
-              </a:rPr>
-              <a:t>bio_request_ratio</a:t>
-            </a:r>
+              <a:buAutoNum type="arabicPeriod" startAt="10"/>
+            </a:pPr>
             <a:r>
               <a:rPr lang="en-US" altLang="zh-CN" sz="2000" b="1" dirty="0">
                 <a:latin typeface="Microsoft Tai Le" panose="020B0502040204020203" pitchFamily="34" charset="0"/>
                 <a:ea typeface="微软雅黑" panose="020B0503020204020204" pitchFamily="34" charset="-122"/>
               </a:rPr>
-              <a:t>  read/write</a:t>
-            </a:r>
+              <a:t>BIO</a:t>
+            </a:r>
+            <a:r>
+              <a:rPr lang="zh-CN" altLang="en-US" sz="2000" b="1" dirty="0">
+                <a:latin typeface="Microsoft Tai Le" panose="020B0502040204020203" pitchFamily="34" charset="0"/>
+                <a:ea typeface="微软雅黑" panose="020B0503020204020204" pitchFamily="34" charset="-122"/>
+              </a:rPr>
+              <a:t>测试</a:t>
+            </a:r>
+            <a:endParaRPr lang="en-US" altLang="zh-CN" sz="2000" b="1" dirty="0">
+              <a:latin typeface="Microsoft Tai Le" panose="020B0502040204020203" pitchFamily="34" charset="0"/>
+              <a:ea typeface="微软雅黑" panose="020B0503020204020204" pitchFamily="34" charset="-122"/>
+            </a:endParaRPr>
           </a:p>
           <a:p>
             <a:pPr marL="342900" indent="-342900">
@@ -3819,6 +5400,242 @@
               </a:rPr>
               <a:t>time_based</a:t>
             </a:r>
+            <a:endParaRPr lang="en-US" altLang="zh-CN" sz="1600" dirty="0">
+              <a:latin typeface="Microsoft Tai Le" panose="020B0502040204020203" pitchFamily="34" charset="0"/>
+              <a:ea typeface="微软雅黑" panose="020B0503020204020204" pitchFamily="34" charset="-122"/>
+            </a:endParaRPr>
+          </a:p>
+          <a:p>
+            <a:pPr marL="342900" indent="-342900">
+              <a:lnSpc>
+                <a:spcPct val="150000"/>
+              </a:lnSpc>
+              <a:spcBef>
+                <a:spcPts val="600"/>
+              </a:spcBef>
+              <a:buFont typeface="+mj-lt"/>
+              <a:buAutoNum type="alphaLcParenR"/>
+            </a:pPr>
+            <a:r>
+              <a:rPr lang="zh-CN" altLang="en-US" sz="1600" dirty="0">
+                <a:latin typeface="Microsoft Tai Le" panose="020B0502040204020203" pitchFamily="34" charset="0"/>
+                <a:ea typeface="微软雅黑" panose="020B0503020204020204" pitchFamily="34" charset="-122"/>
+              </a:rPr>
+              <a:t>顺序读写，读写比</a:t>
+            </a:r>
+            <a:r>
+              <a:rPr lang="en-US" altLang="zh-CN" sz="1600" dirty="0">
+                <a:latin typeface="Microsoft Tai Le" panose="020B0502040204020203" pitchFamily="34" charset="0"/>
+                <a:ea typeface="微软雅黑" panose="020B0503020204020204" pitchFamily="34" charset="-122"/>
+              </a:rPr>
+              <a:t>3:7</a:t>
+            </a:r>
+            <a:r>
+              <a:rPr lang="zh-CN" altLang="en-US" sz="1600" dirty="0">
+                <a:latin typeface="Microsoft Tai Le" panose="020B0502040204020203" pitchFamily="34" charset="0"/>
+                <a:ea typeface="微软雅黑" panose="020B0503020204020204" pitchFamily="34" charset="-122"/>
+              </a:rPr>
+              <a:t>，</a:t>
+            </a:r>
+            <a:r>
+              <a:rPr lang="en-US" altLang="zh-CN" sz="1600" dirty="0" err="1">
+                <a:latin typeface="Microsoft Tai Le" panose="020B0502040204020203" pitchFamily="34" charset="0"/>
+                <a:ea typeface="微软雅黑" panose="020B0503020204020204" pitchFamily="34" charset="-122"/>
+              </a:rPr>
+              <a:t>fio</a:t>
+            </a:r>
+            <a:r>
+              <a:rPr lang="en-US" altLang="zh-CN" sz="1600" dirty="0">
+                <a:latin typeface="Microsoft Tai Le" panose="020B0502040204020203" pitchFamily="34" charset="0"/>
+                <a:ea typeface="微软雅黑" panose="020B0503020204020204" pitchFamily="34" charset="-122"/>
+              </a:rPr>
+              <a:t> -filename=</a:t>
+            </a:r>
+            <a:r>
+              <a:rPr lang="en-US" altLang="zh-CN" sz="1600" dirty="0" err="1">
+                <a:latin typeface="Microsoft Tai Le" panose="020B0502040204020203" pitchFamily="34" charset="0"/>
+                <a:ea typeface="微软雅黑" panose="020B0503020204020204" pitchFamily="34" charset="-122"/>
+              </a:rPr>
+              <a:t>fio_test</a:t>
+            </a:r>
+            <a:r>
+              <a:rPr lang="en-US" altLang="zh-CN" sz="1600" dirty="0">
+                <a:latin typeface="Microsoft Tai Le" panose="020B0502040204020203" pitchFamily="34" charset="0"/>
+                <a:ea typeface="微软雅黑" panose="020B0503020204020204" pitchFamily="34" charset="-122"/>
+              </a:rPr>
+              <a:t> -direct=1 -</a:t>
+            </a:r>
+            <a:r>
+              <a:rPr lang="en-US" altLang="zh-CN" sz="1600" dirty="0" err="1">
+                <a:latin typeface="Microsoft Tai Le" panose="020B0502040204020203" pitchFamily="34" charset="0"/>
+                <a:ea typeface="微软雅黑" panose="020B0503020204020204" pitchFamily="34" charset="-122"/>
+              </a:rPr>
+              <a:t>iodepth</a:t>
+            </a:r>
+            <a:r>
+              <a:rPr lang="en-US" altLang="zh-CN" sz="1600" dirty="0">
+                <a:latin typeface="Microsoft Tai Le" panose="020B0502040204020203" pitchFamily="34" charset="0"/>
+                <a:ea typeface="微软雅黑" panose="020B0503020204020204" pitchFamily="34" charset="-122"/>
+              </a:rPr>
+              <a:t> 1 -thread --</a:t>
+            </a:r>
+            <a:r>
+              <a:rPr lang="en-US" altLang="zh-CN" sz="1600" dirty="0" err="1">
+                <a:latin typeface="Microsoft Tai Le" panose="020B0502040204020203" pitchFamily="34" charset="0"/>
+                <a:ea typeface="微软雅黑" panose="020B0503020204020204" pitchFamily="34" charset="-122"/>
+              </a:rPr>
+              <a:t>rw</a:t>
+            </a:r>
+            <a:r>
+              <a:rPr lang="en-US" altLang="zh-CN" sz="1600" dirty="0">
+                <a:latin typeface="Microsoft Tai Le" panose="020B0502040204020203" pitchFamily="34" charset="0"/>
+                <a:ea typeface="微软雅黑" panose="020B0503020204020204" pitchFamily="34" charset="-122"/>
+              </a:rPr>
+              <a:t>=</a:t>
+            </a:r>
+            <a:r>
+              <a:rPr lang="en-US" altLang="zh-CN" sz="1600" dirty="0" err="1">
+                <a:latin typeface="Microsoft Tai Le" panose="020B0502040204020203" pitchFamily="34" charset="0"/>
+                <a:ea typeface="微软雅黑" panose="020B0503020204020204" pitchFamily="34" charset="-122"/>
+              </a:rPr>
+              <a:t>readwrite</a:t>
+            </a:r>
+            <a:r>
+              <a:rPr lang="en-US" altLang="zh-CN" sz="1600" dirty="0">
+                <a:latin typeface="Microsoft Tai Le" panose="020B0502040204020203" pitchFamily="34" charset="0"/>
+                <a:ea typeface="微软雅黑" panose="020B0503020204020204" pitchFamily="34" charset="-122"/>
+              </a:rPr>
+              <a:t> </a:t>
+            </a:r>
+            <a:r>
+              <a:rPr lang="en-US" altLang="zh-CN" sz="1600" dirty="0">
+                <a:highlight>
+                  <a:srgbClr val="FFFF00"/>
+                </a:highlight>
+                <a:latin typeface="Microsoft Tai Le" panose="020B0502040204020203" pitchFamily="34" charset="0"/>
+                <a:ea typeface="微软雅黑" panose="020B0503020204020204" pitchFamily="34" charset="-122"/>
+              </a:rPr>
+              <a:t>--</a:t>
+            </a:r>
+            <a:r>
+              <a:rPr lang="en-US" altLang="zh-CN" sz="1600" dirty="0" err="1">
+                <a:highlight>
+                  <a:srgbClr val="FFFF00"/>
+                </a:highlight>
+                <a:latin typeface="Microsoft Tai Le" panose="020B0502040204020203" pitchFamily="34" charset="0"/>
+                <a:ea typeface="微软雅黑" panose="020B0503020204020204" pitchFamily="34" charset="-122"/>
+              </a:rPr>
+              <a:t>rwmixread</a:t>
+            </a:r>
+            <a:r>
+              <a:rPr lang="en-US" altLang="zh-CN" sz="1600" dirty="0">
+                <a:highlight>
+                  <a:srgbClr val="FFFF00"/>
+                </a:highlight>
+                <a:latin typeface="Microsoft Tai Le" panose="020B0502040204020203" pitchFamily="34" charset="0"/>
+                <a:ea typeface="微软雅黑" panose="020B0503020204020204" pitchFamily="34" charset="-122"/>
+              </a:rPr>
+              <a:t>=30</a:t>
+            </a:r>
+            <a:r>
+              <a:rPr lang="en-US" altLang="zh-CN" sz="1600" dirty="0">
+                <a:latin typeface="Microsoft Tai Le" panose="020B0502040204020203" pitchFamily="34" charset="0"/>
+                <a:ea typeface="微软雅黑" panose="020B0503020204020204" pitchFamily="34" charset="-122"/>
+              </a:rPr>
+              <a:t>  -</a:t>
+            </a:r>
+            <a:r>
+              <a:rPr lang="en-US" altLang="zh-CN" sz="1600" dirty="0" err="1">
+                <a:latin typeface="Microsoft Tai Le" panose="020B0502040204020203" pitchFamily="34" charset="0"/>
+                <a:ea typeface="微软雅黑" panose="020B0503020204020204" pitchFamily="34" charset="-122"/>
+              </a:rPr>
+              <a:t>ioengine</a:t>
+            </a:r>
+            <a:r>
+              <a:rPr lang="en-US" altLang="zh-CN" sz="1600" dirty="0">
+                <a:latin typeface="Microsoft Tai Le" panose="020B0502040204020203" pitchFamily="34" charset="0"/>
+                <a:ea typeface="微软雅黑" panose="020B0503020204020204" pitchFamily="34" charset="-122"/>
+              </a:rPr>
+              <a:t>=</a:t>
+            </a:r>
+            <a:r>
+              <a:rPr lang="en-US" altLang="zh-CN" sz="1600" dirty="0" err="1">
+                <a:latin typeface="Microsoft Tai Le" panose="020B0502040204020203" pitchFamily="34" charset="0"/>
+                <a:ea typeface="微软雅黑" panose="020B0503020204020204" pitchFamily="34" charset="-122"/>
+              </a:rPr>
+              <a:t>libaio</a:t>
+            </a:r>
+            <a:r>
+              <a:rPr lang="en-US" altLang="zh-CN" sz="1600" dirty="0">
+                <a:latin typeface="Microsoft Tai Le" panose="020B0502040204020203" pitchFamily="34" charset="0"/>
+                <a:ea typeface="微软雅黑" panose="020B0503020204020204" pitchFamily="34" charset="-122"/>
+              </a:rPr>
+              <a:t> -bs=16k -size=1G -</a:t>
+            </a:r>
+            <a:r>
+              <a:rPr lang="en-US" altLang="zh-CN" sz="1600" dirty="0" err="1">
+                <a:latin typeface="Microsoft Tai Le" panose="020B0502040204020203" pitchFamily="34" charset="0"/>
+                <a:ea typeface="微软雅黑" panose="020B0503020204020204" pitchFamily="34" charset="-122"/>
+              </a:rPr>
+              <a:t>numjobs</a:t>
+            </a:r>
+            <a:r>
+              <a:rPr lang="en-US" altLang="zh-CN" sz="1600" dirty="0">
+                <a:latin typeface="Microsoft Tai Le" panose="020B0502040204020203" pitchFamily="34" charset="0"/>
+                <a:ea typeface="微软雅黑" panose="020B0503020204020204" pitchFamily="34" charset="-122"/>
+              </a:rPr>
+              <a:t>=1 -runtime=300 -</a:t>
+            </a:r>
+            <a:r>
+              <a:rPr lang="en-US" altLang="zh-CN" sz="1600" dirty="0" err="1">
+                <a:latin typeface="Microsoft Tai Le" panose="020B0502040204020203" pitchFamily="34" charset="0"/>
+                <a:ea typeface="微软雅黑" panose="020B0503020204020204" pitchFamily="34" charset="-122"/>
+              </a:rPr>
+              <a:t>group_reporting</a:t>
+            </a:r>
+            <a:r>
+              <a:rPr lang="en-US" altLang="zh-CN" sz="1600" dirty="0">
+                <a:latin typeface="Microsoft Tai Le" panose="020B0502040204020203" pitchFamily="34" charset="0"/>
+                <a:ea typeface="微软雅黑" panose="020B0503020204020204" pitchFamily="34" charset="-122"/>
+              </a:rPr>
+              <a:t> -name=</a:t>
+            </a:r>
+            <a:r>
+              <a:rPr lang="en-US" altLang="zh-CN" sz="1600" dirty="0" err="1">
+                <a:latin typeface="Microsoft Tai Le" panose="020B0502040204020203" pitchFamily="34" charset="0"/>
+                <a:ea typeface="微软雅黑" panose="020B0503020204020204" pitchFamily="34" charset="-122"/>
+              </a:rPr>
+              <a:t>mytest</a:t>
+            </a:r>
+            <a:r>
+              <a:rPr lang="en-US" altLang="zh-CN" sz="1600" dirty="0">
+                <a:latin typeface="Microsoft Tai Le" panose="020B0502040204020203" pitchFamily="34" charset="0"/>
+                <a:ea typeface="微软雅黑" panose="020B0503020204020204" pitchFamily="34" charset="-122"/>
+              </a:rPr>
+              <a:t> -</a:t>
+            </a:r>
+            <a:r>
+              <a:rPr lang="en-US" altLang="zh-CN" sz="1600" dirty="0" err="1">
+                <a:latin typeface="Microsoft Tai Le" panose="020B0502040204020203" pitchFamily="34" charset="0"/>
+                <a:ea typeface="微软雅黑" panose="020B0503020204020204" pitchFamily="34" charset="-122"/>
+              </a:rPr>
+              <a:t>time_based</a:t>
+            </a:r>
+            <a:endParaRPr lang="en-US" altLang="zh-CN" sz="1600" dirty="0">
+              <a:latin typeface="Microsoft Tai Le" panose="020B0502040204020203" pitchFamily="34" charset="0"/>
+              <a:ea typeface="微软雅黑" panose="020B0503020204020204" pitchFamily="34" charset="-122"/>
+            </a:endParaRPr>
+          </a:p>
+          <a:p>
+            <a:pPr marL="0" indent="0">
+              <a:lnSpc>
+                <a:spcPct val="150000"/>
+              </a:lnSpc>
+              <a:spcBef>
+                <a:spcPts val="600"/>
+              </a:spcBef>
+              <a:buNone/>
+            </a:pPr>
             <a:endParaRPr lang="en-US" altLang="zh-CN" sz="1600" dirty="0">
               <a:latin typeface="Microsoft Tai Le" panose="020B0502040204020203" pitchFamily="34" charset="0"/>
               <a:ea typeface="微软雅黑" panose="020B0503020204020204" pitchFamily="34" charset="-122"/>
@@ -3870,10 +5687,10 @@
       </p:sp>
       <p:pic>
         <p:nvPicPr>
-          <p:cNvPr id="10" name="图片 9">
+          <p:cNvPr id="3" name="图片 2">
             <a:extLst>
               <a:ext uri="{FF2B5EF4-FFF2-40B4-BE49-F238E27FC236}">
-                <a16:creationId xmlns:a16="http://schemas.microsoft.com/office/drawing/2014/main" id="{D60CC483-C43B-BCD9-3DDF-894FA63A225A}"/>
+                <a16:creationId xmlns:a16="http://schemas.microsoft.com/office/drawing/2014/main" id="{D23E1548-E220-9089-10AD-22377C31026A}"/>
               </a:ext>
             </a:extLst>
           </p:cNvPr>
@@ -3890,8 +5707,8 @@
         </p:blipFill>
         <p:spPr>
           <a:xfrm>
-            <a:off x="342900" y="2445926"/>
-            <a:ext cx="7026249" cy="2171888"/>
+            <a:off x="917407" y="3339129"/>
+            <a:ext cx="10189845" cy="3254176"/>
           </a:xfrm>
           <a:prstGeom prst="rect">
             <a:avLst/>
@@ -6527,7 +8344,7 @@
         <p:spPr>
           <a:xfrm>
             <a:off x="342900" y="264695"/>
-            <a:ext cx="11532268" cy="5771670"/>
+            <a:ext cx="11532268" cy="6482740"/>
           </a:xfrm>
           <a:solidFill>
             <a:schemeClr val="accent3">
@@ -6632,13 +8449,27 @@
                 <a:latin typeface="Microsoft Tai Le" panose="020B0502040204020203" pitchFamily="34" charset="0"/>
                 <a:ea typeface="微软雅黑" panose="020B0503020204020204" pitchFamily="34" charset="-122"/>
               </a:rPr>
-              <a:t>原理：</a:t>
+              <a:t>原理：使用</a:t>
             </a:r>
             <a:r>
               <a:rPr lang="en-US" altLang="zh-CN" sz="1600" dirty="0" err="1">
                 <a:latin typeface="Microsoft Tai Le" panose="020B0502040204020203" pitchFamily="34" charset="0"/>
                 <a:ea typeface="微软雅黑" panose="020B0503020204020204" pitchFamily="34" charset="-122"/>
               </a:rPr>
+              <a:t>tracepoint</a:t>
+            </a:r>
+            <a:r>
+              <a:rPr lang="zh-CN" altLang="en-US" sz="1600" dirty="0">
+                <a:latin typeface="Microsoft Tai Le" panose="020B0502040204020203" pitchFamily="34" charset="0"/>
+                <a:ea typeface="微软雅黑" panose="020B0503020204020204" pitchFamily="34" charset="-122"/>
+              </a:rPr>
+              <a:t>观察内核三个函数，</a:t>
+            </a:r>
+            <a:r>
+              <a:rPr lang="en-US" altLang="zh-CN" sz="1600" dirty="0" err="1">
+                <a:latin typeface="Microsoft Tai Le" panose="020B0502040204020203" pitchFamily="34" charset="0"/>
+                <a:ea typeface="微软雅黑" panose="020B0503020204020204" pitchFamily="34" charset="-122"/>
+              </a:rPr>
               <a:t>block_rq_insert</a:t>
             </a:r>
             <a:r>
@@ -6646,7 +8477,7 @@
                 <a:latin typeface="Microsoft Tai Le" panose="020B0502040204020203" pitchFamily="34" charset="0"/>
                 <a:ea typeface="微软雅黑" panose="020B0503020204020204" pitchFamily="34" charset="-122"/>
               </a:rPr>
-              <a:t>：用于将块 </a:t>
+              <a:t>（将块设备的 </a:t>
             </a:r>
             <a:r>
               <a:rPr lang="en-US" altLang="zh-CN" sz="1600" dirty="0">
@@ -6660,7 +8491,7 @@
                 <a:latin typeface="Microsoft Tai Le" panose="020B0502040204020203" pitchFamily="34" charset="0"/>
                 <a:ea typeface="微软雅黑" panose="020B0503020204020204" pitchFamily="34" charset="-122"/>
               </a:rPr>
-              <a:t>操作请求（通常是对块设备的读取或写入请求）插入到块 </a:t>
+              <a:t>操作请求插入到块设备的 </a:t>
             </a:r>
             <a:r>
               <a:rPr lang="en-US" altLang="zh-CN" sz="1600" dirty="0">
@@ -6674,7 +8505,21 @@
                 <a:latin typeface="Microsoft Tai Le" panose="020B0502040204020203" pitchFamily="34" charset="0"/>
                 <a:ea typeface="微软雅黑" panose="020B0503020204020204" pitchFamily="34" charset="-122"/>
               </a:rPr>
-              <a:t>请求队列中。</a:t>
+              <a:t>请求队列中</a:t>
+            </a:r>
+            <a:r>
+              <a:rPr lang="en-US" altLang="zh-CN" sz="1600" dirty="0">
+                <a:latin typeface="Microsoft Tai Le" panose="020B0502040204020203" pitchFamily="34" charset="0"/>
+                <a:ea typeface="微软雅黑" panose="020B0503020204020204" pitchFamily="34" charset="-122"/>
+              </a:rPr>
+              <a:t>)</a:t>
+            </a:r>
+            <a:r>
+              <a:rPr lang="zh-CN" altLang="en-US" sz="1600" dirty="0">
+                <a:latin typeface="Microsoft Tai Le" panose="020B0502040204020203" pitchFamily="34" charset="0"/>
+                <a:ea typeface="微软雅黑" panose="020B0503020204020204" pitchFamily="34" charset="-122"/>
+              </a:rPr>
+              <a:t>。</a:t>
             </a:r>
             <a:endParaRPr lang="en-US" altLang="zh-CN" sz="1600" dirty="0">
               <a:latin typeface="Microsoft Tai Le" panose="020B0502040204020203" pitchFamily="34" charset="0"/>
@@ -6699,39 +8544,46 @@
               <a:t>block_rq_issue</a:t>
             </a:r>
             <a:r>
-              <a:rPr lang="zh-CN" altLang="en-US" sz="1600" dirty="0">
-                <a:latin typeface="Microsoft Tai Le" panose="020B0502040204020203" pitchFamily="34" charset="0"/>
-                <a:ea typeface="微软雅黑" panose="020B0503020204020204" pitchFamily="34" charset="-122"/>
-              </a:rPr>
-              <a:t>：从</a:t>
-            </a:r>
-            <a:r>
-              <a:rPr lang="en-US" altLang="zh-CN" sz="1600" dirty="0">
-                <a:latin typeface="Microsoft Tai Le" panose="020B0502040204020203" pitchFamily="34" charset="0"/>
-                <a:ea typeface="微软雅黑" panose="020B0503020204020204" pitchFamily="34" charset="-122"/>
-              </a:rPr>
-              <a:t>IO</a:t>
-            </a:r>
-            <a:r>
-              <a:rPr lang="zh-CN" altLang="en-US" sz="1600" dirty="0">
-                <a:latin typeface="Microsoft Tai Le" panose="020B0502040204020203" pitchFamily="34" charset="0"/>
-                <a:ea typeface="微软雅黑" panose="020B0503020204020204" pitchFamily="34" charset="-122"/>
-              </a:rPr>
-              <a:t>调度器队列中获取</a:t>
-            </a:r>
-            <a:r>
-              <a:rPr lang="en-US" altLang="zh-CN" sz="1600" dirty="0">
-                <a:latin typeface="Microsoft Tai Le" panose="020B0502040204020203" pitchFamily="34" charset="0"/>
-                <a:ea typeface="微软雅黑" panose="020B0503020204020204" pitchFamily="34" charset="-122"/>
-              </a:rPr>
-              <a:t>request</a:t>
-            </a:r>
-            <a:r>
-              <a:rPr lang="zh-CN" altLang="en-US" sz="1600" dirty="0">
-                <a:latin typeface="Microsoft Tai Le" panose="020B0502040204020203" pitchFamily="34" charset="0"/>
-                <a:ea typeface="微软雅黑" panose="020B0503020204020204" pitchFamily="34" charset="-122"/>
-              </a:rPr>
-              <a:t>后执行，将块</a:t>
+              <a:rPr lang="en-US" altLang="zh-CN" sz="1600" dirty="0">
+                <a:latin typeface="Microsoft Tai Le" panose="020B0502040204020203" pitchFamily="34" charset="0"/>
+                <a:ea typeface="微软雅黑" panose="020B0503020204020204" pitchFamily="34" charset="-122"/>
+              </a:rPr>
+              <a:t>(I/O</a:t>
+            </a:r>
+            <a:r>
+              <a:rPr lang="zh-CN" altLang="en-US" sz="1600" dirty="0">
+                <a:latin typeface="Microsoft Tai Le" panose="020B0502040204020203" pitchFamily="34" charset="0"/>
+                <a:ea typeface="微软雅黑" panose="020B0503020204020204" pitchFamily="34" charset="-122"/>
+              </a:rPr>
+              <a:t>调度器队列中获取请求发送给设备驱动</a:t>
+            </a:r>
+            <a:r>
+              <a:rPr lang="en-US" altLang="zh-CN" sz="1600" dirty="0">
+                <a:latin typeface="Microsoft Tai Le" panose="020B0502040204020203" pitchFamily="34" charset="0"/>
+                <a:ea typeface="微软雅黑" panose="020B0503020204020204" pitchFamily="34" charset="-122"/>
+              </a:rPr>
+              <a:t>)</a:t>
+            </a:r>
+            <a:r>
+              <a:rPr lang="zh-CN" altLang="en-US" sz="1600" dirty="0">
+                <a:latin typeface="Microsoft Tai Le" panose="020B0502040204020203" pitchFamily="34" charset="0"/>
+                <a:ea typeface="微软雅黑" panose="020B0503020204020204" pitchFamily="34" charset="-122"/>
+              </a:rPr>
+              <a:t>，</a:t>
+            </a:r>
+            <a:r>
+              <a:rPr lang="en-US" altLang="zh-CN" sz="1600" dirty="0" err="1">
+                <a:latin typeface="Microsoft Tai Le" panose="020B0502040204020203" pitchFamily="34" charset="0"/>
+                <a:ea typeface="微软雅黑" panose="020B0503020204020204" pitchFamily="34" charset="-122"/>
+              </a:rPr>
+              <a:t>block_rq_complete</a:t>
+            </a:r>
+            <a:r>
+              <a:rPr lang="zh-CN" altLang="en-US" sz="1600" dirty="0">
+                <a:latin typeface="Microsoft Tai Le" panose="020B0502040204020203" pitchFamily="34" charset="0"/>
+                <a:ea typeface="微软雅黑" panose="020B0503020204020204" pitchFamily="34" charset="-122"/>
+              </a:rPr>
+              <a:t>（</a:t>
             </a:r>
             <a:r>
               <a:rPr lang="en-US" altLang="zh-CN" sz="1600" dirty="0">
@@ -6745,21 +8597,121 @@
                 <a:latin typeface="Microsoft Tai Le" panose="020B0502040204020203" pitchFamily="34" charset="0"/>
                 <a:ea typeface="微软雅黑" panose="020B0503020204020204" pitchFamily="34" charset="-122"/>
               </a:rPr>
-              <a:t>发向设备时触发。</a:t>
+              <a:t>请求已经被驱动程序完成回调）。</a:t>
+            </a:r>
+            <a:endParaRPr lang="en-US" altLang="zh-CN" sz="1600" dirty="0">
+              <a:latin typeface="Microsoft Tai Le" panose="020B0502040204020203" pitchFamily="34" charset="0"/>
+              <a:ea typeface="微软雅黑" panose="020B0503020204020204" pitchFamily="34" charset="-122"/>
+            </a:endParaRPr>
+          </a:p>
+          <a:p>
+            <a:pPr marL="0" indent="457200">
+              <a:lnSpc>
+                <a:spcPct val="150000"/>
+              </a:lnSpc>
+              <a:spcBef>
+                <a:spcPts val="600"/>
+              </a:spcBef>
+              <a:buNone/>
+            </a:pPr>
+            <a:r>
+              <a:rPr lang="zh-CN" altLang="en-US" sz="1600" dirty="0">
+                <a:latin typeface="Microsoft Tai Le" panose="020B0502040204020203" pitchFamily="34" charset="0"/>
+                <a:ea typeface="微软雅黑" panose="020B0503020204020204" pitchFamily="34" charset="-122"/>
+              </a:rPr>
+              <a:t>指标说明：请求延迟 </a:t>
+            </a:r>
+            <a:r>
+              <a:rPr lang="en-US" altLang="zh-CN" sz="1600" dirty="0">
+                <a:latin typeface="Microsoft Tai Le" panose="020B0502040204020203" pitchFamily="34" charset="0"/>
+                <a:ea typeface="微软雅黑" panose="020B0503020204020204" pitchFamily="34" charset="-122"/>
+              </a:rPr>
+              <a:t>= </a:t>
+            </a:r>
+            <a:r>
+              <a:rPr lang="zh-CN" altLang="en-US" sz="1600" dirty="0">
+                <a:latin typeface="Microsoft Tai Le" panose="020B0502040204020203" pitchFamily="34" charset="0"/>
+                <a:ea typeface="微软雅黑" panose="020B0503020204020204" pitchFamily="34" charset="-122"/>
+              </a:rPr>
+              <a:t>等待时长 </a:t>
+            </a:r>
+            <a:r>
+              <a:rPr lang="en-US" altLang="zh-CN" sz="1600" dirty="0">
+                <a:latin typeface="Microsoft Tai Le" panose="020B0502040204020203" pitchFamily="34" charset="0"/>
+                <a:ea typeface="微软雅黑" panose="020B0503020204020204" pitchFamily="34" charset="-122"/>
+              </a:rPr>
+              <a:t>+ </a:t>
+            </a:r>
+            <a:r>
+              <a:rPr lang="zh-CN" altLang="en-US" sz="1600" dirty="0">
+                <a:latin typeface="Microsoft Tai Le" panose="020B0502040204020203" pitchFamily="34" charset="0"/>
+                <a:ea typeface="微软雅黑" panose="020B0503020204020204" pitchFamily="34" charset="-122"/>
+              </a:rPr>
+              <a:t>服务时长。等待时长：</a:t>
+            </a:r>
+            <a:r>
+              <a:rPr lang="en-US" altLang="zh-CN" sz="1600" dirty="0">
+                <a:latin typeface="Microsoft Tai Le" panose="020B0502040204020203" pitchFamily="34" charset="0"/>
+                <a:ea typeface="微软雅黑" panose="020B0503020204020204" pitchFamily="34" charset="-122"/>
+              </a:rPr>
+              <a:t>issue - insert</a:t>
+            </a:r>
+            <a:r>
+              <a:rPr lang="zh-CN" altLang="en-US" sz="1600" dirty="0">
+                <a:latin typeface="Microsoft Tai Le" panose="020B0502040204020203" pitchFamily="34" charset="0"/>
+                <a:ea typeface="微软雅黑" panose="020B0503020204020204" pitchFamily="34" charset="-122"/>
+              </a:rPr>
+              <a:t>。服务时长：</a:t>
+            </a:r>
+            <a:r>
+              <a:rPr lang="en-US" altLang="zh-CN" sz="1600" dirty="0">
+                <a:latin typeface="Microsoft Tai Le" panose="020B0502040204020203" pitchFamily="34" charset="0"/>
+                <a:ea typeface="微软雅黑" panose="020B0503020204020204" pitchFamily="34" charset="-122"/>
+              </a:rPr>
+              <a:t>complete - issue</a:t>
+            </a:r>
+            <a:r>
+              <a:rPr lang="zh-CN" altLang="en-US" sz="1600" dirty="0">
+                <a:latin typeface="Microsoft Tai Le" panose="020B0502040204020203" pitchFamily="34" charset="0"/>
+                <a:ea typeface="微软雅黑" panose="020B0503020204020204" pitchFamily="34" charset="-122"/>
+              </a:rPr>
+              <a:t>。</a:t>
+            </a:r>
+            <a:endParaRPr lang="en-US" altLang="zh-CN" sz="1600" dirty="0">
+              <a:latin typeface="Microsoft Tai Le" panose="020B0502040204020203" pitchFamily="34" charset="0"/>
+              <a:ea typeface="微软雅黑" panose="020B0503020204020204" pitchFamily="34" charset="-122"/>
+            </a:endParaRPr>
+          </a:p>
+          <a:p>
+            <a:pPr marL="0" indent="457200">
+              <a:lnSpc>
+                <a:spcPct val="150000"/>
+              </a:lnSpc>
+              <a:spcBef>
+                <a:spcPts val="600"/>
+              </a:spcBef>
+              <a:buNone/>
+            </a:pPr>
+            <a:r>
+              <a:rPr lang="zh-CN" altLang="en-US" sz="1600" dirty="0">
+                <a:latin typeface="Microsoft Tai Le" panose="020B0502040204020203" pitchFamily="34" charset="0"/>
+                <a:ea typeface="微软雅黑" panose="020B0503020204020204" pitchFamily="34" charset="-122"/>
+              </a:rPr>
+              <a:t>从下图展示是</a:t>
             </a:r>
             <a:r>
               <a:rPr lang="en-US" altLang="zh-CN" sz="1600" dirty="0" err="1">
                 <a:latin typeface="Microsoft Tai Le" panose="020B0502040204020203" pitchFamily="34" charset="0"/>
                 <a:ea typeface="微软雅黑" panose="020B0503020204020204" pitchFamily="34" charset="-122"/>
               </a:rPr>
-              <a:t>block_rq_complete</a:t>
-            </a:r>
-            <a:r>
-              <a:rPr lang="zh-CN" altLang="en-US" sz="1600" dirty="0">
-                <a:latin typeface="Microsoft Tai Le" panose="020B0502040204020203" pitchFamily="34" charset="0"/>
-                <a:ea typeface="微软雅黑" panose="020B0503020204020204" pitchFamily="34" charset="-122"/>
-              </a:rPr>
-              <a:t>：</a:t>
+              <a:t>fio</a:t>
+            </a:r>
+            <a:r>
+              <a:rPr lang="zh-CN" altLang="en-US" sz="1600" dirty="0">
+                <a:latin typeface="Microsoft Tai Le" panose="020B0502040204020203" pitchFamily="34" charset="0"/>
+                <a:ea typeface="微软雅黑" panose="020B0503020204020204" pitchFamily="34" charset="-122"/>
+              </a:rPr>
+              <a:t>压测的情况，可看到系统在高负载情况下</a:t>
             </a:r>
             <a:r>
               <a:rPr lang="en-US" altLang="zh-CN" sz="1600" dirty="0">
@@ -6773,14 +8725,74 @@
                 <a:latin typeface="Microsoft Tai Le" panose="020B0502040204020203" pitchFamily="34" charset="0"/>
                 <a:ea typeface="微软雅黑" panose="020B0503020204020204" pitchFamily="34" charset="-122"/>
               </a:rPr>
-              <a:t>请求已经被驱动程序完成了。</a:t>
-            </a:r>
+              <a:t>的请求（读写）从插入队列到执行完毕的延迟分布，延迟的堆积情况。</a:t>
+            </a:r>
+            <a:endParaRPr lang="en-US" altLang="zh-CN" sz="2000" dirty="0">
+              <a:latin typeface="Microsoft Tai Le" panose="020B0502040204020203" pitchFamily="34" charset="0"/>
+              <a:ea typeface="微软雅黑" panose="020B0503020204020204" pitchFamily="34" charset="-122"/>
+            </a:endParaRPr>
+          </a:p>
+          <a:p>
+            <a:pPr marL="0" indent="0">
+              <a:lnSpc>
+                <a:spcPct val="150000"/>
+              </a:lnSpc>
+              <a:spcBef>
+                <a:spcPts val="600"/>
+              </a:spcBef>
+              <a:buNone/>
+            </a:pPr>
             <a:endParaRPr lang="en-US" altLang="zh-CN" sz="1600" dirty="0">
               <a:latin typeface="Microsoft Tai Le" panose="020B0502040204020203" pitchFamily="34" charset="0"/>
               <a:ea typeface="微软雅黑" panose="020B0503020204020204" pitchFamily="34" charset="-122"/>
             </a:endParaRPr>
           </a:p>
           <a:p>
+            <a:pPr marL="0" indent="0">
+              <a:lnSpc>
+                <a:spcPct val="150000"/>
+              </a:lnSpc>
+              <a:spcBef>
+                <a:spcPts val="600"/>
+              </a:spcBef>
+              <a:buNone/>
+            </a:pPr>
+            <a:endParaRPr lang="en-US" altLang="zh-CN" sz="1600" dirty="0">
+              <a:latin typeface="Microsoft Tai Le" panose="020B0502040204020203" pitchFamily="34" charset="0"/>
+              <a:ea typeface="微软雅黑" panose="020B0503020204020204" pitchFamily="34" charset="-122"/>
+            </a:endParaRPr>
+          </a:p>
+          <a:p>
+            <a:pPr marL="0" indent="0">
+              <a:lnSpc>
+                <a:spcPct val="150000"/>
+              </a:lnSpc>
+              <a:spcBef>
+                <a:spcPts val="600"/>
+              </a:spcBef>
+              <a:buNone/>
+            </a:pPr>
+            <a:endParaRPr lang="en-US" altLang="zh-CN" sz="1800" dirty="0">
+              <a:latin typeface="Microsoft Tai Le" panose="020B0502040204020203" pitchFamily="34" charset="0"/>
+              <a:ea typeface="微软雅黑" panose="020B0503020204020204" pitchFamily="34" charset="-122"/>
+            </a:endParaRPr>
+          </a:p>
+          <a:p>
+            <a:pPr marL="0" indent="0">
+              <a:lnSpc>
+                <a:spcPct val="150000"/>
+              </a:lnSpc>
+              <a:spcBef>
+                <a:spcPts val="600"/>
+              </a:spcBef>
+              <a:buNone/>
+            </a:pPr>
+            <a:endParaRPr lang="en-US" altLang="zh-CN" sz="1800" dirty="0">
+              <a:latin typeface="Microsoft Tai Le" panose="020B0502040204020203" pitchFamily="34" charset="0"/>
+              <a:ea typeface="微软雅黑" panose="020B0503020204020204" pitchFamily="34" charset="-122"/>
+            </a:endParaRPr>
+          </a:p>
+          <a:p>
             <a:pPr marL="0" indent="457200">
               <a:lnSpc>
                 <a:spcPct val="150000"/>
@@ -6795,49 +8807,7 @@
                 <a:latin typeface="Microsoft Tai Le" panose="020B0502040204020203" pitchFamily="34" charset="0"/>
                 <a:ea typeface="微软雅黑" panose="020B0503020204020204" pitchFamily="34" charset="-122"/>
               </a:rPr>
-              <a:t>指标说明：请求延迟等于等待时长 </a:t>
-            </a:r>
-            <a:r>
-              <a:rPr lang="en-US" altLang="zh-CN" sz="1600" dirty="0">
-                <a:latin typeface="Microsoft Tai Le" panose="020B0502040204020203" pitchFamily="34" charset="0"/>
-                <a:ea typeface="微软雅黑" panose="020B0503020204020204" pitchFamily="34" charset="-122"/>
-              </a:rPr>
-              <a:t>+ </a:t>
-            </a:r>
-            <a:r>
-              <a:rPr lang="zh-CN" altLang="en-US" sz="1600" dirty="0">
-                <a:latin typeface="Microsoft Tai Le" panose="020B0502040204020203" pitchFamily="34" charset="0"/>
-                <a:ea typeface="微软雅黑" panose="020B0503020204020204" pitchFamily="34" charset="-122"/>
-              </a:rPr>
-              <a:t>服务时长，等待时长：是在块层调度器队列和设备分发队列中等待的时间。服务时长：是块设备完成</a:t>
-            </a:r>
-            <a:r>
-              <a:rPr lang="en-US" altLang="zh-CN" sz="1600" dirty="0">
-                <a:latin typeface="Microsoft Tai Le" panose="020B0502040204020203" pitchFamily="34" charset="0"/>
-                <a:ea typeface="微软雅黑" panose="020B0503020204020204" pitchFamily="34" charset="-122"/>
-              </a:rPr>
-              <a:t>I/O</a:t>
-            </a:r>
-            <a:r>
-              <a:rPr lang="zh-CN" altLang="en-US" sz="1600" dirty="0">
-                <a:latin typeface="Microsoft Tai Le" panose="020B0502040204020203" pitchFamily="34" charset="0"/>
-                <a:ea typeface="微软雅黑" panose="020B0503020204020204" pitchFamily="34" charset="-122"/>
-              </a:rPr>
-              <a:t>的时间。下图截取一台正在编译</a:t>
-            </a:r>
-            <a:r>
-              <a:rPr lang="en-US" altLang="zh-CN" sz="1600" dirty="0">
-                <a:latin typeface="Microsoft Tai Le" panose="020B0502040204020203" pitchFamily="34" charset="0"/>
-                <a:ea typeface="微软雅黑" panose="020B0503020204020204" pitchFamily="34" charset="-122"/>
-              </a:rPr>
-              <a:t>kernel</a:t>
-            </a:r>
-            <a:r>
-              <a:rPr lang="zh-CN" altLang="en-US" sz="1600" dirty="0">
-                <a:latin typeface="Microsoft Tai Le" panose="020B0502040204020203" pitchFamily="34" charset="0"/>
-                <a:ea typeface="微软雅黑" panose="020B0503020204020204" pitchFamily="34" charset="-122"/>
-              </a:rPr>
-              <a:t>的机器。</a:t>
+              <a:t>优化策略</a:t>
             </a:r>
             <a:endParaRPr lang="en-US" altLang="zh-CN" sz="1600" dirty="0">
               <a:latin typeface="Microsoft Tai Le" panose="020B0502040204020203" pitchFamily="34" charset="0"/>
@@ -6845,127 +8815,61 @@
             </a:endParaRPr>
           </a:p>
           <a:p>
-            <a:pPr marL="0" indent="457200">
-              <a:lnSpc>
-                <a:spcPct val="150000"/>
-              </a:lnSpc>
-              <a:spcBef>
-                <a:spcPts val="600"/>
-              </a:spcBef>
-              <a:buNone/>
-            </a:pPr>
-            <a:r>
-              <a:rPr lang="zh-CN" altLang="en-US" sz="1600" dirty="0">
-                <a:latin typeface="Microsoft Tai Le" panose="020B0502040204020203" pitchFamily="34" charset="0"/>
-                <a:ea typeface="微软雅黑" panose="020B0503020204020204" pitchFamily="34" charset="-122"/>
-              </a:rPr>
-              <a:t>可见在编译到最后在链接生成</a:t>
-            </a:r>
-            <a:r>
-              <a:rPr lang="en-US" altLang="zh-CN" sz="1600" dirty="0" err="1">
-                <a:latin typeface="Microsoft Tai Le" panose="020B0502040204020203" pitchFamily="34" charset="0"/>
-                <a:ea typeface="微软雅黑" panose="020B0503020204020204" pitchFamily="34" charset="-122"/>
-              </a:rPr>
-              <a:t>vmlinux</a:t>
-            </a:r>
-            <a:r>
-              <a:rPr lang="zh-CN" altLang="en-US" sz="1600" dirty="0">
-                <a:latin typeface="Microsoft Tai Le" panose="020B0502040204020203" pitchFamily="34" charset="0"/>
-                <a:ea typeface="微软雅黑" panose="020B0503020204020204" pitchFamily="34" charset="-122"/>
-              </a:rPr>
-              <a:t>时，写请求在块设备</a:t>
-            </a:r>
-            <a:r>
-              <a:rPr lang="en-US" altLang="zh-CN" sz="1600" dirty="0" err="1">
-                <a:latin typeface="Microsoft Tai Le" panose="020B0502040204020203" pitchFamily="34" charset="0"/>
-                <a:ea typeface="微软雅黑" panose="020B0503020204020204" pitchFamily="34" charset="-122"/>
-              </a:rPr>
-              <a:t>sdc</a:t>
-            </a:r>
-            <a:r>
-              <a:rPr lang="zh-CN" altLang="en-US" sz="1600" dirty="0">
-                <a:latin typeface="Microsoft Tai Le" panose="020B0502040204020203" pitchFamily="34" charset="0"/>
-                <a:ea typeface="微软雅黑" panose="020B0503020204020204" pitchFamily="34" charset="-122"/>
-              </a:rPr>
-              <a:t>延迟是大大提升。</a:t>
-            </a:r>
-            <a:endParaRPr lang="en-US" altLang="zh-CN" sz="1600" dirty="0">
-              <a:latin typeface="Microsoft Tai Le" panose="020B0502040204020203" pitchFamily="34" charset="0"/>
-              <a:ea typeface="微软雅黑" panose="020B0503020204020204" pitchFamily="34" charset="-122"/>
-            </a:endParaRPr>
-          </a:p>
-          <a:p>
-            <a:pPr marL="457200" indent="-457200">
-              <a:lnSpc>
-                <a:spcPct val="150000"/>
-              </a:lnSpc>
-              <a:spcBef>
-                <a:spcPts val="600"/>
-              </a:spcBef>
-              <a:buFont typeface="+mj-lt"/>
-              <a:buAutoNum type="arabicPeriod" startAt="4"/>
-            </a:pPr>
-            <a:endParaRPr lang="en-US" altLang="zh-CN" sz="2000" b="1" dirty="0">
-              <a:latin typeface="Microsoft Tai Le" panose="020B0502040204020203" pitchFamily="34" charset="0"/>
-              <a:ea typeface="微软雅黑" panose="020B0503020204020204" pitchFamily="34" charset="-122"/>
-            </a:endParaRPr>
-          </a:p>
-          <a:p>
-            <a:pPr marL="0" indent="0">
-              <a:lnSpc>
-                <a:spcPct val="150000"/>
-              </a:lnSpc>
-              <a:spcBef>
-                <a:spcPts val="600"/>
-              </a:spcBef>
-              <a:buNone/>
-            </a:pPr>
-            <a:endParaRPr lang="en-US" altLang="zh-CN" sz="1600" dirty="0">
-              <a:latin typeface="Microsoft Tai Le" panose="020B0502040204020203" pitchFamily="34" charset="0"/>
-              <a:ea typeface="微软雅黑" panose="020B0503020204020204" pitchFamily="34" charset="-122"/>
-            </a:endParaRPr>
-          </a:p>
-          <a:p>
-            <a:pPr marL="0" indent="0">
-              <a:lnSpc>
-                <a:spcPct val="150000"/>
-              </a:lnSpc>
-              <a:spcBef>
-                <a:spcPts val="600"/>
-              </a:spcBef>
-              <a:buNone/>
-            </a:pPr>
-            <a:endParaRPr lang="en-US" altLang="zh-CN" sz="1600" dirty="0">
-              <a:latin typeface="Microsoft Tai Le" panose="020B0502040204020203" pitchFamily="34" charset="0"/>
-              <a:ea typeface="微软雅黑" panose="020B0503020204020204" pitchFamily="34" charset="-122"/>
-            </a:endParaRPr>
-          </a:p>
-          <a:p>
-            <a:pPr marL="0" indent="0">
-              <a:lnSpc>
-                <a:spcPct val="150000"/>
-              </a:lnSpc>
-              <a:spcBef>
-                <a:spcPts val="600"/>
-              </a:spcBef>
-              <a:buNone/>
-            </a:pPr>
-            <a:endParaRPr lang="en-US" altLang="zh-CN" sz="1800" dirty="0">
-              <a:latin typeface="Microsoft Tai Le" panose="020B0502040204020203" pitchFamily="34" charset="0"/>
-              <a:ea typeface="微软雅黑" panose="020B0503020204020204" pitchFamily="34" charset="-122"/>
-            </a:endParaRPr>
-          </a:p>
-          <a:p>
-            <a:pPr marL="0" indent="0">
-              <a:lnSpc>
-                <a:spcPct val="150000"/>
-              </a:lnSpc>
-              <a:spcBef>
-                <a:spcPts val="600"/>
-              </a:spcBef>
-              <a:buNone/>
-            </a:pPr>
-            <a:endParaRPr lang="en-US" altLang="zh-CN" sz="1800" dirty="0">
+            <a:pPr lvl="1">
+              <a:lnSpc>
+                <a:spcPct val="150000"/>
+              </a:lnSpc>
+              <a:spcBef>
+                <a:spcPts val="600"/>
+              </a:spcBef>
+              <a:buFont typeface="Wingdings" panose="05000000000000000000" pitchFamily="2" charset="2"/>
+              <a:buChar char="Ø"/>
+            </a:pPr>
+            <a:r>
+              <a:rPr lang="zh-CN" altLang="en-US" sz="1200" dirty="0">
+                <a:latin typeface="Microsoft Tai Le" panose="020B0502040204020203" pitchFamily="34" charset="0"/>
+                <a:ea typeface="微软雅黑" panose="020B0503020204020204" pitchFamily="34" charset="-122"/>
+              </a:rPr>
+              <a:t>给关键的业务的块设备设置延迟阈值报警。</a:t>
+            </a:r>
+            <a:endParaRPr lang="en-US" altLang="zh-CN" sz="1200" dirty="0">
+              <a:latin typeface="Microsoft Tai Le" panose="020B0502040204020203" pitchFamily="34" charset="0"/>
+              <a:ea typeface="微软雅黑" panose="020B0503020204020204" pitchFamily="34" charset="-122"/>
+            </a:endParaRPr>
+          </a:p>
+          <a:p>
+            <a:pPr lvl="1">
+              <a:lnSpc>
+                <a:spcPct val="150000"/>
+              </a:lnSpc>
+              <a:spcBef>
+                <a:spcPts val="600"/>
+              </a:spcBef>
+              <a:buFont typeface="Wingdings" panose="05000000000000000000" pitchFamily="2" charset="2"/>
+              <a:buChar char="Ø"/>
+            </a:pPr>
+            <a:r>
+              <a:rPr lang="zh-CN" altLang="en-US" sz="1200" dirty="0">
+                <a:latin typeface="Microsoft Tai Le" panose="020B0502040204020203" pitchFamily="34" charset="0"/>
+                <a:ea typeface="微软雅黑" panose="020B0503020204020204" pitchFamily="34" charset="-122"/>
+              </a:rPr>
+              <a:t>容量规划，如果</a:t>
+            </a:r>
+            <a:r>
+              <a:rPr lang="en-US" altLang="zh-CN" sz="1200" dirty="0">
+                <a:latin typeface="Microsoft Tai Le" panose="020B0502040204020203" pitchFamily="34" charset="0"/>
+                <a:ea typeface="微软雅黑" panose="020B0503020204020204" pitchFamily="34" charset="-122"/>
+              </a:rPr>
+              <a:t>Load</a:t>
+            </a:r>
+            <a:r>
+              <a:rPr lang="zh-CN" altLang="en-US" sz="1200" dirty="0">
+                <a:latin typeface="Microsoft Tai Le" panose="020B0502040204020203" pitchFamily="34" charset="0"/>
+                <a:ea typeface="微软雅黑" panose="020B0503020204020204" pitchFamily="34" charset="-122"/>
+              </a:rPr>
+              <a:t>太高，提供存储资源的并发能力，消除延迟。</a:t>
+            </a:r>
+            <a:endParaRPr lang="en-US" altLang="zh-CN" sz="1200" dirty="0">
               <a:latin typeface="Microsoft Tai Le" panose="020B0502040204020203" pitchFamily="34" charset="0"/>
               <a:ea typeface="微软雅黑" panose="020B0503020204020204" pitchFamily="34" charset="-122"/>
             </a:endParaRPr>
@@ -7001,10 +8905,10 @@
       </p:sp>
       <p:pic>
         <p:nvPicPr>
-          <p:cNvPr id="3" name="图片 2">
+          <p:cNvPr id="5" name="图片 4">
             <a:extLst>
               <a:ext uri="{FF2B5EF4-FFF2-40B4-BE49-F238E27FC236}">
-                <a16:creationId xmlns:a16="http://schemas.microsoft.com/office/drawing/2014/main" id="{09F189CC-CA02-482F-E591-06960B407CE4}"/>
+                <a16:creationId xmlns:a16="http://schemas.microsoft.com/office/drawing/2014/main" id="{BEEF9F28-F289-F17D-9D1C-B7C225DBB0A0}"/>
               </a:ext>
             </a:extLst>
           </p:cNvPr>
@@ -7021,8 +8925,8 @@
         </p:blipFill>
         <p:spPr>
           <a:xfrm>
-            <a:off x="342900" y="4060557"/>
-            <a:ext cx="11532268" cy="1860860"/>
+            <a:off x="330947" y="3429000"/>
+            <a:ext cx="11515987" cy="1923494"/>
           </a:xfrm>
           <a:prstGeom prst="rect">
             <a:avLst/>
@@ -7112,7 +9016,7 @@
                 <a:spcPts val="600"/>
               </a:spcBef>
               <a:buFont typeface="+mj-lt"/>
-              <a:buAutoNum type="arabicPeriod" startAt="4"/>
+              <a:buAutoNum type="arabicPeriod" startAt="5"/>
             </a:pPr>
             <a:r>
               <a:rPr lang="en-US" altLang="zh-CN" sz="2000" b="1" dirty="0" err="1">
@@ -7140,13 +9044,6 @@
               <a:buNone/>
             </a:pPr>
             <a:r>
-              <a:rPr lang="zh-CN" altLang="en-US" sz="1600" dirty="0">
-                <a:latin typeface="Microsoft Tai Le" panose="020B0502040204020203" pitchFamily="34" charset="0"/>
-                <a:ea typeface="微软雅黑" panose="020B0503020204020204" pitchFamily="34" charset="-122"/>
-              </a:rPr>
-              <a:t>块</a:t>
-            </a:r>
-            <a:r>
               <a:rPr lang="en-US" altLang="zh-CN" sz="1600" dirty="0">
                 <a:latin typeface="Microsoft Tai Le" panose="020B0502040204020203" pitchFamily="34" charset="0"/>
                 <a:ea typeface="微软雅黑" panose="020B0503020204020204" pitchFamily="34" charset="-122"/>
@@ -7158,7 +9055,21 @@
                 <a:latin typeface="Microsoft Tai Le" panose="020B0502040204020203" pitchFamily="34" charset="0"/>
                 <a:ea typeface="微软雅黑" panose="020B0503020204020204" pitchFamily="34" charset="-122"/>
               </a:rPr>
-              <a:t>请求在队列中的延迟，等待时长。</a:t>
+              <a:t>请求在</a:t>
+            </a:r>
+            <a:r>
+              <a:rPr lang="en-US" altLang="zh-CN" sz="1600" dirty="0">
+                <a:latin typeface="Microsoft Tai Le" panose="020B0502040204020203" pitchFamily="34" charset="0"/>
+                <a:ea typeface="微软雅黑" panose="020B0503020204020204" pitchFamily="34" charset="-122"/>
+              </a:rPr>
+              <a:t>I/O</a:t>
+            </a:r>
+            <a:r>
+              <a:rPr lang="zh-CN" altLang="en-US" sz="1600" dirty="0">
+                <a:latin typeface="Microsoft Tai Le" panose="020B0502040204020203" pitchFamily="34" charset="0"/>
+                <a:ea typeface="微软雅黑" panose="020B0503020204020204" pitchFamily="34" charset="-122"/>
+              </a:rPr>
+              <a:t>调度层的队列中的延迟，等待时长。</a:t>
             </a:r>
             <a:endParaRPr lang="en-US" altLang="zh-CN" sz="1600" dirty="0">
               <a:latin typeface="Microsoft Tai Le" panose="020B0502040204020203" pitchFamily="34" charset="0"/>
@@ -7180,21 +9091,70 @@
                 <a:latin typeface="Microsoft Tai Le" panose="020B0502040204020203" pitchFamily="34" charset="0"/>
                 <a:ea typeface="微软雅黑" panose="020B0503020204020204" pitchFamily="34" charset="-122"/>
               </a:rPr>
-              <a:t>平时空闲的机器，这个延迟分布是非常低的，基本都是几微秒。同样在链接生成</a:t>
+              <a:t>指标说明：</a:t>
+            </a:r>
+            <a:r>
+              <a:rPr lang="en-US" altLang="zh-CN" sz="1600" dirty="0">
+                <a:latin typeface="Microsoft Tai Le" panose="020B0502040204020203" pitchFamily="34" charset="0"/>
+                <a:ea typeface="微软雅黑" panose="020B0503020204020204" pitchFamily="34" charset="-122"/>
+              </a:rPr>
+              <a:t>I/O</a:t>
+            </a:r>
+            <a:r>
+              <a:rPr lang="zh-CN" altLang="en-US" sz="1600" dirty="0">
+                <a:latin typeface="Microsoft Tai Le" panose="020B0502040204020203" pitchFamily="34" charset="0"/>
+                <a:ea typeface="微软雅黑" panose="020B0503020204020204" pitchFamily="34" charset="-122"/>
+              </a:rPr>
+              <a:t>调度层用来管理块设备的请求队列，决定队列中请求排列顺序及什么时候派发请求到块设备。这样做有利于减少磁盘寻址时间，从而提高全局吞吐量。</a:t>
+            </a:r>
+            <a:r>
+              <a:rPr lang="en-US" altLang="zh-CN" sz="1600" dirty="0">
+                <a:latin typeface="Microsoft Tai Le" panose="020B0502040204020203" pitchFamily="34" charset="0"/>
+                <a:ea typeface="微软雅黑" panose="020B0503020204020204" pitchFamily="34" charset="-122"/>
+              </a:rPr>
+              <a:t>I/O</a:t>
+            </a:r>
+            <a:r>
+              <a:rPr lang="zh-CN" altLang="en-US" sz="1600" dirty="0">
+                <a:latin typeface="Microsoft Tai Le" panose="020B0502040204020203" pitchFamily="34" charset="0"/>
+                <a:ea typeface="微软雅黑" panose="020B0503020204020204" pitchFamily="34" charset="-122"/>
+              </a:rPr>
+              <a:t>调度层通过</a:t>
+            </a:r>
+            <a:r>
+              <a:rPr lang="en-US" altLang="zh-CN" sz="1600" dirty="0">
+                <a:latin typeface="Microsoft Tai Le" panose="020B0502040204020203" pitchFamily="34" charset="0"/>
+                <a:ea typeface="微软雅黑" panose="020B0503020204020204" pitchFamily="34" charset="-122"/>
+              </a:rPr>
+              <a:t>struct </a:t>
             </a:r>
             <a:r>
               <a:rPr lang="en-US" altLang="zh-CN" sz="1600" dirty="0" err="1">
                 <a:latin typeface="Microsoft Tai Le" panose="020B0502040204020203" pitchFamily="34" charset="0"/>
                 <a:ea typeface="微软雅黑" panose="020B0503020204020204" pitchFamily="34" charset="-122"/>
               </a:rPr>
-              <a:t>vmlinux</a:t>
-            </a:r>
-            <a:r>
-              <a:rPr lang="zh-CN" altLang="en-US" sz="1600" dirty="0">
-                <a:latin typeface="Microsoft Tai Le" panose="020B0502040204020203" pitchFamily="34" charset="0"/>
-                <a:ea typeface="微软雅黑" panose="020B0503020204020204" pitchFamily="34" charset="-122"/>
-              </a:rPr>
-              <a:t>时，队列的延迟也有了一个较大的增长。</a:t>
+              <a:t>elevator_type</a:t>
+            </a:r>
+            <a:r>
+              <a:rPr lang="zh-CN" altLang="en-US" sz="1600" dirty="0">
+                <a:latin typeface="Microsoft Tai Le" panose="020B0502040204020203" pitchFamily="34" charset="0"/>
+                <a:ea typeface="微软雅黑" panose="020B0503020204020204" pitchFamily="34" charset="-122"/>
+              </a:rPr>
+              <a:t>来适配各种不同的</a:t>
+            </a:r>
+            <a:r>
+              <a:rPr lang="en-US" altLang="zh-CN" sz="1600" dirty="0">
+                <a:latin typeface="Microsoft Tai Le" panose="020B0502040204020203" pitchFamily="34" charset="0"/>
+                <a:ea typeface="微软雅黑" panose="020B0503020204020204" pitchFamily="34" charset="-122"/>
+              </a:rPr>
+              <a:t>I/O</a:t>
+            </a:r>
+            <a:r>
+              <a:rPr lang="zh-CN" altLang="en-US" sz="1600" dirty="0">
+                <a:latin typeface="Microsoft Tai Le" panose="020B0502040204020203" pitchFamily="34" charset="0"/>
+                <a:ea typeface="微软雅黑" panose="020B0503020204020204" pitchFamily="34" charset="-122"/>
+              </a:rPr>
+              <a:t>调度算法。</a:t>
             </a:r>
             <a:endParaRPr lang="en-US" altLang="zh-CN" sz="1600" dirty="0">
               <a:latin typeface="Microsoft Tai Le" panose="020B0502040204020203" pitchFamily="34" charset="0"/>
@@ -7211,7 +9171,196 @@
               </a:spcBef>
               <a:buNone/>
             </a:pPr>
+            <a:r>
+              <a:rPr lang="zh-CN" altLang="en-US" sz="1600" dirty="0">
+                <a:latin typeface="Microsoft Tai Le" panose="020B0502040204020203" pitchFamily="34" charset="0"/>
+                <a:ea typeface="微软雅黑" panose="020B0503020204020204" pitchFamily="34" charset="-122"/>
+              </a:rPr>
+              <a:t>通过该指标能观察到</a:t>
+            </a:r>
+            <a:r>
+              <a:rPr lang="en-US" altLang="zh-CN" sz="1600" dirty="0">
+                <a:latin typeface="Microsoft Tai Le" panose="020B0502040204020203" pitchFamily="34" charset="0"/>
+                <a:ea typeface="微软雅黑" panose="020B0503020204020204" pitchFamily="34" charset="-122"/>
+              </a:rPr>
+              <a:t>Request</a:t>
+            </a:r>
+            <a:r>
+              <a:rPr lang="zh-CN" altLang="en-US" sz="1600" dirty="0">
+                <a:latin typeface="Microsoft Tai Le" panose="020B0502040204020203" pitchFamily="34" charset="0"/>
+                <a:ea typeface="微软雅黑" panose="020B0503020204020204" pitchFamily="34" charset="-122"/>
+              </a:rPr>
+              <a:t>在队列中的延迟分布，堆积的数量。可对系统优化提供以下帮助</a:t>
+            </a:r>
             <a:endParaRPr lang="en-US" altLang="zh-CN" sz="1600" dirty="0">
+              <a:latin typeface="Microsoft Tai Le" panose="020B0502040204020203" pitchFamily="34" charset="0"/>
+              <a:ea typeface="微软雅黑" panose="020B0503020204020204" pitchFamily="34" charset="-122"/>
+            </a:endParaRPr>
+          </a:p>
+          <a:p>
+            <a:pPr lvl="1">
+              <a:lnSpc>
+                <a:spcPct val="150000"/>
+              </a:lnSpc>
+              <a:spcBef>
+                <a:spcPts val="600"/>
+              </a:spcBef>
+              <a:buFont typeface="Wingdings" panose="05000000000000000000" pitchFamily="2" charset="2"/>
+              <a:buChar char="Ø"/>
+            </a:pPr>
+            <a:r>
+              <a:rPr lang="zh-CN" altLang="en-US" sz="1200" dirty="0">
+                <a:latin typeface="Microsoft Tai Le" panose="020B0502040204020203" pitchFamily="34" charset="0"/>
+                <a:ea typeface="微软雅黑" panose="020B0503020204020204" pitchFamily="34" charset="-122"/>
+              </a:rPr>
+              <a:t>分析</a:t>
+            </a:r>
+            <a:r>
+              <a:rPr lang="en-US" altLang="zh-CN" sz="1200" dirty="0">
+                <a:latin typeface="Microsoft Tai Le" panose="020B0502040204020203" pitchFamily="34" charset="0"/>
+                <a:ea typeface="微软雅黑" panose="020B0503020204020204" pitchFamily="34" charset="-122"/>
+              </a:rPr>
+              <a:t>I/O</a:t>
+            </a:r>
+            <a:r>
+              <a:rPr lang="zh-CN" altLang="en-US" sz="1200" dirty="0">
+                <a:latin typeface="Microsoft Tai Le" panose="020B0502040204020203" pitchFamily="34" charset="0"/>
+                <a:ea typeface="微软雅黑" panose="020B0503020204020204" pitchFamily="34" charset="-122"/>
+              </a:rPr>
+              <a:t>调度器的性能瓶颈，从而优化</a:t>
+            </a:r>
+            <a:r>
+              <a:rPr lang="en-US" altLang="zh-CN" sz="1200" dirty="0">
+                <a:latin typeface="Microsoft Tai Le" panose="020B0502040204020203" pitchFamily="34" charset="0"/>
+                <a:ea typeface="微软雅黑" panose="020B0503020204020204" pitchFamily="34" charset="-122"/>
+              </a:rPr>
+              <a:t>I/O</a:t>
+            </a:r>
+            <a:r>
+              <a:rPr lang="zh-CN" altLang="en-US" sz="1200" dirty="0">
+                <a:latin typeface="Microsoft Tai Le" panose="020B0502040204020203" pitchFamily="34" charset="0"/>
+                <a:ea typeface="微软雅黑" panose="020B0503020204020204" pitchFamily="34" charset="-122"/>
+              </a:rPr>
+              <a:t>调度器的性能。</a:t>
+            </a:r>
+            <a:endParaRPr lang="en-US" altLang="zh-CN" sz="1200" dirty="0">
+              <a:latin typeface="Microsoft Tai Le" panose="020B0502040204020203" pitchFamily="34" charset="0"/>
+              <a:ea typeface="微软雅黑" panose="020B0503020204020204" pitchFamily="34" charset="-122"/>
+            </a:endParaRPr>
+          </a:p>
+          <a:p>
+            <a:pPr lvl="1">
+              <a:lnSpc>
+                <a:spcPct val="150000"/>
+              </a:lnSpc>
+              <a:spcBef>
+                <a:spcPts val="600"/>
+              </a:spcBef>
+              <a:buFont typeface="Wingdings" panose="05000000000000000000" pitchFamily="2" charset="2"/>
+              <a:buChar char="Ø"/>
+            </a:pPr>
+            <a:r>
+              <a:rPr lang="zh-CN" altLang="en-US" sz="1200" dirty="0">
+                <a:latin typeface="Microsoft Tai Le" panose="020B0502040204020203" pitchFamily="34" charset="0"/>
+                <a:ea typeface="微软雅黑" panose="020B0503020204020204" pitchFamily="34" charset="-122"/>
+              </a:rPr>
+              <a:t>确定</a:t>
+            </a:r>
+            <a:r>
+              <a:rPr lang="en-US" altLang="zh-CN" sz="1200" dirty="0">
+                <a:latin typeface="Microsoft Tai Le" panose="020B0502040204020203" pitchFamily="34" charset="0"/>
+                <a:ea typeface="微软雅黑" panose="020B0503020204020204" pitchFamily="34" charset="-122"/>
+              </a:rPr>
+              <a:t>I/O Request</a:t>
+            </a:r>
+            <a:r>
+              <a:rPr lang="zh-CN" altLang="en-US" sz="1200" dirty="0">
+                <a:latin typeface="Microsoft Tai Le" panose="020B0502040204020203" pitchFamily="34" charset="0"/>
+                <a:ea typeface="微软雅黑" panose="020B0503020204020204" pitchFamily="34" charset="-122"/>
+              </a:rPr>
+              <a:t>的处理时间，优化</a:t>
+            </a:r>
+            <a:r>
+              <a:rPr lang="en-US" altLang="zh-CN" sz="1200" dirty="0">
+                <a:latin typeface="Microsoft Tai Le" panose="020B0502040204020203" pitchFamily="34" charset="0"/>
+                <a:ea typeface="微软雅黑" panose="020B0503020204020204" pitchFamily="34" charset="-122"/>
+              </a:rPr>
+              <a:t>I/O Request</a:t>
+            </a:r>
+            <a:r>
+              <a:rPr lang="zh-CN" altLang="en-US" sz="1200" dirty="0">
+                <a:latin typeface="Microsoft Tai Le" panose="020B0502040204020203" pitchFamily="34" charset="0"/>
+                <a:ea typeface="微软雅黑" panose="020B0503020204020204" pitchFamily="34" charset="-122"/>
+              </a:rPr>
+              <a:t>的处理时间。</a:t>
+            </a:r>
+            <a:endParaRPr lang="en-US" altLang="zh-CN" sz="1200" dirty="0">
+              <a:latin typeface="Microsoft Tai Le" panose="020B0502040204020203" pitchFamily="34" charset="0"/>
+              <a:ea typeface="微软雅黑" panose="020B0503020204020204" pitchFamily="34" charset="-122"/>
+            </a:endParaRPr>
+          </a:p>
+          <a:p>
+            <a:pPr lvl="1">
+              <a:lnSpc>
+                <a:spcPct val="150000"/>
+              </a:lnSpc>
+              <a:spcBef>
+                <a:spcPts val="600"/>
+              </a:spcBef>
+              <a:buFont typeface="Wingdings" panose="05000000000000000000" pitchFamily="2" charset="2"/>
+              <a:buChar char="Ø"/>
+            </a:pPr>
+            <a:r>
+              <a:rPr lang="zh-CN" altLang="en-US" sz="1200" dirty="0">
+                <a:latin typeface="Microsoft Tai Le" panose="020B0502040204020203" pitchFamily="34" charset="0"/>
+                <a:ea typeface="微软雅黑" panose="020B0503020204020204" pitchFamily="34" charset="-122"/>
+              </a:rPr>
+              <a:t>确定</a:t>
+            </a:r>
+            <a:r>
+              <a:rPr lang="en-US" altLang="zh-CN" sz="1200" dirty="0">
+                <a:latin typeface="Microsoft Tai Le" panose="020B0502040204020203" pitchFamily="34" charset="0"/>
+                <a:ea typeface="微软雅黑" panose="020B0503020204020204" pitchFamily="34" charset="-122"/>
+              </a:rPr>
+              <a:t>I/O Request</a:t>
+            </a:r>
+            <a:r>
+              <a:rPr lang="zh-CN" altLang="en-US" sz="1200" dirty="0">
+                <a:latin typeface="Microsoft Tai Le" panose="020B0502040204020203" pitchFamily="34" charset="0"/>
+                <a:ea typeface="微软雅黑" panose="020B0503020204020204" pitchFamily="34" charset="-122"/>
+              </a:rPr>
+              <a:t>的处理顺序，优化</a:t>
+            </a:r>
+            <a:r>
+              <a:rPr lang="en-US" altLang="zh-CN" sz="1200" dirty="0">
+                <a:latin typeface="Microsoft Tai Le" panose="020B0502040204020203" pitchFamily="34" charset="0"/>
+                <a:ea typeface="微软雅黑" panose="020B0503020204020204" pitchFamily="34" charset="-122"/>
+              </a:rPr>
+              <a:t>I/O Request</a:t>
+            </a:r>
+            <a:r>
+              <a:rPr lang="zh-CN" altLang="en-US" sz="1200" dirty="0">
+                <a:latin typeface="Microsoft Tai Le" panose="020B0502040204020203" pitchFamily="34" charset="0"/>
+                <a:ea typeface="微软雅黑" panose="020B0503020204020204" pitchFamily="34" charset="-122"/>
+              </a:rPr>
+              <a:t>的处理顺序。</a:t>
+            </a:r>
+            <a:endParaRPr lang="en-US" altLang="zh-CN" sz="1200" dirty="0">
+              <a:latin typeface="Microsoft Tai Le" panose="020B0502040204020203" pitchFamily="34" charset="0"/>
+              <a:ea typeface="微软雅黑" panose="020B0503020204020204" pitchFamily="34" charset="-122"/>
+            </a:endParaRPr>
+          </a:p>
+          <a:p>
+            <a:pPr marL="457200" lvl="1" indent="0">
+              <a:lnSpc>
+                <a:spcPct val="150000"/>
+              </a:lnSpc>
+              <a:spcBef>
+                <a:spcPts val="600"/>
+              </a:spcBef>
+              <a:buNone/>
+            </a:pPr>
+            <a:endParaRPr lang="en-US" altLang="zh-CN" sz="1200" dirty="0">
               <a:latin typeface="Microsoft Tai Le" panose="020B0502040204020203" pitchFamily="34" charset="0"/>
               <a:ea typeface="微软雅黑" panose="020B0503020204020204" pitchFamily="34" charset="-122"/>
             </a:endParaRPr>
@@ -7272,56 +9421,6 @@
               </a:spcBef>
               <a:buNone/>
             </a:pPr>
-            <a:endParaRPr lang="en-US" altLang="zh-CN" sz="1800" dirty="0">
-              <a:latin typeface="Microsoft Tai Le" panose="020B0502040204020203" pitchFamily="34" charset="0"/>
-              <a:ea typeface="微软雅黑" panose="020B0503020204020204" pitchFamily="34" charset="-122"/>
-            </a:endParaRPr>
-          </a:p>
-          <a:p>
-            <a:pPr marL="0" indent="457200">
-              <a:lnSpc>
-                <a:spcPct val="150000"/>
-              </a:lnSpc>
-              <a:spcBef>
-                <a:spcPts val="600"/>
-              </a:spcBef>
-              <a:buNone/>
-            </a:pPr>
-            <a:r>
-              <a:rPr lang="zh-CN" altLang="en-US" sz="1800" dirty="0">
-                <a:latin typeface="Microsoft Tai Le" panose="020B0502040204020203" pitchFamily="34" charset="0"/>
-                <a:ea typeface="微软雅黑" panose="020B0503020204020204" pitchFamily="34" charset="-122"/>
-              </a:rPr>
-              <a:t>这</a:t>
-            </a:r>
-            <a:r>
-              <a:rPr lang="en-US" altLang="zh-CN" sz="1800" dirty="0">
-                <a:latin typeface="Microsoft Tai Le" panose="020B0502040204020203" pitchFamily="34" charset="0"/>
-                <a:ea typeface="微软雅黑" panose="020B0503020204020204" pitchFamily="34" charset="-122"/>
-              </a:rPr>
-              <a:t>4</a:t>
-            </a:r>
-            <a:r>
-              <a:rPr lang="zh-CN" altLang="en-US" sz="1800" dirty="0">
-                <a:latin typeface="Microsoft Tai Le" panose="020B0502040204020203" pitchFamily="34" charset="0"/>
-                <a:ea typeface="微软雅黑" panose="020B0503020204020204" pitchFamily="34" charset="-122"/>
-              </a:rPr>
-              <a:t>个指标常用来分析存储设备的延迟问题：</a:t>
-            </a:r>
-            <a:r>
-              <a:rPr lang="en-US" altLang="zh-CN" sz="1800" dirty="0">
-                <a:latin typeface="Microsoft Tai Le" panose="020B0502040204020203" pitchFamily="34" charset="0"/>
-                <a:ea typeface="微软雅黑" panose="020B0503020204020204" pitchFamily="34" charset="-122"/>
-              </a:rPr>
-              <a:t>Request</a:t>
-            </a:r>
-            <a:r>
-              <a:rPr lang="zh-CN" altLang="en-US" sz="1800" dirty="0">
-                <a:latin typeface="Microsoft Tai Le" panose="020B0502040204020203" pitchFamily="34" charset="0"/>
-                <a:ea typeface="微软雅黑" panose="020B0503020204020204" pitchFamily="34" charset="-122"/>
-              </a:rPr>
-              <a:t>的延迟分布，排队时间，驱动执行时间。</a:t>
-            </a:r>
             <a:endParaRPr lang="en-US" altLang="zh-CN" sz="1800" dirty="0">
               <a:latin typeface="Microsoft Tai Le" panose="020B0502040204020203" pitchFamily="34" charset="0"/>
               <a:ea typeface="微软雅黑" panose="020B0503020204020204" pitchFamily="34" charset="-122"/>
@@ -7373,10 +9472,10 @@
       </p:sp>
       <p:pic>
         <p:nvPicPr>
-          <p:cNvPr id="6" name="图片 5">
+          <p:cNvPr id="3" name="图片 2">
             <a:extLst>
               <a:ext uri="{FF2B5EF4-FFF2-40B4-BE49-F238E27FC236}">
-                <a16:creationId xmlns:a16="http://schemas.microsoft.com/office/drawing/2014/main" id="{DC06F3B2-7B67-8BA6-A8BC-EC815DB97564}"/>
+                <a16:creationId xmlns:a16="http://schemas.microsoft.com/office/drawing/2014/main" id="{6CB81555-A8D7-AAA4-9372-7C24EDD49C7D}"/>
               </a:ext>
             </a:extLst>
           </p:cNvPr>
@@ -7386,15 +9485,15 @@
           <p:nvPr/>
         </p:nvPicPr>
         <p:blipFill>
-          <a:blip r:embed="rId2"/>
+          <a:blip r:embed="rId3"/>
           <a:stretch>
             <a:fillRect/>
           </a:stretch>
         </p:blipFill>
         <p:spPr>
           <a:xfrm>
-            <a:off x="466725" y="2197400"/>
-            <a:ext cx="11258550" cy="2083135"/>
+            <a:off x="1658470" y="3726348"/>
+            <a:ext cx="8875059" cy="2866957"/>
           </a:xfrm>
           <a:prstGeom prst="rect">
             <a:avLst/>
@@ -7460,8 +9559,8 @@
         </p:nvSpPr>
         <p:spPr>
           <a:xfrm>
-            <a:off x="342900" y="264695"/>
-            <a:ext cx="11532268" cy="5771670"/>
+            <a:off x="342900" y="264694"/>
+            <a:ext cx="11532268" cy="6250405"/>
           </a:xfrm>
           <a:solidFill>
             <a:schemeClr val="accent3">
@@ -7472,7 +9571,7 @@
         </p:spPr>
         <p:txBody>
           <a:bodyPr>
-            <a:normAutofit/>
+            <a:normAutofit fontScale="92500" lnSpcReduction="20000"/>
           </a:bodyPr>
           <a:lstStyle/>
           <a:p>
@@ -7484,7 +9583,7 @@
                 <a:spcPts val="600"/>
               </a:spcBef>
               <a:buFont typeface="+mj-lt"/>
-              <a:buAutoNum type="arabicPeriod" startAt="5"/>
+              <a:buAutoNum type="arabicPeriod" startAt="6"/>
             </a:pPr>
             <a:r>
               <a:rPr lang="en-US" altLang="zh-CN" sz="2000" b="1" dirty="0" err="1">
@@ -7516,7 +9615,21 @@
                 <a:latin typeface="Microsoft Tai Le" panose="020B0502040204020203" pitchFamily="34" charset="0"/>
                 <a:ea typeface="微软雅黑" panose="020B0503020204020204" pitchFamily="34" charset="-122"/>
               </a:rPr>
-              <a:t>块设备上随机读，顺序读的比率；随机写，顺序写的比率。</a:t>
+              <a:t>识别随机</a:t>
+            </a:r>
+            <a:r>
+              <a:rPr lang="en-US" altLang="zh-CN" sz="1600" dirty="0">
+                <a:latin typeface="Microsoft Tai Le" panose="020B0502040204020203" pitchFamily="34" charset="0"/>
+                <a:ea typeface="微软雅黑" panose="020B0503020204020204" pitchFamily="34" charset="-122"/>
+              </a:rPr>
+              <a:t>/</a:t>
+            </a:r>
+            <a:r>
+              <a:rPr lang="zh-CN" altLang="en-US" sz="1600" dirty="0">
+                <a:latin typeface="Microsoft Tai Le" panose="020B0502040204020203" pitchFamily="34" charset="0"/>
+                <a:ea typeface="微软雅黑" panose="020B0503020204020204" pitchFamily="34" charset="-122"/>
+              </a:rPr>
+              <a:t>顺序磁盘访问模式。</a:t>
             </a:r>
             <a:endParaRPr lang="en-US" altLang="zh-CN" sz="1600" dirty="0">
               <a:latin typeface="Microsoft Tai Le" panose="020B0502040204020203" pitchFamily="34" charset="0"/>
@@ -7545,7 +9658,7 @@
                 <a:latin typeface="Microsoft Tai Le" panose="020B0502040204020203" pitchFamily="34" charset="0"/>
                 <a:ea typeface="微软雅黑" panose="020B0503020204020204" pitchFamily="34" charset="-122"/>
               </a:rPr>
-              <a:t>request</a:t>
+              <a:t>Request</a:t>
             </a:r>
             <a:r>
               <a:rPr lang="zh-CN" altLang="en-US" sz="1600" dirty="0">
@@ -7559,14 +9672,14 @@
                 <a:latin typeface="Microsoft Tai Le" panose="020B0502040204020203" pitchFamily="34" charset="0"/>
                 <a:ea typeface="微软雅黑" panose="020B0503020204020204" pitchFamily="34" charset="-122"/>
               </a:rPr>
-              <a:t>RW</a:t>
-            </a:r>
-            <a:r>
-              <a:rPr lang="zh-CN" altLang="en-US" sz="1600" dirty="0">
-                <a:latin typeface="Microsoft Tai Le" panose="020B0502040204020203" pitchFamily="34" charset="0"/>
-                <a:ea typeface="微软雅黑" panose="020B0503020204020204" pitchFamily="34" charset="-122"/>
-              </a:rPr>
-              <a:t>），记录每次操作的扇区号，判断其连续性。</a:t>
+              <a:t>RW)</a:t>
+            </a:r>
+            <a:r>
+              <a:rPr lang="zh-CN" altLang="en-US" sz="1600" dirty="0">
+                <a:latin typeface="Microsoft Tai Le" panose="020B0502040204020203" pitchFamily="34" charset="0"/>
+                <a:ea typeface="微软雅黑" panose="020B0503020204020204" pitchFamily="34" charset="-122"/>
+              </a:rPr>
+              <a:t>，操作的扇区号。判断扇区操作的连续性。</a:t>
             </a:r>
             <a:endParaRPr lang="en-US" altLang="zh-CN" sz="1600" dirty="0">
               <a:latin typeface="Microsoft Tai Le" panose="020B0502040204020203" pitchFamily="34" charset="0"/>
@@ -7588,21 +9701,35 @@
                 <a:latin typeface="Microsoft Tai Le" panose="020B0502040204020203" pitchFamily="34" charset="0"/>
                 <a:ea typeface="微软雅黑" panose="020B0503020204020204" pitchFamily="34" charset="-122"/>
               </a:rPr>
-              <a:t>指标说明：这是一个读很空闲的块设备，仅有的读也都是随机读。写操作很频繁，而且基本都是随机写。针对不同的应用负载，例如</a:t>
+              <a:t>指标说明：这是一个正在使用</a:t>
             </a:r>
             <a:r>
               <a:rPr lang="en-US" altLang="zh-CN" sz="1600" dirty="0" err="1">
                 <a:latin typeface="Microsoft Tai Le" panose="020B0502040204020203" pitchFamily="34" charset="0"/>
                 <a:ea typeface="微软雅黑" panose="020B0503020204020204" pitchFamily="34" charset="-122"/>
               </a:rPr>
-              <a:t>kafka</a:t>
-            </a:r>
-            <a:r>
-              <a:rPr lang="zh-CN" altLang="en-US" sz="1600" dirty="0">
-                <a:latin typeface="Microsoft Tai Le" panose="020B0502040204020203" pitchFamily="34" charset="0"/>
-                <a:ea typeface="微软雅黑" panose="020B0503020204020204" pitchFamily="34" charset="-122"/>
-              </a:rPr>
-              <a:t>将数据追加到文件末尾，提高写入磁盘的速度，该指标可以反映出是否符合设计预期。</a:t>
+              <a:t>gcc</a:t>
+            </a:r>
+            <a:r>
+              <a:rPr lang="zh-CN" altLang="en-US" sz="1600" dirty="0">
+                <a:latin typeface="Microsoft Tai Le" panose="020B0502040204020203" pitchFamily="34" charset="0"/>
+                <a:ea typeface="微软雅黑" panose="020B0503020204020204" pitchFamily="34" charset="-122"/>
+              </a:rPr>
+              <a:t>编译</a:t>
+            </a:r>
+            <a:r>
+              <a:rPr lang="en-US" altLang="zh-CN" sz="1600" dirty="0">
+                <a:latin typeface="Microsoft Tai Le" panose="020B0502040204020203" pitchFamily="34" charset="0"/>
+                <a:ea typeface="微软雅黑" panose="020B0503020204020204" pitchFamily="34" charset="-122"/>
+              </a:rPr>
+              <a:t>kernel</a:t>
+            </a:r>
+            <a:r>
+              <a:rPr lang="zh-CN" altLang="en-US" sz="1600" dirty="0">
+                <a:latin typeface="Microsoft Tai Le" panose="020B0502040204020203" pitchFamily="34" charset="0"/>
+                <a:ea typeface="微软雅黑" panose="020B0503020204020204" pitchFamily="34" charset="-122"/>
+              </a:rPr>
+              <a:t>的环境，可见基本都是随机读写操作。</a:t>
             </a:r>
             <a:endParaRPr lang="en-US" altLang="zh-CN" sz="1600" dirty="0">
               <a:latin typeface="Microsoft Tai Le" panose="020B0502040204020203" pitchFamily="34" charset="0"/>
@@ -7634,22 +9761,7 @@
               </a:spcBef>
               <a:buNone/>
             </a:pPr>
-            <a:endParaRPr lang="en-US" altLang="zh-CN" sz="1800" dirty="0">
-              <a:latin typeface="Microsoft Tai Le" panose="020B0502040204020203" pitchFamily="34" charset="0"/>
-              <a:ea typeface="微软雅黑" panose="020B0503020204020204" pitchFamily="34" charset="-122"/>
-            </a:endParaRPr>
-          </a:p>
-          <a:p>
-            <a:pPr marL="0" indent="0">
-              <a:lnSpc>
-                <a:spcPct val="150000"/>
-              </a:lnSpc>
-              <a:spcBef>
-                <a:spcPts val="600"/>
-              </a:spcBef>
-              <a:buNone/>
-            </a:pPr>
-            <a:endParaRPr lang="en-US" altLang="zh-CN" sz="1800" dirty="0">
+            <a:endParaRPr lang="en-US" altLang="zh-CN" sz="1600" dirty="0">
               <a:latin typeface="Microsoft Tai Le" panose="020B0502040204020203" pitchFamily="34" charset="0"/>
               <a:ea typeface="微软雅黑" panose="020B0503020204020204" pitchFamily="34" charset="-122"/>
             </a:endParaRPr>
@@ -7664,19 +9776,208 @@
               </a:spcBef>
               <a:buNone/>
             </a:pPr>
-            <a:endParaRPr lang="en-US" altLang="zh-CN" sz="1800" dirty="0">
-              <a:latin typeface="Microsoft Tai Le" panose="020B0502040204020203" pitchFamily="34" charset="0"/>
-              <a:ea typeface="微软雅黑" panose="020B0503020204020204" pitchFamily="34" charset="-122"/>
-            </a:endParaRPr>
-          </a:p>
-          <a:p>
-            <a:pPr marL="0" indent="0">
-              <a:lnSpc>
-                <a:spcPct val="150000"/>
-              </a:lnSpc>
-              <a:buNone/>
-            </a:pPr>
-            <a:endParaRPr lang="en-US" altLang="zh-CN" sz="1800" dirty="0">
+            <a:endParaRPr lang="en-US" altLang="zh-CN" sz="1600" dirty="0">
+              <a:latin typeface="Microsoft Tai Le" panose="020B0502040204020203" pitchFamily="34" charset="0"/>
+              <a:ea typeface="微软雅黑" panose="020B0503020204020204" pitchFamily="34" charset="-122"/>
+            </a:endParaRPr>
+          </a:p>
+          <a:p>
+            <a:pPr marL="0" indent="457200">
+              <a:lnSpc>
+                <a:spcPct val="150000"/>
+              </a:lnSpc>
+              <a:spcBef>
+                <a:spcPts val="600"/>
+              </a:spcBef>
+              <a:buNone/>
+            </a:pPr>
+            <a:endParaRPr lang="en-US" altLang="zh-CN" sz="1600" dirty="0">
+              <a:latin typeface="Microsoft Tai Le" panose="020B0502040204020203" pitchFamily="34" charset="0"/>
+              <a:ea typeface="微软雅黑" panose="020B0503020204020204" pitchFamily="34" charset="-122"/>
+            </a:endParaRPr>
+          </a:p>
+          <a:p>
+            <a:pPr marL="0" indent="457200">
+              <a:lnSpc>
+                <a:spcPct val="150000"/>
+              </a:lnSpc>
+              <a:spcBef>
+                <a:spcPts val="600"/>
+              </a:spcBef>
+              <a:buNone/>
+            </a:pPr>
+            <a:endParaRPr lang="en-US" altLang="zh-CN" sz="1600" dirty="0">
+              <a:latin typeface="Microsoft Tai Le" panose="020B0502040204020203" pitchFamily="34" charset="0"/>
+              <a:ea typeface="微软雅黑" panose="020B0503020204020204" pitchFamily="34" charset="-122"/>
+            </a:endParaRPr>
+          </a:p>
+          <a:p>
+            <a:pPr marL="0" indent="457200">
+              <a:lnSpc>
+                <a:spcPct val="150000"/>
+              </a:lnSpc>
+              <a:spcBef>
+                <a:spcPts val="600"/>
+              </a:spcBef>
+              <a:buNone/>
+            </a:pPr>
+            <a:endParaRPr lang="en-US" altLang="zh-CN" sz="1600" dirty="0">
+              <a:latin typeface="Microsoft Tai Le" panose="020B0502040204020203" pitchFamily="34" charset="0"/>
+              <a:ea typeface="微软雅黑" panose="020B0503020204020204" pitchFamily="34" charset="-122"/>
+            </a:endParaRPr>
+          </a:p>
+          <a:p>
+            <a:pPr marL="0" indent="457200">
+              <a:lnSpc>
+                <a:spcPct val="150000"/>
+              </a:lnSpc>
+              <a:spcBef>
+                <a:spcPts val="600"/>
+              </a:spcBef>
+              <a:buNone/>
+            </a:pPr>
+            <a:r>
+              <a:rPr lang="zh-CN" altLang="en-US" sz="1600" dirty="0">
+                <a:latin typeface="Microsoft Tai Le" panose="020B0502040204020203" pitchFamily="34" charset="0"/>
+                <a:ea typeface="微软雅黑" panose="020B0503020204020204" pitchFamily="34" charset="-122"/>
+              </a:rPr>
+              <a:t>对于指标展示的结果，可以帮助我们更好的理解磁盘性能的瓶颈，采用各种措施来优化磁盘性能：</a:t>
+            </a:r>
+            <a:endParaRPr lang="en-US" altLang="zh-CN" sz="1600" dirty="0">
+              <a:latin typeface="Microsoft Tai Le" panose="020B0502040204020203" pitchFamily="34" charset="0"/>
+              <a:ea typeface="微软雅黑" panose="020B0503020204020204" pitchFamily="34" charset="-122"/>
+            </a:endParaRPr>
+          </a:p>
+          <a:p>
+            <a:pPr lvl="1">
+              <a:lnSpc>
+                <a:spcPct val="150000"/>
+              </a:lnSpc>
+              <a:spcBef>
+                <a:spcPts val="600"/>
+              </a:spcBef>
+            </a:pPr>
+            <a:r>
+              <a:rPr lang="zh-CN" altLang="en-US" sz="1200" dirty="0">
+                <a:latin typeface="Microsoft Tai Le" panose="020B0502040204020203" pitchFamily="34" charset="0"/>
+                <a:ea typeface="微软雅黑" panose="020B0503020204020204" pitchFamily="34" charset="-122"/>
+              </a:rPr>
+              <a:t>对于随机读写模式，可以采用以下措施来减少磁盘寻道时间</a:t>
+            </a:r>
+            <a:endParaRPr lang="en-US" altLang="zh-CN" sz="1200" dirty="0">
+              <a:latin typeface="Microsoft Tai Le" panose="020B0502040204020203" pitchFamily="34" charset="0"/>
+              <a:ea typeface="微软雅黑" panose="020B0503020204020204" pitchFamily="34" charset="-122"/>
+            </a:endParaRPr>
+          </a:p>
+          <a:p>
+            <a:pPr lvl="2">
+              <a:lnSpc>
+                <a:spcPct val="150000"/>
+              </a:lnSpc>
+              <a:spcBef>
+                <a:spcPts val="600"/>
+              </a:spcBef>
+              <a:buFont typeface="Wingdings" panose="05000000000000000000" pitchFamily="2" charset="2"/>
+              <a:buChar char="Ø"/>
+            </a:pPr>
+            <a:r>
+              <a:rPr lang="zh-CN" altLang="en-US" sz="1200" dirty="0">
+                <a:latin typeface="Microsoft Tai Le" panose="020B0502040204020203" pitchFamily="34" charset="0"/>
+                <a:ea typeface="微软雅黑" panose="020B0503020204020204" pitchFamily="34" charset="-122"/>
+              </a:rPr>
+              <a:t>将数据分散存储，以降低随机读写的概率。</a:t>
+            </a:r>
+            <a:endParaRPr lang="en-US" altLang="zh-CN" sz="1200" dirty="0">
+              <a:latin typeface="Microsoft Tai Le" panose="020B0502040204020203" pitchFamily="34" charset="0"/>
+              <a:ea typeface="微软雅黑" panose="020B0503020204020204" pitchFamily="34" charset="-122"/>
+            </a:endParaRPr>
+          </a:p>
+          <a:p>
+            <a:pPr lvl="2">
+              <a:lnSpc>
+                <a:spcPct val="150000"/>
+              </a:lnSpc>
+              <a:spcBef>
+                <a:spcPts val="600"/>
+              </a:spcBef>
+              <a:buFont typeface="Wingdings" panose="05000000000000000000" pitchFamily="2" charset="2"/>
+              <a:buChar char="Ø"/>
+            </a:pPr>
+            <a:r>
+              <a:rPr lang="zh-CN" altLang="en-US" sz="1200" dirty="0">
+                <a:latin typeface="Microsoft Tai Le" panose="020B0502040204020203" pitchFamily="34" charset="0"/>
+                <a:ea typeface="微软雅黑" panose="020B0503020204020204" pitchFamily="34" charset="-122"/>
+              </a:rPr>
+              <a:t>采用预读取技术，提前读取可能被访问的数据。</a:t>
+            </a:r>
+            <a:endParaRPr lang="en-US" altLang="zh-CN" sz="1200" dirty="0">
+              <a:latin typeface="Microsoft Tai Le" panose="020B0502040204020203" pitchFamily="34" charset="0"/>
+              <a:ea typeface="微软雅黑" panose="020B0503020204020204" pitchFamily="34" charset="-122"/>
+            </a:endParaRPr>
+          </a:p>
+          <a:p>
+            <a:pPr lvl="1">
+              <a:lnSpc>
+                <a:spcPct val="150000"/>
+              </a:lnSpc>
+              <a:spcBef>
+                <a:spcPts val="600"/>
+              </a:spcBef>
+            </a:pPr>
+            <a:r>
+              <a:rPr lang="zh-CN" altLang="en-US" sz="1200" dirty="0">
+                <a:latin typeface="Microsoft Tai Le" panose="020B0502040204020203" pitchFamily="34" charset="0"/>
+                <a:ea typeface="微软雅黑" panose="020B0503020204020204" pitchFamily="34" charset="-122"/>
+              </a:rPr>
+              <a:t>对于顺序读写模式，可以采用以下措施来提高磁盘读取速度</a:t>
+            </a:r>
+            <a:endParaRPr lang="en-US" altLang="zh-CN" sz="1200" dirty="0">
+              <a:latin typeface="Microsoft Tai Le" panose="020B0502040204020203" pitchFamily="34" charset="0"/>
+              <a:ea typeface="微软雅黑" panose="020B0503020204020204" pitchFamily="34" charset="-122"/>
+            </a:endParaRPr>
+          </a:p>
+          <a:p>
+            <a:pPr lvl="2">
+              <a:lnSpc>
+                <a:spcPct val="150000"/>
+              </a:lnSpc>
+              <a:spcBef>
+                <a:spcPts val="600"/>
+              </a:spcBef>
+              <a:buFont typeface="Wingdings" panose="05000000000000000000" pitchFamily="2" charset="2"/>
+              <a:buChar char="Ø"/>
+            </a:pPr>
+            <a:r>
+              <a:rPr lang="zh-CN" altLang="en-US" sz="1200" dirty="0">
+                <a:latin typeface="Microsoft Tai Le" panose="020B0502040204020203" pitchFamily="34" charset="0"/>
+                <a:ea typeface="微软雅黑" panose="020B0503020204020204" pitchFamily="34" charset="-122"/>
+              </a:rPr>
+              <a:t>使用更快的磁盘设备</a:t>
+            </a:r>
+            <a:endParaRPr lang="en-US" altLang="zh-CN" sz="1200" dirty="0">
+              <a:latin typeface="Microsoft Tai Le" panose="020B0502040204020203" pitchFamily="34" charset="0"/>
+              <a:ea typeface="微软雅黑" panose="020B0503020204020204" pitchFamily="34" charset="-122"/>
+            </a:endParaRPr>
+          </a:p>
+          <a:p>
+            <a:pPr lvl="2">
+              <a:lnSpc>
+                <a:spcPct val="150000"/>
+              </a:lnSpc>
+              <a:spcBef>
+                <a:spcPts val="600"/>
+              </a:spcBef>
+              <a:buFont typeface="Wingdings" panose="05000000000000000000" pitchFamily="2" charset="2"/>
+              <a:buChar char="Ø"/>
+            </a:pPr>
+            <a:r>
+              <a:rPr lang="zh-CN" altLang="en-US" sz="1200" dirty="0">
+                <a:latin typeface="Microsoft Tai Le" panose="020B0502040204020203" pitchFamily="34" charset="0"/>
+                <a:ea typeface="微软雅黑" panose="020B0503020204020204" pitchFamily="34" charset="-122"/>
+              </a:rPr>
+              <a:t>采用批量读取技术，一次读取多个数据块。</a:t>
+            </a:r>
+            <a:endParaRPr lang="en-US" altLang="zh-CN" sz="1200" dirty="0">
               <a:latin typeface="Microsoft Tai Le" panose="020B0502040204020203" pitchFamily="34" charset="0"/>
               <a:ea typeface="微软雅黑" panose="020B0503020204020204" pitchFamily="34" charset="-122"/>
             </a:endParaRPr>
@@ -7685,10 +9986,10 @@
       </p:sp>
       <p:pic>
         <p:nvPicPr>
-          <p:cNvPr id="8" name="图片 7">
+          <p:cNvPr id="6" name="图片 5">
             <a:extLst>
               <a:ext uri="{FF2B5EF4-FFF2-40B4-BE49-F238E27FC236}">
-                <a16:creationId xmlns:a16="http://schemas.microsoft.com/office/drawing/2014/main" id="{9689439E-7912-4ED7-64A0-2679C3A61B20}"/>
+                <a16:creationId xmlns:a16="http://schemas.microsoft.com/office/drawing/2014/main" id="{CBECF985-0ECE-A9EF-91F3-A698BCD0FB29}"/>
               </a:ext>
             </a:extLst>
           </p:cNvPr>
@@ -7705,8 +10006,8 @@
         </p:blipFill>
         <p:spPr>
           <a:xfrm>
-            <a:off x="342900" y="2633040"/>
-            <a:ext cx="11558336" cy="2053259"/>
+            <a:off x="342900" y="2020676"/>
+            <a:ext cx="11506200" cy="1840492"/>
           </a:xfrm>
           <a:prstGeom prst="rect">
             <a:avLst/>
@@ -7985,4 +10286,299 @@
     </a:ext>
   </a:extLst>
 </a:theme>
+</file>
+
+<file path=ppt/theme/theme2.xml><?xml version="1.0" encoding="utf-8"?>
+<a:theme xmlns:a="http://schemas.openxmlformats.org/drawingml/2006/main" name="Office 主题​​">
+  <a:themeElements>
+    <a:clrScheme name="Office">
+      <a:dk1>
+        <a:sysClr val="windowText" lastClr="000000"/>
+      </a:dk1>
+      <a:lt1>
+        <a:sysClr val="window" lastClr="FFFFFF"/>
+      </a:lt1>
+      <a:dk2>
+        <a:srgbClr val="44546A"/>
+      </a:dk2>
+      <a:lt2>
+        <a:srgbClr val="E7E6E6"/>
+      </a:lt2>
+      <a:accent1>
+        <a:srgbClr val="4472C4"/>
+      </a:accent1>
+      <a:accent2>
+        <a:srgbClr val="ED7D31"/>
+      </a:accent2>
+      <a:accent3>
+        <a:srgbClr val="A5A5A5"/>
+      </a:accent3>
+      <a:accent4>
+        <a:srgbClr val="FFC000"/>
+      </a:accent4>
+      <a:accent5>
+        <a:srgbClr val="5B9BD5"/>
+      </a:accent5>
+      <a:accent6>
+        <a:srgbClr val="70AD47"/>
+      </a:accent6>
+      <a:hlink>
+        <a:srgbClr val="0563C1"/>
+      </a:hlink>
+      <a:folHlink>
+        <a:srgbClr val="954F72"/>
+      </a:folHlink>
+    </a:clrScheme>
+    <a:fontScheme name="Office">
+      <a:majorFont>
+        <a:latin typeface="等线 Light" panose="020F0302020204030204"/>
+        <a:ea typeface=""/>
+        <a:cs typeface=""/>
+        <a:font script="Jpan" typeface="游ゴシック Light"/>
+        <a:font script="Hang" typeface="맑은 고딕"/>
+        <a:font script="Hans" typeface="等线 Light"/>
+        <a:font script="Hant" typeface="新細明體"/>
+        <a:font script="Arab" typeface="Times New Roman"/>
+        <a:font script="Hebr" typeface="Times New Roman"/>
+        <a:font script="Thai" typeface="Angsana New"/>
+        <a:font script="Ethi" typeface="Nyala"/>
+        <a:font script="Beng" typeface="Vrinda"/>
+        <a:font script="Gujr" typeface="Shruti"/>
+        <a:font script="Khmr" typeface="MoolBoran"/>
+        <a:font script="Knda" typeface="Tunga"/>
+        <a:font script="Guru" typeface="Raavi"/>
+        <a:font script="Cans" typeface="Euphemia"/>
+        <a:font script="Cher" typeface="Plantagenet Cherokee"/>
+        <a:font script="Yiii" typeface="Microsoft Yi Baiti"/>
+        <a:font script="Tibt" typeface="Microsoft Himalaya"/>
+        <a:font script="Thaa" typeface="MV Boli"/>
+        <a:font script="Deva" typeface="Mangal"/>
+        <a:font script="Telu" typeface="Gautami"/>
+        <a:font script="Taml" typeface="Latha"/>
+        <a:font script="Syrc" typeface="Estrangelo Edessa"/>
+        <a:font script="Orya" typeface="Kalinga"/>
+        <a:font script="Mlym" typeface="Kartika"/>
+        <a:font script="Laoo" typeface="DokChampa"/>
+        <a:font script="Sinh" typeface="Iskoola Pota"/>
+        <a:font script="Mong" typeface="Mongolian Baiti"/>
+        <a:font script="Viet" typeface="Times New Roman"/>
+        <a:font script="Uigh" typeface="Microsoft Uighur"/>
+        <a:font script="Geor" typeface="Sylfaen"/>
+        <a:font script="Armn" typeface="Arial"/>
+        <a:font script="Bugi" typeface="Leelawadee UI"/>
+        <a:font script="Bopo" typeface="Microsoft JhengHei"/>
+        <a:font script="Java" typeface="Javanese Text"/>
+        <a:font script="Lisu" typeface="Segoe UI"/>
+        <a:font script="Mymr" typeface="Myanmar Text"/>
+        <a:font script="Nkoo" typeface="Ebrima"/>
+        <a:font script="Olck" typeface="Nirmala UI"/>
+        <a:font script="Osma" typeface="Ebrima"/>
+        <a:font script="Phag" typeface="Phagspa"/>
+        <a:font script="Syrn" typeface="Estrangelo Edessa"/>
+        <a:font script="Syrj" typeface="Estrangelo Edessa"/>
+        <a:font script="Syre" typeface="Estrangelo Edessa"/>
+        <a:font script="Sora" typeface="Nirmala UI"/>
+        <a:font script="Tale" typeface="Microsoft Tai Le"/>
+        <a:font script="Talu" typeface="Microsoft New Tai Lue"/>
+        <a:font script="Tfng" typeface="Ebrima"/>
+      </a:majorFont>
+      <a:minorFont>
+        <a:latin typeface="等线" panose="020F0502020204030204"/>
+        <a:ea typeface=""/>
+        <a:cs typeface=""/>
+        <a:font script="Jpan" typeface="游ゴシック"/>
+        <a:font script="Hang" typeface="맑은 고딕"/>
+        <a:font script="Hans" typeface="等线"/>
+        <a:font script="Hant" typeface="新細明體"/>
+        <a:font script="Arab" typeface="Arial"/>
+        <a:font script="Hebr" typeface="Arial"/>
+        <a:font script="Thai" typeface="Cordia New"/>
+        <a:font script="Ethi" typeface="Nyala"/>
+        <a:font script="Beng" typeface="Vrinda"/>
+        <a:font script="Gujr" typeface="Shruti"/>
+        <a:font script="Khmr" typeface="DaunPenh"/>
+        <a:font script="Knda" typeface="Tunga"/>
+        <a:font script="Guru" typeface="Raavi"/>
+        <a:font script="Cans" typeface="Euphemia"/>
+        <a:font script="Cher" typeface="Plantagenet Cherokee"/>
+        <a:font script="Yiii" typeface="Microsoft Yi Baiti"/>
+        <a:font script="Tibt" typeface="Microsoft Himalaya"/>
+        <a:font script="Thaa" typeface="MV Boli"/>
+        <a:font script="Deva" typeface="Mangal"/>
+        <a:font script="Telu" typeface="Gautami"/>
+        <a:font script="Taml" typeface="Latha"/>
+        <a:font script="Syrc" typeface="Estrangelo Edessa"/>
+        <a:font script="Orya" typeface="Kalinga"/>
+        <a:font script="Mlym" typeface="Kartika"/>
+        <a:font script="Laoo" typeface="DokChampa"/>
+        <a:font script="Sinh" typeface="Iskoola Pota"/>
+        <a:font script="Mong" typeface="Mongolian Baiti"/>
+        <a:font script="Viet" typeface="Arial"/>
+        <a:font script="Uigh" typeface="Microsoft Uighur"/>
+        <a:font script="Geor" typeface="Sylfaen"/>
+        <a:font script="Armn" typeface="Arial"/>
+        <a:font script="Bugi" typeface="Leelawadee UI"/>
+        <a:font script="Bopo" typeface="Microsoft JhengHei"/>
+        <a:font script="Java" typeface="Javanese Text"/>
+        <a:font script="Lisu" typeface="Segoe UI"/>
+        <a:font script="Mymr" typeface="Myanmar Text"/>
+        <a:font script="Nkoo" typeface="Ebrima"/>
+        <a:font script="Olck" typeface="Nirmala UI"/>
+        <a:font script="Osma" typeface="Ebrima"/>
+        <a:font script="Phag" typeface="Phagspa"/>
+        <a:font script="Syrn" typeface="Estrangelo Edessa"/>
+        <a:font script="Syrj" typeface="Estrangelo Edessa"/>
+        <a:font script="Syre" typeface="Estrangelo Edessa"/>
+        <a:font script="Sora" typeface="Nirmala UI"/>
+        <a:font script="Tale" typeface="Microsoft Tai Le"/>
+        <a:font script="Talu" typeface="Microsoft New Tai Lue"/>
+        <a:font script="Tfng" typeface="Ebrima"/>
+      </a:minorFont>
+    </a:fontScheme>
+    <a:fmtScheme name="Office">
+      <a:fillStyleLst>
+        <a:solidFill>
+          <a:schemeClr val="phClr"/>
+        </a:solidFill>
+        <a:gradFill rotWithShape="1">
+          <a:gsLst>
+            <a:gs pos="0">
+              <a:schemeClr val="phClr">
+                <a:lumMod val="110000"/>
+                <a:satMod val="105000"/>
+                <a:tint val="67000"/>
+              </a:schemeClr>
+            </a:gs>
+            <a:gs pos="50000">
+              <a:schemeClr val="phClr">
+                <a:lumMod val="105000"/>
+                <a:satMod val="103000"/>
+                <a:tint val="73000"/>
+              </a:schemeClr>
+            </a:gs>
+            <a:gs pos="100000">
+              <a:schemeClr val="phClr">
+                <a:lumMod val="105000"/>
+                <a:satMod val="109000"/>
+                <a:tint val="81000"/>
+              </a:schemeClr>
+            </a:gs>
+          </a:gsLst>
+          <a:lin ang="5400000" scaled="0"/>
+        </a:gradFill>
+        <a:gradFill rotWithShape="1">
+          <a:gsLst>
+            <a:gs pos="0">
+              <a:schemeClr val="phClr">
+                <a:satMod val="103000"/>
+                <a:lumMod val="102000"/>
+                <a:tint val="94000"/>
+              </a:schemeClr>
+            </a:gs>
+            <a:gs pos="50000">
+              <a:schemeClr val="phClr">
+                <a:satMod val="110000"/>
+                <a:lumMod val="100000"/>
+                <a:shade val="100000"/>
+              </a:schemeClr>
+            </a:gs>
+            <a:gs pos="100000">
+              <a:schemeClr val="phClr">
+                <a:lumMod val="99000"/>
+                <a:satMod val="120000"/>
+                <a:shade val="78000"/>
+              </a:schemeClr>
+            </a:gs>
+          </a:gsLst>
+          <a:lin ang="5400000" scaled="0"/>
+        </a:gradFill>
+      </a:fillStyleLst>
+      <a:lnStyleLst>
+        <a:ln w="6350" cap="flat" cmpd="sng" algn="ctr">
+          <a:solidFill>
+            <a:schemeClr val="phClr"/>
+          </a:solidFill>
+          <a:prstDash val="solid"/>
+          <a:miter lim="800000"/>
+        </a:ln>
+        <a:ln w="12700" cap="flat" cmpd="sng" algn="ctr">
+          <a:solidFill>
+            <a:schemeClr val="phClr"/>
+          </a:solidFill>
+          <a:prstDash val="solid"/>
+          <a:miter lim="800000"/>
+        </a:ln>
+        <a:ln w="19050" cap="flat" cmpd="sng" algn="ctr">
+          <a:solidFill>
+            <a:schemeClr val="phClr"/>
+          </a:solidFill>
+          <a:prstDash val="solid"/>
+          <a:miter lim="800000"/>
+        </a:ln>
+      </a:lnStyleLst>
+      <a:effectStyleLst>
+        <a:effectStyle>
+          <a:effectLst/>
+        </a:effectStyle>
+        <a:effectStyle>
+          <a:effectLst/>
+        </a:effectStyle>
+        <a:effectStyle>
+          <a:effectLst>
+            <a:outerShdw blurRad="57150" dist="19050" dir="5400000" algn="ctr" rotWithShape="0">
+              <a:srgbClr val="000000">
+                <a:alpha val="63000"/>
+              </a:srgbClr>
+            </a:outerShdw>
+          </a:effectLst>
+        </a:effectStyle>
+      </a:effectStyleLst>
+      <a:bgFillStyleLst>
+        <a:solidFill>
+          <a:schemeClr val="phClr"/>
+        </a:solidFill>
+        <a:solidFill>
+          <a:schemeClr val="phClr">
+            <a:tint val="95000"/>
+            <a:satMod val="170000"/>
+          </a:schemeClr>
+        </a:solidFill>
+        <a:gradFill rotWithShape="1">
+          <a:gsLst>
+            <a:gs pos="0">
+              <a:schemeClr val="phClr">
+                <a:tint val="93000"/>
+                <a:satMod val="150000"/>
+                <a:shade val="98000"/>
+                <a:lumMod val="102000"/>
+              </a:schemeClr>
+            </a:gs>
+            <a:gs pos="50000">
+              <a:schemeClr val="phClr">
+                <a:tint val="98000"/>
+                <a:satMod val="130000"/>
+                <a:shade val="90000"/>
+                <a:lumMod val="103000"/>
+              </a:schemeClr>
+            </a:gs>
+            <a:gs pos="100000">
+              <a:schemeClr val="phClr">
+                <a:shade val="63000"/>
+                <a:satMod val="120000"/>
+              </a:schemeClr>
+            </a:gs>
+          </a:gsLst>
+          <a:lin ang="5400000" scaled="0"/>
+        </a:gradFill>
+      </a:bgFillStyleLst>
+    </a:fmtScheme>
+  </a:themeElements>
+  <a:objectDefaults/>
+  <a:extraClrSchemeLst/>
+  <a:extLst>
+    <a:ext uri="{05A4C25C-085E-4340-85A3-A5531E510DB2}">
+      <thm15:themeFamily xmlns:thm15="http://schemas.microsoft.com/office/thememl/2012/main" name="Office Theme" id="{62F939B6-93AF-4DB8-9C6B-D6C7DFDC589F}" vid="{4A3C46E8-61CC-4603-A589-7422A47A8E4A}"/>
+    </a:ext>
+  </a:extLst>
+</a:theme>
 </file>
--- a/doc/x-monitor.eBPF Observe & Profiling.pptx
+++ b/doc/x-monitor.eBPF Observe & Profiling.pptx
@@ -5,7 +5,7 @@
     <p:sldMasterId id="2147483672" r:id="rId1"/>
   </p:sldMasterIdLst>
   <p:notesMasterIdLst>
-    <p:notesMasterId r:id="rId14"/>
+    <p:notesMasterId r:id="rId15"/>
   </p:notesMasterIdLst>
   <p:sldIdLst>
     <p:sldId id="257" r:id="rId2"/>
@@ -20,6 +20,7 @@
     <p:sldId id="267" r:id="rId11"/>
     <p:sldId id="268" r:id="rId12"/>
     <p:sldId id="266" r:id="rId13"/>
+    <p:sldId id="269" r:id="rId14"/>
   </p:sldIdLst>
   <p:sldSz cx="12192000" cy="6858000"/>
   <p:notesSz cx="6858000" cy="9144000"/>
@@ -219,7 +220,7 @@
           <a:p>
             <a:fld id="{043EA02A-4CF0-4341-8E9E-85022852F32A}" type="datetimeFigureOut">
               <a:rPr lang="zh-CN" altLang="en-US" smtClean="0"/>
-              <a:t>2023/12/25</a:t>
+              <a:t>2023/12/26</a:t>
             </a:fld>
             <a:endParaRPr lang="zh-CN" altLang="en-US"/>
           </a:p>
@@ -1045,7 +1046,7 @@
           <a:p>
             <a:fld id="{F7F88A0A-AF19-4274-B897-6F8B9E954E04}" type="datetimeFigureOut">
               <a:rPr lang="zh-CN" altLang="en-US" smtClean="0"/>
-              <a:t>2023/12/25</a:t>
+              <a:t>2023/12/26</a:t>
             </a:fld>
             <a:endParaRPr lang="zh-CN" altLang="en-US"/>
           </a:p>
@@ -1215,7 +1216,7 @@
           <a:p>
             <a:fld id="{F7F88A0A-AF19-4274-B897-6F8B9E954E04}" type="datetimeFigureOut">
               <a:rPr lang="zh-CN" altLang="en-US" smtClean="0"/>
-              <a:t>2023/12/25</a:t>
+              <a:t>2023/12/26</a:t>
             </a:fld>
             <a:endParaRPr lang="zh-CN" altLang="en-US"/>
           </a:p>
@@ -1395,7 +1396,7 @@
           <a:p>
             <a:fld id="{F7F88A0A-AF19-4274-B897-6F8B9E954E04}" type="datetimeFigureOut">
               <a:rPr lang="zh-CN" altLang="en-US" smtClean="0"/>
-              <a:t>2023/12/25</a:t>
+              <a:t>2023/12/26</a:t>
             </a:fld>
             <a:endParaRPr lang="zh-CN" altLang="en-US"/>
           </a:p>
@@ -1565,7 +1566,7 @@
           <a:p>
             <a:fld id="{F7F88A0A-AF19-4274-B897-6F8B9E954E04}" type="datetimeFigureOut">
               <a:rPr lang="zh-CN" altLang="en-US" smtClean="0"/>
-              <a:t>2023/12/25</a:t>
+              <a:t>2023/12/26</a:t>
             </a:fld>
             <a:endParaRPr lang="zh-CN" altLang="en-US"/>
           </a:p>
@@ -1811,7 +1812,7 @@
           <a:p>
             <a:fld id="{F7F88A0A-AF19-4274-B897-6F8B9E954E04}" type="datetimeFigureOut">
               <a:rPr lang="zh-CN" altLang="en-US" smtClean="0"/>
-              <a:t>2023/12/25</a:t>
+              <a:t>2023/12/26</a:t>
             </a:fld>
             <a:endParaRPr lang="zh-CN" altLang="en-US"/>
           </a:p>
@@ -2043,7 +2044,7 @@
           <a:p>
             <a:fld id="{F7F88A0A-AF19-4274-B897-6F8B9E954E04}" type="datetimeFigureOut">
               <a:rPr lang="zh-CN" altLang="en-US" smtClean="0"/>
-              <a:t>2023/12/25</a:t>
+              <a:t>2023/12/26</a:t>
             </a:fld>
             <a:endParaRPr lang="zh-CN" altLang="en-US"/>
           </a:p>
@@ -2410,7 +2411,7 @@
           <a:p>
             <a:fld id="{F7F88A0A-AF19-4274-B897-6F8B9E954E04}" type="datetimeFigureOut">
               <a:rPr lang="zh-CN" altLang="en-US" smtClean="0"/>
-              <a:t>2023/12/25</a:t>
+              <a:t>2023/12/26</a:t>
             </a:fld>
             <a:endParaRPr lang="zh-CN" altLang="en-US"/>
           </a:p>
@@ -2528,7 +2529,7 @@
           <a:p>
             <a:fld id="{F7F88A0A-AF19-4274-B897-6F8B9E954E04}" type="datetimeFigureOut">
               <a:rPr lang="zh-CN" altLang="en-US" smtClean="0"/>
-              <a:t>2023/12/25</a:t>
+              <a:t>2023/12/26</a:t>
             </a:fld>
             <a:endParaRPr lang="zh-CN" altLang="en-US"/>
           </a:p>
@@ -2623,7 +2624,7 @@
           <a:p>
             <a:fld id="{F7F88A0A-AF19-4274-B897-6F8B9E954E04}" type="datetimeFigureOut">
               <a:rPr lang="zh-CN" altLang="en-US" smtClean="0"/>
-              <a:t>2023/12/25</a:t>
+              <a:t>2023/12/26</a:t>
             </a:fld>
             <a:endParaRPr lang="zh-CN" altLang="en-US"/>
           </a:p>
@@ -2900,7 +2901,7 @@
           <a:p>
             <a:fld id="{F7F88A0A-AF19-4274-B897-6F8B9E954E04}" type="datetimeFigureOut">
               <a:rPr lang="zh-CN" altLang="en-US" smtClean="0"/>
-              <a:t>2023/12/25</a:t>
+              <a:t>2023/12/26</a:t>
             </a:fld>
             <a:endParaRPr lang="zh-CN" altLang="en-US"/>
           </a:p>
@@ -3157,7 +3158,7 @@
           <a:p>
             <a:fld id="{F7F88A0A-AF19-4274-B897-6F8B9E954E04}" type="datetimeFigureOut">
               <a:rPr lang="zh-CN" altLang="en-US" smtClean="0"/>
-              <a:t>2023/12/25</a:t>
+              <a:t>2023/12/26</a:t>
             </a:fld>
             <a:endParaRPr lang="zh-CN" altLang="en-US"/>
           </a:p>
@@ -3370,7 +3371,7 @@
           <a:p>
             <a:fld id="{F7F88A0A-AF19-4274-B897-6F8B9E954E04}" type="datetimeFigureOut">
               <a:rPr lang="zh-CN" altLang="en-US" smtClean="0"/>
-              <a:t>2023/12/25</a:t>
+              <a:t>2023/12/26</a:t>
             </a:fld>
             <a:endParaRPr lang="zh-CN" altLang="en-US"/>
           </a:p>
@@ -4291,18 +4292,11 @@
               <a:buNone/>
             </a:pPr>
             <a:r>
-              <a:rPr lang="en-US" altLang="zh-CN" sz="1500" dirty="0">
-                <a:latin typeface="Microsoft Tai Le" panose="020B0502040204020203" pitchFamily="34" charset="0"/>
-                <a:ea typeface="微软雅黑" panose="020B0503020204020204" pitchFamily="34" charset="-122"/>
-              </a:rPr>
-              <a:t> </a:t>
-            </a:r>
-            <a:r>
               <a:rPr lang="zh-CN" altLang="en-US" sz="1500" dirty="0">
                 <a:latin typeface="Microsoft Tai Le" panose="020B0502040204020203" pitchFamily="34" charset="0"/>
                 <a:ea typeface="微软雅黑" panose="020B0503020204020204" pitchFamily="34" charset="-122"/>
               </a:rPr>
-              <a:t>块设备统计间隔时间内的读写请求吞吐率，单位</a:t>
+              <a:t>块设备在统计间隔时间内读写请求的吞吐率，单位为</a:t>
             </a:r>
             <a:r>
               <a:rPr lang="en-US" altLang="zh-CN" sz="1500" dirty="0" err="1">
@@ -4316,7 +4310,7 @@
                 <a:latin typeface="Microsoft Tai Le" panose="020B0502040204020203" pitchFamily="34" charset="0"/>
                 <a:ea typeface="微软雅黑" panose="020B0503020204020204" pitchFamily="34" charset="-122"/>
               </a:rPr>
-              <a:t>。</a:t>
+              <a:t>。。</a:t>
             </a:r>
             <a:endParaRPr lang="en-US" altLang="zh-CN" sz="1500" dirty="0">
               <a:latin typeface="Microsoft Tai Le" panose="020B0502040204020203" pitchFamily="34" charset="0"/>
@@ -4481,7 +4475,7 @@
                 <a:latin typeface="Microsoft Tai Le" panose="020B0502040204020203" pitchFamily="34" charset="0"/>
                 <a:ea typeface="微软雅黑" panose="020B0503020204020204" pitchFamily="34" charset="-122"/>
               </a:rPr>
-              <a:t>块设备统计间隔时间内的读写请求完成的次数</a:t>
+              <a:t>块设备统计间隔时间内读写请求的完成次数。</a:t>
             </a:r>
             <a:endParaRPr lang="en-US" altLang="zh-CN" sz="1500" dirty="0">
               <a:latin typeface="Microsoft Tai Le" panose="020B0502040204020203" pitchFamily="34" charset="0"/>
@@ -4820,7 +4814,7 @@
                 <a:latin typeface="Microsoft Tai Le" panose="020B0502040204020203" pitchFamily="34" charset="0"/>
                 <a:ea typeface="微软雅黑" panose="020B0503020204020204" pitchFamily="34" charset="-122"/>
               </a:rPr>
-              <a:t>指标说明：设置</a:t>
+              <a:t>指标说明：</a:t>
             </a:r>
             <a:r>
               <a:rPr lang="en-US" altLang="zh-CN" sz="1500" dirty="0">
@@ -4834,7 +4828,35 @@
                 <a:latin typeface="Microsoft Tai Le" panose="020B0502040204020203" pitchFamily="34" charset="0"/>
                 <a:ea typeface="微软雅黑" panose="020B0503020204020204" pitchFamily="34" charset="-122"/>
               </a:rPr>
-              <a:t>完成的阈值，超过该阈值的请求会输出请求相关信息。包括：进程名、进程</a:t>
+              <a:t>延迟阈值，输出超过阈值的</a:t>
+            </a:r>
+            <a:r>
+              <a:rPr lang="en-US" altLang="zh-CN" sz="1500" dirty="0">
+                <a:latin typeface="Microsoft Tai Le" panose="020B0502040204020203" pitchFamily="34" charset="0"/>
+                <a:ea typeface="微软雅黑" panose="020B0503020204020204" pitchFamily="34" charset="-122"/>
+              </a:rPr>
+              <a:t>I/O</a:t>
+            </a:r>
+            <a:r>
+              <a:rPr lang="zh-CN" altLang="en-US" sz="1500" dirty="0">
+                <a:latin typeface="Microsoft Tai Le" panose="020B0502040204020203" pitchFamily="34" charset="0"/>
+                <a:ea typeface="微软雅黑" panose="020B0503020204020204" pitchFamily="34" charset="-122"/>
+              </a:rPr>
+              <a:t> </a:t>
+            </a:r>
+            <a:r>
+              <a:rPr lang="en-US" altLang="zh-CN" sz="1500" dirty="0">
+                <a:latin typeface="Microsoft Tai Le" panose="020B0502040204020203" pitchFamily="34" charset="0"/>
+                <a:ea typeface="微软雅黑" panose="020B0503020204020204" pitchFamily="34" charset="-122"/>
+              </a:rPr>
+              <a:t>Request</a:t>
+            </a:r>
+            <a:r>
+              <a:rPr lang="zh-CN" altLang="en-US" sz="1500" dirty="0">
+                <a:latin typeface="Microsoft Tai Le" panose="020B0502040204020203" pitchFamily="34" charset="0"/>
+                <a:ea typeface="微软雅黑" panose="020B0503020204020204" pitchFamily="34" charset="-122"/>
+              </a:rPr>
+              <a:t>信息，包括：进程名、进程</a:t>
             </a:r>
             <a:r>
               <a:rPr lang="en-US" altLang="zh-CN" sz="1500" dirty="0">
@@ -5719,6 +5741,413 @@
     <p:extLst>
       <p:ext uri="{BB962C8B-B14F-4D97-AF65-F5344CB8AC3E}">
         <p14:creationId xmlns:p14="http://schemas.microsoft.com/office/powerpoint/2010/main" val="312314734"/>
+      </p:ext>
+    </p:extLst>
+  </p:cSld>
+  <p:clrMapOvr>
+    <a:masterClrMapping/>
+  </p:clrMapOvr>
+</p:sld>
+</file>
+
+<file path=ppt/slides/slide13.xml><?xml version="1.0" encoding="utf-8"?>
+<p:sld xmlns:a="http://schemas.openxmlformats.org/drawingml/2006/main" xmlns:r="http://schemas.openxmlformats.org/officeDocument/2006/relationships" xmlns:p="http://schemas.openxmlformats.org/presentationml/2006/main">
+  <p:cSld>
+    <p:bg>
+      <p:bgPr>
+        <a:solidFill>
+          <a:schemeClr val="accent3">
+            <a:lumMod val="20000"/>
+            <a:lumOff val="80000"/>
+          </a:schemeClr>
+        </a:solidFill>
+        <a:effectLst/>
+      </p:bgPr>
+    </p:bg>
+    <p:spTree>
+      <p:nvGrpSpPr>
+        <p:cNvPr id="1" name=""/>
+        <p:cNvGrpSpPr/>
+        <p:nvPr/>
+      </p:nvGrpSpPr>
+      <p:grpSpPr>
+        <a:xfrm>
+          <a:off x="0" y="0"/>
+          <a:ext cx="0" cy="0"/>
+          <a:chOff x="0" y="0"/>
+          <a:chExt cx="0" cy="0"/>
+        </a:xfrm>
+      </p:grpSpPr>
+      <p:sp>
+        <p:nvSpPr>
+          <p:cNvPr id="4" name="内容占位符 2">
+            <a:extLst>
+              <a:ext uri="{FF2B5EF4-FFF2-40B4-BE49-F238E27FC236}">
+                <a16:creationId xmlns:a16="http://schemas.microsoft.com/office/drawing/2014/main" id="{8898D3F8-B282-54B0-DF21-281B11542307}"/>
+              </a:ext>
+            </a:extLst>
+          </p:cNvPr>
+          <p:cNvSpPr>
+            <a:spLocks noGrp="1"/>
+          </p:cNvSpPr>
+          <p:nvPr>
+            <p:ph idx="1"/>
+          </p:nvPr>
+        </p:nvSpPr>
+        <p:spPr>
+          <a:xfrm>
+            <a:off x="342900" y="264695"/>
+            <a:ext cx="11532268" cy="5771670"/>
+          </a:xfrm>
+          <a:solidFill>
+            <a:schemeClr val="accent3">
+              <a:lumMod val="20000"/>
+              <a:lumOff val="80000"/>
+            </a:schemeClr>
+          </a:solidFill>
+        </p:spPr>
+        <p:txBody>
+          <a:bodyPr>
+            <a:normAutofit/>
+          </a:bodyPr>
+          <a:lstStyle/>
+          <a:p>
+            <a:pPr marL="457200" indent="-457200">
+              <a:lnSpc>
+                <a:spcPct val="150000"/>
+              </a:lnSpc>
+              <a:spcBef>
+                <a:spcPts val="600"/>
+              </a:spcBef>
+              <a:buFont typeface="+mj-lt"/>
+              <a:buAutoNum type="arabicPeriod" startAt="11"/>
+            </a:pPr>
+            <a:r>
+              <a:rPr lang="en-US" altLang="zh-CN" sz="2000" b="1" dirty="0" err="1">
+                <a:latin typeface="Microsoft Tai Le" panose="020B0502040204020203" pitchFamily="34" charset="0"/>
+                <a:ea typeface="微软雅黑" panose="020B0503020204020204" pitchFamily="34" charset="-122"/>
+              </a:rPr>
+              <a:t>process_address_space_privanon_share_pages</a:t>
+            </a:r>
+            <a:endParaRPr lang="en-US" altLang="zh-CN" sz="2000" b="1" dirty="0">
+              <a:latin typeface="Microsoft Tai Le" panose="020B0502040204020203" pitchFamily="34" charset="0"/>
+              <a:ea typeface="微软雅黑" panose="020B0503020204020204" pitchFamily="34" charset="-122"/>
+            </a:endParaRPr>
+          </a:p>
+          <a:p>
+            <a:pPr marL="0" indent="457200">
+              <a:lnSpc>
+                <a:spcPct val="150000"/>
+              </a:lnSpc>
+              <a:spcBef>
+                <a:spcPts val="600"/>
+              </a:spcBef>
+              <a:buNone/>
+            </a:pPr>
+            <a:r>
+              <a:rPr lang="zh-CN" altLang="en-US" sz="1600" dirty="0">
+                <a:latin typeface="Microsoft Tai Le" panose="020B0502040204020203" pitchFamily="34" charset="0"/>
+                <a:ea typeface="微软雅黑" panose="020B0503020204020204" pitchFamily="34" charset="-122"/>
+              </a:rPr>
+              <a:t>观察进程私有匿名、共享地址空间的使用，单位</a:t>
+            </a:r>
+            <a:r>
+              <a:rPr lang="en-US" altLang="zh-CN" sz="1600" dirty="0">
+                <a:latin typeface="Microsoft Tai Le" panose="020B0502040204020203" pitchFamily="34" charset="0"/>
+                <a:ea typeface="微软雅黑" panose="020B0503020204020204" pitchFamily="34" charset="-122"/>
+              </a:rPr>
+              <a:t>Page</a:t>
+            </a:r>
+            <a:r>
+              <a:rPr lang="zh-CN" altLang="en-US" sz="1600" dirty="0">
+                <a:latin typeface="Microsoft Tai Le" panose="020B0502040204020203" pitchFamily="34" charset="0"/>
+                <a:ea typeface="微软雅黑" panose="020B0503020204020204" pitchFamily="34" charset="-122"/>
+              </a:rPr>
+              <a:t>。</a:t>
+            </a:r>
+            <a:endParaRPr lang="en-US" altLang="zh-CN" sz="1600" dirty="0">
+              <a:latin typeface="Microsoft Tai Le" panose="020B0502040204020203" pitchFamily="34" charset="0"/>
+              <a:ea typeface="微软雅黑" panose="020B0503020204020204" pitchFamily="34" charset="-122"/>
+            </a:endParaRPr>
+          </a:p>
+          <a:p>
+            <a:pPr marL="0" indent="457200">
+              <a:lnSpc>
+                <a:spcPct val="150000"/>
+              </a:lnSpc>
+              <a:spcBef>
+                <a:spcPts val="600"/>
+              </a:spcBef>
+              <a:buNone/>
+            </a:pPr>
+            <a:r>
+              <a:rPr lang="zh-CN" altLang="en-US" sz="1600" dirty="0">
+                <a:latin typeface="Microsoft Tai Le" panose="020B0502040204020203" pitchFamily="34" charset="0"/>
+                <a:ea typeface="微软雅黑" panose="020B0503020204020204" pitchFamily="34" charset="-122"/>
+              </a:rPr>
+              <a:t>原理：使用</a:t>
+            </a:r>
+            <a:r>
+              <a:rPr lang="en-US" altLang="zh-CN" sz="1600" dirty="0" err="1">
+                <a:latin typeface="Microsoft Tai Le" panose="020B0502040204020203" pitchFamily="34" charset="0"/>
+                <a:ea typeface="微软雅黑" panose="020B0503020204020204" pitchFamily="34" charset="-122"/>
+              </a:rPr>
+              <a:t>kprobe</a:t>
+            </a:r>
+            <a:r>
+              <a:rPr lang="zh-CN" altLang="en-US" sz="1600" dirty="0">
+                <a:latin typeface="Microsoft Tai Le" panose="020B0502040204020203" pitchFamily="34" charset="0"/>
+                <a:ea typeface="微软雅黑" panose="020B0503020204020204" pitchFamily="34" charset="-122"/>
+              </a:rPr>
+              <a:t>观察</a:t>
+            </a:r>
+            <a:r>
+              <a:rPr lang="en-US" altLang="zh-CN" sz="1600" dirty="0">
+                <a:latin typeface="Microsoft Tai Le" panose="020B0502040204020203" pitchFamily="34" charset="0"/>
+                <a:ea typeface="微软雅黑" panose="020B0503020204020204" pitchFamily="34" charset="-122"/>
+              </a:rPr>
+              <a:t>__</a:t>
+            </a:r>
+            <a:r>
+              <a:rPr lang="en-US" altLang="zh-CN" sz="1600" dirty="0" err="1">
+                <a:latin typeface="Microsoft Tai Le" panose="020B0502040204020203" pitchFamily="34" charset="0"/>
+                <a:ea typeface="微软雅黑" panose="020B0503020204020204" pitchFamily="34" charset="-122"/>
+              </a:rPr>
+              <a:t>do_mmap</a:t>
+            </a:r>
+            <a:r>
+              <a:rPr lang="zh-CN" altLang="en-US" sz="1600" dirty="0">
+                <a:latin typeface="Microsoft Tai Le" panose="020B0502040204020203" pitchFamily="34" charset="0"/>
+                <a:ea typeface="微软雅黑" panose="020B0503020204020204" pitchFamily="34" charset="-122"/>
+              </a:rPr>
+              <a:t>、</a:t>
+            </a:r>
+            <a:r>
+              <a:rPr lang="en-US" altLang="zh-CN" sz="1600" dirty="0">
+                <a:latin typeface="Microsoft Tai Le" panose="020B0502040204020203" pitchFamily="34" charset="0"/>
+                <a:ea typeface="微软雅黑" panose="020B0503020204020204" pitchFamily="34" charset="-122"/>
+              </a:rPr>
+              <a:t>__</a:t>
+            </a:r>
+            <a:r>
+              <a:rPr lang="en-US" altLang="zh-CN" sz="1600" dirty="0" err="1">
+                <a:latin typeface="Microsoft Tai Le" panose="020B0502040204020203" pitchFamily="34" charset="0"/>
+                <a:ea typeface="微软雅黑" panose="020B0503020204020204" pitchFamily="34" charset="-122"/>
+              </a:rPr>
+              <a:t>do_munmap</a:t>
+            </a:r>
+            <a:r>
+              <a:rPr lang="zh-CN" altLang="en-US" sz="1600" dirty="0">
+                <a:latin typeface="Microsoft Tai Le" panose="020B0502040204020203" pitchFamily="34" charset="0"/>
+                <a:ea typeface="微软雅黑" panose="020B0503020204020204" pitchFamily="34" charset="-122"/>
+              </a:rPr>
+              <a:t>、</a:t>
+            </a:r>
+            <a:r>
+              <a:rPr lang="en-US" altLang="zh-CN" sz="1600" dirty="0" err="1">
+                <a:latin typeface="Microsoft Tai Le" panose="020B0502040204020203" pitchFamily="34" charset="0"/>
+                <a:ea typeface="微软雅黑" panose="020B0503020204020204" pitchFamily="34" charset="-122"/>
+              </a:rPr>
+              <a:t>do_brk_flags</a:t>
+            </a:r>
+            <a:r>
+              <a:rPr lang="zh-CN" altLang="en-US" sz="1600" dirty="0">
+                <a:latin typeface="Microsoft Tai Le" panose="020B0502040204020203" pitchFamily="34" charset="0"/>
+                <a:ea typeface="微软雅黑" panose="020B0503020204020204" pitchFamily="34" charset="-122"/>
+              </a:rPr>
+              <a:t>等内核函数。</a:t>
+            </a:r>
+            <a:r>
+              <a:rPr lang="en-US" altLang="zh-CN" sz="1600" dirty="0" err="1">
+                <a:latin typeface="Microsoft Tai Le" panose="020B0502040204020203" pitchFamily="34" charset="0"/>
+                <a:ea typeface="微软雅黑" panose="020B0503020204020204" pitchFamily="34" charset="-122"/>
+              </a:rPr>
+              <a:t>brk</a:t>
+            </a:r>
+            <a:r>
+              <a:rPr lang="zh-CN" altLang="en-US" sz="1600" dirty="0">
+                <a:latin typeface="Microsoft Tai Le" panose="020B0502040204020203" pitchFamily="34" charset="0"/>
+                <a:ea typeface="微软雅黑" panose="020B0503020204020204" pitchFamily="34" charset="-122"/>
+              </a:rPr>
+              <a:t>用于改变进程数据段的大小，用于存储全局变量和动态分配的内存，</a:t>
+            </a:r>
+            <a:r>
+              <a:rPr lang="en-US" altLang="zh-CN" sz="1600" dirty="0" err="1">
+                <a:latin typeface="Microsoft Tai Le" panose="020B0502040204020203" pitchFamily="34" charset="0"/>
+                <a:ea typeface="微软雅黑" panose="020B0503020204020204" pitchFamily="34" charset="-122"/>
+              </a:rPr>
+              <a:t>brk</a:t>
+            </a:r>
+            <a:r>
+              <a:rPr lang="zh-CN" altLang="en-US" sz="1600" dirty="0">
+                <a:latin typeface="Microsoft Tai Le" panose="020B0502040204020203" pitchFamily="34" charset="0"/>
+                <a:ea typeface="微软雅黑" panose="020B0503020204020204" pitchFamily="34" charset="-122"/>
+              </a:rPr>
+              <a:t>的参数决定数据段的扩缩。</a:t>
+            </a:r>
+            <a:r>
+              <a:rPr lang="en-US" altLang="zh-CN" sz="1600" dirty="0" err="1">
+                <a:latin typeface="Microsoft Tai Le" panose="020B0502040204020203" pitchFamily="34" charset="0"/>
+                <a:ea typeface="微软雅黑" panose="020B0503020204020204" pitchFamily="34" charset="-122"/>
+              </a:rPr>
+              <a:t>mmap</a:t>
+            </a:r>
+            <a:r>
+              <a:rPr lang="zh-CN" altLang="en-US" sz="1600" dirty="0">
+                <a:latin typeface="Microsoft Tai Le" panose="020B0502040204020203" pitchFamily="34" charset="0"/>
+                <a:ea typeface="微软雅黑" panose="020B0503020204020204" pitchFamily="34" charset="-122"/>
+              </a:rPr>
+              <a:t>函数可分配匿名私有地址空间、做文件内存映射。这些行为可认为是程序将会访问这些地址导致</a:t>
+            </a:r>
+            <a:r>
+              <a:rPr lang="en-US" altLang="zh-CN" sz="1600" dirty="0" err="1">
+                <a:latin typeface="Microsoft Tai Le" panose="020B0502040204020203" pitchFamily="34" charset="0"/>
+                <a:ea typeface="微软雅黑" panose="020B0503020204020204" pitchFamily="34" charset="-122"/>
+              </a:rPr>
+              <a:t>PageFault</a:t>
+            </a:r>
+            <a:r>
+              <a:rPr lang="zh-CN" altLang="en-US" sz="1600" dirty="0">
+                <a:latin typeface="Microsoft Tai Le" panose="020B0502040204020203" pitchFamily="34" charset="0"/>
+                <a:ea typeface="微软雅黑" panose="020B0503020204020204" pitchFamily="34" charset="-122"/>
+              </a:rPr>
+              <a:t>从而映射物理内存。</a:t>
+            </a:r>
+            <a:endParaRPr lang="en-US" altLang="zh-CN" sz="1600" dirty="0">
+              <a:latin typeface="Microsoft Tai Le" panose="020B0502040204020203" pitchFamily="34" charset="0"/>
+              <a:ea typeface="微软雅黑" panose="020B0503020204020204" pitchFamily="34" charset="-122"/>
+            </a:endParaRPr>
+          </a:p>
+          <a:p>
+            <a:pPr marL="0" indent="457200">
+              <a:lnSpc>
+                <a:spcPct val="150000"/>
+              </a:lnSpc>
+              <a:spcBef>
+                <a:spcPts val="600"/>
+              </a:spcBef>
+              <a:buNone/>
+            </a:pPr>
+            <a:r>
+              <a:rPr lang="zh-CN" altLang="en-US" sz="1600" dirty="0">
+                <a:latin typeface="Microsoft Tai Le" panose="020B0502040204020203" pitchFamily="34" charset="0"/>
+                <a:ea typeface="微软雅黑" panose="020B0503020204020204" pitchFamily="34" charset="-122"/>
+              </a:rPr>
+              <a:t>从长远看，内存管理单元不得不分配更多的内存页，并最终耗尽要分配的虚拟内存，并产生大量的开销来尝试缓解这种情况。</a:t>
+            </a:r>
+            <a:endParaRPr lang="en-US" altLang="zh-CN" sz="1600" dirty="0">
+              <a:latin typeface="Microsoft Tai Le" panose="020B0502040204020203" pitchFamily="34" charset="0"/>
+              <a:ea typeface="微软雅黑" panose="020B0503020204020204" pitchFamily="34" charset="-122"/>
+            </a:endParaRPr>
+          </a:p>
+          <a:p>
+            <a:pPr marL="0" indent="457200">
+              <a:lnSpc>
+                <a:spcPct val="150000"/>
+              </a:lnSpc>
+              <a:spcBef>
+                <a:spcPts val="600"/>
+              </a:spcBef>
+              <a:buNone/>
+            </a:pPr>
+            <a:endParaRPr lang="en-US" altLang="zh-CN" sz="1600" dirty="0">
+              <a:latin typeface="Microsoft Tai Le" panose="020B0502040204020203" pitchFamily="34" charset="0"/>
+              <a:ea typeface="微软雅黑" panose="020B0503020204020204" pitchFamily="34" charset="-122"/>
+            </a:endParaRPr>
+          </a:p>
+          <a:p>
+            <a:pPr marL="0" indent="457200">
+              <a:lnSpc>
+                <a:spcPct val="150000"/>
+              </a:lnSpc>
+              <a:spcBef>
+                <a:spcPts val="600"/>
+              </a:spcBef>
+              <a:buNone/>
+            </a:pPr>
+            <a:endParaRPr lang="en-US" altLang="zh-CN" sz="1600" dirty="0">
+              <a:latin typeface="Microsoft Tai Le" panose="020B0502040204020203" pitchFamily="34" charset="0"/>
+              <a:ea typeface="微软雅黑" panose="020B0503020204020204" pitchFamily="34" charset="-122"/>
+            </a:endParaRPr>
+          </a:p>
+          <a:p>
+            <a:pPr marL="0" indent="0">
+              <a:lnSpc>
+                <a:spcPct val="150000"/>
+              </a:lnSpc>
+              <a:spcBef>
+                <a:spcPts val="600"/>
+              </a:spcBef>
+              <a:buNone/>
+            </a:pPr>
+            <a:endParaRPr lang="en-US" altLang="zh-CN" sz="1800" dirty="0">
+              <a:latin typeface="Microsoft Tai Le" panose="020B0502040204020203" pitchFamily="34" charset="0"/>
+              <a:ea typeface="微软雅黑" panose="020B0503020204020204" pitchFamily="34" charset="-122"/>
+            </a:endParaRPr>
+          </a:p>
+          <a:p>
+            <a:pPr marL="0" indent="457200">
+              <a:lnSpc>
+                <a:spcPct val="150000"/>
+              </a:lnSpc>
+              <a:spcBef>
+                <a:spcPts val="600"/>
+              </a:spcBef>
+              <a:buNone/>
+            </a:pPr>
+            <a:endParaRPr lang="en-US" altLang="zh-CN" sz="1800" dirty="0">
+              <a:latin typeface="Microsoft Tai Le" panose="020B0502040204020203" pitchFamily="34" charset="0"/>
+              <a:ea typeface="微软雅黑" panose="020B0503020204020204" pitchFamily="34" charset="-122"/>
+            </a:endParaRPr>
+          </a:p>
+          <a:p>
+            <a:pPr marL="0" indent="0">
+              <a:lnSpc>
+                <a:spcPct val="150000"/>
+              </a:lnSpc>
+              <a:buNone/>
+            </a:pPr>
+            <a:endParaRPr lang="en-US" altLang="zh-CN" sz="1800" dirty="0">
+              <a:latin typeface="Microsoft Tai Le" panose="020B0502040204020203" pitchFamily="34" charset="0"/>
+              <a:ea typeface="微软雅黑" panose="020B0503020204020204" pitchFamily="34" charset="-122"/>
+            </a:endParaRPr>
+          </a:p>
+        </p:txBody>
+      </p:sp>
+      <p:pic>
+        <p:nvPicPr>
+          <p:cNvPr id="6" name="图片 5">
+            <a:extLst>
+              <a:ext uri="{FF2B5EF4-FFF2-40B4-BE49-F238E27FC236}">
+                <a16:creationId xmlns:a16="http://schemas.microsoft.com/office/drawing/2014/main" id="{FB6FB2D5-5643-5FD5-7703-611FAE78C528}"/>
+              </a:ext>
+            </a:extLst>
+          </p:cNvPr>
+          <p:cNvPicPr>
+            <a:picLocks noChangeAspect="1"/>
+          </p:cNvPicPr>
+          <p:nvPr/>
+        </p:nvPicPr>
+        <p:blipFill>
+          <a:blip r:embed="rId2"/>
+          <a:stretch>
+            <a:fillRect/>
+          </a:stretch>
+        </p:blipFill>
+        <p:spPr>
+          <a:xfrm>
+            <a:off x="2045034" y="3034061"/>
+            <a:ext cx="8128000" cy="3481551"/>
+          </a:xfrm>
+          <a:prstGeom prst="rect">
+            <a:avLst/>
+          </a:prstGeom>
+        </p:spPr>
+      </p:pic>
+    </p:spTree>
+    <p:extLst>
+      <p:ext uri="{BB962C8B-B14F-4D97-AF65-F5344CB8AC3E}">
+        <p14:creationId xmlns:p14="http://schemas.microsoft.com/office/powerpoint/2010/main" val="370594779"/>
       </p:ext>
     </p:extLst>
   </p:cSld>

--- a/doc/x-monitor.eBPF Observe & Profiling.pptx
+++ b/doc/x-monitor.eBPF Observe & Profiling.pptx
@@ -5,7 +5,7 @@
     <p:sldMasterId id="2147483672" r:id="rId1"/>
   </p:sldMasterIdLst>
   <p:notesMasterIdLst>
-    <p:notesMasterId r:id="rId15"/>
+    <p:notesMasterId r:id="rId16"/>
   </p:notesMasterIdLst>
   <p:sldIdLst>
     <p:sldId id="257" r:id="rId2"/>
@@ -21,6 +21,7 @@
     <p:sldId id="268" r:id="rId12"/>
     <p:sldId id="266" r:id="rId13"/>
     <p:sldId id="269" r:id="rId14"/>
+    <p:sldId id="270" r:id="rId15"/>
   </p:sldIdLst>
   <p:sldSz cx="12192000" cy="6858000"/>
   <p:notesSz cx="6858000" cy="9144000"/>
@@ -220,7 +221,7 @@
           <a:p>
             <a:fld id="{043EA02A-4CF0-4341-8E9E-85022852F32A}" type="datetimeFigureOut">
               <a:rPr lang="zh-CN" altLang="en-US" smtClean="0"/>
-              <a:t>2023/12/26</a:t>
+              <a:t>2024/1/3</a:t>
             </a:fld>
             <a:endParaRPr lang="zh-CN" altLang="en-US"/>
           </a:p>
@@ -1046,7 +1047,7 @@
           <a:p>
             <a:fld id="{F7F88A0A-AF19-4274-B897-6F8B9E954E04}" type="datetimeFigureOut">
               <a:rPr lang="zh-CN" altLang="en-US" smtClean="0"/>
-              <a:t>2023/12/26</a:t>
+              <a:t>2024/1/3</a:t>
             </a:fld>
             <a:endParaRPr lang="zh-CN" altLang="en-US"/>
           </a:p>
@@ -1216,7 +1217,7 @@
           <a:p>
             <a:fld id="{F7F88A0A-AF19-4274-B897-6F8B9E954E04}" type="datetimeFigureOut">
               <a:rPr lang="zh-CN" altLang="en-US" smtClean="0"/>
-              <a:t>2023/12/26</a:t>
+              <a:t>2024/1/3</a:t>
             </a:fld>
             <a:endParaRPr lang="zh-CN" altLang="en-US"/>
           </a:p>
@@ -1396,7 +1397,7 @@
           <a:p>
             <a:fld id="{F7F88A0A-AF19-4274-B897-6F8B9E954E04}" type="datetimeFigureOut">
               <a:rPr lang="zh-CN" altLang="en-US" smtClean="0"/>
-              <a:t>2023/12/26</a:t>
+              <a:t>2024/1/3</a:t>
             </a:fld>
             <a:endParaRPr lang="zh-CN" altLang="en-US"/>
           </a:p>
@@ -1566,7 +1567,7 @@
           <a:p>
             <a:fld id="{F7F88A0A-AF19-4274-B897-6F8B9E954E04}" type="datetimeFigureOut">
               <a:rPr lang="zh-CN" altLang="en-US" smtClean="0"/>
-              <a:t>2023/12/26</a:t>
+              <a:t>2024/1/3</a:t>
             </a:fld>
             <a:endParaRPr lang="zh-CN" altLang="en-US"/>
           </a:p>
@@ -1812,7 +1813,7 @@
           <a:p>
             <a:fld id="{F7F88A0A-AF19-4274-B897-6F8B9E954E04}" type="datetimeFigureOut">
               <a:rPr lang="zh-CN" altLang="en-US" smtClean="0"/>
-              <a:t>2023/12/26</a:t>
+              <a:t>2024/1/3</a:t>
             </a:fld>
             <a:endParaRPr lang="zh-CN" altLang="en-US"/>
           </a:p>
@@ -2044,7 +2045,7 @@
           <a:p>
             <a:fld id="{F7F88A0A-AF19-4274-B897-6F8B9E954E04}" type="datetimeFigureOut">
               <a:rPr lang="zh-CN" altLang="en-US" smtClean="0"/>
-              <a:t>2023/12/26</a:t>
+              <a:t>2024/1/3</a:t>
             </a:fld>
             <a:endParaRPr lang="zh-CN" altLang="en-US"/>
           </a:p>
@@ -2411,7 +2412,7 @@
           <a:p>
             <a:fld id="{F7F88A0A-AF19-4274-B897-6F8B9E954E04}" type="datetimeFigureOut">
               <a:rPr lang="zh-CN" altLang="en-US" smtClean="0"/>
-              <a:t>2023/12/26</a:t>
+              <a:t>2024/1/3</a:t>
             </a:fld>
             <a:endParaRPr lang="zh-CN" altLang="en-US"/>
           </a:p>
@@ -2529,7 +2530,7 @@
           <a:p>
             <a:fld id="{F7F88A0A-AF19-4274-B897-6F8B9E954E04}" type="datetimeFigureOut">
               <a:rPr lang="zh-CN" altLang="en-US" smtClean="0"/>
-              <a:t>2023/12/26</a:t>
+              <a:t>2024/1/3</a:t>
             </a:fld>
             <a:endParaRPr lang="zh-CN" altLang="en-US"/>
           </a:p>
@@ -2624,7 +2625,7 @@
           <a:p>
             <a:fld id="{F7F88A0A-AF19-4274-B897-6F8B9E954E04}" type="datetimeFigureOut">
               <a:rPr lang="zh-CN" altLang="en-US" smtClean="0"/>
-              <a:t>2023/12/26</a:t>
+              <a:t>2024/1/3</a:t>
             </a:fld>
             <a:endParaRPr lang="zh-CN" altLang="en-US"/>
           </a:p>
@@ -2901,7 +2902,7 @@
           <a:p>
             <a:fld id="{F7F88A0A-AF19-4274-B897-6F8B9E954E04}" type="datetimeFigureOut">
               <a:rPr lang="zh-CN" altLang="en-US" smtClean="0"/>
-              <a:t>2023/12/26</a:t>
+              <a:t>2024/1/3</a:t>
             </a:fld>
             <a:endParaRPr lang="zh-CN" altLang="en-US"/>
           </a:p>
@@ -3158,7 +3159,7 @@
           <a:p>
             <a:fld id="{F7F88A0A-AF19-4274-B897-6F8B9E954E04}" type="datetimeFigureOut">
               <a:rPr lang="zh-CN" altLang="en-US" smtClean="0"/>
-              <a:t>2023/12/26</a:t>
+              <a:t>2024/1/3</a:t>
             </a:fld>
             <a:endParaRPr lang="zh-CN" altLang="en-US"/>
           </a:p>
@@ -3371,7 +3372,7 @@
           <a:p>
             <a:fld id="{F7F88A0A-AF19-4274-B897-6F8B9E954E04}" type="datetimeFigureOut">
               <a:rPr lang="zh-CN" altLang="en-US" smtClean="0"/>
-              <a:t>2023/12/26</a:t>
+              <a:t>2024/1/3</a:t>
             </a:fld>
             <a:endParaRPr lang="zh-CN" altLang="en-US"/>
           </a:p>
@@ -5849,7 +5850,7 @@
                 <a:latin typeface="Microsoft Tai Le" panose="020B0502040204020203" pitchFamily="34" charset="0"/>
                 <a:ea typeface="微软雅黑" panose="020B0503020204020204" pitchFamily="34" charset="-122"/>
               </a:rPr>
-              <a:t>观察进程私有匿名、共享地址空间的使用，单位</a:t>
+              <a:t>观察进程私有匿名、共享虚拟内存的使用，单位</a:t>
             </a:r>
             <a:r>
               <a:rPr lang="en-US" altLang="zh-CN" sz="1600" dirty="0">
@@ -6148,6 +6149,177 @@
     <p:extLst>
       <p:ext uri="{BB962C8B-B14F-4D97-AF65-F5344CB8AC3E}">
         <p14:creationId xmlns:p14="http://schemas.microsoft.com/office/powerpoint/2010/main" val="370594779"/>
+      </p:ext>
+    </p:extLst>
+  </p:cSld>
+  <p:clrMapOvr>
+    <a:masterClrMapping/>
+  </p:clrMapOvr>
+</p:sld>
+</file>
+
+<file path=ppt/slides/slide14.xml><?xml version="1.0" encoding="utf-8"?>
+<p:sld xmlns:a="http://schemas.openxmlformats.org/drawingml/2006/main" xmlns:r="http://schemas.openxmlformats.org/officeDocument/2006/relationships" xmlns:p="http://schemas.openxmlformats.org/presentationml/2006/main">
+  <p:cSld>
+    <p:bg>
+      <p:bgPr>
+        <a:solidFill>
+          <a:schemeClr val="accent3">
+            <a:lumMod val="20000"/>
+            <a:lumOff val="80000"/>
+          </a:schemeClr>
+        </a:solidFill>
+        <a:effectLst/>
+      </p:bgPr>
+    </p:bg>
+    <p:spTree>
+      <p:nvGrpSpPr>
+        <p:cNvPr id="1" name=""/>
+        <p:cNvGrpSpPr/>
+        <p:nvPr/>
+      </p:nvGrpSpPr>
+      <p:grpSpPr>
+        <a:xfrm>
+          <a:off x="0" y="0"/>
+          <a:ext cx="0" cy="0"/>
+          <a:chOff x="0" y="0"/>
+          <a:chExt cx="0" cy="0"/>
+        </a:xfrm>
+      </p:grpSpPr>
+      <p:sp>
+        <p:nvSpPr>
+          <p:cNvPr id="4" name="内容占位符 2">
+            <a:extLst>
+              <a:ext uri="{FF2B5EF4-FFF2-40B4-BE49-F238E27FC236}">
+                <a16:creationId xmlns:a16="http://schemas.microsoft.com/office/drawing/2014/main" id="{9CB3162F-CCFF-8117-6E96-D4CD9B808D07}"/>
+              </a:ext>
+            </a:extLst>
+          </p:cNvPr>
+          <p:cNvSpPr>
+            <a:spLocks noGrp="1"/>
+          </p:cNvSpPr>
+          <p:nvPr>
+            <p:ph idx="1"/>
+          </p:nvPr>
+        </p:nvSpPr>
+        <p:spPr>
+          <a:xfrm>
+            <a:off x="342900" y="264695"/>
+            <a:ext cx="11532268" cy="5771670"/>
+          </a:xfrm>
+          <a:solidFill>
+            <a:schemeClr val="accent3">
+              <a:lumMod val="20000"/>
+              <a:lumOff val="80000"/>
+            </a:schemeClr>
+          </a:solidFill>
+        </p:spPr>
+        <p:txBody>
+          <a:bodyPr>
+            <a:normAutofit/>
+          </a:bodyPr>
+          <a:lstStyle/>
+          <a:p>
+            <a:pPr marL="457200" indent="-457200">
+              <a:lnSpc>
+                <a:spcPct val="150000"/>
+              </a:lnSpc>
+              <a:spcBef>
+                <a:spcPts val="600"/>
+              </a:spcBef>
+              <a:buFont typeface="+mj-lt"/>
+              <a:buAutoNum type="arabicPeriod" startAt="11"/>
+            </a:pPr>
+            <a:r>
+              <a:rPr lang="en-US" altLang="zh-CN" sz="2000" b="1" dirty="0" err="1">
+                <a:latin typeface="Microsoft Tai Le" panose="020B0502040204020203" pitchFamily="34" charset="0"/>
+                <a:ea typeface="微软雅黑" panose="020B0503020204020204" pitchFamily="34" charset="-122"/>
+              </a:rPr>
+              <a:t>oom_kill_memcg</a:t>
+            </a:r>
+            <a:endParaRPr lang="en-US" altLang="zh-CN" sz="2000" b="1" dirty="0">
+              <a:latin typeface="Microsoft Tai Le" panose="020B0502040204020203" pitchFamily="34" charset="0"/>
+              <a:ea typeface="微软雅黑" panose="020B0503020204020204" pitchFamily="34" charset="-122"/>
+            </a:endParaRPr>
+          </a:p>
+          <a:p>
+            <a:pPr marL="0" indent="457200">
+              <a:lnSpc>
+                <a:spcPct val="150000"/>
+              </a:lnSpc>
+              <a:spcBef>
+                <a:spcPts val="600"/>
+              </a:spcBef>
+              <a:buNone/>
+            </a:pPr>
+            <a:endParaRPr lang="en-US" altLang="zh-CN" sz="1600" dirty="0">
+              <a:latin typeface="Microsoft Tai Le" panose="020B0502040204020203" pitchFamily="34" charset="0"/>
+              <a:ea typeface="微软雅黑" panose="020B0503020204020204" pitchFamily="34" charset="-122"/>
+            </a:endParaRPr>
+          </a:p>
+          <a:p>
+            <a:pPr marL="0" indent="457200">
+              <a:lnSpc>
+                <a:spcPct val="150000"/>
+              </a:lnSpc>
+              <a:spcBef>
+                <a:spcPts val="600"/>
+              </a:spcBef>
+              <a:buNone/>
+            </a:pPr>
+            <a:endParaRPr lang="en-US" altLang="zh-CN" sz="1600" dirty="0">
+              <a:latin typeface="Microsoft Tai Le" panose="020B0502040204020203" pitchFamily="34" charset="0"/>
+              <a:ea typeface="微软雅黑" panose="020B0503020204020204" pitchFamily="34" charset="-122"/>
+            </a:endParaRPr>
+          </a:p>
+          <a:p>
+            <a:pPr marL="0" indent="0">
+              <a:lnSpc>
+                <a:spcPct val="150000"/>
+              </a:lnSpc>
+              <a:spcBef>
+                <a:spcPts val="600"/>
+              </a:spcBef>
+              <a:buNone/>
+            </a:pPr>
+            <a:endParaRPr lang="en-US" altLang="zh-CN" sz="1800" dirty="0">
+              <a:latin typeface="Microsoft Tai Le" panose="020B0502040204020203" pitchFamily="34" charset="0"/>
+              <a:ea typeface="微软雅黑" panose="020B0503020204020204" pitchFamily="34" charset="-122"/>
+            </a:endParaRPr>
+          </a:p>
+          <a:p>
+            <a:pPr marL="0" indent="457200">
+              <a:lnSpc>
+                <a:spcPct val="150000"/>
+              </a:lnSpc>
+              <a:spcBef>
+                <a:spcPts val="600"/>
+              </a:spcBef>
+              <a:buNone/>
+            </a:pPr>
+            <a:endParaRPr lang="en-US" altLang="zh-CN" sz="1800" dirty="0">
+              <a:latin typeface="Microsoft Tai Le" panose="020B0502040204020203" pitchFamily="34" charset="0"/>
+              <a:ea typeface="微软雅黑" panose="020B0503020204020204" pitchFamily="34" charset="-122"/>
+            </a:endParaRPr>
+          </a:p>
+          <a:p>
+            <a:pPr marL="0" indent="0">
+              <a:lnSpc>
+                <a:spcPct val="150000"/>
+              </a:lnSpc>
+              <a:buNone/>
+            </a:pPr>
+            <a:endParaRPr lang="en-US" altLang="zh-CN" sz="1800" dirty="0">
+              <a:latin typeface="Microsoft Tai Le" panose="020B0502040204020203" pitchFamily="34" charset="0"/>
+              <a:ea typeface="微软雅黑" panose="020B0503020204020204" pitchFamily="34" charset="-122"/>
+            </a:endParaRPr>
+          </a:p>
+        </p:txBody>
+      </p:sp>
+    </p:spTree>
+    <p:extLst>
+      <p:ext uri="{BB962C8B-B14F-4D97-AF65-F5344CB8AC3E}">
+        <p14:creationId xmlns:p14="http://schemas.microsoft.com/office/powerpoint/2010/main" val="1197938158"/>
       </p:ext>
     </p:extLst>
   </p:cSld>
